--- a/slides/Presentation.pptx
+++ b/slides/Presentation.pptx
@@ -47,8 +47,8 @@
     <p:sldId id="313" r:id="rId38"/>
     <p:sldId id="274" r:id="rId39"/>
     <p:sldId id="270" r:id="rId40"/>
-    <p:sldId id="278" r:id="rId41"/>
-    <p:sldId id="271" r:id="rId42"/>
+    <p:sldId id="271" r:id="rId41"/>
+    <p:sldId id="278" r:id="rId42"/>
     <p:sldId id="272" r:id="rId43"/>
     <p:sldId id="273" r:id="rId44"/>
     <p:sldId id="275" r:id="rId45"/>
@@ -28854,15 +28854,7 @@
             </a:br>
             <a:r>
               <a:rPr lang="de-DE" dirty="0"/>
-              <a:t>-&gt; Task bis </a:t>
-            </a:r>
-            <a:r>
-              <a:rPr lang="de-DE"/>
-              <a:t>zum Ende </a:t>
-            </a:r>
-            <a:r>
-              <a:rPr lang="de-DE" dirty="0"/>
-              <a:t>ausführen</a:t>
+              <a:t>-&gt; Task bis zum Ende ausführen</a:t>
             </a:r>
           </a:p>
           <a:p>
@@ -32309,1048 +32301,6 @@
           <a:p>
             <a:r>
               <a:rPr lang="de-DE" dirty="0" err="1"/>
-              <a:t>Promisify</a:t>
-            </a:r>
-            <a:r>
-              <a:rPr lang="de-DE" dirty="0"/>
-              <a:t> </a:t>
-            </a:r>
-            <a:r>
-              <a:rPr lang="de-DE" dirty="0" err="1"/>
-              <a:t>Callbacks</a:t>
-            </a:r>
-            <a:endParaRPr lang="de-DE" dirty="0"/>
-          </a:p>
-        </p:txBody>
-      </p:sp>
-      <p:sp>
-        <p:nvSpPr>
-          <p:cNvPr id="8" name="TextBox 7">
-            <a:extLst>
-              <a:ext uri="{FF2B5EF4-FFF2-40B4-BE49-F238E27FC236}">
-                <a16:creationId xmlns:a16="http://schemas.microsoft.com/office/drawing/2014/main" id="{15A2291C-AE8D-42FA-99AC-5B0A66924627}"/>
-              </a:ext>
-            </a:extLst>
-          </p:cNvPr>
-          <p:cNvSpPr txBox="1"/>
-          <p:nvPr/>
-        </p:nvSpPr>
-        <p:spPr>
-          <a:xfrm>
-            <a:off x="924560" y="1952345"/>
-            <a:ext cx="6218369" cy="2308324"/>
-          </a:xfrm>
-          <a:prstGeom prst="rect">
-            <a:avLst/>
-          </a:prstGeom>
-          <a:noFill/>
-        </p:spPr>
-        <p:txBody>
-          <a:bodyPr wrap="none" rtlCol="0">
-            <a:spAutoFit/>
-          </a:bodyPr>
-          <a:lstStyle/>
-          <a:p>
-            <a:r>
-              <a:rPr lang="en-US" b="0" dirty="0">
-                <a:solidFill>
-                  <a:srgbClr val="569CD6"/>
-                </a:solidFill>
-                <a:effectLst/>
-                <a:latin typeface="JetBrainsMono NF" panose="02010509020102050004" pitchFamily="50" charset="0"/>
-              </a:rPr>
-              <a:t>function</a:t>
-            </a:r>
-            <a:r>
-              <a:rPr lang="en-US" b="0" dirty="0">
-                <a:solidFill>
-                  <a:srgbClr val="D4D4D4"/>
-                </a:solidFill>
-                <a:effectLst/>
-                <a:latin typeface="JetBrainsMono NF" panose="02010509020102050004" pitchFamily="50" charset="0"/>
-              </a:rPr>
-              <a:t> </a:t>
-            </a:r>
-            <a:r>
-              <a:rPr lang="en-US" b="0" dirty="0" err="1">
-                <a:solidFill>
-                  <a:srgbClr val="DCDCAA"/>
-                </a:solidFill>
-                <a:effectLst/>
-                <a:latin typeface="JetBrainsMono NF" panose="02010509020102050004" pitchFamily="50" charset="0"/>
-              </a:rPr>
-              <a:t>promisedTimeout</a:t>
-            </a:r>
-            <a:r>
-              <a:rPr lang="en-US" b="0" dirty="0">
-                <a:solidFill>
-                  <a:srgbClr val="D4D4D4"/>
-                </a:solidFill>
-                <a:effectLst/>
-                <a:latin typeface="JetBrainsMono NF" panose="02010509020102050004" pitchFamily="50" charset="0"/>
-              </a:rPr>
-              <a:t>(</a:t>
-            </a:r>
-            <a:r>
-              <a:rPr lang="en-US" b="0" dirty="0" err="1">
-                <a:solidFill>
-                  <a:srgbClr val="9CDCFE"/>
-                </a:solidFill>
-                <a:effectLst/>
-                <a:latin typeface="JetBrainsMono NF" panose="02010509020102050004" pitchFamily="50" charset="0"/>
-              </a:rPr>
-              <a:t>ms</a:t>
-            </a:r>
-            <a:r>
-              <a:rPr lang="en-US" b="0" dirty="0">
-                <a:solidFill>
-                  <a:srgbClr val="D4D4D4"/>
-                </a:solidFill>
-                <a:effectLst/>
-                <a:latin typeface="JetBrainsMono NF" panose="02010509020102050004" pitchFamily="50" charset="0"/>
-              </a:rPr>
-              <a:t>) {</a:t>
-            </a:r>
-          </a:p>
-          <a:p>
-            <a:r>
-              <a:rPr lang="en-US" b="0" dirty="0">
-                <a:solidFill>
-                  <a:srgbClr val="D4D4D4"/>
-                </a:solidFill>
-                <a:effectLst/>
-                <a:latin typeface="JetBrainsMono NF" panose="02010509020102050004" pitchFamily="50" charset="0"/>
-              </a:rPr>
-              <a:t>    </a:t>
-            </a:r>
-            <a:r>
-              <a:rPr lang="en-US" b="0" dirty="0">
-                <a:solidFill>
-                  <a:srgbClr val="C586C0"/>
-                </a:solidFill>
-                <a:effectLst/>
-                <a:latin typeface="JetBrainsMono NF" panose="02010509020102050004" pitchFamily="50" charset="0"/>
-              </a:rPr>
-              <a:t>return</a:t>
-            </a:r>
-            <a:r>
-              <a:rPr lang="en-US" b="0" dirty="0">
-                <a:solidFill>
-                  <a:srgbClr val="D4D4D4"/>
-                </a:solidFill>
-                <a:effectLst/>
-                <a:latin typeface="JetBrainsMono NF" panose="02010509020102050004" pitchFamily="50" charset="0"/>
-              </a:rPr>
-              <a:t> </a:t>
-            </a:r>
-            <a:r>
-              <a:rPr lang="en-US" b="0" dirty="0">
-                <a:solidFill>
-                  <a:srgbClr val="569CD6"/>
-                </a:solidFill>
-                <a:effectLst/>
-                <a:latin typeface="JetBrainsMono NF" panose="02010509020102050004" pitchFamily="50" charset="0"/>
-              </a:rPr>
-              <a:t>new</a:t>
-            </a:r>
-            <a:r>
-              <a:rPr lang="en-US" b="0" dirty="0">
-                <a:solidFill>
-                  <a:srgbClr val="D4D4D4"/>
-                </a:solidFill>
-                <a:effectLst/>
-                <a:latin typeface="JetBrainsMono NF" panose="02010509020102050004" pitchFamily="50" charset="0"/>
-              </a:rPr>
-              <a:t> </a:t>
-            </a:r>
-            <a:r>
-              <a:rPr lang="en-US" b="0" dirty="0">
-                <a:solidFill>
-                  <a:srgbClr val="4EC9B0"/>
-                </a:solidFill>
-                <a:effectLst/>
-                <a:latin typeface="JetBrainsMono NF" panose="02010509020102050004" pitchFamily="50" charset="0"/>
-              </a:rPr>
-              <a:t>Promise</a:t>
-            </a:r>
-            <a:r>
-              <a:rPr lang="en-US" b="0" dirty="0">
-                <a:solidFill>
-                  <a:srgbClr val="D4D4D4"/>
-                </a:solidFill>
-                <a:effectLst/>
-                <a:latin typeface="JetBrainsMono NF" panose="02010509020102050004" pitchFamily="50" charset="0"/>
-              </a:rPr>
-              <a:t>((</a:t>
-            </a:r>
-            <a:r>
-              <a:rPr lang="en-US" b="0" dirty="0">
-                <a:solidFill>
-                  <a:srgbClr val="9CDCFE"/>
-                </a:solidFill>
-                <a:effectLst/>
-                <a:latin typeface="JetBrainsMono NF" panose="02010509020102050004" pitchFamily="50" charset="0"/>
-              </a:rPr>
-              <a:t>resolve</a:t>
-            </a:r>
-            <a:r>
-              <a:rPr lang="en-US" b="0" dirty="0">
-                <a:solidFill>
-                  <a:srgbClr val="D4D4D4"/>
-                </a:solidFill>
-                <a:effectLst/>
-                <a:latin typeface="JetBrainsMono NF" panose="02010509020102050004" pitchFamily="50" charset="0"/>
-              </a:rPr>
-              <a:t>, </a:t>
-            </a:r>
-            <a:r>
-              <a:rPr lang="en-US" b="0" dirty="0">
-                <a:solidFill>
-                  <a:srgbClr val="9CDCFE"/>
-                </a:solidFill>
-                <a:effectLst/>
-                <a:latin typeface="JetBrainsMono NF" panose="02010509020102050004" pitchFamily="50" charset="0"/>
-              </a:rPr>
-              <a:t>reject</a:t>
-            </a:r>
-            <a:r>
-              <a:rPr lang="en-US" b="0" dirty="0">
-                <a:solidFill>
-                  <a:srgbClr val="D4D4D4"/>
-                </a:solidFill>
-                <a:effectLst/>
-                <a:latin typeface="JetBrainsMono NF" panose="02010509020102050004" pitchFamily="50" charset="0"/>
-              </a:rPr>
-              <a:t>) </a:t>
-            </a:r>
-            <a:r>
-              <a:rPr lang="en-US" b="0" dirty="0">
-                <a:solidFill>
-                  <a:srgbClr val="569CD6"/>
-                </a:solidFill>
-                <a:effectLst/>
-                <a:latin typeface="JetBrainsMono NF" panose="02010509020102050004" pitchFamily="50" charset="0"/>
-              </a:rPr>
-              <a:t>=&gt;</a:t>
-            </a:r>
-            <a:r>
-              <a:rPr lang="en-US" b="0" dirty="0">
-                <a:solidFill>
-                  <a:srgbClr val="D4D4D4"/>
-                </a:solidFill>
-                <a:effectLst/>
-                <a:latin typeface="JetBrainsMono NF" panose="02010509020102050004" pitchFamily="50" charset="0"/>
-              </a:rPr>
-              <a:t> {</a:t>
-            </a:r>
-          </a:p>
-          <a:p>
-            <a:r>
-              <a:rPr lang="en-US" b="0" dirty="0">
-                <a:solidFill>
-                  <a:srgbClr val="D4D4D4"/>
-                </a:solidFill>
-                <a:effectLst/>
-                <a:latin typeface="JetBrainsMono NF" panose="02010509020102050004" pitchFamily="50" charset="0"/>
-              </a:rPr>
-              <a:t>        </a:t>
-            </a:r>
-            <a:r>
-              <a:rPr lang="en-US" b="0" dirty="0" err="1">
-                <a:solidFill>
-                  <a:srgbClr val="DCDCAA"/>
-                </a:solidFill>
-                <a:effectLst/>
-                <a:latin typeface="JetBrainsMono NF" panose="02010509020102050004" pitchFamily="50" charset="0"/>
-              </a:rPr>
-              <a:t>setTimeout</a:t>
-            </a:r>
-            <a:r>
-              <a:rPr lang="en-US" b="0" dirty="0">
-                <a:solidFill>
-                  <a:srgbClr val="D4D4D4"/>
-                </a:solidFill>
-                <a:effectLst/>
-                <a:latin typeface="JetBrainsMono NF" panose="02010509020102050004" pitchFamily="50" charset="0"/>
-              </a:rPr>
-              <a:t>(() </a:t>
-            </a:r>
-            <a:r>
-              <a:rPr lang="en-US" b="0" dirty="0">
-                <a:solidFill>
-                  <a:srgbClr val="569CD6"/>
-                </a:solidFill>
-                <a:effectLst/>
-                <a:latin typeface="JetBrainsMono NF" panose="02010509020102050004" pitchFamily="50" charset="0"/>
-              </a:rPr>
-              <a:t>=&gt;</a:t>
-            </a:r>
-            <a:r>
-              <a:rPr lang="en-US" b="0" dirty="0">
-                <a:solidFill>
-                  <a:srgbClr val="D4D4D4"/>
-                </a:solidFill>
-                <a:effectLst/>
-                <a:latin typeface="JetBrainsMono NF" panose="02010509020102050004" pitchFamily="50" charset="0"/>
-              </a:rPr>
-              <a:t> {</a:t>
-            </a:r>
-          </a:p>
-          <a:p>
-            <a:r>
-              <a:rPr lang="en-US" b="0" dirty="0">
-                <a:solidFill>
-                  <a:srgbClr val="D4D4D4"/>
-                </a:solidFill>
-                <a:effectLst/>
-                <a:latin typeface="JetBrainsMono NF" panose="02010509020102050004" pitchFamily="50" charset="0"/>
-              </a:rPr>
-              <a:t>            </a:t>
-            </a:r>
-            <a:r>
-              <a:rPr lang="en-US" b="0" dirty="0">
-                <a:solidFill>
-                  <a:srgbClr val="DCDCAA"/>
-                </a:solidFill>
-                <a:effectLst/>
-                <a:latin typeface="JetBrainsMono NF" panose="02010509020102050004" pitchFamily="50" charset="0"/>
-              </a:rPr>
-              <a:t>resolve</a:t>
-            </a:r>
-            <a:r>
-              <a:rPr lang="en-US" b="0" dirty="0">
-                <a:solidFill>
-                  <a:srgbClr val="D4D4D4"/>
-                </a:solidFill>
-                <a:effectLst/>
-                <a:latin typeface="JetBrainsMono NF" panose="02010509020102050004" pitchFamily="50" charset="0"/>
-              </a:rPr>
-              <a:t>();</a:t>
-            </a:r>
-          </a:p>
-          <a:p>
-            <a:r>
-              <a:rPr lang="en-US" b="0" dirty="0">
-                <a:solidFill>
-                  <a:srgbClr val="D4D4D4"/>
-                </a:solidFill>
-                <a:effectLst/>
-                <a:latin typeface="JetBrainsMono NF" panose="02010509020102050004" pitchFamily="50" charset="0"/>
-              </a:rPr>
-              <a:t>        }, </a:t>
-            </a:r>
-            <a:r>
-              <a:rPr lang="en-US" b="0" dirty="0" err="1">
-                <a:solidFill>
-                  <a:srgbClr val="9CDCFE"/>
-                </a:solidFill>
-                <a:effectLst/>
-                <a:latin typeface="JetBrainsMono NF" panose="02010509020102050004" pitchFamily="50" charset="0"/>
-              </a:rPr>
-              <a:t>ms</a:t>
-            </a:r>
-            <a:r>
-              <a:rPr lang="en-US" b="0" dirty="0">
-                <a:solidFill>
-                  <a:srgbClr val="D4D4D4"/>
-                </a:solidFill>
-                <a:effectLst/>
-                <a:latin typeface="JetBrainsMono NF" panose="02010509020102050004" pitchFamily="50" charset="0"/>
-              </a:rPr>
-              <a:t>);</a:t>
-            </a:r>
-          </a:p>
-          <a:p>
-            <a:r>
-              <a:rPr lang="en-US" b="0" dirty="0">
-                <a:solidFill>
-                  <a:srgbClr val="D4D4D4"/>
-                </a:solidFill>
-                <a:effectLst/>
-                <a:latin typeface="JetBrainsMono NF" panose="02010509020102050004" pitchFamily="50" charset="0"/>
-              </a:rPr>
-              <a:t>    });</a:t>
-            </a:r>
-          </a:p>
-          <a:p>
-            <a:r>
-              <a:rPr lang="en-US" b="0" dirty="0">
-                <a:solidFill>
-                  <a:srgbClr val="D4D4D4"/>
-                </a:solidFill>
-                <a:effectLst/>
-                <a:latin typeface="JetBrainsMono NF" panose="02010509020102050004" pitchFamily="50" charset="0"/>
-              </a:rPr>
-              <a:t>}</a:t>
-            </a:r>
-          </a:p>
-          <a:p>
-            <a:endParaRPr lang="de-DE" dirty="0"/>
-          </a:p>
-        </p:txBody>
-      </p:sp>
-      <p:sp>
-        <p:nvSpPr>
-          <p:cNvPr id="21" name="Rectangle 20">
-            <a:extLst>
-              <a:ext uri="{FF2B5EF4-FFF2-40B4-BE49-F238E27FC236}">
-                <a16:creationId xmlns:a16="http://schemas.microsoft.com/office/drawing/2014/main" id="{08FEA829-C19B-41F1-BE5F-DBF9B391F39F}"/>
-              </a:ext>
-            </a:extLst>
-          </p:cNvPr>
-          <p:cNvSpPr/>
-          <p:nvPr/>
-        </p:nvSpPr>
-        <p:spPr>
-          <a:xfrm>
-            <a:off x="878840" y="1896465"/>
-            <a:ext cx="6527800" cy="2152295"/>
-          </a:xfrm>
-          <a:prstGeom prst="rect">
-            <a:avLst/>
-          </a:prstGeom>
-          <a:noFill/>
-          <a:ln>
-            <a:solidFill>
-              <a:schemeClr val="tx2">
-                <a:lumMod val="90000"/>
-              </a:schemeClr>
-            </a:solidFill>
-          </a:ln>
-        </p:spPr>
-        <p:style>
-          <a:lnRef idx="2">
-            <a:schemeClr val="dk1"/>
-          </a:lnRef>
-          <a:fillRef idx="1">
-            <a:schemeClr val="lt1"/>
-          </a:fillRef>
-          <a:effectRef idx="0">
-            <a:schemeClr val="dk1"/>
-          </a:effectRef>
-          <a:fontRef idx="minor">
-            <a:schemeClr val="dk1"/>
-          </a:fontRef>
-        </p:style>
-        <p:txBody>
-          <a:bodyPr rtlCol="0" anchor="ctr"/>
-          <a:lstStyle/>
-          <a:p>
-            <a:pPr algn="ctr"/>
-            <a:endParaRPr lang="de-DE"/>
-          </a:p>
-        </p:txBody>
-      </p:sp>
-      <p:sp>
-        <p:nvSpPr>
-          <p:cNvPr id="13" name="TextBox 12">
-            <a:extLst>
-              <a:ext uri="{FF2B5EF4-FFF2-40B4-BE49-F238E27FC236}">
-                <a16:creationId xmlns:a16="http://schemas.microsoft.com/office/drawing/2014/main" id="{7DF46FAF-42D7-43D4-B9FE-9BCD7DE10552}"/>
-              </a:ext>
-            </a:extLst>
-          </p:cNvPr>
-          <p:cNvSpPr txBox="1"/>
-          <p:nvPr/>
-        </p:nvSpPr>
-        <p:spPr>
-          <a:xfrm>
-            <a:off x="924560" y="4524194"/>
-            <a:ext cx="6631944" cy="1477328"/>
-          </a:xfrm>
-          <a:prstGeom prst="rect">
-            <a:avLst/>
-          </a:prstGeom>
-          <a:noFill/>
-        </p:spPr>
-        <p:txBody>
-          <a:bodyPr wrap="none" rtlCol="0">
-            <a:spAutoFit/>
-          </a:bodyPr>
-          <a:lstStyle/>
-          <a:p>
-            <a:r>
-              <a:rPr lang="de-DE" b="0" dirty="0" err="1">
-                <a:solidFill>
-                  <a:srgbClr val="569CD6"/>
-                </a:solidFill>
-                <a:effectLst/>
-                <a:latin typeface="JetBrainsMono NF" panose="02010509020102050004" pitchFamily="50" charset="0"/>
-              </a:rPr>
-              <a:t>new</a:t>
-            </a:r>
-            <a:r>
-              <a:rPr lang="de-DE" b="0" dirty="0">
-                <a:solidFill>
-                  <a:srgbClr val="D4D4D4"/>
-                </a:solidFill>
-                <a:effectLst/>
-                <a:latin typeface="JetBrainsMono NF" panose="02010509020102050004" pitchFamily="50" charset="0"/>
-              </a:rPr>
-              <a:t> </a:t>
-            </a:r>
-            <a:r>
-              <a:rPr lang="de-DE" b="0" dirty="0" err="1">
-                <a:solidFill>
-                  <a:srgbClr val="4EC9B0"/>
-                </a:solidFill>
-                <a:effectLst/>
-                <a:latin typeface="JetBrainsMono NF" panose="02010509020102050004" pitchFamily="50" charset="0"/>
-              </a:rPr>
-              <a:t>Promise</a:t>
-            </a:r>
-            <a:r>
-              <a:rPr lang="de-DE" b="0" dirty="0">
-                <a:solidFill>
-                  <a:srgbClr val="D4D4D4"/>
-                </a:solidFill>
-                <a:effectLst/>
-                <a:latin typeface="JetBrainsMono NF" panose="02010509020102050004" pitchFamily="50" charset="0"/>
-              </a:rPr>
-              <a:t>((</a:t>
-            </a:r>
-            <a:r>
-              <a:rPr lang="de-DE" b="0" dirty="0" err="1">
-                <a:solidFill>
-                  <a:srgbClr val="9CDCFE"/>
-                </a:solidFill>
-                <a:effectLst/>
-                <a:latin typeface="JetBrainsMono NF" panose="02010509020102050004" pitchFamily="50" charset="0"/>
-              </a:rPr>
-              <a:t>resolve</a:t>
-            </a:r>
-            <a:r>
-              <a:rPr lang="de-DE" b="0" dirty="0">
-                <a:solidFill>
-                  <a:srgbClr val="D4D4D4"/>
-                </a:solidFill>
-                <a:effectLst/>
-                <a:latin typeface="JetBrainsMono NF" panose="02010509020102050004" pitchFamily="50" charset="0"/>
-              </a:rPr>
-              <a:t>, </a:t>
-            </a:r>
-            <a:r>
-              <a:rPr lang="de-DE" b="0" dirty="0" err="1">
-                <a:solidFill>
-                  <a:srgbClr val="9CDCFE"/>
-                </a:solidFill>
-                <a:effectLst/>
-                <a:latin typeface="JetBrainsMono NF" panose="02010509020102050004" pitchFamily="50" charset="0"/>
-              </a:rPr>
-              <a:t>reject</a:t>
-            </a:r>
-            <a:r>
-              <a:rPr lang="de-DE" b="0" dirty="0">
-                <a:solidFill>
-                  <a:srgbClr val="D4D4D4"/>
-                </a:solidFill>
-                <a:effectLst/>
-                <a:latin typeface="JetBrainsMono NF" panose="02010509020102050004" pitchFamily="50" charset="0"/>
-              </a:rPr>
-              <a:t>) </a:t>
-            </a:r>
-            <a:r>
-              <a:rPr lang="de-DE" b="0" dirty="0">
-                <a:solidFill>
-                  <a:srgbClr val="569CD6"/>
-                </a:solidFill>
-                <a:effectLst/>
-                <a:latin typeface="JetBrainsMono NF" panose="02010509020102050004" pitchFamily="50" charset="0"/>
-              </a:rPr>
-              <a:t>=&gt;</a:t>
-            </a:r>
-            <a:r>
-              <a:rPr lang="de-DE" b="0" dirty="0">
-                <a:solidFill>
-                  <a:srgbClr val="D4D4D4"/>
-                </a:solidFill>
-                <a:effectLst/>
-                <a:latin typeface="JetBrainsMono NF" panose="02010509020102050004" pitchFamily="50" charset="0"/>
-              </a:rPr>
-              <a:t> {</a:t>
-            </a:r>
-          </a:p>
-          <a:p>
-            <a:r>
-              <a:rPr lang="de-DE" b="0" dirty="0">
-                <a:solidFill>
-                  <a:srgbClr val="D4D4D4"/>
-                </a:solidFill>
-                <a:effectLst/>
-                <a:latin typeface="JetBrainsMono NF" panose="02010509020102050004" pitchFamily="50" charset="0"/>
-              </a:rPr>
-              <a:t>    </a:t>
-            </a:r>
-            <a:r>
-              <a:rPr lang="de-DE" b="0" dirty="0" err="1">
-                <a:solidFill>
-                  <a:srgbClr val="9CDCFE"/>
-                </a:solidFill>
-                <a:effectLst/>
-                <a:latin typeface="JetBrainsMono NF" panose="02010509020102050004" pitchFamily="50" charset="0"/>
-              </a:rPr>
-              <a:t>document</a:t>
-            </a:r>
-            <a:r>
-              <a:rPr lang="de-DE" b="0" dirty="0" err="1">
-                <a:solidFill>
-                  <a:srgbClr val="D4D4D4"/>
-                </a:solidFill>
-                <a:effectLst/>
-                <a:latin typeface="JetBrainsMono NF" panose="02010509020102050004" pitchFamily="50" charset="0"/>
-              </a:rPr>
-              <a:t>.</a:t>
-            </a:r>
-            <a:r>
-              <a:rPr lang="de-DE" b="0" dirty="0" err="1">
-                <a:solidFill>
-                  <a:srgbClr val="DCDCAA"/>
-                </a:solidFill>
-                <a:effectLst/>
-                <a:latin typeface="JetBrainsMono NF" panose="02010509020102050004" pitchFamily="50" charset="0"/>
-              </a:rPr>
-              <a:t>addEventListener</a:t>
-            </a:r>
-            <a:r>
-              <a:rPr lang="de-DE" b="0" dirty="0">
-                <a:solidFill>
-                  <a:srgbClr val="D4D4D4"/>
-                </a:solidFill>
-                <a:effectLst/>
-                <a:latin typeface="JetBrainsMono NF" panose="02010509020102050004" pitchFamily="50" charset="0"/>
-              </a:rPr>
-              <a:t>(</a:t>
-            </a:r>
-            <a:r>
-              <a:rPr lang="de-DE" b="0" dirty="0">
-                <a:solidFill>
-                  <a:srgbClr val="CE9178"/>
-                </a:solidFill>
-                <a:effectLst/>
-                <a:latin typeface="JetBrainsMono NF" panose="02010509020102050004" pitchFamily="50" charset="0"/>
-              </a:rPr>
-              <a:t>"</a:t>
-            </a:r>
-            <a:r>
-              <a:rPr lang="de-DE" b="0" dirty="0" err="1">
-                <a:solidFill>
-                  <a:srgbClr val="CE9178"/>
-                </a:solidFill>
-                <a:effectLst/>
-                <a:latin typeface="JetBrainsMono NF" panose="02010509020102050004" pitchFamily="50" charset="0"/>
-              </a:rPr>
-              <a:t>click</a:t>
-            </a:r>
-            <a:r>
-              <a:rPr lang="de-DE" b="0" dirty="0">
-                <a:solidFill>
-                  <a:srgbClr val="CE9178"/>
-                </a:solidFill>
-                <a:effectLst/>
-                <a:latin typeface="JetBrainsMono NF" panose="02010509020102050004" pitchFamily="50" charset="0"/>
-              </a:rPr>
-              <a:t>"</a:t>
-            </a:r>
-            <a:r>
-              <a:rPr lang="de-DE" b="0" dirty="0">
-                <a:solidFill>
-                  <a:srgbClr val="D4D4D4"/>
-                </a:solidFill>
-                <a:effectLst/>
-                <a:latin typeface="JetBrainsMono NF" panose="02010509020102050004" pitchFamily="50" charset="0"/>
-              </a:rPr>
-              <a:t>, </a:t>
-            </a:r>
-            <a:r>
-              <a:rPr lang="de-DE" b="0" dirty="0" err="1">
-                <a:solidFill>
-                  <a:srgbClr val="9CDCFE"/>
-                </a:solidFill>
-                <a:effectLst/>
-                <a:latin typeface="JetBrainsMono NF" panose="02010509020102050004" pitchFamily="50" charset="0"/>
-              </a:rPr>
-              <a:t>resolve</a:t>
-            </a:r>
-            <a:r>
-              <a:rPr lang="de-DE" b="0" dirty="0">
-                <a:solidFill>
-                  <a:srgbClr val="D4D4D4"/>
-                </a:solidFill>
-                <a:effectLst/>
-                <a:latin typeface="JetBrainsMono NF" panose="02010509020102050004" pitchFamily="50" charset="0"/>
-              </a:rPr>
-              <a:t>);</a:t>
-            </a:r>
-          </a:p>
-          <a:p>
-            <a:r>
-              <a:rPr lang="de-DE" b="0" dirty="0">
-                <a:solidFill>
-                  <a:srgbClr val="D4D4D4"/>
-                </a:solidFill>
-                <a:effectLst/>
-                <a:latin typeface="JetBrainsMono NF" panose="02010509020102050004" pitchFamily="50" charset="0"/>
-              </a:rPr>
-              <a:t>})</a:t>
-            </a:r>
-          </a:p>
-          <a:p>
-            <a:r>
-              <a:rPr lang="de-DE" b="0" dirty="0">
-                <a:solidFill>
-                  <a:srgbClr val="D4D4D4"/>
-                </a:solidFill>
-                <a:effectLst/>
-                <a:latin typeface="JetBrainsMono NF" panose="02010509020102050004" pitchFamily="50" charset="0"/>
-              </a:rPr>
-              <a:t>.</a:t>
-            </a:r>
-            <a:r>
-              <a:rPr lang="de-DE" b="0" dirty="0" err="1">
-                <a:solidFill>
-                  <a:srgbClr val="DCDCAA"/>
-                </a:solidFill>
-                <a:effectLst/>
-                <a:latin typeface="JetBrainsMono NF" panose="02010509020102050004" pitchFamily="50" charset="0"/>
-              </a:rPr>
-              <a:t>then</a:t>
-            </a:r>
-            <a:r>
-              <a:rPr lang="de-DE" b="0" dirty="0">
-                <a:solidFill>
-                  <a:srgbClr val="D4D4D4"/>
-                </a:solidFill>
-                <a:effectLst/>
-                <a:latin typeface="JetBrainsMono NF" panose="02010509020102050004" pitchFamily="50" charset="0"/>
-              </a:rPr>
-              <a:t>(</a:t>
-            </a:r>
-            <a:r>
-              <a:rPr lang="de-DE" b="0" dirty="0" err="1">
-                <a:solidFill>
-                  <a:srgbClr val="9CDCFE"/>
-                </a:solidFill>
-                <a:effectLst/>
-                <a:latin typeface="JetBrainsMono NF" panose="02010509020102050004" pitchFamily="50" charset="0"/>
-              </a:rPr>
-              <a:t>event</a:t>
-            </a:r>
-            <a:r>
-              <a:rPr lang="de-DE" b="0" dirty="0">
-                <a:solidFill>
-                  <a:srgbClr val="D4D4D4"/>
-                </a:solidFill>
-                <a:effectLst/>
-                <a:latin typeface="JetBrainsMono NF" panose="02010509020102050004" pitchFamily="50" charset="0"/>
-              </a:rPr>
-              <a:t> </a:t>
-            </a:r>
-            <a:r>
-              <a:rPr lang="de-DE" b="0" dirty="0">
-                <a:solidFill>
-                  <a:srgbClr val="569CD6"/>
-                </a:solidFill>
-                <a:effectLst/>
-                <a:latin typeface="JetBrainsMono NF" panose="02010509020102050004" pitchFamily="50" charset="0"/>
-              </a:rPr>
-              <a:t>=&gt;</a:t>
-            </a:r>
-            <a:r>
-              <a:rPr lang="de-DE" b="0" dirty="0">
-                <a:solidFill>
-                  <a:srgbClr val="D4D4D4"/>
-                </a:solidFill>
-                <a:effectLst/>
-                <a:latin typeface="JetBrainsMono NF" panose="02010509020102050004" pitchFamily="50" charset="0"/>
-              </a:rPr>
-              <a:t> </a:t>
-            </a:r>
-            <a:r>
-              <a:rPr lang="de-DE" b="0" dirty="0">
-                <a:solidFill>
-                  <a:srgbClr val="9CDCFE"/>
-                </a:solidFill>
-                <a:effectLst/>
-                <a:latin typeface="JetBrainsMono NF" panose="02010509020102050004" pitchFamily="50" charset="0"/>
-              </a:rPr>
-              <a:t>console</a:t>
-            </a:r>
-            <a:r>
-              <a:rPr lang="de-DE" b="0" dirty="0">
-                <a:solidFill>
-                  <a:srgbClr val="D4D4D4"/>
-                </a:solidFill>
-                <a:effectLst/>
-                <a:latin typeface="JetBrainsMono NF" panose="02010509020102050004" pitchFamily="50" charset="0"/>
-              </a:rPr>
-              <a:t>.</a:t>
-            </a:r>
-            <a:r>
-              <a:rPr lang="de-DE" b="0" dirty="0">
-                <a:solidFill>
-                  <a:srgbClr val="DCDCAA"/>
-                </a:solidFill>
-                <a:effectLst/>
-                <a:latin typeface="JetBrainsMono NF" panose="02010509020102050004" pitchFamily="50" charset="0"/>
-              </a:rPr>
-              <a:t>log</a:t>
-            </a:r>
-            <a:r>
-              <a:rPr lang="de-DE" b="0" dirty="0">
-                <a:solidFill>
-                  <a:srgbClr val="D4D4D4"/>
-                </a:solidFill>
-                <a:effectLst/>
-                <a:latin typeface="JetBrainsMono NF" panose="02010509020102050004" pitchFamily="50" charset="0"/>
-              </a:rPr>
-              <a:t>(</a:t>
-            </a:r>
-            <a:r>
-              <a:rPr lang="de-DE" b="0" dirty="0" err="1">
-                <a:solidFill>
-                  <a:srgbClr val="9CDCFE"/>
-                </a:solidFill>
-                <a:effectLst/>
-                <a:latin typeface="JetBrainsMono NF" panose="02010509020102050004" pitchFamily="50" charset="0"/>
-              </a:rPr>
-              <a:t>event</a:t>
-            </a:r>
-            <a:r>
-              <a:rPr lang="de-DE" b="0" dirty="0">
-                <a:solidFill>
-                  <a:srgbClr val="D4D4D4"/>
-                </a:solidFill>
-                <a:effectLst/>
-                <a:latin typeface="JetBrainsMono NF" panose="02010509020102050004" pitchFamily="50" charset="0"/>
-              </a:rPr>
-              <a:t>));</a:t>
-            </a:r>
-          </a:p>
-          <a:p>
-            <a:endParaRPr lang="de-DE" dirty="0"/>
-          </a:p>
-        </p:txBody>
-      </p:sp>
-      <p:sp>
-        <p:nvSpPr>
-          <p:cNvPr id="14" name="Rectangle 13">
-            <a:extLst>
-              <a:ext uri="{FF2B5EF4-FFF2-40B4-BE49-F238E27FC236}">
-                <a16:creationId xmlns:a16="http://schemas.microsoft.com/office/drawing/2014/main" id="{0B114DE3-7324-489E-9ABE-F64AC900CC23}"/>
-              </a:ext>
-            </a:extLst>
-          </p:cNvPr>
-          <p:cNvSpPr/>
-          <p:nvPr/>
-        </p:nvSpPr>
-        <p:spPr>
-          <a:xfrm>
-            <a:off x="878840" y="4468314"/>
-            <a:ext cx="6527800" cy="1322251"/>
-          </a:xfrm>
-          <a:prstGeom prst="rect">
-            <a:avLst/>
-          </a:prstGeom>
-          <a:noFill/>
-          <a:ln>
-            <a:solidFill>
-              <a:schemeClr val="tx2">
-                <a:lumMod val="90000"/>
-              </a:schemeClr>
-            </a:solidFill>
-          </a:ln>
-        </p:spPr>
-        <p:style>
-          <a:lnRef idx="2">
-            <a:schemeClr val="dk1"/>
-          </a:lnRef>
-          <a:fillRef idx="1">
-            <a:schemeClr val="lt1"/>
-          </a:fillRef>
-          <a:effectRef idx="0">
-            <a:schemeClr val="dk1"/>
-          </a:effectRef>
-          <a:fontRef idx="minor">
-            <a:schemeClr val="dk1"/>
-          </a:fontRef>
-        </p:style>
-        <p:txBody>
-          <a:bodyPr rtlCol="0" anchor="ctr"/>
-          <a:lstStyle/>
-          <a:p>
-            <a:pPr algn="ctr"/>
-            <a:endParaRPr lang="de-DE"/>
-          </a:p>
-        </p:txBody>
-      </p:sp>
-      <p:cxnSp>
-        <p:nvCxnSpPr>
-          <p:cNvPr id="6" name="Straight Arrow Connector 5">
-            <a:extLst>
-              <a:ext uri="{FF2B5EF4-FFF2-40B4-BE49-F238E27FC236}">
-                <a16:creationId xmlns:a16="http://schemas.microsoft.com/office/drawing/2014/main" id="{47C5E63E-11A3-4416-ABFC-35209C33B783}"/>
-              </a:ext>
-            </a:extLst>
-          </p:cNvPr>
-          <p:cNvCxnSpPr>
-            <a:cxnSpLocks/>
-          </p:cNvCxnSpPr>
-          <p:nvPr/>
-        </p:nvCxnSpPr>
-        <p:spPr>
-          <a:xfrm flipH="1">
-            <a:off x="7467600" y="5176520"/>
-            <a:ext cx="939800" cy="0"/>
-          </a:xfrm>
-          <a:prstGeom prst="straightConnector1">
-            <a:avLst/>
-          </a:prstGeom>
-          <a:ln w="38100">
-            <a:solidFill>
-              <a:schemeClr val="tx1"/>
-            </a:solidFill>
-            <a:tailEnd type="triangle"/>
-          </a:ln>
-        </p:spPr>
-        <p:style>
-          <a:lnRef idx="1">
-            <a:schemeClr val="accent1"/>
-          </a:lnRef>
-          <a:fillRef idx="0">
-            <a:schemeClr val="accent1"/>
-          </a:fillRef>
-          <a:effectRef idx="0">
-            <a:schemeClr val="accent1"/>
-          </a:effectRef>
-          <a:fontRef idx="minor">
-            <a:schemeClr val="tx1"/>
-          </a:fontRef>
-        </p:style>
-      </p:cxnSp>
-      <p:sp>
-        <p:nvSpPr>
-          <p:cNvPr id="15" name="TextBox 14">
-            <a:extLst>
-              <a:ext uri="{FF2B5EF4-FFF2-40B4-BE49-F238E27FC236}">
-                <a16:creationId xmlns:a16="http://schemas.microsoft.com/office/drawing/2014/main" id="{F82F73CC-0D89-4BAB-97E3-9FCBAF860880}"/>
-              </a:ext>
-            </a:extLst>
-          </p:cNvPr>
-          <p:cNvSpPr txBox="1"/>
-          <p:nvPr/>
-        </p:nvSpPr>
-        <p:spPr>
-          <a:xfrm>
-            <a:off x="8468360" y="4944773"/>
-            <a:ext cx="3659848" cy="646331"/>
-          </a:xfrm>
-          <a:prstGeom prst="rect">
-            <a:avLst/>
-          </a:prstGeom>
-          <a:noFill/>
-        </p:spPr>
-        <p:txBody>
-          <a:bodyPr wrap="none" rtlCol="0">
-            <a:spAutoFit/>
-          </a:bodyPr>
-          <a:lstStyle/>
-          <a:p>
-            <a:r>
-              <a:rPr lang="de-DE" dirty="0"/>
-              <a:t>Problem: Caching</a:t>
-            </a:r>
-            <a:br>
-              <a:rPr lang="de-DE" dirty="0"/>
-            </a:br>
-            <a:r>
-              <a:rPr lang="de-DE" dirty="0"/>
-              <a:t>(</a:t>
-            </a:r>
-            <a:r>
-              <a:rPr lang="de-DE" dirty="0" err="1"/>
-              <a:t>Fulfilled</a:t>
-            </a:r>
-            <a:r>
-              <a:rPr lang="de-DE" dirty="0"/>
-              <a:t> nur beim ersten </a:t>
-            </a:r>
-            <a:r>
-              <a:rPr lang="de-DE" dirty="0" err="1"/>
-              <a:t>click</a:t>
-            </a:r>
-            <a:r>
-              <a:rPr lang="de-DE" dirty="0"/>
-              <a:t> </a:t>
-            </a:r>
-            <a:r>
-              <a:rPr lang="de-DE" dirty="0" err="1"/>
-              <a:t>event</a:t>
-            </a:r>
-            <a:r>
-              <a:rPr lang="de-DE" dirty="0"/>
-              <a:t>)</a:t>
-            </a:r>
-          </a:p>
-        </p:txBody>
-      </p:sp>
-    </p:spTree>
-    <p:extLst>
-      <p:ext uri="{BB962C8B-B14F-4D97-AF65-F5344CB8AC3E}">
-        <p14:creationId xmlns:p14="http://schemas.microsoft.com/office/powerpoint/2010/main" val="1317438070"/>
-      </p:ext>
-    </p:extLst>
-  </p:cSld>
-  <p:clrMapOvr>
-    <a:masterClrMapping/>
-  </p:clrMapOvr>
-</p:sld>
-</file>
-
-<file path=ppt/slides/slide41.xml><?xml version="1.0" encoding="utf-8"?>
-<p:sld xmlns:a="http://schemas.openxmlformats.org/drawingml/2006/main" xmlns:r="http://schemas.openxmlformats.org/officeDocument/2006/relationships" xmlns:p="http://schemas.openxmlformats.org/presentationml/2006/main">
-  <p:cSld>
-    <p:spTree>
-      <p:nvGrpSpPr>
-        <p:cNvPr id="1" name=""/>
-        <p:cNvGrpSpPr/>
-        <p:nvPr/>
-      </p:nvGrpSpPr>
-      <p:grpSpPr>
-        <a:xfrm>
-          <a:off x="0" y="0"/>
-          <a:ext cx="0" cy="0"/>
-          <a:chOff x="0" y="0"/>
-          <a:chExt cx="0" cy="0"/>
-        </a:xfrm>
-      </p:grpSpPr>
-      <p:sp>
-        <p:nvSpPr>
-          <p:cNvPr id="2" name="Title 1">
-            <a:extLst>
-              <a:ext uri="{FF2B5EF4-FFF2-40B4-BE49-F238E27FC236}">
-                <a16:creationId xmlns:a16="http://schemas.microsoft.com/office/drawing/2014/main" id="{EDCBBB79-AD0F-4BD2-83C6-295C226A3BF3}"/>
-              </a:ext>
-            </a:extLst>
-          </p:cNvPr>
-          <p:cNvSpPr>
-            <a:spLocks noGrp="1"/>
-          </p:cNvSpPr>
-          <p:nvPr>
-            <p:ph type="title"/>
-          </p:nvPr>
-        </p:nvSpPr>
-        <p:spPr>
-          <a:xfrm>
-            <a:off x="838200" y="380365"/>
-            <a:ext cx="10515600" cy="1325563"/>
-          </a:xfrm>
-        </p:spPr>
-        <p:txBody>
-          <a:bodyPr/>
-          <a:lstStyle/>
-          <a:p>
-            <a:r>
-              <a:rPr lang="de-DE" dirty="0" err="1"/>
               <a:t>Promise-Chaining</a:t>
             </a:r>
             <a:endParaRPr lang="de-DE" dirty="0"/>
@@ -34864,6 +33814,1048 @@
 </p:sld>
 </file>
 
+<file path=ppt/slides/slide41.xml><?xml version="1.0" encoding="utf-8"?>
+<p:sld xmlns:a="http://schemas.openxmlformats.org/drawingml/2006/main" xmlns:r="http://schemas.openxmlformats.org/officeDocument/2006/relationships" xmlns:p="http://schemas.openxmlformats.org/presentationml/2006/main">
+  <p:cSld>
+    <p:spTree>
+      <p:nvGrpSpPr>
+        <p:cNvPr id="1" name=""/>
+        <p:cNvGrpSpPr/>
+        <p:nvPr/>
+      </p:nvGrpSpPr>
+      <p:grpSpPr>
+        <a:xfrm>
+          <a:off x="0" y="0"/>
+          <a:ext cx="0" cy="0"/>
+          <a:chOff x="0" y="0"/>
+          <a:chExt cx="0" cy="0"/>
+        </a:xfrm>
+      </p:grpSpPr>
+      <p:sp>
+        <p:nvSpPr>
+          <p:cNvPr id="2" name="Title 1">
+            <a:extLst>
+              <a:ext uri="{FF2B5EF4-FFF2-40B4-BE49-F238E27FC236}">
+                <a16:creationId xmlns:a16="http://schemas.microsoft.com/office/drawing/2014/main" id="{EDCBBB79-AD0F-4BD2-83C6-295C226A3BF3}"/>
+              </a:ext>
+            </a:extLst>
+          </p:cNvPr>
+          <p:cNvSpPr>
+            <a:spLocks noGrp="1"/>
+          </p:cNvSpPr>
+          <p:nvPr>
+            <p:ph type="title"/>
+          </p:nvPr>
+        </p:nvSpPr>
+        <p:spPr>
+          <a:xfrm>
+            <a:off x="838200" y="380365"/>
+            <a:ext cx="10515600" cy="1325563"/>
+          </a:xfrm>
+        </p:spPr>
+        <p:txBody>
+          <a:bodyPr/>
+          <a:lstStyle/>
+          <a:p>
+            <a:r>
+              <a:rPr lang="de-DE" dirty="0" err="1"/>
+              <a:t>Promisify</a:t>
+            </a:r>
+            <a:r>
+              <a:rPr lang="de-DE" dirty="0"/>
+              <a:t> </a:t>
+            </a:r>
+            <a:r>
+              <a:rPr lang="de-DE" dirty="0" err="1"/>
+              <a:t>Callbacks</a:t>
+            </a:r>
+            <a:endParaRPr lang="de-DE" dirty="0"/>
+          </a:p>
+        </p:txBody>
+      </p:sp>
+      <p:sp>
+        <p:nvSpPr>
+          <p:cNvPr id="8" name="TextBox 7">
+            <a:extLst>
+              <a:ext uri="{FF2B5EF4-FFF2-40B4-BE49-F238E27FC236}">
+                <a16:creationId xmlns:a16="http://schemas.microsoft.com/office/drawing/2014/main" id="{15A2291C-AE8D-42FA-99AC-5B0A66924627}"/>
+              </a:ext>
+            </a:extLst>
+          </p:cNvPr>
+          <p:cNvSpPr txBox="1"/>
+          <p:nvPr/>
+        </p:nvSpPr>
+        <p:spPr>
+          <a:xfrm>
+            <a:off x="924560" y="1952345"/>
+            <a:ext cx="6218369" cy="2308324"/>
+          </a:xfrm>
+          <a:prstGeom prst="rect">
+            <a:avLst/>
+          </a:prstGeom>
+          <a:noFill/>
+        </p:spPr>
+        <p:txBody>
+          <a:bodyPr wrap="none" rtlCol="0">
+            <a:spAutoFit/>
+          </a:bodyPr>
+          <a:lstStyle/>
+          <a:p>
+            <a:r>
+              <a:rPr lang="en-US" b="0" dirty="0">
+                <a:solidFill>
+                  <a:srgbClr val="569CD6"/>
+                </a:solidFill>
+                <a:effectLst/>
+                <a:latin typeface="JetBrainsMono NF" panose="02010509020102050004" pitchFamily="50" charset="0"/>
+              </a:rPr>
+              <a:t>function</a:t>
+            </a:r>
+            <a:r>
+              <a:rPr lang="en-US" b="0" dirty="0">
+                <a:solidFill>
+                  <a:srgbClr val="D4D4D4"/>
+                </a:solidFill>
+                <a:effectLst/>
+                <a:latin typeface="JetBrainsMono NF" panose="02010509020102050004" pitchFamily="50" charset="0"/>
+              </a:rPr>
+              <a:t> </a:t>
+            </a:r>
+            <a:r>
+              <a:rPr lang="en-US" b="0" dirty="0" err="1">
+                <a:solidFill>
+                  <a:srgbClr val="DCDCAA"/>
+                </a:solidFill>
+                <a:effectLst/>
+                <a:latin typeface="JetBrainsMono NF" panose="02010509020102050004" pitchFamily="50" charset="0"/>
+              </a:rPr>
+              <a:t>promisedTimeout</a:t>
+            </a:r>
+            <a:r>
+              <a:rPr lang="en-US" b="0" dirty="0">
+                <a:solidFill>
+                  <a:srgbClr val="D4D4D4"/>
+                </a:solidFill>
+                <a:effectLst/>
+                <a:latin typeface="JetBrainsMono NF" panose="02010509020102050004" pitchFamily="50" charset="0"/>
+              </a:rPr>
+              <a:t>(</a:t>
+            </a:r>
+            <a:r>
+              <a:rPr lang="en-US" b="0" dirty="0" err="1">
+                <a:solidFill>
+                  <a:srgbClr val="9CDCFE"/>
+                </a:solidFill>
+                <a:effectLst/>
+                <a:latin typeface="JetBrainsMono NF" panose="02010509020102050004" pitchFamily="50" charset="0"/>
+              </a:rPr>
+              <a:t>ms</a:t>
+            </a:r>
+            <a:r>
+              <a:rPr lang="en-US" b="0" dirty="0">
+                <a:solidFill>
+                  <a:srgbClr val="D4D4D4"/>
+                </a:solidFill>
+                <a:effectLst/>
+                <a:latin typeface="JetBrainsMono NF" panose="02010509020102050004" pitchFamily="50" charset="0"/>
+              </a:rPr>
+              <a:t>) {</a:t>
+            </a:r>
+          </a:p>
+          <a:p>
+            <a:r>
+              <a:rPr lang="en-US" b="0" dirty="0">
+                <a:solidFill>
+                  <a:srgbClr val="D4D4D4"/>
+                </a:solidFill>
+                <a:effectLst/>
+                <a:latin typeface="JetBrainsMono NF" panose="02010509020102050004" pitchFamily="50" charset="0"/>
+              </a:rPr>
+              <a:t>    </a:t>
+            </a:r>
+            <a:r>
+              <a:rPr lang="en-US" b="0" dirty="0">
+                <a:solidFill>
+                  <a:srgbClr val="C586C0"/>
+                </a:solidFill>
+                <a:effectLst/>
+                <a:latin typeface="JetBrainsMono NF" panose="02010509020102050004" pitchFamily="50" charset="0"/>
+              </a:rPr>
+              <a:t>return</a:t>
+            </a:r>
+            <a:r>
+              <a:rPr lang="en-US" b="0" dirty="0">
+                <a:solidFill>
+                  <a:srgbClr val="D4D4D4"/>
+                </a:solidFill>
+                <a:effectLst/>
+                <a:latin typeface="JetBrainsMono NF" panose="02010509020102050004" pitchFamily="50" charset="0"/>
+              </a:rPr>
+              <a:t> </a:t>
+            </a:r>
+            <a:r>
+              <a:rPr lang="en-US" b="0" dirty="0">
+                <a:solidFill>
+                  <a:srgbClr val="569CD6"/>
+                </a:solidFill>
+                <a:effectLst/>
+                <a:latin typeface="JetBrainsMono NF" panose="02010509020102050004" pitchFamily="50" charset="0"/>
+              </a:rPr>
+              <a:t>new</a:t>
+            </a:r>
+            <a:r>
+              <a:rPr lang="en-US" b="0" dirty="0">
+                <a:solidFill>
+                  <a:srgbClr val="D4D4D4"/>
+                </a:solidFill>
+                <a:effectLst/>
+                <a:latin typeface="JetBrainsMono NF" panose="02010509020102050004" pitchFamily="50" charset="0"/>
+              </a:rPr>
+              <a:t> </a:t>
+            </a:r>
+            <a:r>
+              <a:rPr lang="en-US" b="0" dirty="0">
+                <a:solidFill>
+                  <a:srgbClr val="4EC9B0"/>
+                </a:solidFill>
+                <a:effectLst/>
+                <a:latin typeface="JetBrainsMono NF" panose="02010509020102050004" pitchFamily="50" charset="0"/>
+              </a:rPr>
+              <a:t>Promise</a:t>
+            </a:r>
+            <a:r>
+              <a:rPr lang="en-US" b="0" dirty="0">
+                <a:solidFill>
+                  <a:srgbClr val="D4D4D4"/>
+                </a:solidFill>
+                <a:effectLst/>
+                <a:latin typeface="JetBrainsMono NF" panose="02010509020102050004" pitchFamily="50" charset="0"/>
+              </a:rPr>
+              <a:t>((</a:t>
+            </a:r>
+            <a:r>
+              <a:rPr lang="en-US" b="0" dirty="0">
+                <a:solidFill>
+                  <a:srgbClr val="9CDCFE"/>
+                </a:solidFill>
+                <a:effectLst/>
+                <a:latin typeface="JetBrainsMono NF" panose="02010509020102050004" pitchFamily="50" charset="0"/>
+              </a:rPr>
+              <a:t>resolve</a:t>
+            </a:r>
+            <a:r>
+              <a:rPr lang="en-US" b="0" dirty="0">
+                <a:solidFill>
+                  <a:srgbClr val="D4D4D4"/>
+                </a:solidFill>
+                <a:effectLst/>
+                <a:latin typeface="JetBrainsMono NF" panose="02010509020102050004" pitchFamily="50" charset="0"/>
+              </a:rPr>
+              <a:t>, </a:t>
+            </a:r>
+            <a:r>
+              <a:rPr lang="en-US" b="0" dirty="0">
+                <a:solidFill>
+                  <a:srgbClr val="9CDCFE"/>
+                </a:solidFill>
+                <a:effectLst/>
+                <a:latin typeface="JetBrainsMono NF" panose="02010509020102050004" pitchFamily="50" charset="0"/>
+              </a:rPr>
+              <a:t>reject</a:t>
+            </a:r>
+            <a:r>
+              <a:rPr lang="en-US" b="0" dirty="0">
+                <a:solidFill>
+                  <a:srgbClr val="D4D4D4"/>
+                </a:solidFill>
+                <a:effectLst/>
+                <a:latin typeface="JetBrainsMono NF" panose="02010509020102050004" pitchFamily="50" charset="0"/>
+              </a:rPr>
+              <a:t>) </a:t>
+            </a:r>
+            <a:r>
+              <a:rPr lang="en-US" b="0" dirty="0">
+                <a:solidFill>
+                  <a:srgbClr val="569CD6"/>
+                </a:solidFill>
+                <a:effectLst/>
+                <a:latin typeface="JetBrainsMono NF" panose="02010509020102050004" pitchFamily="50" charset="0"/>
+              </a:rPr>
+              <a:t>=&gt;</a:t>
+            </a:r>
+            <a:r>
+              <a:rPr lang="en-US" b="0" dirty="0">
+                <a:solidFill>
+                  <a:srgbClr val="D4D4D4"/>
+                </a:solidFill>
+                <a:effectLst/>
+                <a:latin typeface="JetBrainsMono NF" panose="02010509020102050004" pitchFamily="50" charset="0"/>
+              </a:rPr>
+              <a:t> {</a:t>
+            </a:r>
+          </a:p>
+          <a:p>
+            <a:r>
+              <a:rPr lang="en-US" b="0" dirty="0">
+                <a:solidFill>
+                  <a:srgbClr val="D4D4D4"/>
+                </a:solidFill>
+                <a:effectLst/>
+                <a:latin typeface="JetBrainsMono NF" panose="02010509020102050004" pitchFamily="50" charset="0"/>
+              </a:rPr>
+              <a:t>        </a:t>
+            </a:r>
+            <a:r>
+              <a:rPr lang="en-US" b="0" dirty="0" err="1">
+                <a:solidFill>
+                  <a:srgbClr val="DCDCAA"/>
+                </a:solidFill>
+                <a:effectLst/>
+                <a:latin typeface="JetBrainsMono NF" panose="02010509020102050004" pitchFamily="50" charset="0"/>
+              </a:rPr>
+              <a:t>setTimeout</a:t>
+            </a:r>
+            <a:r>
+              <a:rPr lang="en-US" b="0" dirty="0">
+                <a:solidFill>
+                  <a:srgbClr val="D4D4D4"/>
+                </a:solidFill>
+                <a:effectLst/>
+                <a:latin typeface="JetBrainsMono NF" panose="02010509020102050004" pitchFamily="50" charset="0"/>
+              </a:rPr>
+              <a:t>(() </a:t>
+            </a:r>
+            <a:r>
+              <a:rPr lang="en-US" b="0" dirty="0">
+                <a:solidFill>
+                  <a:srgbClr val="569CD6"/>
+                </a:solidFill>
+                <a:effectLst/>
+                <a:latin typeface="JetBrainsMono NF" panose="02010509020102050004" pitchFamily="50" charset="0"/>
+              </a:rPr>
+              <a:t>=&gt;</a:t>
+            </a:r>
+            <a:r>
+              <a:rPr lang="en-US" b="0" dirty="0">
+                <a:solidFill>
+                  <a:srgbClr val="D4D4D4"/>
+                </a:solidFill>
+                <a:effectLst/>
+                <a:latin typeface="JetBrainsMono NF" panose="02010509020102050004" pitchFamily="50" charset="0"/>
+              </a:rPr>
+              <a:t> {</a:t>
+            </a:r>
+          </a:p>
+          <a:p>
+            <a:r>
+              <a:rPr lang="en-US" b="0" dirty="0">
+                <a:solidFill>
+                  <a:srgbClr val="D4D4D4"/>
+                </a:solidFill>
+                <a:effectLst/>
+                <a:latin typeface="JetBrainsMono NF" panose="02010509020102050004" pitchFamily="50" charset="0"/>
+              </a:rPr>
+              <a:t>            </a:t>
+            </a:r>
+            <a:r>
+              <a:rPr lang="en-US" b="0" dirty="0">
+                <a:solidFill>
+                  <a:srgbClr val="DCDCAA"/>
+                </a:solidFill>
+                <a:effectLst/>
+                <a:latin typeface="JetBrainsMono NF" panose="02010509020102050004" pitchFamily="50" charset="0"/>
+              </a:rPr>
+              <a:t>resolve</a:t>
+            </a:r>
+            <a:r>
+              <a:rPr lang="en-US" b="0" dirty="0">
+                <a:solidFill>
+                  <a:srgbClr val="D4D4D4"/>
+                </a:solidFill>
+                <a:effectLst/>
+                <a:latin typeface="JetBrainsMono NF" panose="02010509020102050004" pitchFamily="50" charset="0"/>
+              </a:rPr>
+              <a:t>();</a:t>
+            </a:r>
+          </a:p>
+          <a:p>
+            <a:r>
+              <a:rPr lang="en-US" b="0" dirty="0">
+                <a:solidFill>
+                  <a:srgbClr val="D4D4D4"/>
+                </a:solidFill>
+                <a:effectLst/>
+                <a:latin typeface="JetBrainsMono NF" panose="02010509020102050004" pitchFamily="50" charset="0"/>
+              </a:rPr>
+              <a:t>        }, </a:t>
+            </a:r>
+            <a:r>
+              <a:rPr lang="en-US" b="0" dirty="0" err="1">
+                <a:solidFill>
+                  <a:srgbClr val="9CDCFE"/>
+                </a:solidFill>
+                <a:effectLst/>
+                <a:latin typeface="JetBrainsMono NF" panose="02010509020102050004" pitchFamily="50" charset="0"/>
+              </a:rPr>
+              <a:t>ms</a:t>
+            </a:r>
+            <a:r>
+              <a:rPr lang="en-US" b="0" dirty="0">
+                <a:solidFill>
+                  <a:srgbClr val="D4D4D4"/>
+                </a:solidFill>
+                <a:effectLst/>
+                <a:latin typeface="JetBrainsMono NF" panose="02010509020102050004" pitchFamily="50" charset="0"/>
+              </a:rPr>
+              <a:t>);</a:t>
+            </a:r>
+          </a:p>
+          <a:p>
+            <a:r>
+              <a:rPr lang="en-US" b="0" dirty="0">
+                <a:solidFill>
+                  <a:srgbClr val="D4D4D4"/>
+                </a:solidFill>
+                <a:effectLst/>
+                <a:latin typeface="JetBrainsMono NF" panose="02010509020102050004" pitchFamily="50" charset="0"/>
+              </a:rPr>
+              <a:t>    });</a:t>
+            </a:r>
+          </a:p>
+          <a:p>
+            <a:r>
+              <a:rPr lang="en-US" b="0" dirty="0">
+                <a:solidFill>
+                  <a:srgbClr val="D4D4D4"/>
+                </a:solidFill>
+                <a:effectLst/>
+                <a:latin typeface="JetBrainsMono NF" panose="02010509020102050004" pitchFamily="50" charset="0"/>
+              </a:rPr>
+              <a:t>}</a:t>
+            </a:r>
+          </a:p>
+          <a:p>
+            <a:endParaRPr lang="de-DE" dirty="0"/>
+          </a:p>
+        </p:txBody>
+      </p:sp>
+      <p:sp>
+        <p:nvSpPr>
+          <p:cNvPr id="21" name="Rectangle 20">
+            <a:extLst>
+              <a:ext uri="{FF2B5EF4-FFF2-40B4-BE49-F238E27FC236}">
+                <a16:creationId xmlns:a16="http://schemas.microsoft.com/office/drawing/2014/main" id="{08FEA829-C19B-41F1-BE5F-DBF9B391F39F}"/>
+              </a:ext>
+            </a:extLst>
+          </p:cNvPr>
+          <p:cNvSpPr/>
+          <p:nvPr/>
+        </p:nvSpPr>
+        <p:spPr>
+          <a:xfrm>
+            <a:off x="878840" y="1896465"/>
+            <a:ext cx="6527800" cy="2152295"/>
+          </a:xfrm>
+          <a:prstGeom prst="rect">
+            <a:avLst/>
+          </a:prstGeom>
+          <a:noFill/>
+          <a:ln>
+            <a:solidFill>
+              <a:schemeClr val="tx2">
+                <a:lumMod val="90000"/>
+              </a:schemeClr>
+            </a:solidFill>
+          </a:ln>
+        </p:spPr>
+        <p:style>
+          <a:lnRef idx="2">
+            <a:schemeClr val="dk1"/>
+          </a:lnRef>
+          <a:fillRef idx="1">
+            <a:schemeClr val="lt1"/>
+          </a:fillRef>
+          <a:effectRef idx="0">
+            <a:schemeClr val="dk1"/>
+          </a:effectRef>
+          <a:fontRef idx="minor">
+            <a:schemeClr val="dk1"/>
+          </a:fontRef>
+        </p:style>
+        <p:txBody>
+          <a:bodyPr rtlCol="0" anchor="ctr"/>
+          <a:lstStyle/>
+          <a:p>
+            <a:pPr algn="ctr"/>
+            <a:endParaRPr lang="de-DE"/>
+          </a:p>
+        </p:txBody>
+      </p:sp>
+      <p:sp>
+        <p:nvSpPr>
+          <p:cNvPr id="13" name="TextBox 12">
+            <a:extLst>
+              <a:ext uri="{FF2B5EF4-FFF2-40B4-BE49-F238E27FC236}">
+                <a16:creationId xmlns:a16="http://schemas.microsoft.com/office/drawing/2014/main" id="{7DF46FAF-42D7-43D4-B9FE-9BCD7DE10552}"/>
+              </a:ext>
+            </a:extLst>
+          </p:cNvPr>
+          <p:cNvSpPr txBox="1"/>
+          <p:nvPr/>
+        </p:nvSpPr>
+        <p:spPr>
+          <a:xfrm>
+            <a:off x="924560" y="4524194"/>
+            <a:ext cx="6631944" cy="1477328"/>
+          </a:xfrm>
+          <a:prstGeom prst="rect">
+            <a:avLst/>
+          </a:prstGeom>
+          <a:noFill/>
+        </p:spPr>
+        <p:txBody>
+          <a:bodyPr wrap="none" rtlCol="0">
+            <a:spAutoFit/>
+          </a:bodyPr>
+          <a:lstStyle/>
+          <a:p>
+            <a:r>
+              <a:rPr lang="de-DE" b="0" dirty="0" err="1">
+                <a:solidFill>
+                  <a:srgbClr val="569CD6"/>
+                </a:solidFill>
+                <a:effectLst/>
+                <a:latin typeface="JetBrainsMono NF" panose="02010509020102050004" pitchFamily="50" charset="0"/>
+              </a:rPr>
+              <a:t>new</a:t>
+            </a:r>
+            <a:r>
+              <a:rPr lang="de-DE" b="0" dirty="0">
+                <a:solidFill>
+                  <a:srgbClr val="D4D4D4"/>
+                </a:solidFill>
+                <a:effectLst/>
+                <a:latin typeface="JetBrainsMono NF" panose="02010509020102050004" pitchFamily="50" charset="0"/>
+              </a:rPr>
+              <a:t> </a:t>
+            </a:r>
+            <a:r>
+              <a:rPr lang="de-DE" b="0" dirty="0" err="1">
+                <a:solidFill>
+                  <a:srgbClr val="4EC9B0"/>
+                </a:solidFill>
+                <a:effectLst/>
+                <a:latin typeface="JetBrainsMono NF" panose="02010509020102050004" pitchFamily="50" charset="0"/>
+              </a:rPr>
+              <a:t>Promise</a:t>
+            </a:r>
+            <a:r>
+              <a:rPr lang="de-DE" b="0" dirty="0">
+                <a:solidFill>
+                  <a:srgbClr val="D4D4D4"/>
+                </a:solidFill>
+                <a:effectLst/>
+                <a:latin typeface="JetBrainsMono NF" panose="02010509020102050004" pitchFamily="50" charset="0"/>
+              </a:rPr>
+              <a:t>((</a:t>
+            </a:r>
+            <a:r>
+              <a:rPr lang="de-DE" b="0" dirty="0" err="1">
+                <a:solidFill>
+                  <a:srgbClr val="9CDCFE"/>
+                </a:solidFill>
+                <a:effectLst/>
+                <a:latin typeface="JetBrainsMono NF" panose="02010509020102050004" pitchFamily="50" charset="0"/>
+              </a:rPr>
+              <a:t>resolve</a:t>
+            </a:r>
+            <a:r>
+              <a:rPr lang="de-DE" b="0" dirty="0">
+                <a:solidFill>
+                  <a:srgbClr val="D4D4D4"/>
+                </a:solidFill>
+                <a:effectLst/>
+                <a:latin typeface="JetBrainsMono NF" panose="02010509020102050004" pitchFamily="50" charset="0"/>
+              </a:rPr>
+              <a:t>, </a:t>
+            </a:r>
+            <a:r>
+              <a:rPr lang="de-DE" b="0" dirty="0" err="1">
+                <a:solidFill>
+                  <a:srgbClr val="9CDCFE"/>
+                </a:solidFill>
+                <a:effectLst/>
+                <a:latin typeface="JetBrainsMono NF" panose="02010509020102050004" pitchFamily="50" charset="0"/>
+              </a:rPr>
+              <a:t>reject</a:t>
+            </a:r>
+            <a:r>
+              <a:rPr lang="de-DE" b="0" dirty="0">
+                <a:solidFill>
+                  <a:srgbClr val="D4D4D4"/>
+                </a:solidFill>
+                <a:effectLst/>
+                <a:latin typeface="JetBrainsMono NF" panose="02010509020102050004" pitchFamily="50" charset="0"/>
+              </a:rPr>
+              <a:t>) </a:t>
+            </a:r>
+            <a:r>
+              <a:rPr lang="de-DE" b="0" dirty="0">
+                <a:solidFill>
+                  <a:srgbClr val="569CD6"/>
+                </a:solidFill>
+                <a:effectLst/>
+                <a:latin typeface="JetBrainsMono NF" panose="02010509020102050004" pitchFamily="50" charset="0"/>
+              </a:rPr>
+              <a:t>=&gt;</a:t>
+            </a:r>
+            <a:r>
+              <a:rPr lang="de-DE" b="0" dirty="0">
+                <a:solidFill>
+                  <a:srgbClr val="D4D4D4"/>
+                </a:solidFill>
+                <a:effectLst/>
+                <a:latin typeface="JetBrainsMono NF" panose="02010509020102050004" pitchFamily="50" charset="0"/>
+              </a:rPr>
+              <a:t> {</a:t>
+            </a:r>
+          </a:p>
+          <a:p>
+            <a:r>
+              <a:rPr lang="de-DE" b="0" dirty="0">
+                <a:solidFill>
+                  <a:srgbClr val="D4D4D4"/>
+                </a:solidFill>
+                <a:effectLst/>
+                <a:latin typeface="JetBrainsMono NF" panose="02010509020102050004" pitchFamily="50" charset="0"/>
+              </a:rPr>
+              <a:t>    </a:t>
+            </a:r>
+            <a:r>
+              <a:rPr lang="de-DE" b="0" dirty="0" err="1">
+                <a:solidFill>
+                  <a:srgbClr val="9CDCFE"/>
+                </a:solidFill>
+                <a:effectLst/>
+                <a:latin typeface="JetBrainsMono NF" panose="02010509020102050004" pitchFamily="50" charset="0"/>
+              </a:rPr>
+              <a:t>document</a:t>
+            </a:r>
+            <a:r>
+              <a:rPr lang="de-DE" b="0" dirty="0" err="1">
+                <a:solidFill>
+                  <a:srgbClr val="D4D4D4"/>
+                </a:solidFill>
+                <a:effectLst/>
+                <a:latin typeface="JetBrainsMono NF" panose="02010509020102050004" pitchFamily="50" charset="0"/>
+              </a:rPr>
+              <a:t>.</a:t>
+            </a:r>
+            <a:r>
+              <a:rPr lang="de-DE" b="0" dirty="0" err="1">
+                <a:solidFill>
+                  <a:srgbClr val="DCDCAA"/>
+                </a:solidFill>
+                <a:effectLst/>
+                <a:latin typeface="JetBrainsMono NF" panose="02010509020102050004" pitchFamily="50" charset="0"/>
+              </a:rPr>
+              <a:t>addEventListener</a:t>
+            </a:r>
+            <a:r>
+              <a:rPr lang="de-DE" b="0" dirty="0">
+                <a:solidFill>
+                  <a:srgbClr val="D4D4D4"/>
+                </a:solidFill>
+                <a:effectLst/>
+                <a:latin typeface="JetBrainsMono NF" panose="02010509020102050004" pitchFamily="50" charset="0"/>
+              </a:rPr>
+              <a:t>(</a:t>
+            </a:r>
+            <a:r>
+              <a:rPr lang="de-DE" b="0" dirty="0">
+                <a:solidFill>
+                  <a:srgbClr val="CE9178"/>
+                </a:solidFill>
+                <a:effectLst/>
+                <a:latin typeface="JetBrainsMono NF" panose="02010509020102050004" pitchFamily="50" charset="0"/>
+              </a:rPr>
+              <a:t>"</a:t>
+            </a:r>
+            <a:r>
+              <a:rPr lang="de-DE" b="0" dirty="0" err="1">
+                <a:solidFill>
+                  <a:srgbClr val="CE9178"/>
+                </a:solidFill>
+                <a:effectLst/>
+                <a:latin typeface="JetBrainsMono NF" panose="02010509020102050004" pitchFamily="50" charset="0"/>
+              </a:rPr>
+              <a:t>click</a:t>
+            </a:r>
+            <a:r>
+              <a:rPr lang="de-DE" b="0" dirty="0">
+                <a:solidFill>
+                  <a:srgbClr val="CE9178"/>
+                </a:solidFill>
+                <a:effectLst/>
+                <a:latin typeface="JetBrainsMono NF" panose="02010509020102050004" pitchFamily="50" charset="0"/>
+              </a:rPr>
+              <a:t>"</a:t>
+            </a:r>
+            <a:r>
+              <a:rPr lang="de-DE" b="0" dirty="0">
+                <a:solidFill>
+                  <a:srgbClr val="D4D4D4"/>
+                </a:solidFill>
+                <a:effectLst/>
+                <a:latin typeface="JetBrainsMono NF" panose="02010509020102050004" pitchFamily="50" charset="0"/>
+              </a:rPr>
+              <a:t>, </a:t>
+            </a:r>
+            <a:r>
+              <a:rPr lang="de-DE" b="0" dirty="0" err="1">
+                <a:solidFill>
+                  <a:srgbClr val="9CDCFE"/>
+                </a:solidFill>
+                <a:effectLst/>
+                <a:latin typeface="JetBrainsMono NF" panose="02010509020102050004" pitchFamily="50" charset="0"/>
+              </a:rPr>
+              <a:t>resolve</a:t>
+            </a:r>
+            <a:r>
+              <a:rPr lang="de-DE" b="0" dirty="0">
+                <a:solidFill>
+                  <a:srgbClr val="D4D4D4"/>
+                </a:solidFill>
+                <a:effectLst/>
+                <a:latin typeface="JetBrainsMono NF" panose="02010509020102050004" pitchFamily="50" charset="0"/>
+              </a:rPr>
+              <a:t>);</a:t>
+            </a:r>
+          </a:p>
+          <a:p>
+            <a:r>
+              <a:rPr lang="de-DE" b="0" dirty="0">
+                <a:solidFill>
+                  <a:srgbClr val="D4D4D4"/>
+                </a:solidFill>
+                <a:effectLst/>
+                <a:latin typeface="JetBrainsMono NF" panose="02010509020102050004" pitchFamily="50" charset="0"/>
+              </a:rPr>
+              <a:t>})</a:t>
+            </a:r>
+          </a:p>
+          <a:p>
+            <a:r>
+              <a:rPr lang="de-DE" b="0" dirty="0">
+                <a:solidFill>
+                  <a:srgbClr val="D4D4D4"/>
+                </a:solidFill>
+                <a:effectLst/>
+                <a:latin typeface="JetBrainsMono NF" panose="02010509020102050004" pitchFamily="50" charset="0"/>
+              </a:rPr>
+              <a:t>.</a:t>
+            </a:r>
+            <a:r>
+              <a:rPr lang="de-DE" b="0" dirty="0" err="1">
+                <a:solidFill>
+                  <a:srgbClr val="DCDCAA"/>
+                </a:solidFill>
+                <a:effectLst/>
+                <a:latin typeface="JetBrainsMono NF" panose="02010509020102050004" pitchFamily="50" charset="0"/>
+              </a:rPr>
+              <a:t>then</a:t>
+            </a:r>
+            <a:r>
+              <a:rPr lang="de-DE" b="0" dirty="0">
+                <a:solidFill>
+                  <a:srgbClr val="D4D4D4"/>
+                </a:solidFill>
+                <a:effectLst/>
+                <a:latin typeface="JetBrainsMono NF" panose="02010509020102050004" pitchFamily="50" charset="0"/>
+              </a:rPr>
+              <a:t>(</a:t>
+            </a:r>
+            <a:r>
+              <a:rPr lang="de-DE" b="0" dirty="0" err="1">
+                <a:solidFill>
+                  <a:srgbClr val="9CDCFE"/>
+                </a:solidFill>
+                <a:effectLst/>
+                <a:latin typeface="JetBrainsMono NF" panose="02010509020102050004" pitchFamily="50" charset="0"/>
+              </a:rPr>
+              <a:t>event</a:t>
+            </a:r>
+            <a:r>
+              <a:rPr lang="de-DE" b="0" dirty="0">
+                <a:solidFill>
+                  <a:srgbClr val="D4D4D4"/>
+                </a:solidFill>
+                <a:effectLst/>
+                <a:latin typeface="JetBrainsMono NF" panose="02010509020102050004" pitchFamily="50" charset="0"/>
+              </a:rPr>
+              <a:t> </a:t>
+            </a:r>
+            <a:r>
+              <a:rPr lang="de-DE" b="0" dirty="0">
+                <a:solidFill>
+                  <a:srgbClr val="569CD6"/>
+                </a:solidFill>
+                <a:effectLst/>
+                <a:latin typeface="JetBrainsMono NF" panose="02010509020102050004" pitchFamily="50" charset="0"/>
+              </a:rPr>
+              <a:t>=&gt;</a:t>
+            </a:r>
+            <a:r>
+              <a:rPr lang="de-DE" b="0" dirty="0">
+                <a:solidFill>
+                  <a:srgbClr val="D4D4D4"/>
+                </a:solidFill>
+                <a:effectLst/>
+                <a:latin typeface="JetBrainsMono NF" panose="02010509020102050004" pitchFamily="50" charset="0"/>
+              </a:rPr>
+              <a:t> </a:t>
+            </a:r>
+            <a:r>
+              <a:rPr lang="de-DE" b="0" dirty="0">
+                <a:solidFill>
+                  <a:srgbClr val="9CDCFE"/>
+                </a:solidFill>
+                <a:effectLst/>
+                <a:latin typeface="JetBrainsMono NF" panose="02010509020102050004" pitchFamily="50" charset="0"/>
+              </a:rPr>
+              <a:t>console</a:t>
+            </a:r>
+            <a:r>
+              <a:rPr lang="de-DE" b="0" dirty="0">
+                <a:solidFill>
+                  <a:srgbClr val="D4D4D4"/>
+                </a:solidFill>
+                <a:effectLst/>
+                <a:latin typeface="JetBrainsMono NF" panose="02010509020102050004" pitchFamily="50" charset="0"/>
+              </a:rPr>
+              <a:t>.</a:t>
+            </a:r>
+            <a:r>
+              <a:rPr lang="de-DE" b="0" dirty="0">
+                <a:solidFill>
+                  <a:srgbClr val="DCDCAA"/>
+                </a:solidFill>
+                <a:effectLst/>
+                <a:latin typeface="JetBrainsMono NF" panose="02010509020102050004" pitchFamily="50" charset="0"/>
+              </a:rPr>
+              <a:t>log</a:t>
+            </a:r>
+            <a:r>
+              <a:rPr lang="de-DE" b="0" dirty="0">
+                <a:solidFill>
+                  <a:srgbClr val="D4D4D4"/>
+                </a:solidFill>
+                <a:effectLst/>
+                <a:latin typeface="JetBrainsMono NF" panose="02010509020102050004" pitchFamily="50" charset="0"/>
+              </a:rPr>
+              <a:t>(</a:t>
+            </a:r>
+            <a:r>
+              <a:rPr lang="de-DE" b="0" dirty="0" err="1">
+                <a:solidFill>
+                  <a:srgbClr val="9CDCFE"/>
+                </a:solidFill>
+                <a:effectLst/>
+                <a:latin typeface="JetBrainsMono NF" panose="02010509020102050004" pitchFamily="50" charset="0"/>
+              </a:rPr>
+              <a:t>event</a:t>
+            </a:r>
+            <a:r>
+              <a:rPr lang="de-DE" b="0" dirty="0">
+                <a:solidFill>
+                  <a:srgbClr val="D4D4D4"/>
+                </a:solidFill>
+                <a:effectLst/>
+                <a:latin typeface="JetBrainsMono NF" panose="02010509020102050004" pitchFamily="50" charset="0"/>
+              </a:rPr>
+              <a:t>));</a:t>
+            </a:r>
+          </a:p>
+          <a:p>
+            <a:endParaRPr lang="de-DE" dirty="0"/>
+          </a:p>
+        </p:txBody>
+      </p:sp>
+      <p:sp>
+        <p:nvSpPr>
+          <p:cNvPr id="14" name="Rectangle 13">
+            <a:extLst>
+              <a:ext uri="{FF2B5EF4-FFF2-40B4-BE49-F238E27FC236}">
+                <a16:creationId xmlns:a16="http://schemas.microsoft.com/office/drawing/2014/main" id="{0B114DE3-7324-489E-9ABE-F64AC900CC23}"/>
+              </a:ext>
+            </a:extLst>
+          </p:cNvPr>
+          <p:cNvSpPr/>
+          <p:nvPr/>
+        </p:nvSpPr>
+        <p:spPr>
+          <a:xfrm>
+            <a:off x="878840" y="4468314"/>
+            <a:ext cx="6527800" cy="1322251"/>
+          </a:xfrm>
+          <a:prstGeom prst="rect">
+            <a:avLst/>
+          </a:prstGeom>
+          <a:noFill/>
+          <a:ln>
+            <a:solidFill>
+              <a:schemeClr val="tx2">
+                <a:lumMod val="90000"/>
+              </a:schemeClr>
+            </a:solidFill>
+          </a:ln>
+        </p:spPr>
+        <p:style>
+          <a:lnRef idx="2">
+            <a:schemeClr val="dk1"/>
+          </a:lnRef>
+          <a:fillRef idx="1">
+            <a:schemeClr val="lt1"/>
+          </a:fillRef>
+          <a:effectRef idx="0">
+            <a:schemeClr val="dk1"/>
+          </a:effectRef>
+          <a:fontRef idx="minor">
+            <a:schemeClr val="dk1"/>
+          </a:fontRef>
+        </p:style>
+        <p:txBody>
+          <a:bodyPr rtlCol="0" anchor="ctr"/>
+          <a:lstStyle/>
+          <a:p>
+            <a:pPr algn="ctr"/>
+            <a:endParaRPr lang="de-DE"/>
+          </a:p>
+        </p:txBody>
+      </p:sp>
+      <p:cxnSp>
+        <p:nvCxnSpPr>
+          <p:cNvPr id="6" name="Straight Arrow Connector 5">
+            <a:extLst>
+              <a:ext uri="{FF2B5EF4-FFF2-40B4-BE49-F238E27FC236}">
+                <a16:creationId xmlns:a16="http://schemas.microsoft.com/office/drawing/2014/main" id="{47C5E63E-11A3-4416-ABFC-35209C33B783}"/>
+              </a:ext>
+            </a:extLst>
+          </p:cNvPr>
+          <p:cNvCxnSpPr>
+            <a:cxnSpLocks/>
+          </p:cNvCxnSpPr>
+          <p:nvPr/>
+        </p:nvCxnSpPr>
+        <p:spPr>
+          <a:xfrm flipH="1">
+            <a:off x="7467600" y="5176520"/>
+            <a:ext cx="939800" cy="0"/>
+          </a:xfrm>
+          <a:prstGeom prst="straightConnector1">
+            <a:avLst/>
+          </a:prstGeom>
+          <a:ln w="38100">
+            <a:solidFill>
+              <a:schemeClr val="tx1"/>
+            </a:solidFill>
+            <a:tailEnd type="triangle"/>
+          </a:ln>
+        </p:spPr>
+        <p:style>
+          <a:lnRef idx="1">
+            <a:schemeClr val="accent1"/>
+          </a:lnRef>
+          <a:fillRef idx="0">
+            <a:schemeClr val="accent1"/>
+          </a:fillRef>
+          <a:effectRef idx="0">
+            <a:schemeClr val="accent1"/>
+          </a:effectRef>
+          <a:fontRef idx="minor">
+            <a:schemeClr val="tx1"/>
+          </a:fontRef>
+        </p:style>
+      </p:cxnSp>
+      <p:sp>
+        <p:nvSpPr>
+          <p:cNvPr id="15" name="TextBox 14">
+            <a:extLst>
+              <a:ext uri="{FF2B5EF4-FFF2-40B4-BE49-F238E27FC236}">
+                <a16:creationId xmlns:a16="http://schemas.microsoft.com/office/drawing/2014/main" id="{F82F73CC-0D89-4BAB-97E3-9FCBAF860880}"/>
+              </a:ext>
+            </a:extLst>
+          </p:cNvPr>
+          <p:cNvSpPr txBox="1"/>
+          <p:nvPr/>
+        </p:nvSpPr>
+        <p:spPr>
+          <a:xfrm>
+            <a:off x="8468360" y="4944773"/>
+            <a:ext cx="3659848" cy="646331"/>
+          </a:xfrm>
+          <a:prstGeom prst="rect">
+            <a:avLst/>
+          </a:prstGeom>
+          <a:noFill/>
+        </p:spPr>
+        <p:txBody>
+          <a:bodyPr wrap="none" rtlCol="0">
+            <a:spAutoFit/>
+          </a:bodyPr>
+          <a:lstStyle/>
+          <a:p>
+            <a:r>
+              <a:rPr lang="de-DE" dirty="0"/>
+              <a:t>Problem: Caching</a:t>
+            </a:r>
+            <a:br>
+              <a:rPr lang="de-DE" dirty="0"/>
+            </a:br>
+            <a:r>
+              <a:rPr lang="de-DE" dirty="0"/>
+              <a:t>(</a:t>
+            </a:r>
+            <a:r>
+              <a:rPr lang="de-DE" dirty="0" err="1"/>
+              <a:t>Fulfilled</a:t>
+            </a:r>
+            <a:r>
+              <a:rPr lang="de-DE" dirty="0"/>
+              <a:t> nur beim ersten </a:t>
+            </a:r>
+            <a:r>
+              <a:rPr lang="de-DE" dirty="0" err="1"/>
+              <a:t>click</a:t>
+            </a:r>
+            <a:r>
+              <a:rPr lang="de-DE" dirty="0"/>
+              <a:t> </a:t>
+            </a:r>
+            <a:r>
+              <a:rPr lang="de-DE" dirty="0" err="1"/>
+              <a:t>event</a:t>
+            </a:r>
+            <a:r>
+              <a:rPr lang="de-DE" dirty="0"/>
+              <a:t>)</a:t>
+            </a:r>
+          </a:p>
+        </p:txBody>
+      </p:sp>
+    </p:spTree>
+    <p:extLst>
+      <p:ext uri="{BB962C8B-B14F-4D97-AF65-F5344CB8AC3E}">
+        <p14:creationId xmlns:p14="http://schemas.microsoft.com/office/powerpoint/2010/main" val="1317438070"/>
+      </p:ext>
+    </p:extLst>
+  </p:cSld>
+  <p:clrMapOvr>
+    <a:masterClrMapping/>
+  </p:clrMapOvr>
+</p:sld>
+</file>
+
 <file path=ppt/slides/slide42.xml><?xml version="1.0" encoding="utf-8"?>
 <p:sld xmlns:a="http://schemas.openxmlformats.org/drawingml/2006/main" xmlns:r="http://schemas.openxmlformats.org/officeDocument/2006/relationships" xmlns:p="http://schemas.openxmlformats.org/presentationml/2006/main">
   <p:cSld>
@@ -45050,7 +45042,12 @@
             <p:ph type="subTitle" idx="1"/>
           </p:nvPr>
         </p:nvSpPr>
-        <p:spPr/>
+        <p:spPr>
+          <a:xfrm>
+            <a:off x="1524000" y="4445318"/>
+            <a:ext cx="9144000" cy="1655762"/>
+          </a:xfrm>
+        </p:spPr>
         <p:txBody>
           <a:bodyPr>
             <a:normAutofit fontScale="70000" lnSpcReduction="20000"/>
@@ -47958,7 +47955,7 @@
         <p:spPr>
           <a:xfrm>
             <a:off x="838200" y="1825625"/>
-            <a:ext cx="10515600" cy="3412581"/>
+            <a:ext cx="10515600" cy="3990975"/>
           </a:xfrm>
         </p:spPr>
         <p:txBody>
@@ -47981,6 +47978,12 @@
           <a:p>
             <a:r>
               <a:rPr lang="de-DE" dirty="0"/>
+              <a:t>Statisch gerenderte Webseiten ohne JS sind Rarität geworden [2]</a:t>
+            </a:r>
+          </a:p>
+          <a:p>
+            <a:r>
+              <a:rPr lang="de-DE" dirty="0"/>
               <a:t>Alltagsarbeit in der Web-Entwicklung mit JS ist Komposition von</a:t>
             </a:r>
           </a:p>
@@ -48011,10 +48014,30 @@
             <a:endParaRPr lang="de-DE" dirty="0"/>
           </a:p>
           <a:p>
-            <a:r>
-              <a:rPr lang="de-DE" dirty="0"/>
-              <a:t>Statisch gerenderte Webseiten ohne JS sind Rarität geworden [2]</a:t>
-            </a:r>
+            <a:pPr marL="457200" lvl="1" indent="0">
+              <a:buNone/>
+            </a:pPr>
+            <a:endParaRPr lang="de-DE" dirty="0">
+              <a:sym typeface="Wingdings" panose="05000000000000000000" pitchFamily="2" charset="2"/>
+            </a:endParaRPr>
+          </a:p>
+          <a:p>
+            <a:pPr marL="457200" lvl="1" indent="0">
+              <a:buNone/>
+            </a:pPr>
+            <a:r>
+              <a:rPr lang="de-DE" dirty="0">
+                <a:sym typeface="Wingdings" panose="05000000000000000000" pitchFamily="2" charset="2"/>
+              </a:rPr>
+              <a:t> Alles Teil des Laufzeitmodells von JavaScript im Browser</a:t>
+            </a:r>
+            <a:endParaRPr lang="de-DE" dirty="0"/>
+          </a:p>
+          <a:p>
+            <a:pPr marL="0" indent="0">
+              <a:buNone/>
+            </a:pPr>
+            <a:endParaRPr lang="de-DE" dirty="0"/>
           </a:p>
         </p:txBody>
       </p:sp>
@@ -48064,7 +48087,7 @@
           <a:p>
             <a:r>
               <a:rPr lang="de-DE" dirty="0"/>
-              <a:t>[2] Disclaimer: Eigene Einschätzung, keine belastbaren Statistiken</a:t>
+              <a:t>[2] Eigene Einschätzung, keine belastbaren Statistiken</a:t>
             </a:r>
           </a:p>
         </p:txBody>

--- a/slides/Presentation.pptx
+++ b/slides/Presentation.pptx
@@ -5,7 +5,7 @@
     <p:sldMasterId id="2147483780" r:id="rId1"/>
   </p:sldMasterIdLst>
   <p:notesMasterIdLst>
-    <p:notesMasterId r:id="rId57"/>
+    <p:notesMasterId r:id="rId58"/>
   </p:notesMasterIdLst>
   <p:sldIdLst>
     <p:sldId id="259" r:id="rId2"/>
@@ -62,7 +62,8 @@
     <p:sldId id="292" r:id="rId53"/>
     <p:sldId id="286" r:id="rId54"/>
     <p:sldId id="285" r:id="rId55"/>
-    <p:sldId id="287" r:id="rId56"/>
+    <p:sldId id="315" r:id="rId56"/>
+    <p:sldId id="287" r:id="rId57"/>
   </p:sldIdLst>
   <p:sldSz cx="12192000" cy="6858000"/>
   <p:notesSz cx="6858000" cy="9144000"/>
@@ -251,7 +252,7 @@
           <a:p>
             <a:fld id="{B2F468E0-F31F-445D-A445-FF18778E878B}" type="datetimeFigureOut">
               <a:rPr lang="de-DE" smtClean="0"/>
-              <a:t>15.04.2022</a:t>
+              <a:t>24.04.2022</a:t>
             </a:fld>
             <a:endParaRPr lang="de-DE"/>
           </a:p>
@@ -956,7 +957,7 @@
           <a:p>
             <a:fld id="{02946651-2B59-4F4E-A127-AB6898D5BE3D}" type="datetimeFigureOut">
               <a:rPr lang="de-DE" smtClean="0"/>
-              <a:t>15.04.2022</a:t>
+              <a:t>24.04.2022</a:t>
             </a:fld>
             <a:endParaRPr lang="de-DE"/>
           </a:p>
@@ -1126,7 +1127,7 @@
           <a:p>
             <a:fld id="{02946651-2B59-4F4E-A127-AB6898D5BE3D}" type="datetimeFigureOut">
               <a:rPr lang="de-DE" smtClean="0"/>
-              <a:t>15.04.2022</a:t>
+              <a:t>24.04.2022</a:t>
             </a:fld>
             <a:endParaRPr lang="de-DE"/>
           </a:p>
@@ -1306,7 +1307,7 @@
           <a:p>
             <a:fld id="{02946651-2B59-4F4E-A127-AB6898D5BE3D}" type="datetimeFigureOut">
               <a:rPr lang="de-DE" smtClean="0"/>
-              <a:t>15.04.2022</a:t>
+              <a:t>24.04.2022</a:t>
             </a:fld>
             <a:endParaRPr lang="de-DE"/>
           </a:p>
@@ -1476,7 +1477,7 @@
           <a:p>
             <a:fld id="{02946651-2B59-4F4E-A127-AB6898D5BE3D}" type="datetimeFigureOut">
               <a:rPr lang="de-DE" smtClean="0"/>
-              <a:t>15.04.2022</a:t>
+              <a:t>24.04.2022</a:t>
             </a:fld>
             <a:endParaRPr lang="de-DE"/>
           </a:p>
@@ -1722,7 +1723,7 @@
           <a:p>
             <a:fld id="{02946651-2B59-4F4E-A127-AB6898D5BE3D}" type="datetimeFigureOut">
               <a:rPr lang="de-DE" smtClean="0"/>
-              <a:t>15.04.2022</a:t>
+              <a:t>24.04.2022</a:t>
             </a:fld>
             <a:endParaRPr lang="de-DE"/>
           </a:p>
@@ -1954,7 +1955,7 @@
           <a:p>
             <a:fld id="{02946651-2B59-4F4E-A127-AB6898D5BE3D}" type="datetimeFigureOut">
               <a:rPr lang="de-DE" smtClean="0"/>
-              <a:t>15.04.2022</a:t>
+              <a:t>24.04.2022</a:t>
             </a:fld>
             <a:endParaRPr lang="de-DE"/>
           </a:p>
@@ -2321,7 +2322,7 @@
           <a:p>
             <a:fld id="{02946651-2B59-4F4E-A127-AB6898D5BE3D}" type="datetimeFigureOut">
               <a:rPr lang="de-DE" smtClean="0"/>
-              <a:t>15.04.2022</a:t>
+              <a:t>24.04.2022</a:t>
             </a:fld>
             <a:endParaRPr lang="de-DE"/>
           </a:p>
@@ -2439,7 +2440,7 @@
           <a:p>
             <a:fld id="{02946651-2B59-4F4E-A127-AB6898D5BE3D}" type="datetimeFigureOut">
               <a:rPr lang="de-DE" smtClean="0"/>
-              <a:t>15.04.2022</a:t>
+              <a:t>24.04.2022</a:t>
             </a:fld>
             <a:endParaRPr lang="de-DE"/>
           </a:p>
@@ -2534,7 +2535,7 @@
           <a:p>
             <a:fld id="{02946651-2B59-4F4E-A127-AB6898D5BE3D}" type="datetimeFigureOut">
               <a:rPr lang="de-DE" smtClean="0"/>
-              <a:t>15.04.2022</a:t>
+              <a:t>24.04.2022</a:t>
             </a:fld>
             <a:endParaRPr lang="de-DE"/>
           </a:p>
@@ -2811,7 +2812,7 @@
           <a:p>
             <a:fld id="{02946651-2B59-4F4E-A127-AB6898D5BE3D}" type="datetimeFigureOut">
               <a:rPr lang="de-DE" smtClean="0"/>
-              <a:t>15.04.2022</a:t>
+              <a:t>24.04.2022</a:t>
             </a:fld>
             <a:endParaRPr lang="de-DE"/>
           </a:p>
@@ -3068,7 +3069,7 @@
           <a:p>
             <a:fld id="{02946651-2B59-4F4E-A127-AB6898D5BE3D}" type="datetimeFigureOut">
               <a:rPr lang="de-DE" smtClean="0"/>
-              <a:t>15.04.2022</a:t>
+              <a:t>24.04.2022</a:t>
             </a:fld>
             <a:endParaRPr lang="de-DE"/>
           </a:p>
@@ -3281,7 +3282,7 @@
           <a:p>
             <a:fld id="{02946651-2B59-4F4E-A127-AB6898D5BE3D}" type="datetimeFigureOut">
               <a:rPr lang="de-DE" smtClean="0"/>
-              <a:t>15.04.2022</a:t>
+              <a:t>24.04.2022</a:t>
             </a:fld>
             <a:endParaRPr lang="de-DE"/>
           </a:p>
@@ -44520,6 +44521,20 @@
               </a:rPr>
               <a:t>@typescript-eslint/no-floating-promises</a:t>
             </a:r>
+            <a:r>
+              <a:rPr lang="de-DE" dirty="0"/>
+              <a:t> </a:t>
+            </a:r>
+            <a:r>
+              <a:rPr lang="de-DE" b="0" i="0" dirty="0">
+                <a:solidFill>
+                  <a:srgbClr val="C8C3BC"/>
+                </a:solidFill>
+                <a:effectLst/>
+                <a:latin typeface="Noto Color Emoji"/>
+              </a:rPr>
+              <a:t>🏅</a:t>
+            </a:r>
             <a:endParaRPr lang="de-DE" dirty="0"/>
           </a:p>
           <a:p>
@@ -44530,6 +44545,20 @@
               </a:rPr>
               <a:t>@typescript-eslint/no-misused-promises</a:t>
             </a:r>
+            <a:r>
+              <a:rPr lang="de-DE" dirty="0"/>
+              <a:t> </a:t>
+            </a:r>
+            <a:r>
+              <a:rPr lang="de-DE" b="0" i="0" dirty="0">
+                <a:solidFill>
+                  <a:srgbClr val="C8C3BC"/>
+                </a:solidFill>
+                <a:effectLst/>
+                <a:latin typeface="Noto Color Emoji"/>
+              </a:rPr>
+              <a:t>🏅</a:t>
+            </a:r>
             <a:endParaRPr lang="de-DE" dirty="0"/>
           </a:p>
           <a:p>
@@ -44703,6 +44732,48 @@
                 <a:hlinkClick r:id="rId8"/>
               </a:rPr>
               <a:t>-return</a:t>
+            </a:r>
+            <a:endParaRPr lang="de-DE" dirty="0"/>
+          </a:p>
+        </p:txBody>
+      </p:sp>
+      <p:sp>
+        <p:nvSpPr>
+          <p:cNvPr id="5" name="TextBox 4">
+            <a:extLst>
+              <a:ext uri="{FF2B5EF4-FFF2-40B4-BE49-F238E27FC236}">
+                <a16:creationId xmlns:a16="http://schemas.microsoft.com/office/drawing/2014/main" id="{52CD3F4F-7E7F-46CB-9C1A-8C7207511D7E}"/>
+              </a:ext>
+            </a:extLst>
+          </p:cNvPr>
+          <p:cNvSpPr txBox="1"/>
+          <p:nvPr/>
+        </p:nvSpPr>
+        <p:spPr>
+          <a:xfrm>
+            <a:off x="152400" y="6311900"/>
+            <a:ext cx="6096000" cy="369332"/>
+          </a:xfrm>
+          <a:prstGeom prst="rect">
+            <a:avLst/>
+          </a:prstGeom>
+          <a:noFill/>
+        </p:spPr>
+        <p:txBody>
+          <a:bodyPr wrap="square">
+            <a:spAutoFit/>
+          </a:bodyPr>
+          <a:lstStyle/>
+          <a:p>
+            <a:r>
+              <a:rPr lang="de-DE" b="0" i="0" dirty="0">
+                <a:solidFill>
+                  <a:srgbClr val="C8C3BC"/>
+                </a:solidFill>
+                <a:effectLst/>
+                <a:latin typeface="Noto Color Emoji"/>
+              </a:rPr>
+              <a:t>🏅Empfehlung</a:t>
             </a:r>
             <a:endParaRPr lang="de-DE" dirty="0"/>
           </a:p>
@@ -44812,6 +44883,20 @@
               </a:rPr>
               <a:t> EU – YouTube</a:t>
             </a:r>
+            <a:r>
+              <a:rPr lang="en-US" dirty="0"/>
+              <a:t> </a:t>
+            </a:r>
+            <a:r>
+              <a:rPr lang="de-DE" b="0" i="0" dirty="0">
+                <a:solidFill>
+                  <a:srgbClr val="C8C3BC"/>
+                </a:solidFill>
+                <a:effectLst/>
+                <a:latin typeface="Noto Color Emoji"/>
+              </a:rPr>
+              <a:t>🏅</a:t>
+            </a:r>
             <a:endParaRPr lang="en-US" dirty="0"/>
           </a:p>
           <a:p>
@@ -44944,6 +45029,20 @@
               </a:rPr>
               <a:t>JavaScript Visualizer 9000</a:t>
             </a:r>
+            <a:r>
+              <a:rPr lang="de-DE" dirty="0"/>
+              <a:t> </a:t>
+            </a:r>
+            <a:r>
+              <a:rPr lang="de-DE" b="0" i="0" dirty="0">
+                <a:solidFill>
+                  <a:srgbClr val="C8C3BC"/>
+                </a:solidFill>
+                <a:effectLst/>
+                <a:latin typeface="Noto Color Emoji"/>
+              </a:rPr>
+              <a:t>🏅</a:t>
+            </a:r>
             <a:endParaRPr lang="de-DE" dirty="0"/>
           </a:p>
           <a:p>
@@ -44964,6 +45063,48 @@
           </a:p>
           <a:p>
             <a:pPr lvl="1"/>
+            <a:endParaRPr lang="de-DE" dirty="0"/>
+          </a:p>
+        </p:txBody>
+      </p:sp>
+      <p:sp>
+        <p:nvSpPr>
+          <p:cNvPr id="4" name="TextBox 3">
+            <a:extLst>
+              <a:ext uri="{FF2B5EF4-FFF2-40B4-BE49-F238E27FC236}">
+                <a16:creationId xmlns:a16="http://schemas.microsoft.com/office/drawing/2014/main" id="{8FBD99FA-BF3C-49BB-8726-537DDF557701}"/>
+              </a:ext>
+            </a:extLst>
+          </p:cNvPr>
+          <p:cNvSpPr txBox="1"/>
+          <p:nvPr/>
+        </p:nvSpPr>
+        <p:spPr>
+          <a:xfrm>
+            <a:off x="152400" y="6311900"/>
+            <a:ext cx="6096000" cy="369332"/>
+          </a:xfrm>
+          <a:prstGeom prst="rect">
+            <a:avLst/>
+          </a:prstGeom>
+          <a:noFill/>
+        </p:spPr>
+        <p:txBody>
+          <a:bodyPr wrap="square">
+            <a:spAutoFit/>
+          </a:bodyPr>
+          <a:lstStyle/>
+          <a:p>
+            <a:r>
+              <a:rPr lang="de-DE" b="0" i="0" dirty="0">
+                <a:solidFill>
+                  <a:srgbClr val="C8C3BC"/>
+                </a:solidFill>
+                <a:effectLst/>
+                <a:latin typeface="Noto Color Emoji"/>
+              </a:rPr>
+              <a:t>🏅Empfehlung</a:t>
+            </a:r>
             <a:endParaRPr lang="de-DE" dirty="0"/>
           </a:p>
         </p:txBody>
@@ -44982,6 +45123,239 @@
 </file>
 
 <file path=ppt/slides/slide55.xml><?xml version="1.0" encoding="utf-8"?>
+<p:sld xmlns:a="http://schemas.openxmlformats.org/drawingml/2006/main" xmlns:r="http://schemas.openxmlformats.org/officeDocument/2006/relationships" xmlns:p="http://schemas.openxmlformats.org/presentationml/2006/main">
+  <p:cSld>
+    <p:spTree>
+      <p:nvGrpSpPr>
+        <p:cNvPr id="1" name=""/>
+        <p:cNvGrpSpPr/>
+        <p:nvPr/>
+      </p:nvGrpSpPr>
+      <p:grpSpPr>
+        <a:xfrm>
+          <a:off x="0" y="0"/>
+          <a:ext cx="0" cy="0"/>
+          <a:chOff x="0" y="0"/>
+          <a:chExt cx="0" cy="0"/>
+        </a:xfrm>
+      </p:grpSpPr>
+      <p:sp>
+        <p:nvSpPr>
+          <p:cNvPr id="2" name="Title 1">
+            <a:extLst>
+              <a:ext uri="{FF2B5EF4-FFF2-40B4-BE49-F238E27FC236}">
+                <a16:creationId xmlns:a16="http://schemas.microsoft.com/office/drawing/2014/main" id="{302A2644-B9A3-4910-9CB6-149CE0FD2B78}"/>
+              </a:ext>
+            </a:extLst>
+          </p:cNvPr>
+          <p:cNvSpPr>
+            <a:spLocks noGrp="1"/>
+          </p:cNvSpPr>
+          <p:nvPr>
+            <p:ph type="title"/>
+          </p:nvPr>
+        </p:nvSpPr>
+        <p:spPr/>
+        <p:txBody>
+          <a:bodyPr/>
+          <a:lstStyle/>
+          <a:p>
+            <a:r>
+              <a:rPr lang="de-DE" dirty="0"/>
+              <a:t>Ergänzendes Material</a:t>
+            </a:r>
+          </a:p>
+        </p:txBody>
+      </p:sp>
+      <p:sp>
+        <p:nvSpPr>
+          <p:cNvPr id="3" name="Content Placeholder 2">
+            <a:extLst>
+              <a:ext uri="{FF2B5EF4-FFF2-40B4-BE49-F238E27FC236}">
+                <a16:creationId xmlns:a16="http://schemas.microsoft.com/office/drawing/2014/main" id="{8F14A612-99DF-4097-8036-6E75EACE5BDA}"/>
+              </a:ext>
+            </a:extLst>
+          </p:cNvPr>
+          <p:cNvSpPr>
+            <a:spLocks noGrp="1"/>
+          </p:cNvSpPr>
+          <p:nvPr>
+            <p:ph idx="1"/>
+          </p:nvPr>
+        </p:nvSpPr>
+        <p:spPr/>
+        <p:txBody>
+          <a:bodyPr/>
+          <a:lstStyle/>
+          <a:p>
+            <a:r>
+              <a:rPr lang="en-US" dirty="0" err="1"/>
+              <a:t>Literatur</a:t>
+            </a:r>
+            <a:endParaRPr lang="en-US" dirty="0"/>
+          </a:p>
+          <a:p>
+            <a:pPr lvl="1"/>
+            <a:r>
+              <a:rPr lang="de-DE" dirty="0">
+                <a:hlinkClick r:id="rId2"/>
+              </a:rPr>
+              <a:t>JavaScript for impatient programmers (ES2022 edition) (exploringjs.com)</a:t>
+            </a:r>
+            <a:r>
+              <a:rPr lang="de-DE" dirty="0"/>
+              <a:t> </a:t>
+            </a:r>
+            <a:r>
+              <a:rPr lang="de-DE" b="0" i="0" dirty="0">
+                <a:solidFill>
+                  <a:srgbClr val="C8C3BC"/>
+                </a:solidFill>
+                <a:effectLst/>
+                <a:latin typeface="Noto Color Emoji"/>
+              </a:rPr>
+              <a:t>🏅</a:t>
+            </a:r>
+            <a:endParaRPr lang="de-DE" dirty="0">
+              <a:hlinkClick r:id="rId3"/>
+            </a:endParaRPr>
+          </a:p>
+          <a:p>
+            <a:pPr lvl="1"/>
+            <a:r>
+              <a:rPr lang="de-DE" dirty="0">
+                <a:hlinkClick r:id="rId3"/>
+              </a:rPr>
+              <a:t>Asynchronous Programming :: Eloquent JavaScript</a:t>
+            </a:r>
+            <a:endParaRPr lang="de-DE" dirty="0"/>
+          </a:p>
+          <a:p>
+            <a:pPr lvl="1"/>
+            <a:r>
+              <a:rPr lang="en-US" dirty="0">
+                <a:hlinkClick r:id="rId4"/>
+              </a:rPr>
+              <a:t>Debugging Asynchronous JavaScript with Chrome </a:t>
+            </a:r>
+            <a:r>
+              <a:rPr lang="en-US" dirty="0" err="1">
+                <a:hlinkClick r:id="rId4"/>
+              </a:rPr>
+              <a:t>DevTools</a:t>
+            </a:r>
+            <a:r>
+              <a:rPr lang="en-US" dirty="0">
+                <a:hlinkClick r:id="rId4"/>
+              </a:rPr>
+              <a:t> - HTML5 Rocks</a:t>
+            </a:r>
+            <a:endParaRPr lang="en-US" dirty="0"/>
+          </a:p>
+          <a:p>
+            <a:pPr lvl="1"/>
+            <a:r>
+              <a:rPr lang="en-US" dirty="0">
+                <a:hlinkClick r:id="rId5"/>
+              </a:rPr>
+              <a:t>JavaScript Callbacks are Pretty Okay - Andrew Kelley</a:t>
+            </a:r>
+            <a:endParaRPr lang="en-US" dirty="0"/>
+          </a:p>
+          <a:p>
+            <a:pPr lvl="1"/>
+            <a:r>
+              <a:rPr lang="en-US" dirty="0">
+                <a:hlinkClick r:id="rId6"/>
+              </a:rPr>
+              <a:t>Callbacks are imperative, promises are functional: Node's biggest missed opportunity – The If Works (jcoglan.com)</a:t>
+            </a:r>
+            <a:endParaRPr lang="en-US" dirty="0"/>
+          </a:p>
+          <a:p>
+            <a:r>
+              <a:rPr lang="en-US" dirty="0"/>
+              <a:t>Standards</a:t>
+            </a:r>
+          </a:p>
+          <a:p>
+            <a:pPr lvl="1"/>
+            <a:r>
+              <a:rPr lang="de-DE" dirty="0">
+                <a:hlinkClick r:id="rId7"/>
+              </a:rPr>
+              <a:t>HTML Standard (whatwg.org)</a:t>
+            </a:r>
+            <a:endParaRPr lang="en-US" dirty="0"/>
+          </a:p>
+          <a:p>
+            <a:pPr lvl="1"/>
+            <a:r>
+              <a:rPr lang="de-DE" dirty="0">
+                <a:hlinkClick r:id="rId8"/>
+              </a:rPr>
+              <a:t>ECMA-262 - Ecma International (ecma-international.org)</a:t>
+            </a:r>
+            <a:endParaRPr lang="en-US" dirty="0"/>
+          </a:p>
+        </p:txBody>
+      </p:sp>
+      <p:sp>
+        <p:nvSpPr>
+          <p:cNvPr id="4" name="TextBox 3">
+            <a:extLst>
+              <a:ext uri="{FF2B5EF4-FFF2-40B4-BE49-F238E27FC236}">
+                <a16:creationId xmlns:a16="http://schemas.microsoft.com/office/drawing/2014/main" id="{8FBD99FA-BF3C-49BB-8726-537DDF557701}"/>
+              </a:ext>
+            </a:extLst>
+          </p:cNvPr>
+          <p:cNvSpPr txBox="1"/>
+          <p:nvPr/>
+        </p:nvSpPr>
+        <p:spPr>
+          <a:xfrm>
+            <a:off x="152400" y="6311900"/>
+            <a:ext cx="6096000" cy="369332"/>
+          </a:xfrm>
+          <a:prstGeom prst="rect">
+            <a:avLst/>
+          </a:prstGeom>
+          <a:noFill/>
+        </p:spPr>
+        <p:txBody>
+          <a:bodyPr wrap="square">
+            <a:spAutoFit/>
+          </a:bodyPr>
+          <a:lstStyle/>
+          <a:p>
+            <a:r>
+              <a:rPr lang="de-DE" b="0" i="0" dirty="0">
+                <a:solidFill>
+                  <a:srgbClr val="C8C3BC"/>
+                </a:solidFill>
+                <a:effectLst/>
+                <a:latin typeface="Noto Color Emoji"/>
+              </a:rPr>
+              <a:t>🏅Empfehlung</a:t>
+            </a:r>
+            <a:endParaRPr lang="de-DE" dirty="0"/>
+          </a:p>
+        </p:txBody>
+      </p:sp>
+    </p:spTree>
+    <p:extLst>
+      <p:ext uri="{BB962C8B-B14F-4D97-AF65-F5344CB8AC3E}">
+        <p14:creationId xmlns:p14="http://schemas.microsoft.com/office/powerpoint/2010/main" val="3719768257"/>
+      </p:ext>
+    </p:extLst>
+  </p:cSld>
+  <p:clrMapOvr>
+    <a:masterClrMapping/>
+  </p:clrMapOvr>
+</p:sld>
+</file>
+
+<file path=ppt/slides/slide56.xml><?xml version="1.0" encoding="utf-8"?>
 <p:sld xmlns:a="http://schemas.openxmlformats.org/drawingml/2006/main" xmlns:r="http://schemas.openxmlformats.org/officeDocument/2006/relationships" xmlns:p="http://schemas.openxmlformats.org/presentationml/2006/main">
   <p:cSld>
     <p:spTree>

--- a/slides/Presentation.pptx
+++ b/slides/Presentation.pptx
@@ -5,7 +5,7 @@
     <p:sldMasterId id="2147483780" r:id="rId1"/>
   </p:sldMasterIdLst>
   <p:notesMasterIdLst>
-    <p:notesMasterId r:id="rId58"/>
+    <p:notesMasterId r:id="rId60"/>
   </p:notesMasterIdLst>
   <p:sldIdLst>
     <p:sldId id="259" r:id="rId2"/>
@@ -32,38 +32,40 @@
     <p:sldId id="306" r:id="rId23"/>
     <p:sldId id="308" r:id="rId24"/>
     <p:sldId id="307" r:id="rId25"/>
-    <p:sldId id="296" r:id="rId26"/>
-    <p:sldId id="258" r:id="rId27"/>
-    <p:sldId id="310" r:id="rId28"/>
-    <p:sldId id="314" r:id="rId29"/>
-    <p:sldId id="309" r:id="rId30"/>
-    <p:sldId id="266" r:id="rId31"/>
-    <p:sldId id="267" r:id="rId32"/>
-    <p:sldId id="268" r:id="rId33"/>
-    <p:sldId id="295" r:id="rId34"/>
-    <p:sldId id="269" r:id="rId35"/>
-    <p:sldId id="311" r:id="rId36"/>
-    <p:sldId id="312" r:id="rId37"/>
-    <p:sldId id="313" r:id="rId38"/>
-    <p:sldId id="274" r:id="rId39"/>
-    <p:sldId id="270" r:id="rId40"/>
-    <p:sldId id="271" r:id="rId41"/>
-    <p:sldId id="278" r:id="rId42"/>
-    <p:sldId id="272" r:id="rId43"/>
-    <p:sldId id="273" r:id="rId44"/>
-    <p:sldId id="275" r:id="rId45"/>
-    <p:sldId id="276" r:id="rId46"/>
-    <p:sldId id="277" r:id="rId47"/>
-    <p:sldId id="291" r:id="rId48"/>
-    <p:sldId id="280" r:id="rId49"/>
-    <p:sldId id="282" r:id="rId50"/>
-    <p:sldId id="281" r:id="rId51"/>
-    <p:sldId id="283" r:id="rId52"/>
-    <p:sldId id="292" r:id="rId53"/>
-    <p:sldId id="286" r:id="rId54"/>
-    <p:sldId id="285" r:id="rId55"/>
-    <p:sldId id="315" r:id="rId56"/>
-    <p:sldId id="287" r:id="rId57"/>
+    <p:sldId id="317" r:id="rId26"/>
+    <p:sldId id="296" r:id="rId27"/>
+    <p:sldId id="258" r:id="rId28"/>
+    <p:sldId id="310" r:id="rId29"/>
+    <p:sldId id="314" r:id="rId30"/>
+    <p:sldId id="309" r:id="rId31"/>
+    <p:sldId id="266" r:id="rId32"/>
+    <p:sldId id="318" r:id="rId33"/>
+    <p:sldId id="267" r:id="rId34"/>
+    <p:sldId id="268" r:id="rId35"/>
+    <p:sldId id="295" r:id="rId36"/>
+    <p:sldId id="269" r:id="rId37"/>
+    <p:sldId id="311" r:id="rId38"/>
+    <p:sldId id="312" r:id="rId39"/>
+    <p:sldId id="313" r:id="rId40"/>
+    <p:sldId id="274" r:id="rId41"/>
+    <p:sldId id="270" r:id="rId42"/>
+    <p:sldId id="271" r:id="rId43"/>
+    <p:sldId id="278" r:id="rId44"/>
+    <p:sldId id="272" r:id="rId45"/>
+    <p:sldId id="273" r:id="rId46"/>
+    <p:sldId id="275" r:id="rId47"/>
+    <p:sldId id="276" r:id="rId48"/>
+    <p:sldId id="277" r:id="rId49"/>
+    <p:sldId id="291" r:id="rId50"/>
+    <p:sldId id="280" r:id="rId51"/>
+    <p:sldId id="282" r:id="rId52"/>
+    <p:sldId id="281" r:id="rId53"/>
+    <p:sldId id="283" r:id="rId54"/>
+    <p:sldId id="292" r:id="rId55"/>
+    <p:sldId id="286" r:id="rId56"/>
+    <p:sldId id="285" r:id="rId57"/>
+    <p:sldId id="315" r:id="rId58"/>
+    <p:sldId id="287" r:id="rId59"/>
   </p:sldIdLst>
   <p:sldSz cx="12192000" cy="6858000"/>
   <p:notesSz cx="6858000" cy="9144000"/>
@@ -807,7 +809,91 @@
           <a:p>
             <a:fld id="{B0987B78-0961-4619-8AB9-0DC557153BE3}" type="slidenum">
               <a:rPr lang="de-DE" smtClean="0"/>
-              <a:t>35</a:t>
+              <a:t>31</a:t>
+            </a:fld>
+            <a:endParaRPr lang="de-DE"/>
+          </a:p>
+        </p:txBody>
+      </p:sp>
+    </p:spTree>
+    <p:extLst>
+      <p:ext uri="{BB962C8B-B14F-4D97-AF65-F5344CB8AC3E}">
+        <p14:creationId xmlns:p14="http://schemas.microsoft.com/office/powerpoint/2010/main" val="1032654108"/>
+      </p:ext>
+    </p:extLst>
+  </p:cSld>
+  <p:clrMapOvr>
+    <a:masterClrMapping/>
+  </p:clrMapOvr>
+</p:notes>
+</file>
+
+<file path=ppt/notesSlides/notesSlide4.xml><?xml version="1.0" encoding="utf-8"?>
+<p:notes xmlns:a="http://schemas.openxmlformats.org/drawingml/2006/main" xmlns:r="http://schemas.openxmlformats.org/officeDocument/2006/relationships" xmlns:p="http://schemas.openxmlformats.org/presentationml/2006/main">
+  <p:cSld>
+    <p:spTree>
+      <p:nvGrpSpPr>
+        <p:cNvPr id="1" name=""/>
+        <p:cNvGrpSpPr/>
+        <p:nvPr/>
+      </p:nvGrpSpPr>
+      <p:grpSpPr>
+        <a:xfrm>
+          <a:off x="0" y="0"/>
+          <a:ext cx="0" cy="0"/>
+          <a:chOff x="0" y="0"/>
+          <a:chExt cx="0" cy="0"/>
+        </a:xfrm>
+      </p:grpSpPr>
+      <p:sp>
+        <p:nvSpPr>
+          <p:cNvPr id="2" name="Slide Image Placeholder 1"/>
+          <p:cNvSpPr>
+            <a:spLocks noGrp="1" noRot="1" noChangeAspect="1"/>
+          </p:cNvSpPr>
+          <p:nvPr>
+            <p:ph type="sldImg"/>
+          </p:nvPr>
+        </p:nvSpPr>
+        <p:spPr/>
+      </p:sp>
+      <p:sp>
+        <p:nvSpPr>
+          <p:cNvPr id="3" name="Notes Placeholder 2"/>
+          <p:cNvSpPr>
+            <a:spLocks noGrp="1"/>
+          </p:cNvSpPr>
+          <p:nvPr>
+            <p:ph type="body" idx="1"/>
+          </p:nvPr>
+        </p:nvSpPr>
+        <p:spPr/>
+        <p:txBody>
+          <a:bodyPr/>
+          <a:lstStyle/>
+          <a:p>
+            <a:endParaRPr lang="de-DE" dirty="0"/>
+          </a:p>
+        </p:txBody>
+      </p:sp>
+      <p:sp>
+        <p:nvSpPr>
+          <p:cNvPr id="4" name="Slide Number Placeholder 3"/>
+          <p:cNvSpPr>
+            <a:spLocks noGrp="1"/>
+          </p:cNvSpPr>
+          <p:nvPr>
+            <p:ph type="sldNum" sz="quarter" idx="5"/>
+          </p:nvPr>
+        </p:nvSpPr>
+        <p:spPr/>
+        <p:txBody>
+          <a:bodyPr/>
+          <a:lstStyle/>
+          <a:p>
+            <a:fld id="{B0987B78-0961-4619-8AB9-0DC557153BE3}" type="slidenum">
+              <a:rPr lang="de-DE" smtClean="0"/>
+              <a:t>37</a:t>
             </a:fld>
             <a:endParaRPr lang="de-DE"/>
           </a:p>
@@ -14861,6 +14947,187 @@
       </p:grpSpPr>
       <p:sp>
         <p:nvSpPr>
+          <p:cNvPr id="2" name="Title 1">
+            <a:extLst>
+              <a:ext uri="{FF2B5EF4-FFF2-40B4-BE49-F238E27FC236}">
+                <a16:creationId xmlns:a16="http://schemas.microsoft.com/office/drawing/2014/main" id="{04A2D1EB-F539-4D17-BAA3-ABA769C2A3ED}"/>
+              </a:ext>
+            </a:extLst>
+          </p:cNvPr>
+          <p:cNvSpPr>
+            <a:spLocks noGrp="1"/>
+          </p:cNvSpPr>
+          <p:nvPr>
+            <p:ph type="title"/>
+          </p:nvPr>
+        </p:nvSpPr>
+        <p:spPr/>
+        <p:txBody>
+          <a:bodyPr/>
+          <a:lstStyle/>
+          <a:p>
+            <a:r>
+              <a:rPr lang="de-DE" dirty="0"/>
+              <a:t>Basics</a:t>
+            </a:r>
+          </a:p>
+        </p:txBody>
+      </p:sp>
+      <p:sp>
+        <p:nvSpPr>
+          <p:cNvPr id="5" name="Content Placeholder 4">
+            <a:extLst>
+              <a:ext uri="{FF2B5EF4-FFF2-40B4-BE49-F238E27FC236}">
+                <a16:creationId xmlns:a16="http://schemas.microsoft.com/office/drawing/2014/main" id="{55B6755B-97D8-45AA-8235-049A79FD56AE}"/>
+              </a:ext>
+            </a:extLst>
+          </p:cNvPr>
+          <p:cNvSpPr>
+            <a:spLocks noGrp="1"/>
+          </p:cNvSpPr>
+          <p:nvPr>
+            <p:ph idx="1"/>
+          </p:nvPr>
+        </p:nvSpPr>
+        <p:spPr>
+          <a:xfrm>
+            <a:off x="2174669" y="1896877"/>
+            <a:ext cx="7842661" cy="1891352"/>
+          </a:xfrm>
+        </p:spPr>
+        <p:txBody>
+          <a:bodyPr>
+            <a:normAutofit/>
+          </a:bodyPr>
+          <a:lstStyle/>
+          <a:p>
+            <a:pPr marL="0" indent="0" algn="just">
+              <a:buNone/>
+            </a:pPr>
+            <a:r>
+              <a:rPr lang="en-US" dirty="0">
+                <a:solidFill>
+                  <a:schemeClr val="tx1">
+                    <a:lumMod val="65000"/>
+                  </a:schemeClr>
+                </a:solidFill>
+              </a:rPr>
+              <a:t>“An execution context is [...] used to track the runtime evaluation of code [...]. At any point in time, there is </a:t>
+            </a:r>
+            <a:r>
+              <a:rPr lang="en-US" u="sng" dirty="0">
+                <a:solidFill>
+                  <a:schemeClr val="tx1">
+                    <a:lumMod val="65000"/>
+                  </a:schemeClr>
+                </a:solidFill>
+              </a:rPr>
+              <a:t>at most one execution context</a:t>
+            </a:r>
+            <a:r>
+              <a:rPr lang="en-US" dirty="0">
+                <a:solidFill>
+                  <a:schemeClr val="tx1">
+                    <a:lumMod val="65000"/>
+                  </a:schemeClr>
+                </a:solidFill>
+              </a:rPr>
+              <a:t> [...] that is actually executing code.”</a:t>
+            </a:r>
+            <a:endParaRPr lang="de-DE" dirty="0">
+              <a:solidFill>
+                <a:schemeClr val="tx1">
+                  <a:lumMod val="65000"/>
+                </a:schemeClr>
+              </a:solidFill>
+            </a:endParaRPr>
+          </a:p>
+        </p:txBody>
+      </p:sp>
+      <p:sp>
+        <p:nvSpPr>
+          <p:cNvPr id="6" name="TextBox 5">
+            <a:extLst>
+              <a:ext uri="{FF2B5EF4-FFF2-40B4-BE49-F238E27FC236}">
+                <a16:creationId xmlns:a16="http://schemas.microsoft.com/office/drawing/2014/main" id="{B8426594-30F6-440B-9643-1355EBB651F3}"/>
+              </a:ext>
+            </a:extLst>
+          </p:cNvPr>
+          <p:cNvSpPr txBox="1"/>
+          <p:nvPr/>
+        </p:nvSpPr>
+        <p:spPr>
+          <a:xfrm>
+            <a:off x="2174669" y="3665517"/>
+            <a:ext cx="8277074" cy="646331"/>
+          </a:xfrm>
+          <a:prstGeom prst="rect">
+            <a:avLst/>
+          </a:prstGeom>
+          <a:noFill/>
+        </p:spPr>
+        <p:txBody>
+          <a:bodyPr wrap="none" rtlCol="0">
+            <a:spAutoFit/>
+          </a:bodyPr>
+          <a:lstStyle/>
+          <a:p>
+            <a:r>
+              <a:rPr lang="de-DE" dirty="0"/>
+              <a:t>Quelle: </a:t>
+            </a:r>
+            <a:r>
+              <a:rPr lang="en-US" dirty="0"/>
+              <a:t>ECMA-262, 12th edition, June 2021 ECMAScript® 2021 Language Specification</a:t>
+            </a:r>
+          </a:p>
+          <a:p>
+            <a:r>
+              <a:rPr lang="en-US" dirty="0">
+                <a:hlinkClick r:id="rId2"/>
+              </a:rPr>
+              <a:t>https://262.ecma-international.org/12.0/#sec-execution-contexts</a:t>
+            </a:r>
+            <a:r>
+              <a:rPr lang="en-US" dirty="0"/>
+              <a:t> </a:t>
+            </a:r>
+            <a:endParaRPr lang="de-DE" dirty="0"/>
+          </a:p>
+        </p:txBody>
+      </p:sp>
+    </p:spTree>
+    <p:extLst>
+      <p:ext uri="{BB962C8B-B14F-4D97-AF65-F5344CB8AC3E}">
+        <p14:creationId xmlns:p14="http://schemas.microsoft.com/office/powerpoint/2010/main" val="3752134690"/>
+      </p:ext>
+    </p:extLst>
+  </p:cSld>
+  <p:clrMapOvr>
+    <a:masterClrMapping/>
+  </p:clrMapOvr>
+</p:sld>
+</file>
+
+<file path=ppt/slides/slide26.xml><?xml version="1.0" encoding="utf-8"?>
+<p:sld xmlns:a="http://schemas.openxmlformats.org/drawingml/2006/main" xmlns:r="http://schemas.openxmlformats.org/officeDocument/2006/relationships" xmlns:p="http://schemas.openxmlformats.org/presentationml/2006/main">
+  <p:cSld>
+    <p:spTree>
+      <p:nvGrpSpPr>
+        <p:cNvPr id="1" name=""/>
+        <p:cNvGrpSpPr/>
+        <p:nvPr/>
+      </p:nvGrpSpPr>
+      <p:grpSpPr>
+        <a:xfrm>
+          <a:off x="0" y="0"/>
+          <a:ext cx="0" cy="0"/>
+          <a:chOff x="0" y="0"/>
+          <a:chExt cx="0" cy="0"/>
+        </a:xfrm>
+      </p:grpSpPr>
+      <p:sp>
+        <p:nvSpPr>
           <p:cNvPr id="4" name="Rectangle 3">
             <a:extLst>
               <a:ext uri="{FF2B5EF4-FFF2-40B4-BE49-F238E27FC236}">
@@ -15772,7 +16039,10 @@
             <a:lstStyle/>
             <a:p>
               <a:pPr algn="ctr"/>
-              <a:endParaRPr lang="de-DE" dirty="0"/>
+              <a:r>
+                <a:rPr lang="de-DE" dirty="0"/>
+                <a:t>XHR</a:t>
+              </a:r>
             </a:p>
           </p:txBody>
         </p:sp>
@@ -15818,7 +16088,10 @@
             <a:lstStyle/>
             <a:p>
               <a:pPr algn="ctr"/>
-              <a:endParaRPr lang="de-DE" dirty="0"/>
+              <a:r>
+                <a:rPr lang="de-DE" dirty="0"/>
+                <a:t>console.log</a:t>
+              </a:r>
             </a:p>
           </p:txBody>
         </p:sp>
@@ -15864,7 +16137,10 @@
             <a:lstStyle/>
             <a:p>
               <a:pPr algn="ctr"/>
-              <a:endParaRPr lang="de-DE" dirty="0"/>
+              <a:r>
+                <a:rPr lang="de-DE" dirty="0"/>
+                <a:t>...</a:t>
+              </a:r>
             </a:p>
           </p:txBody>
         </p:sp>
@@ -17216,7 +17492,7 @@
 </p:sld>
 </file>
 
-<file path=ppt/slides/slide26.xml><?xml version="1.0" encoding="utf-8"?>
+<file path=ppt/slides/slide27.xml><?xml version="1.0" encoding="utf-8"?>
 <p:sld xmlns:a="http://schemas.openxmlformats.org/drawingml/2006/main" xmlns:r="http://schemas.openxmlformats.org/officeDocument/2006/relationships" xmlns:p="http://schemas.openxmlformats.org/presentationml/2006/main">
   <p:cSld>
     <p:spTree>
@@ -20353,7 +20629,7 @@
 </p:sld>
 </file>
 
-<file path=ppt/slides/slide27.xml><?xml version="1.0" encoding="utf-8"?>
+<file path=ppt/slides/slide28.xml><?xml version="1.0" encoding="utf-8"?>
 <p:sld xmlns:a="http://schemas.openxmlformats.org/drawingml/2006/main" xmlns:r="http://schemas.openxmlformats.org/officeDocument/2006/relationships" xmlns:p="http://schemas.openxmlformats.org/presentationml/2006/main">
   <p:cSld>
     <p:spTree>
@@ -20778,7 +21054,7 @@
 </p:sld>
 </file>
 
-<file path=ppt/slides/slide28.xml><?xml version="1.0" encoding="utf-8"?>
+<file path=ppt/slides/slide29.xml><?xml version="1.0" encoding="utf-8"?>
 <p:sld xmlns:a="http://schemas.openxmlformats.org/drawingml/2006/main" xmlns:r="http://schemas.openxmlformats.org/officeDocument/2006/relationships" xmlns:p="http://schemas.openxmlformats.org/presentationml/2006/main">
   <p:cSld>
     <p:spTree>
@@ -21213,173 +21489,6 @@
     <p:extLst>
       <p:ext uri="{BB962C8B-B14F-4D97-AF65-F5344CB8AC3E}">
         <p14:creationId xmlns:p14="http://schemas.microsoft.com/office/powerpoint/2010/main" val="2773659025"/>
-      </p:ext>
-    </p:extLst>
-  </p:cSld>
-  <p:clrMapOvr>
-    <a:masterClrMapping/>
-  </p:clrMapOvr>
-</p:sld>
-</file>
-
-<file path=ppt/slides/slide29.xml><?xml version="1.0" encoding="utf-8"?>
-<p:sld xmlns:a="http://schemas.openxmlformats.org/drawingml/2006/main" xmlns:r="http://schemas.openxmlformats.org/officeDocument/2006/relationships" xmlns:p="http://schemas.openxmlformats.org/presentationml/2006/main">
-  <p:cSld>
-    <p:spTree>
-      <p:nvGrpSpPr>
-        <p:cNvPr id="1" name=""/>
-        <p:cNvGrpSpPr/>
-        <p:nvPr/>
-      </p:nvGrpSpPr>
-      <p:grpSpPr>
-        <a:xfrm>
-          <a:off x="0" y="0"/>
-          <a:ext cx="0" cy="0"/>
-          <a:chOff x="0" y="0"/>
-          <a:chExt cx="0" cy="0"/>
-        </a:xfrm>
-      </p:grpSpPr>
-      <p:sp>
-        <p:nvSpPr>
-          <p:cNvPr id="2" name="Title 1">
-            <a:extLst>
-              <a:ext uri="{FF2B5EF4-FFF2-40B4-BE49-F238E27FC236}">
-                <a16:creationId xmlns:a16="http://schemas.microsoft.com/office/drawing/2014/main" id="{E288EB53-67A7-4817-A120-1E5991CE961A}"/>
-              </a:ext>
-            </a:extLst>
-          </p:cNvPr>
-          <p:cNvSpPr>
-            <a:spLocks noGrp="1"/>
-          </p:cNvSpPr>
-          <p:nvPr>
-            <p:ph type="title"/>
-          </p:nvPr>
-        </p:nvSpPr>
-        <p:spPr/>
-        <p:txBody>
-          <a:bodyPr/>
-          <a:lstStyle/>
-          <a:p>
-            <a:r>
-              <a:rPr lang="de-DE" dirty="0"/>
-              <a:t>Zusammenfassung Ausführungsmodell</a:t>
-            </a:r>
-          </a:p>
-        </p:txBody>
-      </p:sp>
-      <p:sp>
-        <p:nvSpPr>
-          <p:cNvPr id="3" name="Content Placeholder 2">
-            <a:extLst>
-              <a:ext uri="{FF2B5EF4-FFF2-40B4-BE49-F238E27FC236}">
-                <a16:creationId xmlns:a16="http://schemas.microsoft.com/office/drawing/2014/main" id="{F9D8DAD6-5FE4-46F2-9293-C3161E7460F0}"/>
-              </a:ext>
-            </a:extLst>
-          </p:cNvPr>
-          <p:cNvSpPr>
-            <a:spLocks noGrp="1"/>
-          </p:cNvSpPr>
-          <p:nvPr>
-            <p:ph idx="1"/>
-          </p:nvPr>
-        </p:nvSpPr>
-        <p:spPr/>
-        <p:txBody>
-          <a:bodyPr/>
-          <a:lstStyle/>
-          <a:p>
-            <a:r>
-              <a:rPr lang="de-DE" dirty="0"/>
-              <a:t>Call Stack verfolgt Funktionsaufrufe</a:t>
-            </a:r>
-          </a:p>
-          <a:p>
-            <a:r>
-              <a:rPr lang="de-DE" dirty="0"/>
-              <a:t>Aus JS können Web APIs aufgerufen werden</a:t>
-            </a:r>
-          </a:p>
-          <a:p>
-            <a:pPr lvl="1"/>
-            <a:r>
-              <a:rPr lang="de-DE" dirty="0"/>
-              <a:t>Diese können Asynchron sein</a:t>
-            </a:r>
-          </a:p>
-          <a:p>
-            <a:pPr lvl="1"/>
-            <a:r>
-              <a:rPr lang="de-DE" dirty="0" err="1"/>
-              <a:t>Schedulen</a:t>
-            </a:r>
-            <a:r>
-              <a:rPr lang="de-DE" dirty="0"/>
-              <a:t> Antwort auf Task Queue</a:t>
-            </a:r>
-          </a:p>
-          <a:p>
-            <a:r>
-              <a:rPr lang="de-DE" dirty="0"/>
-              <a:t>Task Queue wird vom Event-Loop abgearbeitet</a:t>
-            </a:r>
-          </a:p>
-          <a:p>
-            <a:pPr lvl="1"/>
-            <a:r>
-              <a:rPr lang="de-DE" dirty="0"/>
-              <a:t>Abgearbeitet = Task wird auf Call Stack transportiert</a:t>
-            </a:r>
-          </a:p>
-          <a:p>
-            <a:pPr lvl="1"/>
-            <a:r>
-              <a:rPr lang="de-DE" dirty="0"/>
-              <a:t>Zwischen den Tasks wird ein Rendering update durchgeführt</a:t>
-            </a:r>
-          </a:p>
-          <a:p>
-            <a:r>
-              <a:rPr lang="de-DE" dirty="0"/>
-              <a:t>Event Loop arbeitet erst dann, wenn Call Stack leer ist</a:t>
-            </a:r>
-          </a:p>
-          <a:p>
-            <a:pPr lvl="1"/>
-            <a:r>
-              <a:rPr lang="de-DE" dirty="0"/>
-              <a:t>„Run-</a:t>
-            </a:r>
-            <a:r>
-              <a:rPr lang="de-DE" dirty="0" err="1"/>
-              <a:t>To</a:t>
-            </a:r>
-            <a:r>
-              <a:rPr lang="de-DE" dirty="0"/>
-              <a:t>-</a:t>
-            </a:r>
-            <a:r>
-              <a:rPr lang="de-DE" dirty="0" err="1"/>
-              <a:t>Completion</a:t>
-            </a:r>
-            <a:r>
-              <a:rPr lang="de-DE" dirty="0"/>
-              <a:t> </a:t>
-            </a:r>
-            <a:r>
-              <a:rPr lang="de-DE" dirty="0" err="1"/>
-              <a:t>semantics</a:t>
-            </a:r>
-            <a:r>
-              <a:rPr lang="de-DE" dirty="0"/>
-              <a:t>“</a:t>
-            </a:r>
-          </a:p>
-        </p:txBody>
-      </p:sp>
-    </p:spTree>
-    <p:extLst>
-      <p:ext uri="{BB962C8B-B14F-4D97-AF65-F5344CB8AC3E}">
-        <p14:creationId xmlns:p14="http://schemas.microsoft.com/office/powerpoint/2010/main" val="1389599453"/>
       </p:ext>
     </p:extLst>
   </p:cSld>
@@ -21551,6 +21660,260 @@
 </file>
 
 <file path=ppt/slides/slide30.xml><?xml version="1.0" encoding="utf-8"?>
+<p:sld xmlns:a="http://schemas.openxmlformats.org/drawingml/2006/main" xmlns:r="http://schemas.openxmlformats.org/officeDocument/2006/relationships" xmlns:p="http://schemas.openxmlformats.org/presentationml/2006/main">
+  <p:cSld>
+    <p:spTree>
+      <p:nvGrpSpPr>
+        <p:cNvPr id="1" name=""/>
+        <p:cNvGrpSpPr/>
+        <p:nvPr/>
+      </p:nvGrpSpPr>
+      <p:grpSpPr>
+        <a:xfrm>
+          <a:off x="0" y="0"/>
+          <a:ext cx="0" cy="0"/>
+          <a:chOff x="0" y="0"/>
+          <a:chExt cx="0" cy="0"/>
+        </a:xfrm>
+      </p:grpSpPr>
+      <p:sp>
+        <p:nvSpPr>
+          <p:cNvPr id="2" name="Title 1">
+            <a:extLst>
+              <a:ext uri="{FF2B5EF4-FFF2-40B4-BE49-F238E27FC236}">
+                <a16:creationId xmlns:a16="http://schemas.microsoft.com/office/drawing/2014/main" id="{E288EB53-67A7-4817-A120-1E5991CE961A}"/>
+              </a:ext>
+            </a:extLst>
+          </p:cNvPr>
+          <p:cNvSpPr>
+            <a:spLocks noGrp="1"/>
+          </p:cNvSpPr>
+          <p:nvPr>
+            <p:ph type="title"/>
+          </p:nvPr>
+        </p:nvSpPr>
+        <p:spPr/>
+        <p:txBody>
+          <a:bodyPr/>
+          <a:lstStyle/>
+          <a:p>
+            <a:r>
+              <a:rPr lang="de-DE" dirty="0"/>
+              <a:t>Zusammenfassung Ausführungsmodell</a:t>
+            </a:r>
+          </a:p>
+        </p:txBody>
+      </p:sp>
+      <p:sp>
+        <p:nvSpPr>
+          <p:cNvPr id="3" name="Content Placeholder 2">
+            <a:extLst>
+              <a:ext uri="{FF2B5EF4-FFF2-40B4-BE49-F238E27FC236}">
+                <a16:creationId xmlns:a16="http://schemas.microsoft.com/office/drawing/2014/main" id="{F9D8DAD6-5FE4-46F2-9293-C3161E7460F0}"/>
+              </a:ext>
+            </a:extLst>
+          </p:cNvPr>
+          <p:cNvSpPr>
+            <a:spLocks noGrp="1"/>
+          </p:cNvSpPr>
+          <p:nvPr>
+            <p:ph idx="1"/>
+          </p:nvPr>
+        </p:nvSpPr>
+        <p:spPr/>
+        <p:txBody>
+          <a:bodyPr/>
+          <a:lstStyle/>
+          <a:p>
+            <a:r>
+              <a:rPr lang="de-DE" dirty="0"/>
+              <a:t>Call Stack verfolgt Funktionsaufrufe</a:t>
+            </a:r>
+          </a:p>
+          <a:p>
+            <a:r>
+              <a:rPr lang="de-DE" dirty="0"/>
+              <a:t>Aus JS können Web APIs aufgerufen werden</a:t>
+            </a:r>
+          </a:p>
+          <a:p>
+            <a:pPr lvl="1"/>
+            <a:r>
+              <a:rPr lang="de-DE" dirty="0"/>
+              <a:t>Diese können Asynchron sein</a:t>
+            </a:r>
+          </a:p>
+          <a:p>
+            <a:pPr lvl="1"/>
+            <a:r>
+              <a:rPr lang="de-DE" dirty="0" err="1"/>
+              <a:t>Schedulen</a:t>
+            </a:r>
+            <a:r>
+              <a:rPr lang="de-DE" dirty="0"/>
+              <a:t> Antwort auf Task Queue</a:t>
+            </a:r>
+          </a:p>
+          <a:p>
+            <a:r>
+              <a:rPr lang="de-DE" dirty="0"/>
+              <a:t>Task Queue wird vom Event-Loop abgearbeitet</a:t>
+            </a:r>
+          </a:p>
+          <a:p>
+            <a:pPr lvl="1"/>
+            <a:r>
+              <a:rPr lang="de-DE" dirty="0"/>
+              <a:t>Abgearbeitet = Task wird auf Call Stack transportiert</a:t>
+            </a:r>
+          </a:p>
+          <a:p>
+            <a:pPr lvl="1"/>
+            <a:r>
+              <a:rPr lang="de-DE" dirty="0"/>
+              <a:t>Zwischen den Tasks wird ein Rendering update durchgeführt</a:t>
+            </a:r>
+          </a:p>
+          <a:p>
+            <a:r>
+              <a:rPr lang="de-DE" dirty="0"/>
+              <a:t>Event Loop arbeitet erst dann, wenn Call Stack leer ist</a:t>
+            </a:r>
+          </a:p>
+          <a:p>
+            <a:pPr lvl="1"/>
+            <a:r>
+              <a:rPr lang="de-DE" dirty="0"/>
+              <a:t>„Run-</a:t>
+            </a:r>
+            <a:r>
+              <a:rPr lang="de-DE" dirty="0" err="1"/>
+              <a:t>To</a:t>
+            </a:r>
+            <a:r>
+              <a:rPr lang="de-DE" dirty="0"/>
+              <a:t>-</a:t>
+            </a:r>
+            <a:r>
+              <a:rPr lang="de-DE" dirty="0" err="1"/>
+              <a:t>Completion</a:t>
+            </a:r>
+            <a:r>
+              <a:rPr lang="de-DE" dirty="0"/>
+              <a:t> </a:t>
+            </a:r>
+            <a:r>
+              <a:rPr lang="de-DE" dirty="0" err="1"/>
+              <a:t>semantics</a:t>
+            </a:r>
+            <a:r>
+              <a:rPr lang="de-DE" dirty="0"/>
+              <a:t>“</a:t>
+            </a:r>
+          </a:p>
+        </p:txBody>
+      </p:sp>
+    </p:spTree>
+    <p:extLst>
+      <p:ext uri="{BB962C8B-B14F-4D97-AF65-F5344CB8AC3E}">
+        <p14:creationId xmlns:p14="http://schemas.microsoft.com/office/powerpoint/2010/main" val="1389599453"/>
+      </p:ext>
+    </p:extLst>
+  </p:cSld>
+  <p:clrMapOvr>
+    <a:masterClrMapping/>
+  </p:clrMapOvr>
+</p:sld>
+</file>
+
+<file path=ppt/slides/slide31.xml><?xml version="1.0" encoding="utf-8"?>
+<p:sld xmlns:a="http://schemas.openxmlformats.org/drawingml/2006/main" xmlns:r="http://schemas.openxmlformats.org/officeDocument/2006/relationships" xmlns:p="http://schemas.openxmlformats.org/presentationml/2006/main">
+  <p:cSld>
+    <p:spTree>
+      <p:nvGrpSpPr>
+        <p:cNvPr id="1" name=""/>
+        <p:cNvGrpSpPr/>
+        <p:nvPr/>
+      </p:nvGrpSpPr>
+      <p:grpSpPr>
+        <a:xfrm>
+          <a:off x="0" y="0"/>
+          <a:ext cx="0" cy="0"/>
+          <a:chOff x="0" y="0"/>
+          <a:chExt cx="0" cy="0"/>
+        </a:xfrm>
+      </p:grpSpPr>
+      <p:sp>
+        <p:nvSpPr>
+          <p:cNvPr id="2" name="Title 1">
+            <a:extLst>
+              <a:ext uri="{FF2B5EF4-FFF2-40B4-BE49-F238E27FC236}">
+                <a16:creationId xmlns:a16="http://schemas.microsoft.com/office/drawing/2014/main" id="{04A2D1EB-F539-4D17-BAA3-ABA769C2A3ED}"/>
+              </a:ext>
+            </a:extLst>
+          </p:cNvPr>
+          <p:cNvSpPr>
+            <a:spLocks noGrp="1"/>
+          </p:cNvSpPr>
+          <p:nvPr>
+            <p:ph type="ctrTitle"/>
+          </p:nvPr>
+        </p:nvSpPr>
+        <p:spPr/>
+        <p:txBody>
+          <a:bodyPr/>
+          <a:lstStyle/>
+          <a:p>
+            <a:r>
+              <a:rPr lang="de-DE" dirty="0" err="1"/>
+              <a:t>Callbacks</a:t>
+            </a:r>
+            <a:endParaRPr lang="de-DE" dirty="0"/>
+          </a:p>
+        </p:txBody>
+      </p:sp>
+      <p:sp>
+        <p:nvSpPr>
+          <p:cNvPr id="7" name="Subtitle 6">
+            <a:extLst>
+              <a:ext uri="{FF2B5EF4-FFF2-40B4-BE49-F238E27FC236}">
+                <a16:creationId xmlns:a16="http://schemas.microsoft.com/office/drawing/2014/main" id="{C274492B-FA94-4E09-8581-C9A41FC658DA}"/>
+              </a:ext>
+            </a:extLst>
+          </p:cNvPr>
+          <p:cNvSpPr>
+            <a:spLocks noGrp="1"/>
+          </p:cNvSpPr>
+          <p:nvPr>
+            <p:ph type="subTitle" idx="1"/>
+          </p:nvPr>
+        </p:nvSpPr>
+        <p:spPr/>
+        <p:txBody>
+          <a:bodyPr/>
+          <a:lstStyle/>
+          <a:p>
+            <a:r>
+              <a:rPr lang="de-DE" dirty="0"/>
+              <a:t>Wie kriege ich Dinge auf die Task Queue?</a:t>
+            </a:r>
+          </a:p>
+        </p:txBody>
+      </p:sp>
+    </p:spTree>
+    <p:extLst>
+      <p:ext uri="{BB962C8B-B14F-4D97-AF65-F5344CB8AC3E}">
+        <p14:creationId xmlns:p14="http://schemas.microsoft.com/office/powerpoint/2010/main" val="195294856"/>
+      </p:ext>
+    </p:extLst>
+  </p:cSld>
+  <p:clrMapOvr>
+    <a:masterClrMapping/>
+  </p:clrMapOvr>
+</p:sld>
+</file>
+
+<file path=ppt/slides/slide32.xml><?xml version="1.0" encoding="utf-8"?>
 <p:sld xmlns:a="http://schemas.openxmlformats.org/drawingml/2006/main" xmlns:r="http://schemas.openxmlformats.org/officeDocument/2006/relationships" xmlns:p="http://schemas.openxmlformats.org/presentationml/2006/main">
   <p:cSld>
     <p:spTree>
@@ -22356,7 +22719,7 @@
     </p:spTree>
     <p:extLst>
       <p:ext uri="{BB962C8B-B14F-4D97-AF65-F5344CB8AC3E}">
-        <p14:creationId xmlns:p14="http://schemas.microsoft.com/office/powerpoint/2010/main" val="195294856"/>
+        <p14:creationId xmlns:p14="http://schemas.microsoft.com/office/powerpoint/2010/main" val="2299858646"/>
       </p:ext>
     </p:extLst>
   </p:cSld>
@@ -22366,7 +22729,7 @@
 </p:sld>
 </file>
 
-<file path=ppt/slides/slide31.xml><?xml version="1.0" encoding="utf-8"?>
+<file path=ppt/slides/slide33.xml><?xml version="1.0" encoding="utf-8"?>
 <p:sld xmlns:a="http://schemas.openxmlformats.org/drawingml/2006/main" xmlns:r="http://schemas.openxmlformats.org/officeDocument/2006/relationships" xmlns:p="http://schemas.openxmlformats.org/presentationml/2006/main">
   <p:cSld>
     <p:spTree>
@@ -23979,7 +24342,7 @@
 </p:sld>
 </file>
 
-<file path=ppt/slides/slide32.xml><?xml version="1.0" encoding="utf-8"?>
+<file path=ppt/slides/slide34.xml><?xml version="1.0" encoding="utf-8"?>
 <p:sld xmlns:a="http://schemas.openxmlformats.org/drawingml/2006/main" xmlns:r="http://schemas.openxmlformats.org/officeDocument/2006/relationships" xmlns:p="http://schemas.openxmlformats.org/presentationml/2006/main">
   <p:cSld>
     <p:spTree>
@@ -26092,7 +26455,7 @@
 </p:sld>
 </file>
 
-<file path=ppt/slides/slide33.xml><?xml version="1.0" encoding="utf-8"?>
+<file path=ppt/slides/slide35.xml><?xml version="1.0" encoding="utf-8"?>
 <p:sld xmlns:a="http://schemas.openxmlformats.org/drawingml/2006/main" xmlns:r="http://schemas.openxmlformats.org/officeDocument/2006/relationships" xmlns:p="http://schemas.openxmlformats.org/presentationml/2006/main">
   <p:cSld>
     <p:spTree>
@@ -26175,7 +26538,7 @@
 </p:sld>
 </file>
 
-<file path=ppt/slides/slide34.xml><?xml version="1.0" encoding="utf-8"?>
+<file path=ppt/slides/slide36.xml><?xml version="1.0" encoding="utf-8"?>
 <p:sld xmlns:a="http://schemas.openxmlformats.org/drawingml/2006/main" xmlns:r="http://schemas.openxmlformats.org/officeDocument/2006/relationships" xmlns:p="http://schemas.openxmlformats.org/presentationml/2006/main">
   <p:cSld>
     <p:spTree>
@@ -26391,7 +26754,7 @@
 </p:sld>
 </file>
 
-<file path=ppt/slides/slide35.xml><?xml version="1.0" encoding="utf-8"?>
+<file path=ppt/slides/slide37.xml><?xml version="1.0" encoding="utf-8"?>
 <p:sld xmlns:a="http://schemas.openxmlformats.org/drawingml/2006/main" xmlns:r="http://schemas.openxmlformats.org/officeDocument/2006/relationships" xmlns:p="http://schemas.openxmlformats.org/presentationml/2006/main">
   <p:cSld>
     <p:spTree>
@@ -28530,7 +28893,7 @@
 </p:sld>
 </file>
 
-<file path=ppt/slides/slide36.xml><?xml version="1.0" encoding="utf-8"?>
+<file path=ppt/slides/slide38.xml><?xml version="1.0" encoding="utf-8"?>
 <p:sld xmlns:a="http://schemas.openxmlformats.org/drawingml/2006/main" xmlns:r="http://schemas.openxmlformats.org/officeDocument/2006/relationships" xmlns:p="http://schemas.openxmlformats.org/presentationml/2006/main">
   <p:cSld>
     <p:spTree>
@@ -28974,7 +29337,7 @@
 </p:sld>
 </file>
 
-<file path=ppt/slides/slide37.xml><?xml version="1.0" encoding="utf-8"?>
+<file path=ppt/slides/slide39.xml><?xml version="1.0" encoding="utf-8"?>
 <p:sld xmlns:a="http://schemas.openxmlformats.org/drawingml/2006/main" xmlns:r="http://schemas.openxmlformats.org/officeDocument/2006/relationships" xmlns:p="http://schemas.openxmlformats.org/presentationml/2006/main">
   <p:cSld>
     <p:spTree>
@@ -29820,1925 +30183,6 @@
     <p:extLst>
       <p:ext uri="{BB962C8B-B14F-4D97-AF65-F5344CB8AC3E}">
         <p14:creationId xmlns:p14="http://schemas.microsoft.com/office/powerpoint/2010/main" val="1717469242"/>
-      </p:ext>
-    </p:extLst>
-  </p:cSld>
-  <p:clrMapOvr>
-    <a:masterClrMapping/>
-  </p:clrMapOvr>
-</p:sld>
-</file>
-
-<file path=ppt/slides/slide38.xml><?xml version="1.0" encoding="utf-8"?>
-<p:sld xmlns:a="http://schemas.openxmlformats.org/drawingml/2006/main" xmlns:r="http://schemas.openxmlformats.org/officeDocument/2006/relationships" xmlns:p="http://schemas.openxmlformats.org/presentationml/2006/main">
-  <p:cSld>
-    <p:spTree>
-      <p:nvGrpSpPr>
-        <p:cNvPr id="1" name=""/>
-        <p:cNvGrpSpPr/>
-        <p:nvPr/>
-      </p:nvGrpSpPr>
-      <p:grpSpPr>
-        <a:xfrm>
-          <a:off x="0" y="0"/>
-          <a:ext cx="0" cy="0"/>
-          <a:chOff x="0" y="0"/>
-          <a:chExt cx="0" cy="0"/>
-        </a:xfrm>
-      </p:grpSpPr>
-      <p:sp>
-        <p:nvSpPr>
-          <p:cNvPr id="2" name="Title 1">
-            <a:extLst>
-              <a:ext uri="{FF2B5EF4-FFF2-40B4-BE49-F238E27FC236}">
-                <a16:creationId xmlns:a16="http://schemas.microsoft.com/office/drawing/2014/main" id="{EDCBBB79-AD0F-4BD2-83C6-295C226A3BF3}"/>
-              </a:ext>
-            </a:extLst>
-          </p:cNvPr>
-          <p:cNvSpPr>
-            <a:spLocks noGrp="1"/>
-          </p:cNvSpPr>
-          <p:nvPr>
-            <p:ph type="title"/>
-          </p:nvPr>
-        </p:nvSpPr>
-        <p:spPr>
-          <a:xfrm>
-            <a:off x="838200" y="380365"/>
-            <a:ext cx="10515600" cy="1325563"/>
-          </a:xfrm>
-        </p:spPr>
-        <p:txBody>
-          <a:bodyPr/>
-          <a:lstStyle/>
-          <a:p>
-            <a:r>
-              <a:rPr lang="de-DE" dirty="0" err="1"/>
-              <a:t>Promises</a:t>
-            </a:r>
-            <a:endParaRPr lang="de-DE" dirty="0"/>
-          </a:p>
-        </p:txBody>
-      </p:sp>
-      <p:sp>
-        <p:nvSpPr>
-          <p:cNvPr id="5" name="Rectangle: Rounded Corners 4">
-            <a:extLst>
-              <a:ext uri="{FF2B5EF4-FFF2-40B4-BE49-F238E27FC236}">
-                <a16:creationId xmlns:a16="http://schemas.microsoft.com/office/drawing/2014/main" id="{8CE5BEC7-9367-4960-B947-D990A58C5820}"/>
-              </a:ext>
-            </a:extLst>
-          </p:cNvPr>
-          <p:cNvSpPr/>
-          <p:nvPr/>
-        </p:nvSpPr>
-        <p:spPr>
-          <a:xfrm>
-            <a:off x="1996441" y="2952432"/>
-            <a:ext cx="2026920" cy="1823720"/>
-          </a:xfrm>
-          <a:prstGeom prst="roundRect">
-            <a:avLst/>
-          </a:prstGeom>
-          <a:ln w="38100">
-            <a:solidFill>
-              <a:schemeClr val="tx1"/>
-            </a:solidFill>
-          </a:ln>
-        </p:spPr>
-        <p:style>
-          <a:lnRef idx="2">
-            <a:schemeClr val="dk1">
-              <a:shade val="50000"/>
-            </a:schemeClr>
-          </a:lnRef>
-          <a:fillRef idx="1">
-            <a:schemeClr val="dk1"/>
-          </a:fillRef>
-          <a:effectRef idx="0">
-            <a:schemeClr val="dk1"/>
-          </a:effectRef>
-          <a:fontRef idx="minor">
-            <a:schemeClr val="lt1"/>
-          </a:fontRef>
-        </p:style>
-        <p:txBody>
-          <a:bodyPr rtlCol="0" anchor="ctr"/>
-          <a:lstStyle/>
-          <a:p>
-            <a:pPr algn="ctr"/>
-            <a:r>
-              <a:rPr lang="de-DE" sz="3200" b="1" dirty="0" err="1"/>
-              <a:t>Pending</a:t>
-            </a:r>
-            <a:endParaRPr lang="de-DE" sz="3200" b="1" dirty="0"/>
-          </a:p>
-        </p:txBody>
-      </p:sp>
-      <p:sp>
-        <p:nvSpPr>
-          <p:cNvPr id="13" name="Rectangle: Rounded Corners 12">
-            <a:extLst>
-              <a:ext uri="{FF2B5EF4-FFF2-40B4-BE49-F238E27FC236}">
-                <a16:creationId xmlns:a16="http://schemas.microsoft.com/office/drawing/2014/main" id="{B31D0275-B278-4314-9699-354B035EACD6}"/>
-              </a:ext>
-            </a:extLst>
-          </p:cNvPr>
-          <p:cNvSpPr/>
-          <p:nvPr/>
-        </p:nvSpPr>
-        <p:spPr>
-          <a:xfrm>
-            <a:off x="8168640" y="1691640"/>
-            <a:ext cx="2026920" cy="1823720"/>
-          </a:xfrm>
-          <a:prstGeom prst="roundRect">
-            <a:avLst/>
-          </a:prstGeom>
-          <a:ln w="38100">
-            <a:solidFill>
-              <a:schemeClr val="accent2"/>
-            </a:solidFill>
-          </a:ln>
-        </p:spPr>
-        <p:style>
-          <a:lnRef idx="2">
-            <a:schemeClr val="dk1">
-              <a:shade val="50000"/>
-            </a:schemeClr>
-          </a:lnRef>
-          <a:fillRef idx="1">
-            <a:schemeClr val="dk1"/>
-          </a:fillRef>
-          <a:effectRef idx="0">
-            <a:schemeClr val="dk1"/>
-          </a:effectRef>
-          <a:fontRef idx="minor">
-            <a:schemeClr val="lt1"/>
-          </a:fontRef>
-        </p:style>
-        <p:txBody>
-          <a:bodyPr rtlCol="0" anchor="ctr"/>
-          <a:lstStyle/>
-          <a:p>
-            <a:pPr algn="ctr"/>
-            <a:r>
-              <a:rPr lang="de-DE" sz="3200" b="1" dirty="0" err="1"/>
-              <a:t>Fulfilled</a:t>
-            </a:r>
-            <a:endParaRPr lang="de-DE" sz="3200" b="1" dirty="0"/>
-          </a:p>
-        </p:txBody>
-      </p:sp>
-      <p:sp>
-        <p:nvSpPr>
-          <p:cNvPr id="14" name="Rectangle: Rounded Corners 13">
-            <a:extLst>
-              <a:ext uri="{FF2B5EF4-FFF2-40B4-BE49-F238E27FC236}">
-                <a16:creationId xmlns:a16="http://schemas.microsoft.com/office/drawing/2014/main" id="{7945FAEC-A11E-4859-84F3-B9A7347DB2DD}"/>
-              </a:ext>
-            </a:extLst>
-          </p:cNvPr>
-          <p:cNvSpPr/>
-          <p:nvPr/>
-        </p:nvSpPr>
-        <p:spPr>
-          <a:xfrm>
-            <a:off x="8168640" y="4020978"/>
-            <a:ext cx="2026920" cy="1823720"/>
-          </a:xfrm>
-          <a:prstGeom prst="roundRect">
-            <a:avLst/>
-          </a:prstGeom>
-          <a:ln w="38100">
-            <a:solidFill>
-              <a:schemeClr val="accent5"/>
-            </a:solidFill>
-          </a:ln>
-        </p:spPr>
-        <p:style>
-          <a:lnRef idx="2">
-            <a:schemeClr val="dk1">
-              <a:shade val="50000"/>
-            </a:schemeClr>
-          </a:lnRef>
-          <a:fillRef idx="1">
-            <a:schemeClr val="dk1"/>
-          </a:fillRef>
-          <a:effectRef idx="0">
-            <a:schemeClr val="dk1"/>
-          </a:effectRef>
-          <a:fontRef idx="minor">
-            <a:schemeClr val="lt1"/>
-          </a:fontRef>
-        </p:style>
-        <p:txBody>
-          <a:bodyPr rtlCol="0" anchor="ctr"/>
-          <a:lstStyle/>
-          <a:p>
-            <a:pPr algn="ctr"/>
-            <a:r>
-              <a:rPr lang="de-DE" sz="3200" b="1" dirty="0" err="1"/>
-              <a:t>Rejected</a:t>
-            </a:r>
-            <a:endParaRPr lang="de-DE" sz="3200" b="1" dirty="0"/>
-          </a:p>
-        </p:txBody>
-      </p:sp>
-      <p:cxnSp>
-        <p:nvCxnSpPr>
-          <p:cNvPr id="7" name="Straight Arrow Connector 6">
-            <a:extLst>
-              <a:ext uri="{FF2B5EF4-FFF2-40B4-BE49-F238E27FC236}">
-                <a16:creationId xmlns:a16="http://schemas.microsoft.com/office/drawing/2014/main" id="{03043E31-C466-477A-AF15-C7A9BA060186}"/>
-              </a:ext>
-            </a:extLst>
-          </p:cNvPr>
-          <p:cNvCxnSpPr>
-            <a:stCxn id="5" idx="3"/>
-            <a:endCxn id="13" idx="1"/>
-          </p:cNvCxnSpPr>
-          <p:nvPr/>
-        </p:nvCxnSpPr>
-        <p:spPr>
-          <a:xfrm flipV="1">
-            <a:off x="4023361" y="2603500"/>
-            <a:ext cx="4145279" cy="1260792"/>
-          </a:xfrm>
-          <a:prstGeom prst="straightConnector1">
-            <a:avLst/>
-          </a:prstGeom>
-          <a:ln w="38100">
-            <a:solidFill>
-              <a:schemeClr val="tx1"/>
-            </a:solidFill>
-            <a:headEnd type="none" w="med" len="med"/>
-            <a:tailEnd type="arrow" w="lg" len="lg"/>
-          </a:ln>
-        </p:spPr>
-        <p:style>
-          <a:lnRef idx="1">
-            <a:schemeClr val="accent1"/>
-          </a:lnRef>
-          <a:fillRef idx="0">
-            <a:schemeClr val="accent1"/>
-          </a:fillRef>
-          <a:effectRef idx="0">
-            <a:schemeClr val="accent1"/>
-          </a:effectRef>
-          <a:fontRef idx="minor">
-            <a:schemeClr val="tx1"/>
-          </a:fontRef>
-        </p:style>
-      </p:cxnSp>
-      <p:cxnSp>
-        <p:nvCxnSpPr>
-          <p:cNvPr id="16" name="Straight Arrow Connector 15">
-            <a:extLst>
-              <a:ext uri="{FF2B5EF4-FFF2-40B4-BE49-F238E27FC236}">
-                <a16:creationId xmlns:a16="http://schemas.microsoft.com/office/drawing/2014/main" id="{2F38C6EB-2472-4175-9028-89BF20809055}"/>
-              </a:ext>
-            </a:extLst>
-          </p:cNvPr>
-          <p:cNvCxnSpPr>
-            <a:cxnSpLocks/>
-            <a:stCxn id="5" idx="3"/>
-            <a:endCxn id="14" idx="1"/>
-          </p:cNvCxnSpPr>
-          <p:nvPr/>
-        </p:nvCxnSpPr>
-        <p:spPr>
-          <a:xfrm>
-            <a:off x="4023361" y="3864292"/>
-            <a:ext cx="4145279" cy="1068546"/>
-          </a:xfrm>
-          <a:prstGeom prst="straightConnector1">
-            <a:avLst/>
-          </a:prstGeom>
-          <a:ln w="38100">
-            <a:solidFill>
-              <a:schemeClr val="tx1"/>
-            </a:solidFill>
-            <a:headEnd type="none" w="med" len="med"/>
-            <a:tailEnd type="arrow" w="lg" len="lg"/>
-          </a:ln>
-        </p:spPr>
-        <p:style>
-          <a:lnRef idx="1">
-            <a:schemeClr val="accent1"/>
-          </a:lnRef>
-          <a:fillRef idx="0">
-            <a:schemeClr val="accent1"/>
-          </a:fillRef>
-          <a:effectRef idx="0">
-            <a:schemeClr val="accent1"/>
-          </a:effectRef>
-          <a:fontRef idx="minor">
-            <a:schemeClr val="tx1"/>
-          </a:fontRef>
-        </p:style>
-      </p:cxnSp>
-      <p:sp>
-        <p:nvSpPr>
-          <p:cNvPr id="25" name="Rectangle 24">
-            <a:extLst>
-              <a:ext uri="{FF2B5EF4-FFF2-40B4-BE49-F238E27FC236}">
-                <a16:creationId xmlns:a16="http://schemas.microsoft.com/office/drawing/2014/main" id="{DD35CE9A-109F-4605-A4F6-A24C46183545}"/>
-              </a:ext>
-            </a:extLst>
-          </p:cNvPr>
-          <p:cNvSpPr/>
-          <p:nvPr/>
-        </p:nvSpPr>
-        <p:spPr>
-          <a:xfrm>
-            <a:off x="7731760" y="1229360"/>
-            <a:ext cx="2900680" cy="4884717"/>
-          </a:xfrm>
-          <a:prstGeom prst="rect">
-            <a:avLst/>
-          </a:prstGeom>
-          <a:noFill/>
-          <a:ln>
-            <a:prstDash val="sysDash"/>
-          </a:ln>
-        </p:spPr>
-        <p:style>
-          <a:lnRef idx="2">
-            <a:schemeClr val="accent1">
-              <a:shade val="50000"/>
-            </a:schemeClr>
-          </a:lnRef>
-          <a:fillRef idx="1">
-            <a:schemeClr val="accent1"/>
-          </a:fillRef>
-          <a:effectRef idx="0">
-            <a:schemeClr val="accent1"/>
-          </a:effectRef>
-          <a:fontRef idx="minor">
-            <a:schemeClr val="lt1"/>
-          </a:fontRef>
-        </p:style>
-        <p:txBody>
-          <a:bodyPr rtlCol="0" anchor="ctr"/>
-          <a:lstStyle/>
-          <a:p>
-            <a:pPr algn="ctr"/>
-            <a:endParaRPr lang="de-DE"/>
-          </a:p>
-        </p:txBody>
-      </p:sp>
-      <p:sp>
-        <p:nvSpPr>
-          <p:cNvPr id="26" name="TextBox 25">
-            <a:extLst>
-              <a:ext uri="{FF2B5EF4-FFF2-40B4-BE49-F238E27FC236}">
-                <a16:creationId xmlns:a16="http://schemas.microsoft.com/office/drawing/2014/main" id="{F22F5312-91A2-4FFD-87EC-D16D047FDCAE}"/>
-              </a:ext>
-            </a:extLst>
-          </p:cNvPr>
-          <p:cNvSpPr txBox="1"/>
-          <p:nvPr/>
-        </p:nvSpPr>
-        <p:spPr>
-          <a:xfrm>
-            <a:off x="8577094" y="743923"/>
-            <a:ext cx="1210011" cy="523220"/>
-          </a:xfrm>
-          <a:prstGeom prst="rect">
-            <a:avLst/>
-          </a:prstGeom>
-          <a:noFill/>
-        </p:spPr>
-        <p:txBody>
-          <a:bodyPr wrap="none" rtlCol="0">
-            <a:spAutoFit/>
-          </a:bodyPr>
-          <a:lstStyle/>
-          <a:p>
-            <a:r>
-              <a:rPr lang="de-DE" sz="2800" dirty="0" err="1"/>
-              <a:t>Settled</a:t>
-            </a:r>
-            <a:endParaRPr lang="de-DE" sz="2800" dirty="0"/>
-          </a:p>
-        </p:txBody>
-      </p:sp>
-      <p:pic>
-        <p:nvPicPr>
-          <p:cNvPr id="31" name="Graphic 30" descr="Stopwatch with solid fill">
-            <a:extLst>
-              <a:ext uri="{FF2B5EF4-FFF2-40B4-BE49-F238E27FC236}">
-                <a16:creationId xmlns:a16="http://schemas.microsoft.com/office/drawing/2014/main" id="{3368A00E-D4B3-40AC-966C-089BAB2D7F8A}"/>
-              </a:ext>
-            </a:extLst>
-          </p:cNvPr>
-          <p:cNvPicPr>
-            <a:picLocks noChangeAspect="1"/>
-          </p:cNvPicPr>
-          <p:nvPr/>
-        </p:nvPicPr>
-        <p:blipFill>
-          <a:blip r:embed="rId2">
-            <a:extLst>
-              <a:ext uri="{28A0092B-C50C-407E-A947-70E740481C1C}">
-                <a14:useLocalDpi xmlns:a14="http://schemas.microsoft.com/office/drawing/2010/main" val="0"/>
-              </a:ext>
-              <a:ext uri="{96DAC541-7B7A-43D3-8B79-37D633B846F1}">
-                <asvg:svgBlip xmlns:asvg="http://schemas.microsoft.com/office/drawing/2016/SVG/main" r:embed="rId3"/>
-              </a:ext>
-            </a:extLst>
-          </a:blip>
-          <a:stretch>
-            <a:fillRect/>
-          </a:stretch>
-        </p:blipFill>
-        <p:spPr>
-          <a:xfrm>
-            <a:off x="3665221" y="2079308"/>
-            <a:ext cx="914400" cy="914400"/>
-          </a:xfrm>
-          <a:prstGeom prst="rect">
-            <a:avLst/>
-          </a:prstGeom>
-        </p:spPr>
-      </p:pic>
-    </p:spTree>
-    <p:extLst>
-      <p:ext uri="{BB962C8B-B14F-4D97-AF65-F5344CB8AC3E}">
-        <p14:creationId xmlns:p14="http://schemas.microsoft.com/office/powerpoint/2010/main" val="4069592891"/>
-      </p:ext>
-    </p:extLst>
-  </p:cSld>
-  <p:clrMapOvr>
-    <a:masterClrMapping/>
-  </p:clrMapOvr>
-</p:sld>
-</file>
-
-<file path=ppt/slides/slide39.xml><?xml version="1.0" encoding="utf-8"?>
-<p:sld xmlns:a="http://schemas.openxmlformats.org/drawingml/2006/main" xmlns:r="http://schemas.openxmlformats.org/officeDocument/2006/relationships" xmlns:p="http://schemas.openxmlformats.org/presentationml/2006/main">
-  <p:cSld>
-    <p:spTree>
-      <p:nvGrpSpPr>
-        <p:cNvPr id="1" name=""/>
-        <p:cNvGrpSpPr/>
-        <p:nvPr/>
-      </p:nvGrpSpPr>
-      <p:grpSpPr>
-        <a:xfrm>
-          <a:off x="0" y="0"/>
-          <a:ext cx="0" cy="0"/>
-          <a:chOff x="0" y="0"/>
-          <a:chExt cx="0" cy="0"/>
-        </a:xfrm>
-      </p:grpSpPr>
-      <p:sp>
-        <p:nvSpPr>
-          <p:cNvPr id="2" name="Title 1">
-            <a:extLst>
-              <a:ext uri="{FF2B5EF4-FFF2-40B4-BE49-F238E27FC236}">
-                <a16:creationId xmlns:a16="http://schemas.microsoft.com/office/drawing/2014/main" id="{EDCBBB79-AD0F-4BD2-83C6-295C226A3BF3}"/>
-              </a:ext>
-            </a:extLst>
-          </p:cNvPr>
-          <p:cNvSpPr>
-            <a:spLocks noGrp="1"/>
-          </p:cNvSpPr>
-          <p:nvPr>
-            <p:ph type="title"/>
-          </p:nvPr>
-        </p:nvSpPr>
-        <p:spPr>
-          <a:xfrm>
-            <a:off x="838200" y="380365"/>
-            <a:ext cx="10515600" cy="1325563"/>
-          </a:xfrm>
-        </p:spPr>
-        <p:txBody>
-          <a:bodyPr/>
-          <a:lstStyle/>
-          <a:p>
-            <a:r>
-              <a:rPr lang="de-DE" dirty="0" err="1"/>
-              <a:t>Promises</a:t>
-            </a:r>
-            <a:endParaRPr lang="de-DE" dirty="0"/>
-          </a:p>
-        </p:txBody>
-      </p:sp>
-      <p:sp>
-        <p:nvSpPr>
-          <p:cNvPr id="8" name="TextBox 7">
-            <a:extLst>
-              <a:ext uri="{FF2B5EF4-FFF2-40B4-BE49-F238E27FC236}">
-                <a16:creationId xmlns:a16="http://schemas.microsoft.com/office/drawing/2014/main" id="{15A2291C-AE8D-42FA-99AC-5B0A66924627}"/>
-              </a:ext>
-            </a:extLst>
-          </p:cNvPr>
-          <p:cNvSpPr txBox="1"/>
-          <p:nvPr/>
-        </p:nvSpPr>
-        <p:spPr>
-          <a:xfrm>
-            <a:off x="838199" y="2145305"/>
-            <a:ext cx="4871847" cy="2031325"/>
-          </a:xfrm>
-          <a:prstGeom prst="rect">
-            <a:avLst/>
-          </a:prstGeom>
-          <a:noFill/>
-        </p:spPr>
-        <p:txBody>
-          <a:bodyPr wrap="none" rtlCol="0">
-            <a:spAutoFit/>
-          </a:bodyPr>
-          <a:lstStyle/>
-          <a:p>
-            <a:r>
-              <a:rPr lang="en-US" b="0" dirty="0">
-                <a:solidFill>
-                  <a:srgbClr val="569CD6"/>
-                </a:solidFill>
-                <a:effectLst/>
-                <a:latin typeface="JetBrainsMono NF" panose="02010509020102050004" pitchFamily="50" charset="0"/>
-              </a:rPr>
-              <a:t>new</a:t>
-            </a:r>
-            <a:r>
-              <a:rPr lang="en-US" b="0" dirty="0">
-                <a:solidFill>
-                  <a:srgbClr val="D4D4D4"/>
-                </a:solidFill>
-                <a:effectLst/>
-                <a:latin typeface="JetBrainsMono NF" panose="02010509020102050004" pitchFamily="50" charset="0"/>
-              </a:rPr>
-              <a:t> </a:t>
-            </a:r>
-            <a:r>
-              <a:rPr lang="en-US" b="0" dirty="0">
-                <a:solidFill>
-                  <a:srgbClr val="4EC9B0"/>
-                </a:solidFill>
-                <a:effectLst/>
-                <a:latin typeface="JetBrainsMono NF" panose="02010509020102050004" pitchFamily="50" charset="0"/>
-              </a:rPr>
-              <a:t>Promise</a:t>
-            </a:r>
-            <a:r>
-              <a:rPr lang="en-US" b="0" dirty="0">
-                <a:solidFill>
-                  <a:srgbClr val="D4D4D4"/>
-                </a:solidFill>
-                <a:effectLst/>
-                <a:latin typeface="JetBrainsMono NF" panose="02010509020102050004" pitchFamily="50" charset="0"/>
-              </a:rPr>
-              <a:t>((</a:t>
-            </a:r>
-            <a:r>
-              <a:rPr lang="en-US" b="0" dirty="0">
-                <a:solidFill>
-                  <a:srgbClr val="9CDCFE"/>
-                </a:solidFill>
-                <a:effectLst/>
-                <a:latin typeface="JetBrainsMono NF" panose="02010509020102050004" pitchFamily="50" charset="0"/>
-              </a:rPr>
-              <a:t>resolve</a:t>
-            </a:r>
-            <a:r>
-              <a:rPr lang="en-US" b="0" dirty="0">
-                <a:solidFill>
-                  <a:srgbClr val="D4D4D4"/>
-                </a:solidFill>
-                <a:effectLst/>
-                <a:latin typeface="JetBrainsMono NF" panose="02010509020102050004" pitchFamily="50" charset="0"/>
-              </a:rPr>
-              <a:t>, </a:t>
-            </a:r>
-            <a:r>
-              <a:rPr lang="en-US" b="0" dirty="0">
-                <a:solidFill>
-                  <a:srgbClr val="9CDCFE"/>
-                </a:solidFill>
-                <a:effectLst/>
-                <a:latin typeface="JetBrainsMono NF" panose="02010509020102050004" pitchFamily="50" charset="0"/>
-              </a:rPr>
-              <a:t>reject</a:t>
-            </a:r>
-            <a:r>
-              <a:rPr lang="en-US" b="0" dirty="0">
-                <a:solidFill>
-                  <a:srgbClr val="D4D4D4"/>
-                </a:solidFill>
-                <a:effectLst/>
-                <a:latin typeface="JetBrainsMono NF" panose="02010509020102050004" pitchFamily="50" charset="0"/>
-              </a:rPr>
-              <a:t>) </a:t>
-            </a:r>
-            <a:r>
-              <a:rPr lang="en-US" b="0" dirty="0">
-                <a:solidFill>
-                  <a:srgbClr val="569CD6"/>
-                </a:solidFill>
-                <a:effectLst/>
-                <a:latin typeface="JetBrainsMono NF" panose="02010509020102050004" pitchFamily="50" charset="0"/>
-              </a:rPr>
-              <a:t>=&gt;</a:t>
-            </a:r>
-            <a:r>
-              <a:rPr lang="en-US" b="0" dirty="0">
-                <a:solidFill>
-                  <a:srgbClr val="D4D4D4"/>
-                </a:solidFill>
-                <a:effectLst/>
-                <a:latin typeface="JetBrainsMono NF" panose="02010509020102050004" pitchFamily="50" charset="0"/>
-              </a:rPr>
-              <a:t> {</a:t>
-            </a:r>
-          </a:p>
-          <a:p>
-            <a:r>
-              <a:rPr lang="en-US" b="0" dirty="0">
-                <a:solidFill>
-                  <a:srgbClr val="D4D4D4"/>
-                </a:solidFill>
-                <a:effectLst/>
-                <a:latin typeface="JetBrainsMono NF" panose="02010509020102050004" pitchFamily="50" charset="0"/>
-              </a:rPr>
-              <a:t>  </a:t>
-            </a:r>
-            <a:r>
-              <a:rPr lang="en-US" b="0" dirty="0">
-                <a:solidFill>
-                  <a:srgbClr val="C586C0"/>
-                </a:solidFill>
-                <a:effectLst/>
-                <a:latin typeface="JetBrainsMono NF" panose="02010509020102050004" pitchFamily="50" charset="0"/>
-              </a:rPr>
-              <a:t>if</a:t>
-            </a:r>
-            <a:r>
-              <a:rPr lang="en-US" b="0" dirty="0">
-                <a:solidFill>
-                  <a:srgbClr val="D4D4D4"/>
-                </a:solidFill>
-                <a:effectLst/>
-                <a:latin typeface="JetBrainsMono NF" panose="02010509020102050004" pitchFamily="50" charset="0"/>
-              </a:rPr>
-              <a:t>(</a:t>
-            </a:r>
-            <a:r>
-              <a:rPr lang="en-US" b="0" dirty="0" err="1">
-                <a:solidFill>
-                  <a:srgbClr val="9CDCFE"/>
-                </a:solidFill>
-                <a:effectLst/>
-                <a:latin typeface="JetBrainsMono NF" panose="02010509020102050004" pitchFamily="50" charset="0"/>
-              </a:rPr>
-              <a:t>somethingWentWrong</a:t>
-            </a:r>
-            <a:r>
-              <a:rPr lang="en-US" b="0" dirty="0">
-                <a:solidFill>
-                  <a:srgbClr val="D4D4D4"/>
-                </a:solidFill>
-                <a:effectLst/>
-                <a:latin typeface="JetBrainsMono NF" panose="02010509020102050004" pitchFamily="50" charset="0"/>
-              </a:rPr>
-              <a:t>) {</a:t>
-            </a:r>
-          </a:p>
-          <a:p>
-            <a:r>
-              <a:rPr lang="en-US" b="0" dirty="0">
-                <a:solidFill>
-                  <a:srgbClr val="D4D4D4"/>
-                </a:solidFill>
-                <a:effectLst/>
-                <a:latin typeface="JetBrainsMono NF" panose="02010509020102050004" pitchFamily="50" charset="0"/>
-              </a:rPr>
-              <a:t>    </a:t>
-            </a:r>
-            <a:r>
-              <a:rPr lang="en-US" b="0" dirty="0">
-                <a:solidFill>
-                  <a:srgbClr val="DCDCAA"/>
-                </a:solidFill>
-                <a:effectLst/>
-                <a:latin typeface="JetBrainsMono NF" panose="02010509020102050004" pitchFamily="50" charset="0"/>
-              </a:rPr>
-              <a:t>reject</a:t>
-            </a:r>
-            <a:r>
-              <a:rPr lang="en-US" b="0" dirty="0">
-                <a:solidFill>
-                  <a:srgbClr val="D4D4D4"/>
-                </a:solidFill>
-                <a:effectLst/>
-                <a:latin typeface="JetBrainsMono NF" panose="02010509020102050004" pitchFamily="50" charset="0"/>
-              </a:rPr>
-              <a:t>(</a:t>
-            </a:r>
-            <a:r>
-              <a:rPr lang="en-US" b="0" dirty="0">
-                <a:solidFill>
-                  <a:srgbClr val="569CD6"/>
-                </a:solidFill>
-                <a:effectLst/>
-                <a:latin typeface="JetBrainsMono NF" panose="02010509020102050004" pitchFamily="50" charset="0"/>
-              </a:rPr>
-              <a:t>new</a:t>
-            </a:r>
-            <a:r>
-              <a:rPr lang="en-US" b="0" dirty="0">
-                <a:solidFill>
-                  <a:srgbClr val="D4D4D4"/>
-                </a:solidFill>
-                <a:effectLst/>
-                <a:latin typeface="JetBrainsMono NF" panose="02010509020102050004" pitchFamily="50" charset="0"/>
-              </a:rPr>
-              <a:t> </a:t>
-            </a:r>
-            <a:r>
-              <a:rPr lang="en-US" b="0" dirty="0">
-                <a:solidFill>
-                  <a:srgbClr val="4EC9B0"/>
-                </a:solidFill>
-                <a:effectLst/>
-                <a:latin typeface="JetBrainsMono NF" panose="02010509020102050004" pitchFamily="50" charset="0"/>
-              </a:rPr>
-              <a:t>Error</a:t>
-            </a:r>
-            <a:r>
-              <a:rPr lang="en-US" b="0" dirty="0">
-                <a:solidFill>
-                  <a:srgbClr val="D4D4D4"/>
-                </a:solidFill>
-                <a:effectLst/>
-                <a:latin typeface="JetBrainsMono NF" panose="02010509020102050004" pitchFamily="50" charset="0"/>
-              </a:rPr>
-              <a:t>());</a:t>
-            </a:r>
-          </a:p>
-          <a:p>
-            <a:r>
-              <a:rPr lang="en-US" b="0" dirty="0">
-                <a:solidFill>
-                  <a:srgbClr val="D4D4D4"/>
-                </a:solidFill>
-                <a:effectLst/>
-                <a:latin typeface="JetBrainsMono NF" panose="02010509020102050004" pitchFamily="50" charset="0"/>
-              </a:rPr>
-              <a:t>  }</a:t>
-            </a:r>
-          </a:p>
-          <a:p>
-            <a:r>
-              <a:rPr lang="en-US" b="0" dirty="0">
-                <a:solidFill>
-                  <a:srgbClr val="D4D4D4"/>
-                </a:solidFill>
-                <a:effectLst/>
-                <a:latin typeface="JetBrainsMono NF" panose="02010509020102050004" pitchFamily="50" charset="0"/>
-              </a:rPr>
-              <a:t>  </a:t>
-            </a:r>
-            <a:r>
-              <a:rPr lang="en-US" b="0" dirty="0">
-                <a:solidFill>
-                  <a:srgbClr val="DCDCAA"/>
-                </a:solidFill>
-                <a:effectLst/>
-                <a:latin typeface="JetBrainsMono NF" panose="02010509020102050004" pitchFamily="50" charset="0"/>
-              </a:rPr>
-              <a:t>resolve</a:t>
-            </a:r>
-            <a:r>
-              <a:rPr lang="en-US" b="0" dirty="0">
-                <a:solidFill>
-                  <a:srgbClr val="D4D4D4"/>
-                </a:solidFill>
-                <a:effectLst/>
-                <a:latin typeface="JetBrainsMono NF" panose="02010509020102050004" pitchFamily="50" charset="0"/>
-              </a:rPr>
-              <a:t>(</a:t>
-            </a:r>
-            <a:r>
-              <a:rPr lang="en-US" b="0" dirty="0">
-                <a:solidFill>
-                  <a:srgbClr val="9CDCFE"/>
-                </a:solidFill>
-                <a:effectLst/>
-                <a:latin typeface="JetBrainsMono NF" panose="02010509020102050004" pitchFamily="50" charset="0"/>
-              </a:rPr>
-              <a:t>value</a:t>
-            </a:r>
-            <a:r>
-              <a:rPr lang="en-US" b="0" dirty="0">
-                <a:solidFill>
-                  <a:srgbClr val="D4D4D4"/>
-                </a:solidFill>
-                <a:effectLst/>
-                <a:latin typeface="JetBrainsMono NF" panose="02010509020102050004" pitchFamily="50" charset="0"/>
-              </a:rPr>
-              <a:t>);</a:t>
-            </a:r>
-          </a:p>
-          <a:p>
-            <a:r>
-              <a:rPr lang="en-US" b="0" dirty="0">
-                <a:solidFill>
-                  <a:srgbClr val="D4D4D4"/>
-                </a:solidFill>
-                <a:effectLst/>
-                <a:latin typeface="JetBrainsMono NF" panose="02010509020102050004" pitchFamily="50" charset="0"/>
-              </a:rPr>
-              <a:t>});</a:t>
-            </a:r>
-          </a:p>
-          <a:p>
-            <a:endParaRPr lang="de-DE" dirty="0"/>
-          </a:p>
-        </p:txBody>
-      </p:sp>
-      <p:sp>
-        <p:nvSpPr>
-          <p:cNvPr id="9" name="TextBox 8">
-            <a:extLst>
-              <a:ext uri="{FF2B5EF4-FFF2-40B4-BE49-F238E27FC236}">
-                <a16:creationId xmlns:a16="http://schemas.microsoft.com/office/drawing/2014/main" id="{C6F89342-529C-451D-85A6-7129E2E057F3}"/>
-              </a:ext>
-            </a:extLst>
-          </p:cNvPr>
-          <p:cNvSpPr txBox="1"/>
-          <p:nvPr/>
-        </p:nvSpPr>
-        <p:spPr>
-          <a:xfrm>
-            <a:off x="6516085" y="2591913"/>
-            <a:ext cx="4044697" cy="369332"/>
-          </a:xfrm>
-          <a:prstGeom prst="rect">
-            <a:avLst/>
-          </a:prstGeom>
-          <a:noFill/>
-        </p:spPr>
-        <p:txBody>
-          <a:bodyPr wrap="none" rtlCol="0">
-            <a:spAutoFit/>
-          </a:bodyPr>
-          <a:lstStyle/>
-          <a:p>
-            <a:r>
-              <a:rPr lang="de-DE" b="0" dirty="0" err="1">
-                <a:solidFill>
-                  <a:srgbClr val="4EC9B0"/>
-                </a:solidFill>
-                <a:effectLst/>
-                <a:latin typeface="JetBrainsMono NF" panose="02010509020102050004" pitchFamily="50" charset="0"/>
-              </a:rPr>
-              <a:t>Promise</a:t>
-            </a:r>
-            <a:r>
-              <a:rPr lang="de-DE" b="0" dirty="0" err="1">
-                <a:solidFill>
-                  <a:srgbClr val="D4D4D4"/>
-                </a:solidFill>
-                <a:effectLst/>
-                <a:latin typeface="JetBrainsMono NF" panose="02010509020102050004" pitchFamily="50" charset="0"/>
-              </a:rPr>
-              <a:t>.</a:t>
-            </a:r>
-            <a:r>
-              <a:rPr lang="de-DE" b="0" dirty="0" err="1">
-                <a:solidFill>
-                  <a:srgbClr val="DCDCAA"/>
-                </a:solidFill>
-                <a:effectLst/>
-                <a:latin typeface="JetBrainsMono NF" panose="02010509020102050004" pitchFamily="50" charset="0"/>
-              </a:rPr>
-              <a:t>reject</a:t>
-            </a:r>
-            <a:r>
-              <a:rPr lang="de-DE" b="0" dirty="0">
-                <a:solidFill>
-                  <a:srgbClr val="D4D4D4"/>
-                </a:solidFill>
-                <a:effectLst/>
-                <a:latin typeface="JetBrainsMono NF" panose="02010509020102050004" pitchFamily="50" charset="0"/>
-              </a:rPr>
-              <a:t>(</a:t>
-            </a:r>
-            <a:r>
-              <a:rPr lang="de-DE" b="0" dirty="0" err="1">
-                <a:solidFill>
-                  <a:srgbClr val="569CD6"/>
-                </a:solidFill>
-                <a:effectLst/>
-                <a:latin typeface="JetBrainsMono NF" panose="02010509020102050004" pitchFamily="50" charset="0"/>
-              </a:rPr>
-              <a:t>new</a:t>
-            </a:r>
-            <a:r>
-              <a:rPr lang="de-DE" b="0" dirty="0">
-                <a:solidFill>
-                  <a:srgbClr val="D4D4D4"/>
-                </a:solidFill>
-                <a:effectLst/>
-                <a:latin typeface="JetBrainsMono NF" panose="02010509020102050004" pitchFamily="50" charset="0"/>
-              </a:rPr>
-              <a:t> </a:t>
-            </a:r>
-            <a:r>
-              <a:rPr lang="de-DE" b="0" dirty="0">
-                <a:solidFill>
-                  <a:srgbClr val="4EC9B0"/>
-                </a:solidFill>
-                <a:effectLst/>
-                <a:latin typeface="JetBrainsMono NF" panose="02010509020102050004" pitchFamily="50" charset="0"/>
-              </a:rPr>
-              <a:t>Error</a:t>
-            </a:r>
-            <a:r>
-              <a:rPr lang="de-DE" b="0" dirty="0">
-                <a:solidFill>
-                  <a:srgbClr val="D4D4D4"/>
-                </a:solidFill>
-                <a:effectLst/>
-                <a:latin typeface="JetBrainsMono NF" panose="02010509020102050004" pitchFamily="50" charset="0"/>
-              </a:rPr>
-              <a:t>());</a:t>
-            </a:r>
-          </a:p>
-        </p:txBody>
-      </p:sp>
-      <p:sp>
-        <p:nvSpPr>
-          <p:cNvPr id="10" name="TextBox 9">
-            <a:extLst>
-              <a:ext uri="{FF2B5EF4-FFF2-40B4-BE49-F238E27FC236}">
-                <a16:creationId xmlns:a16="http://schemas.microsoft.com/office/drawing/2014/main" id="{7FF4027B-114C-46CF-BE8C-0AC40E3E9A8D}"/>
-              </a:ext>
-            </a:extLst>
-          </p:cNvPr>
-          <p:cNvSpPr txBox="1"/>
-          <p:nvPr/>
-        </p:nvSpPr>
-        <p:spPr>
-          <a:xfrm>
-            <a:off x="6516085" y="2133088"/>
-            <a:ext cx="3368040" cy="369332"/>
-          </a:xfrm>
-          <a:prstGeom prst="rect">
-            <a:avLst/>
-          </a:prstGeom>
-          <a:noFill/>
-        </p:spPr>
-        <p:txBody>
-          <a:bodyPr wrap="square" rtlCol="0">
-            <a:spAutoFit/>
-          </a:bodyPr>
-          <a:lstStyle/>
-          <a:p>
-            <a:r>
-              <a:rPr lang="de-DE" b="0" dirty="0" err="1">
-                <a:solidFill>
-                  <a:srgbClr val="4EC9B0"/>
-                </a:solidFill>
-                <a:effectLst/>
-                <a:latin typeface="JetBrainsMono NF" panose="02010509020102050004" pitchFamily="50" charset="0"/>
-              </a:rPr>
-              <a:t>Promise</a:t>
-            </a:r>
-            <a:r>
-              <a:rPr lang="de-DE" b="0" dirty="0" err="1">
-                <a:solidFill>
-                  <a:srgbClr val="D4D4D4"/>
-                </a:solidFill>
-                <a:effectLst/>
-                <a:latin typeface="JetBrainsMono NF" panose="02010509020102050004" pitchFamily="50" charset="0"/>
-              </a:rPr>
-              <a:t>.</a:t>
-            </a:r>
-            <a:r>
-              <a:rPr lang="de-DE" b="0" dirty="0" err="1">
-                <a:solidFill>
-                  <a:srgbClr val="DCDCAA"/>
-                </a:solidFill>
-                <a:effectLst/>
-                <a:latin typeface="JetBrainsMono NF" panose="02010509020102050004" pitchFamily="50" charset="0"/>
-              </a:rPr>
-              <a:t>resolve</a:t>
-            </a:r>
-            <a:r>
-              <a:rPr lang="de-DE" b="0" dirty="0">
-                <a:solidFill>
-                  <a:srgbClr val="D4D4D4"/>
-                </a:solidFill>
-                <a:effectLst/>
-                <a:latin typeface="JetBrainsMono NF" panose="02010509020102050004" pitchFamily="50" charset="0"/>
-              </a:rPr>
-              <a:t>(</a:t>
-            </a:r>
-            <a:r>
-              <a:rPr lang="de-DE" b="0" dirty="0" err="1">
-                <a:solidFill>
-                  <a:srgbClr val="9CDCFE"/>
-                </a:solidFill>
-                <a:effectLst/>
-                <a:latin typeface="JetBrainsMono NF" panose="02010509020102050004" pitchFamily="50" charset="0"/>
-              </a:rPr>
-              <a:t>value</a:t>
-            </a:r>
-            <a:r>
-              <a:rPr lang="de-DE" b="0" dirty="0">
-                <a:solidFill>
-                  <a:srgbClr val="D4D4D4"/>
-                </a:solidFill>
-                <a:effectLst/>
-                <a:latin typeface="JetBrainsMono NF" panose="02010509020102050004" pitchFamily="50" charset="0"/>
-              </a:rPr>
-              <a:t>);</a:t>
-            </a:r>
-          </a:p>
-        </p:txBody>
-      </p:sp>
-      <p:sp>
-        <p:nvSpPr>
-          <p:cNvPr id="11" name="Content Placeholder 3">
-            <a:extLst>
-              <a:ext uri="{FF2B5EF4-FFF2-40B4-BE49-F238E27FC236}">
-                <a16:creationId xmlns:a16="http://schemas.microsoft.com/office/drawing/2014/main" id="{AB8A2E11-A03F-4F5E-9EC7-9F9FBF8BED91}"/>
-              </a:ext>
-            </a:extLst>
-          </p:cNvPr>
-          <p:cNvSpPr>
-            <a:spLocks noGrp="1"/>
-          </p:cNvSpPr>
-          <p:nvPr>
-            <p:ph idx="1"/>
-          </p:nvPr>
-        </p:nvSpPr>
-        <p:spPr>
-          <a:xfrm>
-            <a:off x="838200" y="1557930"/>
-            <a:ext cx="5217160" cy="587375"/>
-          </a:xfrm>
-        </p:spPr>
-        <p:txBody>
-          <a:bodyPr/>
-          <a:lstStyle/>
-          <a:p>
-            <a:pPr marL="0" indent="0">
-              <a:buNone/>
-            </a:pPr>
-            <a:r>
-              <a:rPr lang="de-DE" dirty="0"/>
-              <a:t>Konstruktor</a:t>
-            </a:r>
-          </a:p>
-        </p:txBody>
-      </p:sp>
-      <p:sp>
-        <p:nvSpPr>
-          <p:cNvPr id="12" name="Content Placeholder 3">
-            <a:extLst>
-              <a:ext uri="{FF2B5EF4-FFF2-40B4-BE49-F238E27FC236}">
-                <a16:creationId xmlns:a16="http://schemas.microsoft.com/office/drawing/2014/main" id="{F370EA90-1236-401F-9650-925189738AA8}"/>
-              </a:ext>
-            </a:extLst>
-          </p:cNvPr>
-          <p:cNvSpPr txBox="1">
-            <a:spLocks/>
-          </p:cNvSpPr>
-          <p:nvPr/>
-        </p:nvSpPr>
-        <p:spPr>
-          <a:xfrm>
-            <a:off x="6517640" y="1552418"/>
-            <a:ext cx="5217160" cy="587375"/>
-          </a:xfrm>
-          <a:prstGeom prst="rect">
-            <a:avLst/>
-          </a:prstGeom>
-        </p:spPr>
-        <p:txBody>
-          <a:bodyPr vert="horz" lIns="91440" tIns="45720" rIns="91440" bIns="45720" rtlCol="0">
-            <a:normAutofit/>
-          </a:bodyPr>
-          <a:lstStyle>
-            <a:lvl1pPr marL="228600" indent="-228600" algn="l" defTabSz="914400" rtl="0" eaLnBrk="1" latinLnBrk="0" hangingPunct="1">
-              <a:lnSpc>
-                <a:spcPct val="90000"/>
-              </a:lnSpc>
-              <a:spcBef>
-                <a:spcPts val="1000"/>
-              </a:spcBef>
-              <a:buFont typeface="Arial" panose="020B0604020202020204" pitchFamily="34" charset="0"/>
-              <a:buChar char="•"/>
-              <a:defRPr sz="2800" kern="1200">
-                <a:solidFill>
-                  <a:schemeClr val="tx1"/>
-                </a:solidFill>
-                <a:latin typeface="+mn-lt"/>
-                <a:ea typeface="+mn-ea"/>
-                <a:cs typeface="+mn-cs"/>
-              </a:defRPr>
-            </a:lvl1pPr>
-            <a:lvl2pPr marL="685800" indent="-228600" algn="l" defTabSz="914400" rtl="0" eaLnBrk="1" latinLnBrk="0" hangingPunct="1">
-              <a:lnSpc>
-                <a:spcPct val="90000"/>
-              </a:lnSpc>
-              <a:spcBef>
-                <a:spcPts val="500"/>
-              </a:spcBef>
-              <a:buFont typeface="Arial" panose="020B0604020202020204" pitchFamily="34" charset="0"/>
-              <a:buChar char="•"/>
-              <a:defRPr sz="2400" kern="1200">
-                <a:solidFill>
-                  <a:schemeClr val="tx1"/>
-                </a:solidFill>
-                <a:latin typeface="+mn-lt"/>
-                <a:ea typeface="+mn-ea"/>
-                <a:cs typeface="+mn-cs"/>
-              </a:defRPr>
-            </a:lvl2pPr>
-            <a:lvl3pPr marL="1143000" indent="-228600" algn="l" defTabSz="914400" rtl="0" eaLnBrk="1" latinLnBrk="0" hangingPunct="1">
-              <a:lnSpc>
-                <a:spcPct val="90000"/>
-              </a:lnSpc>
-              <a:spcBef>
-                <a:spcPts val="500"/>
-              </a:spcBef>
-              <a:buFont typeface="Arial" panose="020B0604020202020204" pitchFamily="34" charset="0"/>
-              <a:buChar char="•"/>
-              <a:defRPr sz="2000" kern="1200">
-                <a:solidFill>
-                  <a:schemeClr val="tx1"/>
-                </a:solidFill>
-                <a:latin typeface="+mn-lt"/>
-                <a:ea typeface="+mn-ea"/>
-                <a:cs typeface="+mn-cs"/>
-              </a:defRPr>
-            </a:lvl3pPr>
-            <a:lvl4pPr marL="1600200" indent="-228600" algn="l" defTabSz="914400" rtl="0" eaLnBrk="1" latinLnBrk="0" hangingPunct="1">
-              <a:lnSpc>
-                <a:spcPct val="90000"/>
-              </a:lnSpc>
-              <a:spcBef>
-                <a:spcPts val="500"/>
-              </a:spcBef>
-              <a:buFont typeface="Arial" panose="020B0604020202020204" pitchFamily="34" charset="0"/>
-              <a:buChar char="•"/>
-              <a:defRPr sz="1800" kern="1200">
-                <a:solidFill>
-                  <a:schemeClr val="tx1"/>
-                </a:solidFill>
-                <a:latin typeface="+mn-lt"/>
-                <a:ea typeface="+mn-ea"/>
-                <a:cs typeface="+mn-cs"/>
-              </a:defRPr>
-            </a:lvl4pPr>
-            <a:lvl5pPr marL="2057400" indent="-228600" algn="l" defTabSz="914400" rtl="0" eaLnBrk="1" latinLnBrk="0" hangingPunct="1">
-              <a:lnSpc>
-                <a:spcPct val="90000"/>
-              </a:lnSpc>
-              <a:spcBef>
-                <a:spcPts val="500"/>
-              </a:spcBef>
-              <a:buFont typeface="Arial" panose="020B0604020202020204" pitchFamily="34" charset="0"/>
-              <a:buChar char="•"/>
-              <a:defRPr sz="1800" kern="1200">
-                <a:solidFill>
-                  <a:schemeClr val="tx1"/>
-                </a:solidFill>
-                <a:latin typeface="+mn-lt"/>
-                <a:ea typeface="+mn-ea"/>
-                <a:cs typeface="+mn-cs"/>
-              </a:defRPr>
-            </a:lvl5pPr>
-            <a:lvl6pPr marL="2514600" indent="-228600" algn="l" defTabSz="914400" rtl="0" eaLnBrk="1" latinLnBrk="0" hangingPunct="1">
-              <a:lnSpc>
-                <a:spcPct val="90000"/>
-              </a:lnSpc>
-              <a:spcBef>
-                <a:spcPts val="500"/>
-              </a:spcBef>
-              <a:buFont typeface="Arial" panose="020B0604020202020204" pitchFamily="34" charset="0"/>
-              <a:buChar char="•"/>
-              <a:defRPr sz="1800" kern="1200">
-                <a:solidFill>
-                  <a:schemeClr val="tx1"/>
-                </a:solidFill>
-                <a:latin typeface="+mn-lt"/>
-                <a:ea typeface="+mn-ea"/>
-                <a:cs typeface="+mn-cs"/>
-              </a:defRPr>
-            </a:lvl6pPr>
-            <a:lvl7pPr marL="2971800" indent="-228600" algn="l" defTabSz="914400" rtl="0" eaLnBrk="1" latinLnBrk="0" hangingPunct="1">
-              <a:lnSpc>
-                <a:spcPct val="90000"/>
-              </a:lnSpc>
-              <a:spcBef>
-                <a:spcPts val="500"/>
-              </a:spcBef>
-              <a:buFont typeface="Arial" panose="020B0604020202020204" pitchFamily="34" charset="0"/>
-              <a:buChar char="•"/>
-              <a:defRPr sz="1800" kern="1200">
-                <a:solidFill>
-                  <a:schemeClr val="tx1"/>
-                </a:solidFill>
-                <a:latin typeface="+mn-lt"/>
-                <a:ea typeface="+mn-ea"/>
-                <a:cs typeface="+mn-cs"/>
-              </a:defRPr>
-            </a:lvl7pPr>
-            <a:lvl8pPr marL="3429000" indent="-228600" algn="l" defTabSz="914400" rtl="0" eaLnBrk="1" latinLnBrk="0" hangingPunct="1">
-              <a:lnSpc>
-                <a:spcPct val="90000"/>
-              </a:lnSpc>
-              <a:spcBef>
-                <a:spcPts val="500"/>
-              </a:spcBef>
-              <a:buFont typeface="Arial" panose="020B0604020202020204" pitchFamily="34" charset="0"/>
-              <a:buChar char="•"/>
-              <a:defRPr sz="1800" kern="1200">
-                <a:solidFill>
-                  <a:schemeClr val="tx1"/>
-                </a:solidFill>
-                <a:latin typeface="+mn-lt"/>
-                <a:ea typeface="+mn-ea"/>
-                <a:cs typeface="+mn-cs"/>
-              </a:defRPr>
-            </a:lvl8pPr>
-            <a:lvl9pPr marL="3886200" indent="-228600" algn="l" defTabSz="914400" rtl="0" eaLnBrk="1" latinLnBrk="0" hangingPunct="1">
-              <a:lnSpc>
-                <a:spcPct val="90000"/>
-              </a:lnSpc>
-              <a:spcBef>
-                <a:spcPts val="500"/>
-              </a:spcBef>
-              <a:buFont typeface="Arial" panose="020B0604020202020204" pitchFamily="34" charset="0"/>
-              <a:buChar char="•"/>
-              <a:defRPr sz="1800" kern="1200">
-                <a:solidFill>
-                  <a:schemeClr val="tx1"/>
-                </a:solidFill>
-                <a:latin typeface="+mn-lt"/>
-                <a:ea typeface="+mn-ea"/>
-                <a:cs typeface="+mn-cs"/>
-              </a:defRPr>
-            </a:lvl9pPr>
-          </a:lstStyle>
-          <a:p>
-            <a:pPr marL="0" indent="0">
-              <a:buFont typeface="Arial" panose="020B0604020202020204" pitchFamily="34" charset="0"/>
-              <a:buNone/>
-            </a:pPr>
-            <a:r>
-              <a:rPr lang="de-DE" dirty="0"/>
-              <a:t>Statische Methoden</a:t>
-            </a:r>
-          </a:p>
-        </p:txBody>
-      </p:sp>
-      <p:sp>
-        <p:nvSpPr>
-          <p:cNvPr id="21" name="Rectangle 20">
-            <a:extLst>
-              <a:ext uri="{FF2B5EF4-FFF2-40B4-BE49-F238E27FC236}">
-                <a16:creationId xmlns:a16="http://schemas.microsoft.com/office/drawing/2014/main" id="{08FEA829-C19B-41F1-BE5F-DBF9B391F39F}"/>
-              </a:ext>
-            </a:extLst>
-          </p:cNvPr>
-          <p:cNvSpPr/>
-          <p:nvPr/>
-        </p:nvSpPr>
-        <p:spPr>
-          <a:xfrm>
-            <a:off x="800960" y="2145305"/>
-            <a:ext cx="4807359" cy="1801775"/>
-          </a:xfrm>
-          <a:prstGeom prst="rect">
-            <a:avLst/>
-          </a:prstGeom>
-          <a:noFill/>
-          <a:ln>
-            <a:solidFill>
-              <a:schemeClr val="tx2">
-                <a:lumMod val="90000"/>
-              </a:schemeClr>
-            </a:solidFill>
-          </a:ln>
-        </p:spPr>
-        <p:style>
-          <a:lnRef idx="2">
-            <a:schemeClr val="dk1"/>
-          </a:lnRef>
-          <a:fillRef idx="1">
-            <a:schemeClr val="lt1"/>
-          </a:fillRef>
-          <a:effectRef idx="0">
-            <a:schemeClr val="dk1"/>
-          </a:effectRef>
-          <a:fontRef idx="minor">
-            <a:schemeClr val="dk1"/>
-          </a:fontRef>
-        </p:style>
-        <p:txBody>
-          <a:bodyPr rtlCol="0" anchor="ctr"/>
-          <a:lstStyle/>
-          <a:p>
-            <a:pPr algn="ctr"/>
-            <a:endParaRPr lang="de-DE"/>
-          </a:p>
-        </p:txBody>
-      </p:sp>
-      <p:sp>
-        <p:nvSpPr>
-          <p:cNvPr id="22" name="Rectangle 21">
-            <a:extLst>
-              <a:ext uri="{FF2B5EF4-FFF2-40B4-BE49-F238E27FC236}">
-                <a16:creationId xmlns:a16="http://schemas.microsoft.com/office/drawing/2014/main" id="{15CA0017-1D46-480F-A1D3-9D081DF7DF7F}"/>
-              </a:ext>
-            </a:extLst>
-          </p:cNvPr>
-          <p:cNvSpPr/>
-          <p:nvPr/>
-        </p:nvSpPr>
-        <p:spPr>
-          <a:xfrm>
-            <a:off x="6480400" y="2139793"/>
-            <a:ext cx="4807359" cy="1801775"/>
-          </a:xfrm>
-          <a:prstGeom prst="rect">
-            <a:avLst/>
-          </a:prstGeom>
-          <a:noFill/>
-          <a:ln>
-            <a:solidFill>
-              <a:schemeClr val="tx2">
-                <a:lumMod val="90000"/>
-              </a:schemeClr>
-            </a:solidFill>
-          </a:ln>
-        </p:spPr>
-        <p:style>
-          <a:lnRef idx="2">
-            <a:schemeClr val="dk1"/>
-          </a:lnRef>
-          <a:fillRef idx="1">
-            <a:schemeClr val="lt1"/>
-          </a:fillRef>
-          <a:effectRef idx="0">
-            <a:schemeClr val="dk1"/>
-          </a:effectRef>
-          <a:fontRef idx="minor">
-            <a:schemeClr val="dk1"/>
-          </a:fontRef>
-        </p:style>
-        <p:txBody>
-          <a:bodyPr rtlCol="0" anchor="ctr"/>
-          <a:lstStyle/>
-          <a:p>
-            <a:pPr algn="ctr"/>
-            <a:endParaRPr lang="de-DE"/>
-          </a:p>
-        </p:txBody>
-      </p:sp>
-      <p:sp>
-        <p:nvSpPr>
-          <p:cNvPr id="25" name="TextBox 24">
-            <a:extLst>
-              <a:ext uri="{FF2B5EF4-FFF2-40B4-BE49-F238E27FC236}">
-                <a16:creationId xmlns:a16="http://schemas.microsoft.com/office/drawing/2014/main" id="{BF96BC1B-F54B-4B8F-AD91-F505BAAB0213}"/>
-              </a:ext>
-            </a:extLst>
-          </p:cNvPr>
-          <p:cNvSpPr txBox="1"/>
-          <p:nvPr/>
-        </p:nvSpPr>
-        <p:spPr>
-          <a:xfrm>
-            <a:off x="749415" y="4065268"/>
-            <a:ext cx="4910447" cy="646331"/>
-          </a:xfrm>
-          <a:prstGeom prst="rect">
-            <a:avLst/>
-          </a:prstGeom>
-          <a:noFill/>
-        </p:spPr>
-        <p:txBody>
-          <a:bodyPr wrap="none" rtlCol="0">
-            <a:spAutoFit/>
-          </a:bodyPr>
-          <a:lstStyle/>
-          <a:p>
-            <a:pPr marL="285750" indent="-285750">
-              <a:buFont typeface="Arial" panose="020B0604020202020204" pitchFamily="34" charset="0"/>
-              <a:buChar char="•"/>
-            </a:pPr>
-            <a:r>
-              <a:rPr lang="de-DE" dirty="0"/>
-              <a:t>Der Konstruktor-Aufruf ist weiterhin synchron</a:t>
-            </a:r>
-          </a:p>
-          <a:p>
-            <a:pPr marL="285750" indent="-285750">
-              <a:buFont typeface="Arial" panose="020B0604020202020204" pitchFamily="34" charset="0"/>
-              <a:buChar char="•"/>
-            </a:pPr>
-            <a:r>
-              <a:rPr lang="de-DE" dirty="0"/>
-              <a:t>Erst mit </a:t>
-            </a:r>
-            <a:r>
-              <a:rPr lang="de-DE" dirty="0" err="1"/>
-              <a:t>resolve</a:t>
-            </a:r>
-            <a:r>
-              <a:rPr lang="de-DE" dirty="0"/>
-              <a:t>/</a:t>
-            </a:r>
-            <a:r>
-              <a:rPr lang="de-DE" dirty="0" err="1"/>
-              <a:t>reject</a:t>
-            </a:r>
-            <a:r>
-              <a:rPr lang="de-DE" dirty="0"/>
-              <a:t> startet die Asynchronität</a:t>
-            </a:r>
-          </a:p>
-        </p:txBody>
-      </p:sp>
-      <p:sp>
-        <p:nvSpPr>
-          <p:cNvPr id="26" name="TextBox 25">
-            <a:extLst>
-              <a:ext uri="{FF2B5EF4-FFF2-40B4-BE49-F238E27FC236}">
-                <a16:creationId xmlns:a16="http://schemas.microsoft.com/office/drawing/2014/main" id="{3F3320B7-8143-4FD1-A929-A47F093FC1EC}"/>
-              </a:ext>
-            </a:extLst>
-          </p:cNvPr>
-          <p:cNvSpPr txBox="1"/>
-          <p:nvPr/>
-        </p:nvSpPr>
-        <p:spPr>
-          <a:xfrm>
-            <a:off x="6480400" y="4071877"/>
-            <a:ext cx="5237652" cy="646331"/>
-          </a:xfrm>
-          <a:prstGeom prst="rect">
-            <a:avLst/>
-          </a:prstGeom>
-          <a:noFill/>
-        </p:spPr>
-        <p:txBody>
-          <a:bodyPr wrap="none" rtlCol="0">
-            <a:spAutoFit/>
-          </a:bodyPr>
-          <a:lstStyle/>
-          <a:p>
-            <a:pPr marL="285750" indent="-285750">
-              <a:buFont typeface="Arial" panose="020B0604020202020204" pitchFamily="34" charset="0"/>
-              <a:buChar char="•"/>
-            </a:pPr>
-            <a:r>
-              <a:rPr lang="de-DE" dirty="0"/>
-              <a:t>An </a:t>
-            </a:r>
-            <a:r>
-              <a:rPr lang="de-DE" b="0" dirty="0" err="1">
-                <a:solidFill>
-                  <a:srgbClr val="CE9178"/>
-                </a:solidFill>
-                <a:effectLst/>
-                <a:latin typeface="JetBrainsMono NF" panose="02010509020102050004" pitchFamily="50" charset="0"/>
-              </a:rPr>
-              <a:t>Promise.resolve</a:t>
-            </a:r>
-            <a:r>
-              <a:rPr lang="de-DE" dirty="0"/>
-              <a:t> kann auch eine </a:t>
-            </a:r>
-            <a:r>
-              <a:rPr lang="de-DE" dirty="0" err="1"/>
-              <a:t>Promise</a:t>
-            </a:r>
-            <a:r>
-              <a:rPr lang="de-DE" dirty="0"/>
-              <a:t> </a:t>
-            </a:r>
-            <a:br>
-              <a:rPr lang="de-DE" dirty="0"/>
-            </a:br>
-            <a:r>
-              <a:rPr lang="de-DE" dirty="0"/>
-              <a:t>übergeben werden.</a:t>
-            </a:r>
-          </a:p>
-        </p:txBody>
-      </p:sp>
-      <p:sp>
-        <p:nvSpPr>
-          <p:cNvPr id="27" name="Rectangle 26">
-            <a:extLst>
-              <a:ext uri="{FF2B5EF4-FFF2-40B4-BE49-F238E27FC236}">
-                <a16:creationId xmlns:a16="http://schemas.microsoft.com/office/drawing/2014/main" id="{F01FE48F-A001-4E1C-A16B-4BE4FF818922}"/>
-              </a:ext>
-            </a:extLst>
-          </p:cNvPr>
-          <p:cNvSpPr/>
-          <p:nvPr/>
-        </p:nvSpPr>
-        <p:spPr>
-          <a:xfrm>
-            <a:off x="6480400" y="4848516"/>
-            <a:ext cx="4807359" cy="1801775"/>
-          </a:xfrm>
-          <a:prstGeom prst="rect">
-            <a:avLst/>
-          </a:prstGeom>
-          <a:noFill/>
-          <a:ln>
-            <a:solidFill>
-              <a:schemeClr val="tx2">
-                <a:lumMod val="90000"/>
-              </a:schemeClr>
-            </a:solidFill>
-          </a:ln>
-        </p:spPr>
-        <p:style>
-          <a:lnRef idx="2">
-            <a:schemeClr val="dk1"/>
-          </a:lnRef>
-          <a:fillRef idx="1">
-            <a:schemeClr val="lt1"/>
-          </a:fillRef>
-          <a:effectRef idx="0">
-            <a:schemeClr val="dk1"/>
-          </a:effectRef>
-          <a:fontRef idx="minor">
-            <a:schemeClr val="dk1"/>
-          </a:fontRef>
-        </p:style>
-        <p:txBody>
-          <a:bodyPr rtlCol="0" anchor="ctr"/>
-          <a:lstStyle/>
-          <a:p>
-            <a:pPr algn="ctr"/>
-            <a:endParaRPr lang="de-DE"/>
-          </a:p>
-        </p:txBody>
-      </p:sp>
-      <p:sp>
-        <p:nvSpPr>
-          <p:cNvPr id="28" name="TextBox 27">
-            <a:extLst>
-              <a:ext uri="{FF2B5EF4-FFF2-40B4-BE49-F238E27FC236}">
-                <a16:creationId xmlns:a16="http://schemas.microsoft.com/office/drawing/2014/main" id="{43D0D7BD-D9E0-421A-86E3-119E2413AA11}"/>
-              </a:ext>
-            </a:extLst>
-          </p:cNvPr>
-          <p:cNvSpPr txBox="1"/>
-          <p:nvPr/>
-        </p:nvSpPr>
-        <p:spPr>
-          <a:xfrm>
-            <a:off x="6516085" y="4875058"/>
-            <a:ext cx="3817071" cy="923330"/>
-          </a:xfrm>
-          <a:prstGeom prst="rect">
-            <a:avLst/>
-          </a:prstGeom>
-          <a:noFill/>
-        </p:spPr>
-        <p:txBody>
-          <a:bodyPr wrap="none" rtlCol="0">
-            <a:spAutoFit/>
-          </a:bodyPr>
-          <a:lstStyle/>
-          <a:p>
-            <a:r>
-              <a:rPr lang="de-DE" b="0" dirty="0" err="1">
-                <a:solidFill>
-                  <a:srgbClr val="4EC9B0"/>
-                </a:solidFill>
-                <a:effectLst/>
-                <a:latin typeface="JetBrainsMono NF" panose="02010509020102050004" pitchFamily="50" charset="0"/>
-              </a:rPr>
-              <a:t>Promise</a:t>
-            </a:r>
-            <a:r>
-              <a:rPr lang="de-DE" b="0" dirty="0" err="1">
-                <a:solidFill>
-                  <a:srgbClr val="D4D4D4"/>
-                </a:solidFill>
-                <a:effectLst/>
-                <a:latin typeface="JetBrainsMono NF" panose="02010509020102050004" pitchFamily="50" charset="0"/>
-              </a:rPr>
-              <a:t>.</a:t>
-            </a:r>
-            <a:r>
-              <a:rPr lang="de-DE" b="0" dirty="0" err="1">
-                <a:solidFill>
-                  <a:srgbClr val="DCDCAA"/>
-                </a:solidFill>
-                <a:effectLst/>
-                <a:latin typeface="JetBrainsMono NF" panose="02010509020102050004" pitchFamily="50" charset="0"/>
-              </a:rPr>
-              <a:t>resolve</a:t>
-            </a:r>
-            <a:r>
-              <a:rPr lang="de-DE" b="0" dirty="0">
-                <a:solidFill>
-                  <a:srgbClr val="D4D4D4"/>
-                </a:solidFill>
-                <a:effectLst/>
-                <a:latin typeface="JetBrainsMono NF" panose="02010509020102050004" pitchFamily="50" charset="0"/>
-              </a:rPr>
-              <a:t>(</a:t>
-            </a:r>
-            <a:br>
-              <a:rPr lang="de-DE" b="0" dirty="0">
-                <a:solidFill>
-                  <a:srgbClr val="D4D4D4"/>
-                </a:solidFill>
-                <a:effectLst/>
-                <a:latin typeface="JetBrainsMono NF" panose="02010509020102050004" pitchFamily="50" charset="0"/>
-              </a:rPr>
-            </a:br>
-            <a:r>
-              <a:rPr lang="de-DE" b="0" dirty="0">
-                <a:solidFill>
-                  <a:srgbClr val="D4D4D4"/>
-                </a:solidFill>
-                <a:effectLst/>
-                <a:latin typeface="JetBrainsMono NF" panose="02010509020102050004" pitchFamily="50" charset="0"/>
-              </a:rPr>
-              <a:t>	</a:t>
-            </a:r>
-            <a:r>
-              <a:rPr lang="de-DE" b="0" dirty="0" err="1">
-                <a:solidFill>
-                  <a:srgbClr val="4EC9B0"/>
-                </a:solidFill>
-                <a:effectLst/>
-                <a:latin typeface="JetBrainsMono NF" panose="02010509020102050004" pitchFamily="50" charset="0"/>
-              </a:rPr>
-              <a:t>Promise</a:t>
-            </a:r>
-            <a:r>
-              <a:rPr lang="de-DE" b="0" dirty="0" err="1">
-                <a:solidFill>
-                  <a:srgbClr val="D4D4D4"/>
-                </a:solidFill>
-                <a:effectLst/>
-                <a:latin typeface="JetBrainsMono NF" panose="02010509020102050004" pitchFamily="50" charset="0"/>
-              </a:rPr>
-              <a:t>.</a:t>
-            </a:r>
-            <a:r>
-              <a:rPr lang="de-DE" b="0" dirty="0" err="1">
-                <a:solidFill>
-                  <a:srgbClr val="DCDCAA"/>
-                </a:solidFill>
-                <a:effectLst/>
-                <a:latin typeface="JetBrainsMono NF" panose="02010509020102050004" pitchFamily="50" charset="0"/>
-              </a:rPr>
-              <a:t>resolve</a:t>
-            </a:r>
-            <a:r>
-              <a:rPr lang="de-DE" b="0" dirty="0">
-                <a:solidFill>
-                  <a:srgbClr val="D4D4D4"/>
-                </a:solidFill>
-                <a:effectLst/>
-                <a:latin typeface="JetBrainsMono NF" panose="02010509020102050004" pitchFamily="50" charset="0"/>
-              </a:rPr>
-              <a:t>(</a:t>
-            </a:r>
-            <a:r>
-              <a:rPr lang="de-DE" b="0" dirty="0" err="1">
-                <a:solidFill>
-                  <a:srgbClr val="9CDCFE"/>
-                </a:solidFill>
-                <a:effectLst/>
-                <a:latin typeface="JetBrainsMono NF" panose="02010509020102050004" pitchFamily="50" charset="0"/>
-              </a:rPr>
-              <a:t>value</a:t>
-            </a:r>
-            <a:r>
-              <a:rPr lang="de-DE" b="0" dirty="0">
-                <a:solidFill>
-                  <a:srgbClr val="D4D4D4"/>
-                </a:solidFill>
-                <a:effectLst/>
-                <a:latin typeface="JetBrainsMono NF" panose="02010509020102050004" pitchFamily="50" charset="0"/>
-              </a:rPr>
-              <a:t>)</a:t>
-            </a:r>
-          </a:p>
-          <a:p>
-            <a:r>
-              <a:rPr lang="de-DE" b="0" dirty="0">
-                <a:solidFill>
-                  <a:srgbClr val="D4D4D4"/>
-                </a:solidFill>
-                <a:effectLst/>
-                <a:latin typeface="JetBrainsMono NF" panose="02010509020102050004" pitchFamily="50" charset="0"/>
-              </a:rPr>
-              <a:t>);</a:t>
-            </a:r>
-          </a:p>
-        </p:txBody>
-      </p:sp>
-      <p:sp>
-        <p:nvSpPr>
-          <p:cNvPr id="29" name="TextBox 28">
-            <a:extLst>
-              <a:ext uri="{FF2B5EF4-FFF2-40B4-BE49-F238E27FC236}">
-                <a16:creationId xmlns:a16="http://schemas.microsoft.com/office/drawing/2014/main" id="{4C45E6DF-3CF5-4955-8727-F4F16BD570C9}"/>
-              </a:ext>
-            </a:extLst>
-          </p:cNvPr>
-          <p:cNvSpPr txBox="1"/>
-          <p:nvPr/>
-        </p:nvSpPr>
-        <p:spPr>
-          <a:xfrm>
-            <a:off x="6480400" y="5756841"/>
-            <a:ext cx="4506362" cy="923330"/>
-          </a:xfrm>
-          <a:prstGeom prst="rect">
-            <a:avLst/>
-          </a:prstGeom>
-          <a:noFill/>
-        </p:spPr>
-        <p:txBody>
-          <a:bodyPr wrap="none" rtlCol="0">
-            <a:spAutoFit/>
-          </a:bodyPr>
-          <a:lstStyle/>
-          <a:p>
-            <a:r>
-              <a:rPr lang="de-DE" b="0" dirty="0" err="1">
-                <a:solidFill>
-                  <a:srgbClr val="4EC9B0"/>
-                </a:solidFill>
-                <a:effectLst/>
-                <a:latin typeface="JetBrainsMono NF" panose="02010509020102050004" pitchFamily="50" charset="0"/>
-              </a:rPr>
-              <a:t>Promise</a:t>
-            </a:r>
-            <a:r>
-              <a:rPr lang="de-DE" b="0" dirty="0" err="1">
-                <a:solidFill>
-                  <a:srgbClr val="D4D4D4"/>
-                </a:solidFill>
-                <a:effectLst/>
-                <a:latin typeface="JetBrainsMono NF" panose="02010509020102050004" pitchFamily="50" charset="0"/>
-              </a:rPr>
-              <a:t>.</a:t>
-            </a:r>
-            <a:r>
-              <a:rPr lang="de-DE" b="0" dirty="0" err="1">
-                <a:solidFill>
-                  <a:srgbClr val="DCDCAA"/>
-                </a:solidFill>
-                <a:effectLst/>
-                <a:latin typeface="JetBrainsMono NF" panose="02010509020102050004" pitchFamily="50" charset="0"/>
-              </a:rPr>
-              <a:t>resolve</a:t>
-            </a:r>
-            <a:r>
-              <a:rPr lang="de-DE" b="0" dirty="0">
-                <a:solidFill>
-                  <a:srgbClr val="D4D4D4"/>
-                </a:solidFill>
-                <a:effectLst/>
-                <a:latin typeface="JetBrainsMono NF" panose="02010509020102050004" pitchFamily="50" charset="0"/>
-              </a:rPr>
-              <a:t>(</a:t>
-            </a:r>
-            <a:br>
-              <a:rPr lang="de-DE" b="0" dirty="0">
-                <a:solidFill>
-                  <a:srgbClr val="D4D4D4"/>
-                </a:solidFill>
-                <a:effectLst/>
-                <a:latin typeface="JetBrainsMono NF" panose="02010509020102050004" pitchFamily="50" charset="0"/>
-              </a:rPr>
-            </a:br>
-            <a:r>
-              <a:rPr lang="de-DE" b="0" dirty="0">
-                <a:solidFill>
-                  <a:srgbClr val="D4D4D4"/>
-                </a:solidFill>
-                <a:effectLst/>
-                <a:latin typeface="JetBrainsMono NF" panose="02010509020102050004" pitchFamily="50" charset="0"/>
-              </a:rPr>
-              <a:t>	</a:t>
-            </a:r>
-            <a:r>
-              <a:rPr lang="de-DE" b="0" dirty="0" err="1">
-                <a:solidFill>
-                  <a:srgbClr val="4EC9B0"/>
-                </a:solidFill>
-                <a:effectLst/>
-                <a:latin typeface="JetBrainsMono NF" panose="02010509020102050004" pitchFamily="50" charset="0"/>
-              </a:rPr>
-              <a:t>Promise</a:t>
-            </a:r>
-            <a:r>
-              <a:rPr lang="de-DE" b="0" dirty="0" err="1">
-                <a:solidFill>
-                  <a:srgbClr val="D4D4D4"/>
-                </a:solidFill>
-                <a:effectLst/>
-                <a:latin typeface="JetBrainsMono NF" panose="02010509020102050004" pitchFamily="50" charset="0"/>
-              </a:rPr>
-              <a:t>.</a:t>
-            </a:r>
-            <a:r>
-              <a:rPr lang="de-DE" b="0" dirty="0" err="1">
-                <a:solidFill>
-                  <a:srgbClr val="DCDCAA"/>
-                </a:solidFill>
-                <a:effectLst/>
-                <a:latin typeface="JetBrainsMono NF" panose="02010509020102050004" pitchFamily="50" charset="0"/>
-              </a:rPr>
-              <a:t>reject</a:t>
-            </a:r>
-            <a:r>
-              <a:rPr lang="de-DE" b="0" dirty="0">
-                <a:solidFill>
-                  <a:srgbClr val="D4D4D4"/>
-                </a:solidFill>
-                <a:effectLst/>
-                <a:latin typeface="JetBrainsMono NF" panose="02010509020102050004" pitchFamily="50" charset="0"/>
-              </a:rPr>
-              <a:t>(</a:t>
-            </a:r>
-            <a:r>
-              <a:rPr lang="de-DE" b="0" dirty="0" err="1">
-                <a:solidFill>
-                  <a:srgbClr val="569CD6"/>
-                </a:solidFill>
-                <a:effectLst/>
-                <a:latin typeface="JetBrainsMono NF" panose="02010509020102050004" pitchFamily="50" charset="0"/>
-              </a:rPr>
-              <a:t>new</a:t>
-            </a:r>
-            <a:r>
-              <a:rPr lang="de-DE" b="0" dirty="0">
-                <a:solidFill>
-                  <a:srgbClr val="D4D4D4"/>
-                </a:solidFill>
-                <a:effectLst/>
-                <a:latin typeface="JetBrainsMono NF" panose="02010509020102050004" pitchFamily="50" charset="0"/>
-              </a:rPr>
-              <a:t> </a:t>
-            </a:r>
-            <a:r>
-              <a:rPr lang="de-DE" b="0" dirty="0">
-                <a:solidFill>
-                  <a:srgbClr val="4EC9B0"/>
-                </a:solidFill>
-                <a:effectLst/>
-                <a:latin typeface="JetBrainsMono NF" panose="02010509020102050004" pitchFamily="50" charset="0"/>
-              </a:rPr>
-              <a:t>Error</a:t>
-            </a:r>
-            <a:r>
-              <a:rPr lang="de-DE" b="0" dirty="0">
-                <a:solidFill>
-                  <a:srgbClr val="D4D4D4"/>
-                </a:solidFill>
-                <a:effectLst/>
-                <a:latin typeface="JetBrainsMono NF" panose="02010509020102050004" pitchFamily="50" charset="0"/>
-              </a:rPr>
-              <a:t>())</a:t>
-            </a:r>
-          </a:p>
-          <a:p>
-            <a:r>
-              <a:rPr lang="de-DE" b="0" dirty="0">
-                <a:solidFill>
-                  <a:srgbClr val="D4D4D4"/>
-                </a:solidFill>
-                <a:effectLst/>
-                <a:latin typeface="JetBrainsMono NF" panose="02010509020102050004" pitchFamily="50" charset="0"/>
-              </a:rPr>
-              <a:t>);</a:t>
-            </a:r>
-          </a:p>
-        </p:txBody>
-      </p:sp>
-    </p:spTree>
-    <p:extLst>
-      <p:ext uri="{BB962C8B-B14F-4D97-AF65-F5344CB8AC3E}">
-        <p14:creationId xmlns:p14="http://schemas.microsoft.com/office/powerpoint/2010/main" val="1523437754"/>
       </p:ext>
     </p:extLst>
   </p:cSld>
@@ -32302,6 +30746,1925 @@
           <a:p>
             <a:r>
               <a:rPr lang="de-DE" dirty="0" err="1"/>
+              <a:t>Promises</a:t>
+            </a:r>
+            <a:endParaRPr lang="de-DE" dirty="0"/>
+          </a:p>
+        </p:txBody>
+      </p:sp>
+      <p:sp>
+        <p:nvSpPr>
+          <p:cNvPr id="5" name="Rectangle: Rounded Corners 4">
+            <a:extLst>
+              <a:ext uri="{FF2B5EF4-FFF2-40B4-BE49-F238E27FC236}">
+                <a16:creationId xmlns:a16="http://schemas.microsoft.com/office/drawing/2014/main" id="{8CE5BEC7-9367-4960-B947-D990A58C5820}"/>
+              </a:ext>
+            </a:extLst>
+          </p:cNvPr>
+          <p:cNvSpPr/>
+          <p:nvPr/>
+        </p:nvSpPr>
+        <p:spPr>
+          <a:xfrm>
+            <a:off x="1996441" y="2952432"/>
+            <a:ext cx="2026920" cy="1823720"/>
+          </a:xfrm>
+          <a:prstGeom prst="roundRect">
+            <a:avLst/>
+          </a:prstGeom>
+          <a:ln w="38100">
+            <a:solidFill>
+              <a:schemeClr val="tx1"/>
+            </a:solidFill>
+          </a:ln>
+        </p:spPr>
+        <p:style>
+          <a:lnRef idx="2">
+            <a:schemeClr val="dk1">
+              <a:shade val="50000"/>
+            </a:schemeClr>
+          </a:lnRef>
+          <a:fillRef idx="1">
+            <a:schemeClr val="dk1"/>
+          </a:fillRef>
+          <a:effectRef idx="0">
+            <a:schemeClr val="dk1"/>
+          </a:effectRef>
+          <a:fontRef idx="minor">
+            <a:schemeClr val="lt1"/>
+          </a:fontRef>
+        </p:style>
+        <p:txBody>
+          <a:bodyPr rtlCol="0" anchor="ctr"/>
+          <a:lstStyle/>
+          <a:p>
+            <a:pPr algn="ctr"/>
+            <a:r>
+              <a:rPr lang="de-DE" sz="3200" b="1" dirty="0" err="1"/>
+              <a:t>Pending</a:t>
+            </a:r>
+            <a:endParaRPr lang="de-DE" sz="3200" b="1" dirty="0"/>
+          </a:p>
+        </p:txBody>
+      </p:sp>
+      <p:sp>
+        <p:nvSpPr>
+          <p:cNvPr id="13" name="Rectangle: Rounded Corners 12">
+            <a:extLst>
+              <a:ext uri="{FF2B5EF4-FFF2-40B4-BE49-F238E27FC236}">
+                <a16:creationId xmlns:a16="http://schemas.microsoft.com/office/drawing/2014/main" id="{B31D0275-B278-4314-9699-354B035EACD6}"/>
+              </a:ext>
+            </a:extLst>
+          </p:cNvPr>
+          <p:cNvSpPr/>
+          <p:nvPr/>
+        </p:nvSpPr>
+        <p:spPr>
+          <a:xfrm>
+            <a:off x="8168640" y="1691640"/>
+            <a:ext cx="2026920" cy="1823720"/>
+          </a:xfrm>
+          <a:prstGeom prst="roundRect">
+            <a:avLst/>
+          </a:prstGeom>
+          <a:ln w="38100">
+            <a:solidFill>
+              <a:schemeClr val="accent2"/>
+            </a:solidFill>
+          </a:ln>
+        </p:spPr>
+        <p:style>
+          <a:lnRef idx="2">
+            <a:schemeClr val="dk1">
+              <a:shade val="50000"/>
+            </a:schemeClr>
+          </a:lnRef>
+          <a:fillRef idx="1">
+            <a:schemeClr val="dk1"/>
+          </a:fillRef>
+          <a:effectRef idx="0">
+            <a:schemeClr val="dk1"/>
+          </a:effectRef>
+          <a:fontRef idx="minor">
+            <a:schemeClr val="lt1"/>
+          </a:fontRef>
+        </p:style>
+        <p:txBody>
+          <a:bodyPr rtlCol="0" anchor="ctr"/>
+          <a:lstStyle/>
+          <a:p>
+            <a:pPr algn="ctr"/>
+            <a:r>
+              <a:rPr lang="de-DE" sz="3200" b="1" dirty="0" err="1"/>
+              <a:t>Fulfilled</a:t>
+            </a:r>
+            <a:endParaRPr lang="de-DE" sz="3200" b="1" dirty="0"/>
+          </a:p>
+        </p:txBody>
+      </p:sp>
+      <p:sp>
+        <p:nvSpPr>
+          <p:cNvPr id="14" name="Rectangle: Rounded Corners 13">
+            <a:extLst>
+              <a:ext uri="{FF2B5EF4-FFF2-40B4-BE49-F238E27FC236}">
+                <a16:creationId xmlns:a16="http://schemas.microsoft.com/office/drawing/2014/main" id="{7945FAEC-A11E-4859-84F3-B9A7347DB2DD}"/>
+              </a:ext>
+            </a:extLst>
+          </p:cNvPr>
+          <p:cNvSpPr/>
+          <p:nvPr/>
+        </p:nvSpPr>
+        <p:spPr>
+          <a:xfrm>
+            <a:off x="8168640" y="4020978"/>
+            <a:ext cx="2026920" cy="1823720"/>
+          </a:xfrm>
+          <a:prstGeom prst="roundRect">
+            <a:avLst/>
+          </a:prstGeom>
+          <a:ln w="38100">
+            <a:solidFill>
+              <a:schemeClr val="accent5"/>
+            </a:solidFill>
+          </a:ln>
+        </p:spPr>
+        <p:style>
+          <a:lnRef idx="2">
+            <a:schemeClr val="dk1">
+              <a:shade val="50000"/>
+            </a:schemeClr>
+          </a:lnRef>
+          <a:fillRef idx="1">
+            <a:schemeClr val="dk1"/>
+          </a:fillRef>
+          <a:effectRef idx="0">
+            <a:schemeClr val="dk1"/>
+          </a:effectRef>
+          <a:fontRef idx="minor">
+            <a:schemeClr val="lt1"/>
+          </a:fontRef>
+        </p:style>
+        <p:txBody>
+          <a:bodyPr rtlCol="0" anchor="ctr"/>
+          <a:lstStyle/>
+          <a:p>
+            <a:pPr algn="ctr"/>
+            <a:r>
+              <a:rPr lang="de-DE" sz="3200" b="1" dirty="0" err="1"/>
+              <a:t>Rejected</a:t>
+            </a:r>
+            <a:endParaRPr lang="de-DE" sz="3200" b="1" dirty="0"/>
+          </a:p>
+        </p:txBody>
+      </p:sp>
+      <p:cxnSp>
+        <p:nvCxnSpPr>
+          <p:cNvPr id="7" name="Straight Arrow Connector 6">
+            <a:extLst>
+              <a:ext uri="{FF2B5EF4-FFF2-40B4-BE49-F238E27FC236}">
+                <a16:creationId xmlns:a16="http://schemas.microsoft.com/office/drawing/2014/main" id="{03043E31-C466-477A-AF15-C7A9BA060186}"/>
+              </a:ext>
+            </a:extLst>
+          </p:cNvPr>
+          <p:cNvCxnSpPr>
+            <a:stCxn id="5" idx="3"/>
+            <a:endCxn id="13" idx="1"/>
+          </p:cNvCxnSpPr>
+          <p:nvPr/>
+        </p:nvCxnSpPr>
+        <p:spPr>
+          <a:xfrm flipV="1">
+            <a:off x="4023361" y="2603500"/>
+            <a:ext cx="4145279" cy="1260792"/>
+          </a:xfrm>
+          <a:prstGeom prst="straightConnector1">
+            <a:avLst/>
+          </a:prstGeom>
+          <a:ln w="38100">
+            <a:solidFill>
+              <a:schemeClr val="tx1"/>
+            </a:solidFill>
+            <a:headEnd type="none" w="med" len="med"/>
+            <a:tailEnd type="arrow" w="lg" len="lg"/>
+          </a:ln>
+        </p:spPr>
+        <p:style>
+          <a:lnRef idx="1">
+            <a:schemeClr val="accent1"/>
+          </a:lnRef>
+          <a:fillRef idx="0">
+            <a:schemeClr val="accent1"/>
+          </a:fillRef>
+          <a:effectRef idx="0">
+            <a:schemeClr val="accent1"/>
+          </a:effectRef>
+          <a:fontRef idx="minor">
+            <a:schemeClr val="tx1"/>
+          </a:fontRef>
+        </p:style>
+      </p:cxnSp>
+      <p:cxnSp>
+        <p:nvCxnSpPr>
+          <p:cNvPr id="16" name="Straight Arrow Connector 15">
+            <a:extLst>
+              <a:ext uri="{FF2B5EF4-FFF2-40B4-BE49-F238E27FC236}">
+                <a16:creationId xmlns:a16="http://schemas.microsoft.com/office/drawing/2014/main" id="{2F38C6EB-2472-4175-9028-89BF20809055}"/>
+              </a:ext>
+            </a:extLst>
+          </p:cNvPr>
+          <p:cNvCxnSpPr>
+            <a:cxnSpLocks/>
+            <a:stCxn id="5" idx="3"/>
+            <a:endCxn id="14" idx="1"/>
+          </p:cNvCxnSpPr>
+          <p:nvPr/>
+        </p:nvCxnSpPr>
+        <p:spPr>
+          <a:xfrm>
+            <a:off x="4023361" y="3864292"/>
+            <a:ext cx="4145279" cy="1068546"/>
+          </a:xfrm>
+          <a:prstGeom prst="straightConnector1">
+            <a:avLst/>
+          </a:prstGeom>
+          <a:ln w="38100">
+            <a:solidFill>
+              <a:schemeClr val="tx1"/>
+            </a:solidFill>
+            <a:headEnd type="none" w="med" len="med"/>
+            <a:tailEnd type="arrow" w="lg" len="lg"/>
+          </a:ln>
+        </p:spPr>
+        <p:style>
+          <a:lnRef idx="1">
+            <a:schemeClr val="accent1"/>
+          </a:lnRef>
+          <a:fillRef idx="0">
+            <a:schemeClr val="accent1"/>
+          </a:fillRef>
+          <a:effectRef idx="0">
+            <a:schemeClr val="accent1"/>
+          </a:effectRef>
+          <a:fontRef idx="minor">
+            <a:schemeClr val="tx1"/>
+          </a:fontRef>
+        </p:style>
+      </p:cxnSp>
+      <p:sp>
+        <p:nvSpPr>
+          <p:cNvPr id="25" name="Rectangle 24">
+            <a:extLst>
+              <a:ext uri="{FF2B5EF4-FFF2-40B4-BE49-F238E27FC236}">
+                <a16:creationId xmlns:a16="http://schemas.microsoft.com/office/drawing/2014/main" id="{DD35CE9A-109F-4605-A4F6-A24C46183545}"/>
+              </a:ext>
+            </a:extLst>
+          </p:cNvPr>
+          <p:cNvSpPr/>
+          <p:nvPr/>
+        </p:nvSpPr>
+        <p:spPr>
+          <a:xfrm>
+            <a:off x="7731760" y="1229360"/>
+            <a:ext cx="2900680" cy="4884717"/>
+          </a:xfrm>
+          <a:prstGeom prst="rect">
+            <a:avLst/>
+          </a:prstGeom>
+          <a:noFill/>
+          <a:ln>
+            <a:prstDash val="sysDash"/>
+          </a:ln>
+        </p:spPr>
+        <p:style>
+          <a:lnRef idx="2">
+            <a:schemeClr val="accent1">
+              <a:shade val="50000"/>
+            </a:schemeClr>
+          </a:lnRef>
+          <a:fillRef idx="1">
+            <a:schemeClr val="accent1"/>
+          </a:fillRef>
+          <a:effectRef idx="0">
+            <a:schemeClr val="accent1"/>
+          </a:effectRef>
+          <a:fontRef idx="minor">
+            <a:schemeClr val="lt1"/>
+          </a:fontRef>
+        </p:style>
+        <p:txBody>
+          <a:bodyPr rtlCol="0" anchor="ctr"/>
+          <a:lstStyle/>
+          <a:p>
+            <a:pPr algn="ctr"/>
+            <a:endParaRPr lang="de-DE"/>
+          </a:p>
+        </p:txBody>
+      </p:sp>
+      <p:sp>
+        <p:nvSpPr>
+          <p:cNvPr id="26" name="TextBox 25">
+            <a:extLst>
+              <a:ext uri="{FF2B5EF4-FFF2-40B4-BE49-F238E27FC236}">
+                <a16:creationId xmlns:a16="http://schemas.microsoft.com/office/drawing/2014/main" id="{F22F5312-91A2-4FFD-87EC-D16D047FDCAE}"/>
+              </a:ext>
+            </a:extLst>
+          </p:cNvPr>
+          <p:cNvSpPr txBox="1"/>
+          <p:nvPr/>
+        </p:nvSpPr>
+        <p:spPr>
+          <a:xfrm>
+            <a:off x="8577094" y="743923"/>
+            <a:ext cx="1210011" cy="523220"/>
+          </a:xfrm>
+          <a:prstGeom prst="rect">
+            <a:avLst/>
+          </a:prstGeom>
+          <a:noFill/>
+        </p:spPr>
+        <p:txBody>
+          <a:bodyPr wrap="none" rtlCol="0">
+            <a:spAutoFit/>
+          </a:bodyPr>
+          <a:lstStyle/>
+          <a:p>
+            <a:r>
+              <a:rPr lang="de-DE" sz="2800" dirty="0" err="1"/>
+              <a:t>Settled</a:t>
+            </a:r>
+            <a:endParaRPr lang="de-DE" sz="2800" dirty="0"/>
+          </a:p>
+        </p:txBody>
+      </p:sp>
+      <p:pic>
+        <p:nvPicPr>
+          <p:cNvPr id="31" name="Graphic 30" descr="Stopwatch with solid fill">
+            <a:extLst>
+              <a:ext uri="{FF2B5EF4-FFF2-40B4-BE49-F238E27FC236}">
+                <a16:creationId xmlns:a16="http://schemas.microsoft.com/office/drawing/2014/main" id="{3368A00E-D4B3-40AC-966C-089BAB2D7F8A}"/>
+              </a:ext>
+            </a:extLst>
+          </p:cNvPr>
+          <p:cNvPicPr>
+            <a:picLocks noChangeAspect="1"/>
+          </p:cNvPicPr>
+          <p:nvPr/>
+        </p:nvPicPr>
+        <p:blipFill>
+          <a:blip r:embed="rId2">
+            <a:extLst>
+              <a:ext uri="{28A0092B-C50C-407E-A947-70E740481C1C}">
+                <a14:useLocalDpi xmlns:a14="http://schemas.microsoft.com/office/drawing/2010/main" val="0"/>
+              </a:ext>
+              <a:ext uri="{96DAC541-7B7A-43D3-8B79-37D633B846F1}">
+                <asvg:svgBlip xmlns:asvg="http://schemas.microsoft.com/office/drawing/2016/SVG/main" r:embed="rId3"/>
+              </a:ext>
+            </a:extLst>
+          </a:blip>
+          <a:stretch>
+            <a:fillRect/>
+          </a:stretch>
+        </p:blipFill>
+        <p:spPr>
+          <a:xfrm>
+            <a:off x="3665221" y="2079308"/>
+            <a:ext cx="914400" cy="914400"/>
+          </a:xfrm>
+          <a:prstGeom prst="rect">
+            <a:avLst/>
+          </a:prstGeom>
+        </p:spPr>
+      </p:pic>
+    </p:spTree>
+    <p:extLst>
+      <p:ext uri="{BB962C8B-B14F-4D97-AF65-F5344CB8AC3E}">
+        <p14:creationId xmlns:p14="http://schemas.microsoft.com/office/powerpoint/2010/main" val="4069592891"/>
+      </p:ext>
+    </p:extLst>
+  </p:cSld>
+  <p:clrMapOvr>
+    <a:masterClrMapping/>
+  </p:clrMapOvr>
+</p:sld>
+</file>
+
+<file path=ppt/slides/slide41.xml><?xml version="1.0" encoding="utf-8"?>
+<p:sld xmlns:a="http://schemas.openxmlformats.org/drawingml/2006/main" xmlns:r="http://schemas.openxmlformats.org/officeDocument/2006/relationships" xmlns:p="http://schemas.openxmlformats.org/presentationml/2006/main">
+  <p:cSld>
+    <p:spTree>
+      <p:nvGrpSpPr>
+        <p:cNvPr id="1" name=""/>
+        <p:cNvGrpSpPr/>
+        <p:nvPr/>
+      </p:nvGrpSpPr>
+      <p:grpSpPr>
+        <a:xfrm>
+          <a:off x="0" y="0"/>
+          <a:ext cx="0" cy="0"/>
+          <a:chOff x="0" y="0"/>
+          <a:chExt cx="0" cy="0"/>
+        </a:xfrm>
+      </p:grpSpPr>
+      <p:sp>
+        <p:nvSpPr>
+          <p:cNvPr id="2" name="Title 1">
+            <a:extLst>
+              <a:ext uri="{FF2B5EF4-FFF2-40B4-BE49-F238E27FC236}">
+                <a16:creationId xmlns:a16="http://schemas.microsoft.com/office/drawing/2014/main" id="{EDCBBB79-AD0F-4BD2-83C6-295C226A3BF3}"/>
+              </a:ext>
+            </a:extLst>
+          </p:cNvPr>
+          <p:cNvSpPr>
+            <a:spLocks noGrp="1"/>
+          </p:cNvSpPr>
+          <p:nvPr>
+            <p:ph type="title"/>
+          </p:nvPr>
+        </p:nvSpPr>
+        <p:spPr>
+          <a:xfrm>
+            <a:off x="838200" y="380365"/>
+            <a:ext cx="10515600" cy="1325563"/>
+          </a:xfrm>
+        </p:spPr>
+        <p:txBody>
+          <a:bodyPr/>
+          <a:lstStyle/>
+          <a:p>
+            <a:r>
+              <a:rPr lang="de-DE" dirty="0" err="1"/>
+              <a:t>Promises</a:t>
+            </a:r>
+            <a:endParaRPr lang="de-DE" dirty="0"/>
+          </a:p>
+        </p:txBody>
+      </p:sp>
+      <p:sp>
+        <p:nvSpPr>
+          <p:cNvPr id="8" name="TextBox 7">
+            <a:extLst>
+              <a:ext uri="{FF2B5EF4-FFF2-40B4-BE49-F238E27FC236}">
+                <a16:creationId xmlns:a16="http://schemas.microsoft.com/office/drawing/2014/main" id="{15A2291C-AE8D-42FA-99AC-5B0A66924627}"/>
+              </a:ext>
+            </a:extLst>
+          </p:cNvPr>
+          <p:cNvSpPr txBox="1"/>
+          <p:nvPr/>
+        </p:nvSpPr>
+        <p:spPr>
+          <a:xfrm>
+            <a:off x="838199" y="2145305"/>
+            <a:ext cx="4871847" cy="2031325"/>
+          </a:xfrm>
+          <a:prstGeom prst="rect">
+            <a:avLst/>
+          </a:prstGeom>
+          <a:noFill/>
+        </p:spPr>
+        <p:txBody>
+          <a:bodyPr wrap="none" rtlCol="0">
+            <a:spAutoFit/>
+          </a:bodyPr>
+          <a:lstStyle/>
+          <a:p>
+            <a:r>
+              <a:rPr lang="en-US" b="0" dirty="0">
+                <a:solidFill>
+                  <a:srgbClr val="569CD6"/>
+                </a:solidFill>
+                <a:effectLst/>
+                <a:latin typeface="JetBrainsMono NF" panose="02010509020102050004" pitchFamily="50" charset="0"/>
+              </a:rPr>
+              <a:t>new</a:t>
+            </a:r>
+            <a:r>
+              <a:rPr lang="en-US" b="0" dirty="0">
+                <a:solidFill>
+                  <a:srgbClr val="D4D4D4"/>
+                </a:solidFill>
+                <a:effectLst/>
+                <a:latin typeface="JetBrainsMono NF" panose="02010509020102050004" pitchFamily="50" charset="0"/>
+              </a:rPr>
+              <a:t> </a:t>
+            </a:r>
+            <a:r>
+              <a:rPr lang="en-US" b="0" dirty="0">
+                <a:solidFill>
+                  <a:srgbClr val="4EC9B0"/>
+                </a:solidFill>
+                <a:effectLst/>
+                <a:latin typeface="JetBrainsMono NF" panose="02010509020102050004" pitchFamily="50" charset="0"/>
+              </a:rPr>
+              <a:t>Promise</a:t>
+            </a:r>
+            <a:r>
+              <a:rPr lang="en-US" b="0" dirty="0">
+                <a:solidFill>
+                  <a:srgbClr val="D4D4D4"/>
+                </a:solidFill>
+                <a:effectLst/>
+                <a:latin typeface="JetBrainsMono NF" panose="02010509020102050004" pitchFamily="50" charset="0"/>
+              </a:rPr>
+              <a:t>((</a:t>
+            </a:r>
+            <a:r>
+              <a:rPr lang="en-US" b="0" dirty="0">
+                <a:solidFill>
+                  <a:srgbClr val="9CDCFE"/>
+                </a:solidFill>
+                <a:effectLst/>
+                <a:latin typeface="JetBrainsMono NF" panose="02010509020102050004" pitchFamily="50" charset="0"/>
+              </a:rPr>
+              <a:t>resolve</a:t>
+            </a:r>
+            <a:r>
+              <a:rPr lang="en-US" b="0" dirty="0">
+                <a:solidFill>
+                  <a:srgbClr val="D4D4D4"/>
+                </a:solidFill>
+                <a:effectLst/>
+                <a:latin typeface="JetBrainsMono NF" panose="02010509020102050004" pitchFamily="50" charset="0"/>
+              </a:rPr>
+              <a:t>, </a:t>
+            </a:r>
+            <a:r>
+              <a:rPr lang="en-US" b="0" dirty="0">
+                <a:solidFill>
+                  <a:srgbClr val="9CDCFE"/>
+                </a:solidFill>
+                <a:effectLst/>
+                <a:latin typeface="JetBrainsMono NF" panose="02010509020102050004" pitchFamily="50" charset="0"/>
+              </a:rPr>
+              <a:t>reject</a:t>
+            </a:r>
+            <a:r>
+              <a:rPr lang="en-US" b="0" dirty="0">
+                <a:solidFill>
+                  <a:srgbClr val="D4D4D4"/>
+                </a:solidFill>
+                <a:effectLst/>
+                <a:latin typeface="JetBrainsMono NF" panose="02010509020102050004" pitchFamily="50" charset="0"/>
+              </a:rPr>
+              <a:t>) </a:t>
+            </a:r>
+            <a:r>
+              <a:rPr lang="en-US" b="0" dirty="0">
+                <a:solidFill>
+                  <a:srgbClr val="569CD6"/>
+                </a:solidFill>
+                <a:effectLst/>
+                <a:latin typeface="JetBrainsMono NF" panose="02010509020102050004" pitchFamily="50" charset="0"/>
+              </a:rPr>
+              <a:t>=&gt;</a:t>
+            </a:r>
+            <a:r>
+              <a:rPr lang="en-US" b="0" dirty="0">
+                <a:solidFill>
+                  <a:srgbClr val="D4D4D4"/>
+                </a:solidFill>
+                <a:effectLst/>
+                <a:latin typeface="JetBrainsMono NF" panose="02010509020102050004" pitchFamily="50" charset="0"/>
+              </a:rPr>
+              <a:t> {</a:t>
+            </a:r>
+          </a:p>
+          <a:p>
+            <a:r>
+              <a:rPr lang="en-US" b="0" dirty="0">
+                <a:solidFill>
+                  <a:srgbClr val="D4D4D4"/>
+                </a:solidFill>
+                <a:effectLst/>
+                <a:latin typeface="JetBrainsMono NF" panose="02010509020102050004" pitchFamily="50" charset="0"/>
+              </a:rPr>
+              <a:t>  </a:t>
+            </a:r>
+            <a:r>
+              <a:rPr lang="en-US" b="0" dirty="0">
+                <a:solidFill>
+                  <a:srgbClr val="C586C0"/>
+                </a:solidFill>
+                <a:effectLst/>
+                <a:latin typeface="JetBrainsMono NF" panose="02010509020102050004" pitchFamily="50" charset="0"/>
+              </a:rPr>
+              <a:t>if</a:t>
+            </a:r>
+            <a:r>
+              <a:rPr lang="en-US" b="0" dirty="0">
+                <a:solidFill>
+                  <a:srgbClr val="D4D4D4"/>
+                </a:solidFill>
+                <a:effectLst/>
+                <a:latin typeface="JetBrainsMono NF" panose="02010509020102050004" pitchFamily="50" charset="0"/>
+              </a:rPr>
+              <a:t>(</a:t>
+            </a:r>
+            <a:r>
+              <a:rPr lang="en-US" b="0" dirty="0" err="1">
+                <a:solidFill>
+                  <a:srgbClr val="9CDCFE"/>
+                </a:solidFill>
+                <a:effectLst/>
+                <a:latin typeface="JetBrainsMono NF" panose="02010509020102050004" pitchFamily="50" charset="0"/>
+              </a:rPr>
+              <a:t>somethingWentWrong</a:t>
+            </a:r>
+            <a:r>
+              <a:rPr lang="en-US" b="0" dirty="0">
+                <a:solidFill>
+                  <a:srgbClr val="D4D4D4"/>
+                </a:solidFill>
+                <a:effectLst/>
+                <a:latin typeface="JetBrainsMono NF" panose="02010509020102050004" pitchFamily="50" charset="0"/>
+              </a:rPr>
+              <a:t>) {</a:t>
+            </a:r>
+          </a:p>
+          <a:p>
+            <a:r>
+              <a:rPr lang="en-US" b="0" dirty="0">
+                <a:solidFill>
+                  <a:srgbClr val="D4D4D4"/>
+                </a:solidFill>
+                <a:effectLst/>
+                <a:latin typeface="JetBrainsMono NF" panose="02010509020102050004" pitchFamily="50" charset="0"/>
+              </a:rPr>
+              <a:t>    </a:t>
+            </a:r>
+            <a:r>
+              <a:rPr lang="en-US" b="0" dirty="0">
+                <a:solidFill>
+                  <a:srgbClr val="DCDCAA"/>
+                </a:solidFill>
+                <a:effectLst/>
+                <a:latin typeface="JetBrainsMono NF" panose="02010509020102050004" pitchFamily="50" charset="0"/>
+              </a:rPr>
+              <a:t>reject</a:t>
+            </a:r>
+            <a:r>
+              <a:rPr lang="en-US" b="0" dirty="0">
+                <a:solidFill>
+                  <a:srgbClr val="D4D4D4"/>
+                </a:solidFill>
+                <a:effectLst/>
+                <a:latin typeface="JetBrainsMono NF" panose="02010509020102050004" pitchFamily="50" charset="0"/>
+              </a:rPr>
+              <a:t>(</a:t>
+            </a:r>
+            <a:r>
+              <a:rPr lang="en-US" b="0" dirty="0">
+                <a:solidFill>
+                  <a:srgbClr val="569CD6"/>
+                </a:solidFill>
+                <a:effectLst/>
+                <a:latin typeface="JetBrainsMono NF" panose="02010509020102050004" pitchFamily="50" charset="0"/>
+              </a:rPr>
+              <a:t>new</a:t>
+            </a:r>
+            <a:r>
+              <a:rPr lang="en-US" b="0" dirty="0">
+                <a:solidFill>
+                  <a:srgbClr val="D4D4D4"/>
+                </a:solidFill>
+                <a:effectLst/>
+                <a:latin typeface="JetBrainsMono NF" panose="02010509020102050004" pitchFamily="50" charset="0"/>
+              </a:rPr>
+              <a:t> </a:t>
+            </a:r>
+            <a:r>
+              <a:rPr lang="en-US" b="0" dirty="0">
+                <a:solidFill>
+                  <a:srgbClr val="4EC9B0"/>
+                </a:solidFill>
+                <a:effectLst/>
+                <a:latin typeface="JetBrainsMono NF" panose="02010509020102050004" pitchFamily="50" charset="0"/>
+              </a:rPr>
+              <a:t>Error</a:t>
+            </a:r>
+            <a:r>
+              <a:rPr lang="en-US" b="0" dirty="0">
+                <a:solidFill>
+                  <a:srgbClr val="D4D4D4"/>
+                </a:solidFill>
+                <a:effectLst/>
+                <a:latin typeface="JetBrainsMono NF" panose="02010509020102050004" pitchFamily="50" charset="0"/>
+              </a:rPr>
+              <a:t>());</a:t>
+            </a:r>
+          </a:p>
+          <a:p>
+            <a:r>
+              <a:rPr lang="en-US" b="0" dirty="0">
+                <a:solidFill>
+                  <a:srgbClr val="D4D4D4"/>
+                </a:solidFill>
+                <a:effectLst/>
+                <a:latin typeface="JetBrainsMono NF" panose="02010509020102050004" pitchFamily="50" charset="0"/>
+              </a:rPr>
+              <a:t>  }</a:t>
+            </a:r>
+          </a:p>
+          <a:p>
+            <a:r>
+              <a:rPr lang="en-US" b="0" dirty="0">
+                <a:solidFill>
+                  <a:srgbClr val="D4D4D4"/>
+                </a:solidFill>
+                <a:effectLst/>
+                <a:latin typeface="JetBrainsMono NF" panose="02010509020102050004" pitchFamily="50" charset="0"/>
+              </a:rPr>
+              <a:t>  </a:t>
+            </a:r>
+            <a:r>
+              <a:rPr lang="en-US" b="0" dirty="0">
+                <a:solidFill>
+                  <a:srgbClr val="DCDCAA"/>
+                </a:solidFill>
+                <a:effectLst/>
+                <a:latin typeface="JetBrainsMono NF" panose="02010509020102050004" pitchFamily="50" charset="0"/>
+              </a:rPr>
+              <a:t>resolve</a:t>
+            </a:r>
+            <a:r>
+              <a:rPr lang="en-US" b="0" dirty="0">
+                <a:solidFill>
+                  <a:srgbClr val="D4D4D4"/>
+                </a:solidFill>
+                <a:effectLst/>
+                <a:latin typeface="JetBrainsMono NF" panose="02010509020102050004" pitchFamily="50" charset="0"/>
+              </a:rPr>
+              <a:t>(</a:t>
+            </a:r>
+            <a:r>
+              <a:rPr lang="en-US" b="0" dirty="0">
+                <a:solidFill>
+                  <a:srgbClr val="9CDCFE"/>
+                </a:solidFill>
+                <a:effectLst/>
+                <a:latin typeface="JetBrainsMono NF" panose="02010509020102050004" pitchFamily="50" charset="0"/>
+              </a:rPr>
+              <a:t>value</a:t>
+            </a:r>
+            <a:r>
+              <a:rPr lang="en-US" b="0" dirty="0">
+                <a:solidFill>
+                  <a:srgbClr val="D4D4D4"/>
+                </a:solidFill>
+                <a:effectLst/>
+                <a:latin typeface="JetBrainsMono NF" panose="02010509020102050004" pitchFamily="50" charset="0"/>
+              </a:rPr>
+              <a:t>);</a:t>
+            </a:r>
+          </a:p>
+          <a:p>
+            <a:r>
+              <a:rPr lang="en-US" b="0" dirty="0">
+                <a:solidFill>
+                  <a:srgbClr val="D4D4D4"/>
+                </a:solidFill>
+                <a:effectLst/>
+                <a:latin typeface="JetBrainsMono NF" panose="02010509020102050004" pitchFamily="50" charset="0"/>
+              </a:rPr>
+              <a:t>});</a:t>
+            </a:r>
+          </a:p>
+          <a:p>
+            <a:endParaRPr lang="de-DE" dirty="0"/>
+          </a:p>
+        </p:txBody>
+      </p:sp>
+      <p:sp>
+        <p:nvSpPr>
+          <p:cNvPr id="9" name="TextBox 8">
+            <a:extLst>
+              <a:ext uri="{FF2B5EF4-FFF2-40B4-BE49-F238E27FC236}">
+                <a16:creationId xmlns:a16="http://schemas.microsoft.com/office/drawing/2014/main" id="{C6F89342-529C-451D-85A6-7129E2E057F3}"/>
+              </a:ext>
+            </a:extLst>
+          </p:cNvPr>
+          <p:cNvSpPr txBox="1"/>
+          <p:nvPr/>
+        </p:nvSpPr>
+        <p:spPr>
+          <a:xfrm>
+            <a:off x="6516085" y="2591913"/>
+            <a:ext cx="4044697" cy="369332"/>
+          </a:xfrm>
+          <a:prstGeom prst="rect">
+            <a:avLst/>
+          </a:prstGeom>
+          <a:noFill/>
+        </p:spPr>
+        <p:txBody>
+          <a:bodyPr wrap="none" rtlCol="0">
+            <a:spAutoFit/>
+          </a:bodyPr>
+          <a:lstStyle/>
+          <a:p>
+            <a:r>
+              <a:rPr lang="de-DE" b="0" dirty="0" err="1">
+                <a:solidFill>
+                  <a:srgbClr val="4EC9B0"/>
+                </a:solidFill>
+                <a:effectLst/>
+                <a:latin typeface="JetBrainsMono NF" panose="02010509020102050004" pitchFamily="50" charset="0"/>
+              </a:rPr>
+              <a:t>Promise</a:t>
+            </a:r>
+            <a:r>
+              <a:rPr lang="de-DE" b="0" dirty="0" err="1">
+                <a:solidFill>
+                  <a:srgbClr val="D4D4D4"/>
+                </a:solidFill>
+                <a:effectLst/>
+                <a:latin typeface="JetBrainsMono NF" panose="02010509020102050004" pitchFamily="50" charset="0"/>
+              </a:rPr>
+              <a:t>.</a:t>
+            </a:r>
+            <a:r>
+              <a:rPr lang="de-DE" b="0" dirty="0" err="1">
+                <a:solidFill>
+                  <a:srgbClr val="DCDCAA"/>
+                </a:solidFill>
+                <a:effectLst/>
+                <a:latin typeface="JetBrainsMono NF" panose="02010509020102050004" pitchFamily="50" charset="0"/>
+              </a:rPr>
+              <a:t>reject</a:t>
+            </a:r>
+            <a:r>
+              <a:rPr lang="de-DE" b="0" dirty="0">
+                <a:solidFill>
+                  <a:srgbClr val="D4D4D4"/>
+                </a:solidFill>
+                <a:effectLst/>
+                <a:latin typeface="JetBrainsMono NF" panose="02010509020102050004" pitchFamily="50" charset="0"/>
+              </a:rPr>
+              <a:t>(</a:t>
+            </a:r>
+            <a:r>
+              <a:rPr lang="de-DE" b="0" dirty="0" err="1">
+                <a:solidFill>
+                  <a:srgbClr val="569CD6"/>
+                </a:solidFill>
+                <a:effectLst/>
+                <a:latin typeface="JetBrainsMono NF" panose="02010509020102050004" pitchFamily="50" charset="0"/>
+              </a:rPr>
+              <a:t>new</a:t>
+            </a:r>
+            <a:r>
+              <a:rPr lang="de-DE" b="0" dirty="0">
+                <a:solidFill>
+                  <a:srgbClr val="D4D4D4"/>
+                </a:solidFill>
+                <a:effectLst/>
+                <a:latin typeface="JetBrainsMono NF" panose="02010509020102050004" pitchFamily="50" charset="0"/>
+              </a:rPr>
+              <a:t> </a:t>
+            </a:r>
+            <a:r>
+              <a:rPr lang="de-DE" b="0" dirty="0">
+                <a:solidFill>
+                  <a:srgbClr val="4EC9B0"/>
+                </a:solidFill>
+                <a:effectLst/>
+                <a:latin typeface="JetBrainsMono NF" panose="02010509020102050004" pitchFamily="50" charset="0"/>
+              </a:rPr>
+              <a:t>Error</a:t>
+            </a:r>
+            <a:r>
+              <a:rPr lang="de-DE" b="0" dirty="0">
+                <a:solidFill>
+                  <a:srgbClr val="D4D4D4"/>
+                </a:solidFill>
+                <a:effectLst/>
+                <a:latin typeface="JetBrainsMono NF" panose="02010509020102050004" pitchFamily="50" charset="0"/>
+              </a:rPr>
+              <a:t>());</a:t>
+            </a:r>
+          </a:p>
+        </p:txBody>
+      </p:sp>
+      <p:sp>
+        <p:nvSpPr>
+          <p:cNvPr id="10" name="TextBox 9">
+            <a:extLst>
+              <a:ext uri="{FF2B5EF4-FFF2-40B4-BE49-F238E27FC236}">
+                <a16:creationId xmlns:a16="http://schemas.microsoft.com/office/drawing/2014/main" id="{7FF4027B-114C-46CF-BE8C-0AC40E3E9A8D}"/>
+              </a:ext>
+            </a:extLst>
+          </p:cNvPr>
+          <p:cNvSpPr txBox="1"/>
+          <p:nvPr/>
+        </p:nvSpPr>
+        <p:spPr>
+          <a:xfrm>
+            <a:off x="6516085" y="2133088"/>
+            <a:ext cx="3368040" cy="369332"/>
+          </a:xfrm>
+          <a:prstGeom prst="rect">
+            <a:avLst/>
+          </a:prstGeom>
+          <a:noFill/>
+        </p:spPr>
+        <p:txBody>
+          <a:bodyPr wrap="square" rtlCol="0">
+            <a:spAutoFit/>
+          </a:bodyPr>
+          <a:lstStyle/>
+          <a:p>
+            <a:r>
+              <a:rPr lang="de-DE" b="0" dirty="0" err="1">
+                <a:solidFill>
+                  <a:srgbClr val="4EC9B0"/>
+                </a:solidFill>
+                <a:effectLst/>
+                <a:latin typeface="JetBrainsMono NF" panose="02010509020102050004" pitchFamily="50" charset="0"/>
+              </a:rPr>
+              <a:t>Promise</a:t>
+            </a:r>
+            <a:r>
+              <a:rPr lang="de-DE" b="0" dirty="0" err="1">
+                <a:solidFill>
+                  <a:srgbClr val="D4D4D4"/>
+                </a:solidFill>
+                <a:effectLst/>
+                <a:latin typeface="JetBrainsMono NF" panose="02010509020102050004" pitchFamily="50" charset="0"/>
+              </a:rPr>
+              <a:t>.</a:t>
+            </a:r>
+            <a:r>
+              <a:rPr lang="de-DE" b="0" dirty="0" err="1">
+                <a:solidFill>
+                  <a:srgbClr val="DCDCAA"/>
+                </a:solidFill>
+                <a:effectLst/>
+                <a:latin typeface="JetBrainsMono NF" panose="02010509020102050004" pitchFamily="50" charset="0"/>
+              </a:rPr>
+              <a:t>resolve</a:t>
+            </a:r>
+            <a:r>
+              <a:rPr lang="de-DE" b="0" dirty="0">
+                <a:solidFill>
+                  <a:srgbClr val="D4D4D4"/>
+                </a:solidFill>
+                <a:effectLst/>
+                <a:latin typeface="JetBrainsMono NF" panose="02010509020102050004" pitchFamily="50" charset="0"/>
+              </a:rPr>
+              <a:t>(</a:t>
+            </a:r>
+            <a:r>
+              <a:rPr lang="de-DE" b="0" dirty="0" err="1">
+                <a:solidFill>
+                  <a:srgbClr val="9CDCFE"/>
+                </a:solidFill>
+                <a:effectLst/>
+                <a:latin typeface="JetBrainsMono NF" panose="02010509020102050004" pitchFamily="50" charset="0"/>
+              </a:rPr>
+              <a:t>value</a:t>
+            </a:r>
+            <a:r>
+              <a:rPr lang="de-DE" b="0" dirty="0">
+                <a:solidFill>
+                  <a:srgbClr val="D4D4D4"/>
+                </a:solidFill>
+                <a:effectLst/>
+                <a:latin typeface="JetBrainsMono NF" panose="02010509020102050004" pitchFamily="50" charset="0"/>
+              </a:rPr>
+              <a:t>);</a:t>
+            </a:r>
+          </a:p>
+        </p:txBody>
+      </p:sp>
+      <p:sp>
+        <p:nvSpPr>
+          <p:cNvPr id="11" name="Content Placeholder 3">
+            <a:extLst>
+              <a:ext uri="{FF2B5EF4-FFF2-40B4-BE49-F238E27FC236}">
+                <a16:creationId xmlns:a16="http://schemas.microsoft.com/office/drawing/2014/main" id="{AB8A2E11-A03F-4F5E-9EC7-9F9FBF8BED91}"/>
+              </a:ext>
+            </a:extLst>
+          </p:cNvPr>
+          <p:cNvSpPr>
+            <a:spLocks noGrp="1"/>
+          </p:cNvSpPr>
+          <p:nvPr>
+            <p:ph idx="1"/>
+          </p:nvPr>
+        </p:nvSpPr>
+        <p:spPr>
+          <a:xfrm>
+            <a:off x="838200" y="1557930"/>
+            <a:ext cx="5217160" cy="587375"/>
+          </a:xfrm>
+        </p:spPr>
+        <p:txBody>
+          <a:bodyPr/>
+          <a:lstStyle/>
+          <a:p>
+            <a:pPr marL="0" indent="0">
+              <a:buNone/>
+            </a:pPr>
+            <a:r>
+              <a:rPr lang="de-DE" dirty="0"/>
+              <a:t>Konstruktor</a:t>
+            </a:r>
+          </a:p>
+        </p:txBody>
+      </p:sp>
+      <p:sp>
+        <p:nvSpPr>
+          <p:cNvPr id="12" name="Content Placeholder 3">
+            <a:extLst>
+              <a:ext uri="{FF2B5EF4-FFF2-40B4-BE49-F238E27FC236}">
+                <a16:creationId xmlns:a16="http://schemas.microsoft.com/office/drawing/2014/main" id="{F370EA90-1236-401F-9650-925189738AA8}"/>
+              </a:ext>
+            </a:extLst>
+          </p:cNvPr>
+          <p:cNvSpPr txBox="1">
+            <a:spLocks/>
+          </p:cNvSpPr>
+          <p:nvPr/>
+        </p:nvSpPr>
+        <p:spPr>
+          <a:xfrm>
+            <a:off x="6517640" y="1552418"/>
+            <a:ext cx="5217160" cy="587375"/>
+          </a:xfrm>
+          <a:prstGeom prst="rect">
+            <a:avLst/>
+          </a:prstGeom>
+        </p:spPr>
+        <p:txBody>
+          <a:bodyPr vert="horz" lIns="91440" tIns="45720" rIns="91440" bIns="45720" rtlCol="0">
+            <a:normAutofit/>
+          </a:bodyPr>
+          <a:lstStyle>
+            <a:lvl1pPr marL="228600" indent="-228600" algn="l" defTabSz="914400" rtl="0" eaLnBrk="1" latinLnBrk="0" hangingPunct="1">
+              <a:lnSpc>
+                <a:spcPct val="90000"/>
+              </a:lnSpc>
+              <a:spcBef>
+                <a:spcPts val="1000"/>
+              </a:spcBef>
+              <a:buFont typeface="Arial" panose="020B0604020202020204" pitchFamily="34" charset="0"/>
+              <a:buChar char="•"/>
+              <a:defRPr sz="2800" kern="1200">
+                <a:solidFill>
+                  <a:schemeClr val="tx1"/>
+                </a:solidFill>
+                <a:latin typeface="+mn-lt"/>
+                <a:ea typeface="+mn-ea"/>
+                <a:cs typeface="+mn-cs"/>
+              </a:defRPr>
+            </a:lvl1pPr>
+            <a:lvl2pPr marL="685800" indent="-228600" algn="l" defTabSz="914400" rtl="0" eaLnBrk="1" latinLnBrk="0" hangingPunct="1">
+              <a:lnSpc>
+                <a:spcPct val="90000"/>
+              </a:lnSpc>
+              <a:spcBef>
+                <a:spcPts val="500"/>
+              </a:spcBef>
+              <a:buFont typeface="Arial" panose="020B0604020202020204" pitchFamily="34" charset="0"/>
+              <a:buChar char="•"/>
+              <a:defRPr sz="2400" kern="1200">
+                <a:solidFill>
+                  <a:schemeClr val="tx1"/>
+                </a:solidFill>
+                <a:latin typeface="+mn-lt"/>
+                <a:ea typeface="+mn-ea"/>
+                <a:cs typeface="+mn-cs"/>
+              </a:defRPr>
+            </a:lvl2pPr>
+            <a:lvl3pPr marL="1143000" indent="-228600" algn="l" defTabSz="914400" rtl="0" eaLnBrk="1" latinLnBrk="0" hangingPunct="1">
+              <a:lnSpc>
+                <a:spcPct val="90000"/>
+              </a:lnSpc>
+              <a:spcBef>
+                <a:spcPts val="500"/>
+              </a:spcBef>
+              <a:buFont typeface="Arial" panose="020B0604020202020204" pitchFamily="34" charset="0"/>
+              <a:buChar char="•"/>
+              <a:defRPr sz="2000" kern="1200">
+                <a:solidFill>
+                  <a:schemeClr val="tx1"/>
+                </a:solidFill>
+                <a:latin typeface="+mn-lt"/>
+                <a:ea typeface="+mn-ea"/>
+                <a:cs typeface="+mn-cs"/>
+              </a:defRPr>
+            </a:lvl3pPr>
+            <a:lvl4pPr marL="1600200" indent="-228600" algn="l" defTabSz="914400" rtl="0" eaLnBrk="1" latinLnBrk="0" hangingPunct="1">
+              <a:lnSpc>
+                <a:spcPct val="90000"/>
+              </a:lnSpc>
+              <a:spcBef>
+                <a:spcPts val="500"/>
+              </a:spcBef>
+              <a:buFont typeface="Arial" panose="020B0604020202020204" pitchFamily="34" charset="0"/>
+              <a:buChar char="•"/>
+              <a:defRPr sz="1800" kern="1200">
+                <a:solidFill>
+                  <a:schemeClr val="tx1"/>
+                </a:solidFill>
+                <a:latin typeface="+mn-lt"/>
+                <a:ea typeface="+mn-ea"/>
+                <a:cs typeface="+mn-cs"/>
+              </a:defRPr>
+            </a:lvl4pPr>
+            <a:lvl5pPr marL="2057400" indent="-228600" algn="l" defTabSz="914400" rtl="0" eaLnBrk="1" latinLnBrk="0" hangingPunct="1">
+              <a:lnSpc>
+                <a:spcPct val="90000"/>
+              </a:lnSpc>
+              <a:spcBef>
+                <a:spcPts val="500"/>
+              </a:spcBef>
+              <a:buFont typeface="Arial" panose="020B0604020202020204" pitchFamily="34" charset="0"/>
+              <a:buChar char="•"/>
+              <a:defRPr sz="1800" kern="1200">
+                <a:solidFill>
+                  <a:schemeClr val="tx1"/>
+                </a:solidFill>
+                <a:latin typeface="+mn-lt"/>
+                <a:ea typeface="+mn-ea"/>
+                <a:cs typeface="+mn-cs"/>
+              </a:defRPr>
+            </a:lvl5pPr>
+            <a:lvl6pPr marL="2514600" indent="-228600" algn="l" defTabSz="914400" rtl="0" eaLnBrk="1" latinLnBrk="0" hangingPunct="1">
+              <a:lnSpc>
+                <a:spcPct val="90000"/>
+              </a:lnSpc>
+              <a:spcBef>
+                <a:spcPts val="500"/>
+              </a:spcBef>
+              <a:buFont typeface="Arial" panose="020B0604020202020204" pitchFamily="34" charset="0"/>
+              <a:buChar char="•"/>
+              <a:defRPr sz="1800" kern="1200">
+                <a:solidFill>
+                  <a:schemeClr val="tx1"/>
+                </a:solidFill>
+                <a:latin typeface="+mn-lt"/>
+                <a:ea typeface="+mn-ea"/>
+                <a:cs typeface="+mn-cs"/>
+              </a:defRPr>
+            </a:lvl6pPr>
+            <a:lvl7pPr marL="2971800" indent="-228600" algn="l" defTabSz="914400" rtl="0" eaLnBrk="1" latinLnBrk="0" hangingPunct="1">
+              <a:lnSpc>
+                <a:spcPct val="90000"/>
+              </a:lnSpc>
+              <a:spcBef>
+                <a:spcPts val="500"/>
+              </a:spcBef>
+              <a:buFont typeface="Arial" panose="020B0604020202020204" pitchFamily="34" charset="0"/>
+              <a:buChar char="•"/>
+              <a:defRPr sz="1800" kern="1200">
+                <a:solidFill>
+                  <a:schemeClr val="tx1"/>
+                </a:solidFill>
+                <a:latin typeface="+mn-lt"/>
+                <a:ea typeface="+mn-ea"/>
+                <a:cs typeface="+mn-cs"/>
+              </a:defRPr>
+            </a:lvl7pPr>
+            <a:lvl8pPr marL="3429000" indent="-228600" algn="l" defTabSz="914400" rtl="0" eaLnBrk="1" latinLnBrk="0" hangingPunct="1">
+              <a:lnSpc>
+                <a:spcPct val="90000"/>
+              </a:lnSpc>
+              <a:spcBef>
+                <a:spcPts val="500"/>
+              </a:spcBef>
+              <a:buFont typeface="Arial" panose="020B0604020202020204" pitchFamily="34" charset="0"/>
+              <a:buChar char="•"/>
+              <a:defRPr sz="1800" kern="1200">
+                <a:solidFill>
+                  <a:schemeClr val="tx1"/>
+                </a:solidFill>
+                <a:latin typeface="+mn-lt"/>
+                <a:ea typeface="+mn-ea"/>
+                <a:cs typeface="+mn-cs"/>
+              </a:defRPr>
+            </a:lvl8pPr>
+            <a:lvl9pPr marL="3886200" indent="-228600" algn="l" defTabSz="914400" rtl="0" eaLnBrk="1" latinLnBrk="0" hangingPunct="1">
+              <a:lnSpc>
+                <a:spcPct val="90000"/>
+              </a:lnSpc>
+              <a:spcBef>
+                <a:spcPts val="500"/>
+              </a:spcBef>
+              <a:buFont typeface="Arial" panose="020B0604020202020204" pitchFamily="34" charset="0"/>
+              <a:buChar char="•"/>
+              <a:defRPr sz="1800" kern="1200">
+                <a:solidFill>
+                  <a:schemeClr val="tx1"/>
+                </a:solidFill>
+                <a:latin typeface="+mn-lt"/>
+                <a:ea typeface="+mn-ea"/>
+                <a:cs typeface="+mn-cs"/>
+              </a:defRPr>
+            </a:lvl9pPr>
+          </a:lstStyle>
+          <a:p>
+            <a:pPr marL="0" indent="0">
+              <a:buFont typeface="Arial" panose="020B0604020202020204" pitchFamily="34" charset="0"/>
+              <a:buNone/>
+            </a:pPr>
+            <a:r>
+              <a:rPr lang="de-DE" dirty="0"/>
+              <a:t>Statische Methoden</a:t>
+            </a:r>
+          </a:p>
+        </p:txBody>
+      </p:sp>
+      <p:sp>
+        <p:nvSpPr>
+          <p:cNvPr id="21" name="Rectangle 20">
+            <a:extLst>
+              <a:ext uri="{FF2B5EF4-FFF2-40B4-BE49-F238E27FC236}">
+                <a16:creationId xmlns:a16="http://schemas.microsoft.com/office/drawing/2014/main" id="{08FEA829-C19B-41F1-BE5F-DBF9B391F39F}"/>
+              </a:ext>
+            </a:extLst>
+          </p:cNvPr>
+          <p:cNvSpPr/>
+          <p:nvPr/>
+        </p:nvSpPr>
+        <p:spPr>
+          <a:xfrm>
+            <a:off x="800960" y="2145305"/>
+            <a:ext cx="4807359" cy="1801775"/>
+          </a:xfrm>
+          <a:prstGeom prst="rect">
+            <a:avLst/>
+          </a:prstGeom>
+          <a:noFill/>
+          <a:ln>
+            <a:solidFill>
+              <a:schemeClr val="tx2">
+                <a:lumMod val="90000"/>
+              </a:schemeClr>
+            </a:solidFill>
+          </a:ln>
+        </p:spPr>
+        <p:style>
+          <a:lnRef idx="2">
+            <a:schemeClr val="dk1"/>
+          </a:lnRef>
+          <a:fillRef idx="1">
+            <a:schemeClr val="lt1"/>
+          </a:fillRef>
+          <a:effectRef idx="0">
+            <a:schemeClr val="dk1"/>
+          </a:effectRef>
+          <a:fontRef idx="minor">
+            <a:schemeClr val="dk1"/>
+          </a:fontRef>
+        </p:style>
+        <p:txBody>
+          <a:bodyPr rtlCol="0" anchor="ctr"/>
+          <a:lstStyle/>
+          <a:p>
+            <a:pPr algn="ctr"/>
+            <a:endParaRPr lang="de-DE"/>
+          </a:p>
+        </p:txBody>
+      </p:sp>
+      <p:sp>
+        <p:nvSpPr>
+          <p:cNvPr id="22" name="Rectangle 21">
+            <a:extLst>
+              <a:ext uri="{FF2B5EF4-FFF2-40B4-BE49-F238E27FC236}">
+                <a16:creationId xmlns:a16="http://schemas.microsoft.com/office/drawing/2014/main" id="{15CA0017-1D46-480F-A1D3-9D081DF7DF7F}"/>
+              </a:ext>
+            </a:extLst>
+          </p:cNvPr>
+          <p:cNvSpPr/>
+          <p:nvPr/>
+        </p:nvSpPr>
+        <p:spPr>
+          <a:xfrm>
+            <a:off x="6480400" y="2139793"/>
+            <a:ext cx="4807359" cy="1801775"/>
+          </a:xfrm>
+          <a:prstGeom prst="rect">
+            <a:avLst/>
+          </a:prstGeom>
+          <a:noFill/>
+          <a:ln>
+            <a:solidFill>
+              <a:schemeClr val="tx2">
+                <a:lumMod val="90000"/>
+              </a:schemeClr>
+            </a:solidFill>
+          </a:ln>
+        </p:spPr>
+        <p:style>
+          <a:lnRef idx="2">
+            <a:schemeClr val="dk1"/>
+          </a:lnRef>
+          <a:fillRef idx="1">
+            <a:schemeClr val="lt1"/>
+          </a:fillRef>
+          <a:effectRef idx="0">
+            <a:schemeClr val="dk1"/>
+          </a:effectRef>
+          <a:fontRef idx="minor">
+            <a:schemeClr val="dk1"/>
+          </a:fontRef>
+        </p:style>
+        <p:txBody>
+          <a:bodyPr rtlCol="0" anchor="ctr"/>
+          <a:lstStyle/>
+          <a:p>
+            <a:pPr algn="ctr"/>
+            <a:endParaRPr lang="de-DE"/>
+          </a:p>
+        </p:txBody>
+      </p:sp>
+      <p:sp>
+        <p:nvSpPr>
+          <p:cNvPr id="25" name="TextBox 24">
+            <a:extLst>
+              <a:ext uri="{FF2B5EF4-FFF2-40B4-BE49-F238E27FC236}">
+                <a16:creationId xmlns:a16="http://schemas.microsoft.com/office/drawing/2014/main" id="{BF96BC1B-F54B-4B8F-AD91-F505BAAB0213}"/>
+              </a:ext>
+            </a:extLst>
+          </p:cNvPr>
+          <p:cNvSpPr txBox="1"/>
+          <p:nvPr/>
+        </p:nvSpPr>
+        <p:spPr>
+          <a:xfrm>
+            <a:off x="749415" y="4065268"/>
+            <a:ext cx="4910447" cy="646331"/>
+          </a:xfrm>
+          <a:prstGeom prst="rect">
+            <a:avLst/>
+          </a:prstGeom>
+          <a:noFill/>
+        </p:spPr>
+        <p:txBody>
+          <a:bodyPr wrap="none" rtlCol="0">
+            <a:spAutoFit/>
+          </a:bodyPr>
+          <a:lstStyle/>
+          <a:p>
+            <a:pPr marL="285750" indent="-285750">
+              <a:buFont typeface="Arial" panose="020B0604020202020204" pitchFamily="34" charset="0"/>
+              <a:buChar char="•"/>
+            </a:pPr>
+            <a:r>
+              <a:rPr lang="de-DE" dirty="0"/>
+              <a:t>Der Konstruktor-Aufruf ist weiterhin synchron</a:t>
+            </a:r>
+          </a:p>
+          <a:p>
+            <a:pPr marL="285750" indent="-285750">
+              <a:buFont typeface="Arial" panose="020B0604020202020204" pitchFamily="34" charset="0"/>
+              <a:buChar char="•"/>
+            </a:pPr>
+            <a:r>
+              <a:rPr lang="de-DE" dirty="0"/>
+              <a:t>Erst mit </a:t>
+            </a:r>
+            <a:r>
+              <a:rPr lang="de-DE" dirty="0" err="1"/>
+              <a:t>resolve</a:t>
+            </a:r>
+            <a:r>
+              <a:rPr lang="de-DE" dirty="0"/>
+              <a:t>/</a:t>
+            </a:r>
+            <a:r>
+              <a:rPr lang="de-DE" dirty="0" err="1"/>
+              <a:t>reject</a:t>
+            </a:r>
+            <a:r>
+              <a:rPr lang="de-DE" dirty="0"/>
+              <a:t> startet die Asynchronität</a:t>
+            </a:r>
+          </a:p>
+        </p:txBody>
+      </p:sp>
+      <p:sp>
+        <p:nvSpPr>
+          <p:cNvPr id="26" name="TextBox 25">
+            <a:extLst>
+              <a:ext uri="{FF2B5EF4-FFF2-40B4-BE49-F238E27FC236}">
+                <a16:creationId xmlns:a16="http://schemas.microsoft.com/office/drawing/2014/main" id="{3F3320B7-8143-4FD1-A929-A47F093FC1EC}"/>
+              </a:ext>
+            </a:extLst>
+          </p:cNvPr>
+          <p:cNvSpPr txBox="1"/>
+          <p:nvPr/>
+        </p:nvSpPr>
+        <p:spPr>
+          <a:xfrm>
+            <a:off x="6480400" y="4071877"/>
+            <a:ext cx="5237652" cy="646331"/>
+          </a:xfrm>
+          <a:prstGeom prst="rect">
+            <a:avLst/>
+          </a:prstGeom>
+          <a:noFill/>
+        </p:spPr>
+        <p:txBody>
+          <a:bodyPr wrap="none" rtlCol="0">
+            <a:spAutoFit/>
+          </a:bodyPr>
+          <a:lstStyle/>
+          <a:p>
+            <a:pPr marL="285750" indent="-285750">
+              <a:buFont typeface="Arial" panose="020B0604020202020204" pitchFamily="34" charset="0"/>
+              <a:buChar char="•"/>
+            </a:pPr>
+            <a:r>
+              <a:rPr lang="de-DE" dirty="0"/>
+              <a:t>An </a:t>
+            </a:r>
+            <a:r>
+              <a:rPr lang="de-DE" b="0" dirty="0" err="1">
+                <a:solidFill>
+                  <a:srgbClr val="CE9178"/>
+                </a:solidFill>
+                <a:effectLst/>
+                <a:latin typeface="JetBrainsMono NF" panose="02010509020102050004" pitchFamily="50" charset="0"/>
+              </a:rPr>
+              <a:t>Promise.resolve</a:t>
+            </a:r>
+            <a:r>
+              <a:rPr lang="de-DE" dirty="0"/>
+              <a:t> kann auch eine </a:t>
+            </a:r>
+            <a:r>
+              <a:rPr lang="de-DE" dirty="0" err="1"/>
+              <a:t>Promise</a:t>
+            </a:r>
+            <a:r>
+              <a:rPr lang="de-DE" dirty="0"/>
+              <a:t> </a:t>
+            </a:r>
+            <a:br>
+              <a:rPr lang="de-DE" dirty="0"/>
+            </a:br>
+            <a:r>
+              <a:rPr lang="de-DE" dirty="0"/>
+              <a:t>übergeben werden.</a:t>
+            </a:r>
+          </a:p>
+        </p:txBody>
+      </p:sp>
+      <p:sp>
+        <p:nvSpPr>
+          <p:cNvPr id="27" name="Rectangle 26">
+            <a:extLst>
+              <a:ext uri="{FF2B5EF4-FFF2-40B4-BE49-F238E27FC236}">
+                <a16:creationId xmlns:a16="http://schemas.microsoft.com/office/drawing/2014/main" id="{F01FE48F-A001-4E1C-A16B-4BE4FF818922}"/>
+              </a:ext>
+            </a:extLst>
+          </p:cNvPr>
+          <p:cNvSpPr/>
+          <p:nvPr/>
+        </p:nvSpPr>
+        <p:spPr>
+          <a:xfrm>
+            <a:off x="6480400" y="4848516"/>
+            <a:ext cx="4807359" cy="1801775"/>
+          </a:xfrm>
+          <a:prstGeom prst="rect">
+            <a:avLst/>
+          </a:prstGeom>
+          <a:noFill/>
+          <a:ln>
+            <a:solidFill>
+              <a:schemeClr val="tx2">
+                <a:lumMod val="90000"/>
+              </a:schemeClr>
+            </a:solidFill>
+          </a:ln>
+        </p:spPr>
+        <p:style>
+          <a:lnRef idx="2">
+            <a:schemeClr val="dk1"/>
+          </a:lnRef>
+          <a:fillRef idx="1">
+            <a:schemeClr val="lt1"/>
+          </a:fillRef>
+          <a:effectRef idx="0">
+            <a:schemeClr val="dk1"/>
+          </a:effectRef>
+          <a:fontRef idx="minor">
+            <a:schemeClr val="dk1"/>
+          </a:fontRef>
+        </p:style>
+        <p:txBody>
+          <a:bodyPr rtlCol="0" anchor="ctr"/>
+          <a:lstStyle/>
+          <a:p>
+            <a:pPr algn="ctr"/>
+            <a:endParaRPr lang="de-DE"/>
+          </a:p>
+        </p:txBody>
+      </p:sp>
+      <p:sp>
+        <p:nvSpPr>
+          <p:cNvPr id="28" name="TextBox 27">
+            <a:extLst>
+              <a:ext uri="{FF2B5EF4-FFF2-40B4-BE49-F238E27FC236}">
+                <a16:creationId xmlns:a16="http://schemas.microsoft.com/office/drawing/2014/main" id="{43D0D7BD-D9E0-421A-86E3-119E2413AA11}"/>
+              </a:ext>
+            </a:extLst>
+          </p:cNvPr>
+          <p:cNvSpPr txBox="1"/>
+          <p:nvPr/>
+        </p:nvSpPr>
+        <p:spPr>
+          <a:xfrm>
+            <a:off x="6516085" y="4875058"/>
+            <a:ext cx="3817071" cy="923330"/>
+          </a:xfrm>
+          <a:prstGeom prst="rect">
+            <a:avLst/>
+          </a:prstGeom>
+          <a:noFill/>
+        </p:spPr>
+        <p:txBody>
+          <a:bodyPr wrap="none" rtlCol="0">
+            <a:spAutoFit/>
+          </a:bodyPr>
+          <a:lstStyle/>
+          <a:p>
+            <a:r>
+              <a:rPr lang="de-DE" b="0" dirty="0" err="1">
+                <a:solidFill>
+                  <a:srgbClr val="4EC9B0"/>
+                </a:solidFill>
+                <a:effectLst/>
+                <a:latin typeface="JetBrainsMono NF" panose="02010509020102050004" pitchFamily="50" charset="0"/>
+              </a:rPr>
+              <a:t>Promise</a:t>
+            </a:r>
+            <a:r>
+              <a:rPr lang="de-DE" b="0" dirty="0" err="1">
+                <a:solidFill>
+                  <a:srgbClr val="D4D4D4"/>
+                </a:solidFill>
+                <a:effectLst/>
+                <a:latin typeface="JetBrainsMono NF" panose="02010509020102050004" pitchFamily="50" charset="0"/>
+              </a:rPr>
+              <a:t>.</a:t>
+            </a:r>
+            <a:r>
+              <a:rPr lang="de-DE" b="0" dirty="0" err="1">
+                <a:solidFill>
+                  <a:srgbClr val="DCDCAA"/>
+                </a:solidFill>
+                <a:effectLst/>
+                <a:latin typeface="JetBrainsMono NF" panose="02010509020102050004" pitchFamily="50" charset="0"/>
+              </a:rPr>
+              <a:t>resolve</a:t>
+            </a:r>
+            <a:r>
+              <a:rPr lang="de-DE" b="0" dirty="0">
+                <a:solidFill>
+                  <a:srgbClr val="D4D4D4"/>
+                </a:solidFill>
+                <a:effectLst/>
+                <a:latin typeface="JetBrainsMono NF" panose="02010509020102050004" pitchFamily="50" charset="0"/>
+              </a:rPr>
+              <a:t>(</a:t>
+            </a:r>
+            <a:br>
+              <a:rPr lang="de-DE" b="0" dirty="0">
+                <a:solidFill>
+                  <a:srgbClr val="D4D4D4"/>
+                </a:solidFill>
+                <a:effectLst/>
+                <a:latin typeface="JetBrainsMono NF" panose="02010509020102050004" pitchFamily="50" charset="0"/>
+              </a:rPr>
+            </a:br>
+            <a:r>
+              <a:rPr lang="de-DE" b="0" dirty="0">
+                <a:solidFill>
+                  <a:srgbClr val="D4D4D4"/>
+                </a:solidFill>
+                <a:effectLst/>
+                <a:latin typeface="JetBrainsMono NF" panose="02010509020102050004" pitchFamily="50" charset="0"/>
+              </a:rPr>
+              <a:t>	</a:t>
+            </a:r>
+            <a:r>
+              <a:rPr lang="de-DE" b="0" dirty="0" err="1">
+                <a:solidFill>
+                  <a:srgbClr val="4EC9B0"/>
+                </a:solidFill>
+                <a:effectLst/>
+                <a:latin typeface="JetBrainsMono NF" panose="02010509020102050004" pitchFamily="50" charset="0"/>
+              </a:rPr>
+              <a:t>Promise</a:t>
+            </a:r>
+            <a:r>
+              <a:rPr lang="de-DE" b="0" dirty="0" err="1">
+                <a:solidFill>
+                  <a:srgbClr val="D4D4D4"/>
+                </a:solidFill>
+                <a:effectLst/>
+                <a:latin typeface="JetBrainsMono NF" panose="02010509020102050004" pitchFamily="50" charset="0"/>
+              </a:rPr>
+              <a:t>.</a:t>
+            </a:r>
+            <a:r>
+              <a:rPr lang="de-DE" b="0" dirty="0" err="1">
+                <a:solidFill>
+                  <a:srgbClr val="DCDCAA"/>
+                </a:solidFill>
+                <a:effectLst/>
+                <a:latin typeface="JetBrainsMono NF" panose="02010509020102050004" pitchFamily="50" charset="0"/>
+              </a:rPr>
+              <a:t>resolve</a:t>
+            </a:r>
+            <a:r>
+              <a:rPr lang="de-DE" b="0" dirty="0">
+                <a:solidFill>
+                  <a:srgbClr val="D4D4D4"/>
+                </a:solidFill>
+                <a:effectLst/>
+                <a:latin typeface="JetBrainsMono NF" panose="02010509020102050004" pitchFamily="50" charset="0"/>
+              </a:rPr>
+              <a:t>(</a:t>
+            </a:r>
+            <a:r>
+              <a:rPr lang="de-DE" b="0" dirty="0" err="1">
+                <a:solidFill>
+                  <a:srgbClr val="9CDCFE"/>
+                </a:solidFill>
+                <a:effectLst/>
+                <a:latin typeface="JetBrainsMono NF" panose="02010509020102050004" pitchFamily="50" charset="0"/>
+              </a:rPr>
+              <a:t>value</a:t>
+            </a:r>
+            <a:r>
+              <a:rPr lang="de-DE" b="0" dirty="0">
+                <a:solidFill>
+                  <a:srgbClr val="D4D4D4"/>
+                </a:solidFill>
+                <a:effectLst/>
+                <a:latin typeface="JetBrainsMono NF" panose="02010509020102050004" pitchFamily="50" charset="0"/>
+              </a:rPr>
+              <a:t>)</a:t>
+            </a:r>
+          </a:p>
+          <a:p>
+            <a:r>
+              <a:rPr lang="de-DE" b="0" dirty="0">
+                <a:solidFill>
+                  <a:srgbClr val="D4D4D4"/>
+                </a:solidFill>
+                <a:effectLst/>
+                <a:latin typeface="JetBrainsMono NF" panose="02010509020102050004" pitchFamily="50" charset="0"/>
+              </a:rPr>
+              <a:t>);</a:t>
+            </a:r>
+          </a:p>
+        </p:txBody>
+      </p:sp>
+      <p:sp>
+        <p:nvSpPr>
+          <p:cNvPr id="29" name="TextBox 28">
+            <a:extLst>
+              <a:ext uri="{FF2B5EF4-FFF2-40B4-BE49-F238E27FC236}">
+                <a16:creationId xmlns:a16="http://schemas.microsoft.com/office/drawing/2014/main" id="{4C45E6DF-3CF5-4955-8727-F4F16BD570C9}"/>
+              </a:ext>
+            </a:extLst>
+          </p:cNvPr>
+          <p:cNvSpPr txBox="1"/>
+          <p:nvPr/>
+        </p:nvSpPr>
+        <p:spPr>
+          <a:xfrm>
+            <a:off x="6480400" y="5756841"/>
+            <a:ext cx="4506362" cy="923330"/>
+          </a:xfrm>
+          <a:prstGeom prst="rect">
+            <a:avLst/>
+          </a:prstGeom>
+          <a:noFill/>
+        </p:spPr>
+        <p:txBody>
+          <a:bodyPr wrap="none" rtlCol="0">
+            <a:spAutoFit/>
+          </a:bodyPr>
+          <a:lstStyle/>
+          <a:p>
+            <a:r>
+              <a:rPr lang="de-DE" b="0" dirty="0" err="1">
+                <a:solidFill>
+                  <a:srgbClr val="4EC9B0"/>
+                </a:solidFill>
+                <a:effectLst/>
+                <a:latin typeface="JetBrainsMono NF" panose="02010509020102050004" pitchFamily="50" charset="0"/>
+              </a:rPr>
+              <a:t>Promise</a:t>
+            </a:r>
+            <a:r>
+              <a:rPr lang="de-DE" b="0" dirty="0" err="1">
+                <a:solidFill>
+                  <a:srgbClr val="D4D4D4"/>
+                </a:solidFill>
+                <a:effectLst/>
+                <a:latin typeface="JetBrainsMono NF" panose="02010509020102050004" pitchFamily="50" charset="0"/>
+              </a:rPr>
+              <a:t>.</a:t>
+            </a:r>
+            <a:r>
+              <a:rPr lang="de-DE" b="0" dirty="0" err="1">
+                <a:solidFill>
+                  <a:srgbClr val="DCDCAA"/>
+                </a:solidFill>
+                <a:effectLst/>
+                <a:latin typeface="JetBrainsMono NF" panose="02010509020102050004" pitchFamily="50" charset="0"/>
+              </a:rPr>
+              <a:t>resolve</a:t>
+            </a:r>
+            <a:r>
+              <a:rPr lang="de-DE" b="0" dirty="0">
+                <a:solidFill>
+                  <a:srgbClr val="D4D4D4"/>
+                </a:solidFill>
+                <a:effectLst/>
+                <a:latin typeface="JetBrainsMono NF" panose="02010509020102050004" pitchFamily="50" charset="0"/>
+              </a:rPr>
+              <a:t>(</a:t>
+            </a:r>
+            <a:br>
+              <a:rPr lang="de-DE" b="0" dirty="0">
+                <a:solidFill>
+                  <a:srgbClr val="D4D4D4"/>
+                </a:solidFill>
+                <a:effectLst/>
+                <a:latin typeface="JetBrainsMono NF" panose="02010509020102050004" pitchFamily="50" charset="0"/>
+              </a:rPr>
+            </a:br>
+            <a:r>
+              <a:rPr lang="de-DE" b="0" dirty="0">
+                <a:solidFill>
+                  <a:srgbClr val="D4D4D4"/>
+                </a:solidFill>
+                <a:effectLst/>
+                <a:latin typeface="JetBrainsMono NF" panose="02010509020102050004" pitchFamily="50" charset="0"/>
+              </a:rPr>
+              <a:t>	</a:t>
+            </a:r>
+            <a:r>
+              <a:rPr lang="de-DE" b="0" dirty="0" err="1">
+                <a:solidFill>
+                  <a:srgbClr val="4EC9B0"/>
+                </a:solidFill>
+                <a:effectLst/>
+                <a:latin typeface="JetBrainsMono NF" panose="02010509020102050004" pitchFamily="50" charset="0"/>
+              </a:rPr>
+              <a:t>Promise</a:t>
+            </a:r>
+            <a:r>
+              <a:rPr lang="de-DE" b="0" dirty="0" err="1">
+                <a:solidFill>
+                  <a:srgbClr val="D4D4D4"/>
+                </a:solidFill>
+                <a:effectLst/>
+                <a:latin typeface="JetBrainsMono NF" panose="02010509020102050004" pitchFamily="50" charset="0"/>
+              </a:rPr>
+              <a:t>.</a:t>
+            </a:r>
+            <a:r>
+              <a:rPr lang="de-DE" b="0" dirty="0" err="1">
+                <a:solidFill>
+                  <a:srgbClr val="DCDCAA"/>
+                </a:solidFill>
+                <a:effectLst/>
+                <a:latin typeface="JetBrainsMono NF" panose="02010509020102050004" pitchFamily="50" charset="0"/>
+              </a:rPr>
+              <a:t>reject</a:t>
+            </a:r>
+            <a:r>
+              <a:rPr lang="de-DE" b="0" dirty="0">
+                <a:solidFill>
+                  <a:srgbClr val="D4D4D4"/>
+                </a:solidFill>
+                <a:effectLst/>
+                <a:latin typeface="JetBrainsMono NF" panose="02010509020102050004" pitchFamily="50" charset="0"/>
+              </a:rPr>
+              <a:t>(</a:t>
+            </a:r>
+            <a:r>
+              <a:rPr lang="de-DE" b="0" dirty="0" err="1">
+                <a:solidFill>
+                  <a:srgbClr val="569CD6"/>
+                </a:solidFill>
+                <a:effectLst/>
+                <a:latin typeface="JetBrainsMono NF" panose="02010509020102050004" pitchFamily="50" charset="0"/>
+              </a:rPr>
+              <a:t>new</a:t>
+            </a:r>
+            <a:r>
+              <a:rPr lang="de-DE" b="0" dirty="0">
+                <a:solidFill>
+                  <a:srgbClr val="D4D4D4"/>
+                </a:solidFill>
+                <a:effectLst/>
+                <a:latin typeface="JetBrainsMono NF" panose="02010509020102050004" pitchFamily="50" charset="0"/>
+              </a:rPr>
+              <a:t> </a:t>
+            </a:r>
+            <a:r>
+              <a:rPr lang="de-DE" b="0" dirty="0">
+                <a:solidFill>
+                  <a:srgbClr val="4EC9B0"/>
+                </a:solidFill>
+                <a:effectLst/>
+                <a:latin typeface="JetBrainsMono NF" panose="02010509020102050004" pitchFamily="50" charset="0"/>
+              </a:rPr>
+              <a:t>Error</a:t>
+            </a:r>
+            <a:r>
+              <a:rPr lang="de-DE" b="0" dirty="0">
+                <a:solidFill>
+                  <a:srgbClr val="D4D4D4"/>
+                </a:solidFill>
+                <a:effectLst/>
+                <a:latin typeface="JetBrainsMono NF" panose="02010509020102050004" pitchFamily="50" charset="0"/>
+              </a:rPr>
+              <a:t>())</a:t>
+            </a:r>
+          </a:p>
+          <a:p>
+            <a:r>
+              <a:rPr lang="de-DE" b="0" dirty="0">
+                <a:solidFill>
+                  <a:srgbClr val="D4D4D4"/>
+                </a:solidFill>
+                <a:effectLst/>
+                <a:latin typeface="JetBrainsMono NF" panose="02010509020102050004" pitchFamily="50" charset="0"/>
+              </a:rPr>
+              <a:t>);</a:t>
+            </a:r>
+          </a:p>
+        </p:txBody>
+      </p:sp>
+    </p:spTree>
+    <p:extLst>
+      <p:ext uri="{BB962C8B-B14F-4D97-AF65-F5344CB8AC3E}">
+        <p14:creationId xmlns:p14="http://schemas.microsoft.com/office/powerpoint/2010/main" val="1523437754"/>
+      </p:ext>
+    </p:extLst>
+  </p:cSld>
+  <p:clrMapOvr>
+    <a:masterClrMapping/>
+  </p:clrMapOvr>
+</p:sld>
+</file>
+
+<file path=ppt/slides/slide42.xml><?xml version="1.0" encoding="utf-8"?>
+<p:sld xmlns:a="http://schemas.openxmlformats.org/drawingml/2006/main" xmlns:r="http://schemas.openxmlformats.org/officeDocument/2006/relationships" xmlns:p="http://schemas.openxmlformats.org/presentationml/2006/main">
+  <p:cSld>
+    <p:spTree>
+      <p:nvGrpSpPr>
+        <p:cNvPr id="1" name=""/>
+        <p:cNvGrpSpPr/>
+        <p:nvPr/>
+      </p:nvGrpSpPr>
+      <p:grpSpPr>
+        <a:xfrm>
+          <a:off x="0" y="0"/>
+          <a:ext cx="0" cy="0"/>
+          <a:chOff x="0" y="0"/>
+          <a:chExt cx="0" cy="0"/>
+        </a:xfrm>
+      </p:grpSpPr>
+      <p:sp>
+        <p:nvSpPr>
+          <p:cNvPr id="2" name="Title 1">
+            <a:extLst>
+              <a:ext uri="{FF2B5EF4-FFF2-40B4-BE49-F238E27FC236}">
+                <a16:creationId xmlns:a16="http://schemas.microsoft.com/office/drawing/2014/main" id="{EDCBBB79-AD0F-4BD2-83C6-295C226A3BF3}"/>
+              </a:ext>
+            </a:extLst>
+          </p:cNvPr>
+          <p:cNvSpPr>
+            <a:spLocks noGrp="1"/>
+          </p:cNvSpPr>
+          <p:nvPr>
+            <p:ph type="title"/>
+          </p:nvPr>
+        </p:nvSpPr>
+        <p:spPr>
+          <a:xfrm>
+            <a:off x="838200" y="380365"/>
+            <a:ext cx="10515600" cy="1325563"/>
+          </a:xfrm>
+        </p:spPr>
+        <p:txBody>
+          <a:bodyPr/>
+          <a:lstStyle/>
+          <a:p>
+            <a:r>
+              <a:rPr lang="de-DE" dirty="0" err="1"/>
               <a:t>Promise-Chaining</a:t>
             </a:r>
             <a:endParaRPr lang="de-DE" dirty="0"/>
@@ -33815,7 +34178,7 @@
 </p:sld>
 </file>
 
-<file path=ppt/slides/slide41.xml><?xml version="1.0" encoding="utf-8"?>
+<file path=ppt/slides/slide43.xml><?xml version="1.0" encoding="utf-8"?>
 <p:sld xmlns:a="http://schemas.openxmlformats.org/drawingml/2006/main" xmlns:r="http://schemas.openxmlformats.org/officeDocument/2006/relationships" xmlns:p="http://schemas.openxmlformats.org/presentationml/2006/main">
   <p:cSld>
     <p:spTree>
@@ -34857,7 +35220,7 @@
 </p:sld>
 </file>
 
-<file path=ppt/slides/slide42.xml><?xml version="1.0" encoding="utf-8"?>
+<file path=ppt/slides/slide44.xml><?xml version="1.0" encoding="utf-8"?>
 <p:sld xmlns:a="http://schemas.openxmlformats.org/drawingml/2006/main" xmlns:r="http://schemas.openxmlformats.org/officeDocument/2006/relationships" xmlns:p="http://schemas.openxmlformats.org/presentationml/2006/main">
   <p:cSld>
     <p:spTree>
@@ -35904,7 +36267,7 @@
 </p:sld>
 </file>
 
-<file path=ppt/slides/slide43.xml><?xml version="1.0" encoding="utf-8"?>
+<file path=ppt/slides/slide45.xml><?xml version="1.0" encoding="utf-8"?>
 <p:sld xmlns:a="http://schemas.openxmlformats.org/drawingml/2006/main" xmlns:r="http://schemas.openxmlformats.org/officeDocument/2006/relationships" xmlns:p="http://schemas.openxmlformats.org/presentationml/2006/main">
   <p:cSld>
     <p:spTree>
@@ -37615,7 +37978,7 @@
 </p:sld>
 </file>
 
-<file path=ppt/slides/slide44.xml><?xml version="1.0" encoding="utf-8"?>
+<file path=ppt/slides/slide46.xml><?xml version="1.0" encoding="utf-8"?>
 <p:sld xmlns:a="http://schemas.openxmlformats.org/drawingml/2006/main" xmlns:r="http://schemas.openxmlformats.org/officeDocument/2006/relationships" xmlns:p="http://schemas.openxmlformats.org/presentationml/2006/main">
   <p:cSld>
     <p:spTree>
@@ -38274,7 +38637,7 @@
 </p:sld>
 </file>
 
-<file path=ppt/slides/slide45.xml><?xml version="1.0" encoding="utf-8"?>
+<file path=ppt/slides/slide47.xml><?xml version="1.0" encoding="utf-8"?>
 <p:sld xmlns:a="http://schemas.openxmlformats.org/drawingml/2006/main" xmlns:r="http://schemas.openxmlformats.org/officeDocument/2006/relationships" xmlns:p="http://schemas.openxmlformats.org/presentationml/2006/main">
   <p:cSld>
     <p:spTree>
@@ -39109,7 +39472,7 @@
 </p:sld>
 </file>
 
-<file path=ppt/slides/slide46.xml><?xml version="1.0" encoding="utf-8"?>
+<file path=ppt/slides/slide48.xml><?xml version="1.0" encoding="utf-8"?>
 <p:sld xmlns:a="http://schemas.openxmlformats.org/drawingml/2006/main" xmlns:r="http://schemas.openxmlformats.org/officeDocument/2006/relationships" xmlns:p="http://schemas.openxmlformats.org/presentationml/2006/main">
   <p:cSld>
     <p:spTree>
@@ -40654,7 +41017,7 @@
 </p:sld>
 </file>
 
-<file path=ppt/slides/slide47.xml><?xml version="1.0" encoding="utf-8"?>
+<file path=ppt/slides/slide49.xml><?xml version="1.0" encoding="utf-8"?>
 <p:sld xmlns:a="http://schemas.openxmlformats.org/drawingml/2006/main" xmlns:r="http://schemas.openxmlformats.org/officeDocument/2006/relationships" xmlns:p="http://schemas.openxmlformats.org/presentationml/2006/main">
   <p:cSld>
     <p:spTree>
@@ -40728,1179 +41091,6 @@
     <p:extLst>
       <p:ext uri="{BB962C8B-B14F-4D97-AF65-F5344CB8AC3E}">
         <p14:creationId xmlns:p14="http://schemas.microsoft.com/office/powerpoint/2010/main" val="1564175612"/>
-      </p:ext>
-    </p:extLst>
-  </p:cSld>
-  <p:clrMapOvr>
-    <a:masterClrMapping/>
-  </p:clrMapOvr>
-</p:sld>
-</file>
-
-<file path=ppt/slides/slide48.xml><?xml version="1.0" encoding="utf-8"?>
-<p:sld xmlns:a="http://schemas.openxmlformats.org/drawingml/2006/main" xmlns:r="http://schemas.openxmlformats.org/officeDocument/2006/relationships" xmlns:p="http://schemas.openxmlformats.org/presentationml/2006/main">
-  <p:cSld>
-    <p:spTree>
-      <p:nvGrpSpPr>
-        <p:cNvPr id="1" name=""/>
-        <p:cNvGrpSpPr/>
-        <p:nvPr/>
-      </p:nvGrpSpPr>
-      <p:grpSpPr>
-        <a:xfrm>
-          <a:off x="0" y="0"/>
-          <a:ext cx="0" cy="0"/>
-          <a:chOff x="0" y="0"/>
-          <a:chExt cx="0" cy="0"/>
-        </a:xfrm>
-      </p:grpSpPr>
-      <p:sp>
-        <p:nvSpPr>
-          <p:cNvPr id="2" name="Title 1">
-            <a:extLst>
-              <a:ext uri="{FF2B5EF4-FFF2-40B4-BE49-F238E27FC236}">
-                <a16:creationId xmlns:a16="http://schemas.microsoft.com/office/drawing/2014/main" id="{4DA7A955-2F83-44DE-B55C-F485E08CDA6F}"/>
-              </a:ext>
-            </a:extLst>
-          </p:cNvPr>
-          <p:cNvSpPr>
-            <a:spLocks noGrp="1"/>
-          </p:cNvSpPr>
-          <p:nvPr>
-            <p:ph type="title"/>
-          </p:nvPr>
-        </p:nvSpPr>
-        <p:spPr/>
-        <p:txBody>
-          <a:bodyPr/>
-          <a:lstStyle/>
-          <a:p>
-            <a:r>
-              <a:rPr lang="de-DE" dirty="0" err="1"/>
-              <a:t>Async</a:t>
-            </a:r>
-            <a:r>
-              <a:rPr lang="de-DE" dirty="0"/>
-              <a:t> / </a:t>
-            </a:r>
-            <a:r>
-              <a:rPr lang="de-DE" dirty="0" err="1"/>
-              <a:t>Await</a:t>
-            </a:r>
-            <a:r>
-              <a:rPr lang="de-DE" dirty="0"/>
-              <a:t> Pattern</a:t>
-            </a:r>
-          </a:p>
-        </p:txBody>
-      </p:sp>
-      <p:sp>
-        <p:nvSpPr>
-          <p:cNvPr id="3" name="Content Placeholder 2">
-            <a:extLst>
-              <a:ext uri="{FF2B5EF4-FFF2-40B4-BE49-F238E27FC236}">
-                <a16:creationId xmlns:a16="http://schemas.microsoft.com/office/drawing/2014/main" id="{52E4A2B6-04BB-4B3E-AA98-527076F03EF6}"/>
-              </a:ext>
-            </a:extLst>
-          </p:cNvPr>
-          <p:cNvSpPr>
-            <a:spLocks noGrp="1"/>
-          </p:cNvSpPr>
-          <p:nvPr>
-            <p:ph idx="1"/>
-          </p:nvPr>
-        </p:nvSpPr>
-        <p:spPr/>
-        <p:txBody>
-          <a:bodyPr>
-            <a:normAutofit lnSpcReduction="10000"/>
-          </a:bodyPr>
-          <a:lstStyle/>
-          <a:p>
-            <a:r>
-              <a:rPr lang="de-DE" dirty="0"/>
-              <a:t>ES7 Feature</a:t>
-            </a:r>
-          </a:p>
-          <a:p>
-            <a:pPr lvl="1"/>
-            <a:r>
-              <a:rPr lang="de-DE" dirty="0"/>
-              <a:t>Erlaubt es asynchronen Code zu schreiben, der wie synchroner Code aussieht</a:t>
-            </a:r>
-          </a:p>
-          <a:p>
-            <a:pPr lvl="1"/>
-            <a:r>
-              <a:rPr lang="de-DE" dirty="0" err="1"/>
-              <a:t>Syntactic</a:t>
-            </a:r>
-            <a:r>
-              <a:rPr lang="de-DE" dirty="0"/>
-              <a:t> </a:t>
-            </a:r>
-            <a:r>
-              <a:rPr lang="de-DE" dirty="0" err="1"/>
-              <a:t>sugar</a:t>
-            </a:r>
-            <a:endParaRPr lang="de-DE" dirty="0"/>
-          </a:p>
-          <a:p>
-            <a:pPr lvl="1"/>
-            <a:r>
-              <a:rPr lang="de-DE" dirty="0" err="1"/>
-              <a:t>Gängies</a:t>
-            </a:r>
-            <a:r>
-              <a:rPr lang="de-DE" dirty="0"/>
-              <a:t> Pattern auch in anderen Sprachen (C#, </a:t>
-            </a:r>
-            <a:r>
-              <a:rPr lang="de-DE" dirty="0" err="1"/>
-              <a:t>Kotlin</a:t>
-            </a:r>
-            <a:r>
-              <a:rPr lang="de-DE" dirty="0"/>
-              <a:t>, Rust, …)</a:t>
-            </a:r>
-          </a:p>
-          <a:p>
-            <a:r>
-              <a:rPr lang="de-DE" dirty="0"/>
-              <a:t>Asynchrone Funktionen werden mit </a:t>
-            </a:r>
-            <a:r>
-              <a:rPr lang="de-DE" b="0" dirty="0" err="1">
-                <a:solidFill>
-                  <a:srgbClr val="CE9178"/>
-                </a:solidFill>
-                <a:effectLst/>
-                <a:latin typeface="JetBrainsMono NF" panose="02010509020102050004" pitchFamily="50" charset="0"/>
-              </a:rPr>
-              <a:t>async</a:t>
-            </a:r>
-            <a:r>
-              <a:rPr lang="de-DE" dirty="0"/>
-              <a:t> gekennzeichnet</a:t>
-            </a:r>
-          </a:p>
-          <a:p>
-            <a:pPr lvl="1"/>
-            <a:r>
-              <a:rPr lang="de-DE" dirty="0" err="1"/>
-              <a:t>Returnen</a:t>
-            </a:r>
-            <a:r>
-              <a:rPr lang="de-DE" dirty="0"/>
-              <a:t> </a:t>
-            </a:r>
-            <a:r>
-              <a:rPr lang="de-DE" b="1" u="sng" dirty="0"/>
-              <a:t>immer</a:t>
-            </a:r>
-            <a:r>
-              <a:rPr lang="de-DE" dirty="0"/>
-              <a:t> eine </a:t>
-            </a:r>
-            <a:r>
-              <a:rPr lang="de-DE" dirty="0" err="1"/>
-              <a:t>Promise</a:t>
-            </a:r>
-            <a:endParaRPr lang="de-DE" dirty="0"/>
-          </a:p>
-          <a:p>
-            <a:pPr lvl="1"/>
-            <a:r>
-              <a:rPr lang="de-DE" dirty="0" err="1"/>
-              <a:t>Exception</a:t>
-            </a:r>
-            <a:r>
-              <a:rPr lang="de-DE" dirty="0"/>
-              <a:t> -&gt; </a:t>
-            </a:r>
-            <a:r>
-              <a:rPr lang="de-DE" dirty="0" err="1"/>
-              <a:t>Rejection</a:t>
-            </a:r>
-            <a:r>
-              <a:rPr lang="de-DE" dirty="0"/>
-              <a:t> </a:t>
-            </a:r>
-          </a:p>
-          <a:p>
-            <a:pPr lvl="1"/>
-            <a:r>
-              <a:rPr lang="de-DE" dirty="0"/>
-              <a:t>Return -&gt; Fulfillment (auch implizites </a:t>
-            </a:r>
-            <a:r>
-              <a:rPr lang="de-DE" dirty="0" err="1"/>
-              <a:t>return</a:t>
-            </a:r>
-            <a:r>
-              <a:rPr lang="de-DE" dirty="0"/>
-              <a:t>)</a:t>
-            </a:r>
-          </a:p>
-          <a:p>
-            <a:pPr lvl="1"/>
-            <a:r>
-              <a:rPr lang="de-DE" dirty="0"/>
-              <a:t>​</a:t>
-            </a:r>
-            <a:r>
-              <a:rPr lang="de-DE" b="0" dirty="0" err="1">
-                <a:solidFill>
-                  <a:srgbClr val="CE9178"/>
-                </a:solidFill>
-                <a:effectLst/>
-                <a:latin typeface="JetBrainsMono NF" panose="02010509020102050004" pitchFamily="50" charset="0"/>
-              </a:rPr>
-              <a:t>await</a:t>
-            </a:r>
-            <a:r>
-              <a:rPr lang="de-DE" dirty="0"/>
-              <a:t> wartet auf eine </a:t>
-            </a:r>
-            <a:r>
-              <a:rPr lang="de-DE" dirty="0" err="1"/>
-              <a:t>Promise</a:t>
-            </a:r>
-            <a:r>
-              <a:rPr lang="de-DE" dirty="0"/>
-              <a:t> </a:t>
-            </a:r>
-          </a:p>
-          <a:p>
-            <a:pPr lvl="2"/>
-            <a:r>
-              <a:rPr lang="de-DE" dirty="0"/>
-              <a:t>Ausführung wird unterbrochen</a:t>
-            </a:r>
-          </a:p>
-          <a:p>
-            <a:pPr lvl="2"/>
-            <a:r>
-              <a:rPr lang="de-DE" dirty="0"/>
-              <a:t>Aber blockiert nicht</a:t>
-            </a:r>
-          </a:p>
-        </p:txBody>
-      </p:sp>
-    </p:spTree>
-    <p:extLst>
-      <p:ext uri="{BB962C8B-B14F-4D97-AF65-F5344CB8AC3E}">
-        <p14:creationId xmlns:p14="http://schemas.microsoft.com/office/powerpoint/2010/main" val="3633304262"/>
-      </p:ext>
-    </p:extLst>
-  </p:cSld>
-  <p:clrMapOvr>
-    <a:masterClrMapping/>
-  </p:clrMapOvr>
-</p:sld>
-</file>
-
-<file path=ppt/slides/slide49.xml><?xml version="1.0" encoding="utf-8"?>
-<p:sld xmlns:a="http://schemas.openxmlformats.org/drawingml/2006/main" xmlns:r="http://schemas.openxmlformats.org/officeDocument/2006/relationships" xmlns:p="http://schemas.openxmlformats.org/presentationml/2006/main">
-  <p:cSld>
-    <p:spTree>
-      <p:nvGrpSpPr>
-        <p:cNvPr id="1" name=""/>
-        <p:cNvGrpSpPr/>
-        <p:nvPr/>
-      </p:nvGrpSpPr>
-      <p:grpSpPr>
-        <a:xfrm>
-          <a:off x="0" y="0"/>
-          <a:ext cx="0" cy="0"/>
-          <a:chOff x="0" y="0"/>
-          <a:chExt cx="0" cy="0"/>
-        </a:xfrm>
-      </p:grpSpPr>
-      <p:sp>
-        <p:nvSpPr>
-          <p:cNvPr id="2" name="Title 1">
-            <a:extLst>
-              <a:ext uri="{FF2B5EF4-FFF2-40B4-BE49-F238E27FC236}">
-                <a16:creationId xmlns:a16="http://schemas.microsoft.com/office/drawing/2014/main" id="{817B8287-CAAA-41FD-BC86-389AAE0004C9}"/>
-              </a:ext>
-            </a:extLst>
-          </p:cNvPr>
-          <p:cNvSpPr>
-            <a:spLocks noGrp="1"/>
-          </p:cNvSpPr>
-          <p:nvPr>
-            <p:ph type="title"/>
-          </p:nvPr>
-        </p:nvSpPr>
-        <p:spPr/>
-        <p:txBody>
-          <a:bodyPr/>
-          <a:lstStyle/>
-          <a:p>
-            <a:r>
-              <a:rPr lang="de-DE" dirty="0" err="1"/>
-              <a:t>Async</a:t>
-            </a:r>
-            <a:r>
-              <a:rPr lang="de-DE" dirty="0"/>
-              <a:t> / </a:t>
-            </a:r>
-            <a:r>
-              <a:rPr lang="de-DE" dirty="0" err="1"/>
-              <a:t>Await</a:t>
-            </a:r>
-            <a:r>
-              <a:rPr lang="de-DE" dirty="0"/>
-              <a:t> </a:t>
-            </a:r>
-            <a:r>
-              <a:rPr lang="de-DE" dirty="0" err="1"/>
-              <a:t>Pitfalls</a:t>
-            </a:r>
-            <a:endParaRPr lang="de-DE" dirty="0"/>
-          </a:p>
-        </p:txBody>
-      </p:sp>
-      <p:sp>
-        <p:nvSpPr>
-          <p:cNvPr id="3" name="Content Placeholder 2">
-            <a:extLst>
-              <a:ext uri="{FF2B5EF4-FFF2-40B4-BE49-F238E27FC236}">
-                <a16:creationId xmlns:a16="http://schemas.microsoft.com/office/drawing/2014/main" id="{43B90B20-FAB9-49E1-B45A-5487B3C20EB9}"/>
-              </a:ext>
-            </a:extLst>
-          </p:cNvPr>
-          <p:cNvSpPr>
-            <a:spLocks noGrp="1"/>
-          </p:cNvSpPr>
-          <p:nvPr>
-            <p:ph idx="1"/>
-          </p:nvPr>
-        </p:nvSpPr>
-        <p:spPr>
-          <a:xfrm>
-            <a:off x="953361" y="1524317"/>
-            <a:ext cx="8550857" cy="587375"/>
-          </a:xfrm>
-        </p:spPr>
-        <p:txBody>
-          <a:bodyPr>
-            <a:normAutofit fontScale="77500" lnSpcReduction="20000"/>
-          </a:bodyPr>
-          <a:lstStyle/>
-          <a:p>
-            <a:r>
-              <a:rPr lang="de-DE" dirty="0" err="1"/>
-              <a:t>Async</a:t>
-            </a:r>
-            <a:r>
-              <a:rPr lang="de-DE" dirty="0"/>
-              <a:t> Funktionen sind bis </a:t>
-            </a:r>
-            <a:r>
-              <a:rPr lang="de-DE" b="0" dirty="0" err="1">
-                <a:solidFill>
-                  <a:srgbClr val="C586C0"/>
-                </a:solidFill>
-                <a:effectLst/>
-                <a:latin typeface="JetBrainsMono NF" panose="02010509020102050004" pitchFamily="50" charset="0"/>
-              </a:rPr>
-              <a:t>await</a:t>
-            </a:r>
-            <a:r>
-              <a:rPr lang="de-DE" dirty="0"/>
-              <a:t>, </a:t>
-            </a:r>
-            <a:r>
-              <a:rPr lang="de-DE" b="0" dirty="0" err="1">
-                <a:solidFill>
-                  <a:srgbClr val="C586C0"/>
-                </a:solidFill>
-                <a:effectLst/>
-                <a:latin typeface="JetBrainsMono NF" panose="02010509020102050004" pitchFamily="50" charset="0"/>
-              </a:rPr>
-              <a:t>throw</a:t>
-            </a:r>
-            <a:r>
-              <a:rPr lang="de-DE" b="0" dirty="0">
-                <a:solidFill>
-                  <a:srgbClr val="C586C0"/>
-                </a:solidFill>
-                <a:effectLst/>
-                <a:latin typeface="JetBrainsMono NF" panose="02010509020102050004" pitchFamily="50" charset="0"/>
-              </a:rPr>
-              <a:t> </a:t>
-            </a:r>
-            <a:r>
-              <a:rPr lang="de-DE" dirty="0"/>
-              <a:t>oder </a:t>
-            </a:r>
-            <a:r>
-              <a:rPr lang="de-DE" b="0" dirty="0" err="1">
-                <a:solidFill>
-                  <a:srgbClr val="C586C0"/>
-                </a:solidFill>
-                <a:effectLst/>
-                <a:latin typeface="JetBrainsMono NF" panose="02010509020102050004" pitchFamily="50" charset="0"/>
-              </a:rPr>
-              <a:t>return</a:t>
-            </a:r>
-            <a:r>
-              <a:rPr lang="de-DE" dirty="0"/>
-              <a:t> synchron</a:t>
-            </a:r>
-          </a:p>
-        </p:txBody>
-      </p:sp>
-      <p:sp>
-        <p:nvSpPr>
-          <p:cNvPr id="11" name="TextBox 10">
-            <a:extLst>
-              <a:ext uri="{FF2B5EF4-FFF2-40B4-BE49-F238E27FC236}">
-                <a16:creationId xmlns:a16="http://schemas.microsoft.com/office/drawing/2014/main" id="{17DE8582-2CEE-4A2D-835C-85E1BFB0A496}"/>
-              </a:ext>
-            </a:extLst>
-          </p:cNvPr>
-          <p:cNvSpPr txBox="1"/>
-          <p:nvPr/>
-        </p:nvSpPr>
-        <p:spPr>
-          <a:xfrm>
-            <a:off x="1146401" y="2111692"/>
-            <a:ext cx="6027612" cy="2585323"/>
-          </a:xfrm>
-          <a:prstGeom prst="rect">
-            <a:avLst/>
-          </a:prstGeom>
-          <a:noFill/>
-        </p:spPr>
-        <p:txBody>
-          <a:bodyPr wrap="none" rtlCol="0">
-            <a:spAutoFit/>
-          </a:bodyPr>
-          <a:lstStyle/>
-          <a:p>
-            <a:r>
-              <a:rPr lang="de-DE" b="0" dirty="0" err="1">
-                <a:solidFill>
-                  <a:srgbClr val="569CD6"/>
-                </a:solidFill>
-                <a:effectLst/>
-                <a:latin typeface="JetBrainsMono NF" panose="02010509020102050004" pitchFamily="50" charset="0"/>
-              </a:rPr>
-              <a:t>async</a:t>
-            </a:r>
-            <a:r>
-              <a:rPr lang="de-DE" b="0" dirty="0">
-                <a:solidFill>
-                  <a:srgbClr val="D4D4D4"/>
-                </a:solidFill>
-                <a:effectLst/>
-                <a:latin typeface="JetBrainsMono NF" panose="02010509020102050004" pitchFamily="50" charset="0"/>
-              </a:rPr>
-              <a:t> </a:t>
-            </a:r>
-            <a:r>
-              <a:rPr lang="de-DE" b="0" dirty="0" err="1">
-                <a:solidFill>
-                  <a:srgbClr val="569CD6"/>
-                </a:solidFill>
-                <a:effectLst/>
-                <a:latin typeface="JetBrainsMono NF" panose="02010509020102050004" pitchFamily="50" charset="0"/>
-              </a:rPr>
-              <a:t>function</a:t>
-            </a:r>
-            <a:r>
-              <a:rPr lang="de-DE" b="0" dirty="0">
-                <a:solidFill>
-                  <a:srgbClr val="D4D4D4"/>
-                </a:solidFill>
-                <a:effectLst/>
-                <a:latin typeface="JetBrainsMono NF" panose="02010509020102050004" pitchFamily="50" charset="0"/>
-              </a:rPr>
-              <a:t> </a:t>
-            </a:r>
-            <a:r>
-              <a:rPr lang="de-DE" b="0" dirty="0" err="1">
-                <a:solidFill>
-                  <a:srgbClr val="DCDCAA"/>
-                </a:solidFill>
-                <a:effectLst/>
-                <a:latin typeface="JetBrainsMono NF" panose="02010509020102050004" pitchFamily="50" charset="0"/>
-              </a:rPr>
-              <a:t>testSynchronousCalls</a:t>
-            </a:r>
-            <a:r>
-              <a:rPr lang="de-DE" b="0" dirty="0">
-                <a:solidFill>
-                  <a:srgbClr val="D4D4D4"/>
-                </a:solidFill>
-                <a:effectLst/>
-                <a:latin typeface="JetBrainsMono NF" panose="02010509020102050004" pitchFamily="50" charset="0"/>
-              </a:rPr>
-              <a:t>() {</a:t>
-            </a:r>
-          </a:p>
-          <a:p>
-            <a:r>
-              <a:rPr lang="de-DE" b="0" dirty="0">
-                <a:solidFill>
-                  <a:srgbClr val="D4D4D4"/>
-                </a:solidFill>
-                <a:effectLst/>
-                <a:latin typeface="JetBrainsMono NF" panose="02010509020102050004" pitchFamily="50" charset="0"/>
-              </a:rPr>
-              <a:t>  </a:t>
-            </a:r>
-            <a:r>
-              <a:rPr lang="de-DE" b="0" dirty="0">
-                <a:solidFill>
-                  <a:srgbClr val="9CDCFE"/>
-                </a:solidFill>
-                <a:effectLst/>
-                <a:latin typeface="JetBrainsMono NF" panose="02010509020102050004" pitchFamily="50" charset="0"/>
-              </a:rPr>
-              <a:t>console</a:t>
-            </a:r>
-            <a:r>
-              <a:rPr lang="de-DE" b="0" dirty="0">
-                <a:solidFill>
-                  <a:srgbClr val="D4D4D4"/>
-                </a:solidFill>
-                <a:effectLst/>
-                <a:latin typeface="JetBrainsMono NF" panose="02010509020102050004" pitchFamily="50" charset="0"/>
-              </a:rPr>
-              <a:t>.</a:t>
-            </a:r>
-            <a:r>
-              <a:rPr lang="de-DE" b="0" dirty="0">
-                <a:solidFill>
-                  <a:srgbClr val="DCDCAA"/>
-                </a:solidFill>
-                <a:effectLst/>
-                <a:latin typeface="JetBrainsMono NF" panose="02010509020102050004" pitchFamily="50" charset="0"/>
-              </a:rPr>
-              <a:t>log</a:t>
-            </a:r>
-            <a:r>
-              <a:rPr lang="de-DE" b="0" dirty="0">
-                <a:solidFill>
-                  <a:srgbClr val="D4D4D4"/>
-                </a:solidFill>
-                <a:effectLst/>
-                <a:latin typeface="JetBrainsMono NF" panose="02010509020102050004" pitchFamily="50" charset="0"/>
-              </a:rPr>
-              <a:t>(</a:t>
-            </a:r>
-            <a:r>
-              <a:rPr lang="de-DE" b="0" dirty="0">
-                <a:solidFill>
-                  <a:srgbClr val="CE9178"/>
-                </a:solidFill>
-                <a:effectLst/>
-                <a:latin typeface="JetBrainsMono NF" panose="02010509020102050004" pitchFamily="50" charset="0"/>
-              </a:rPr>
-              <a:t>"</a:t>
-            </a:r>
-            <a:r>
-              <a:rPr lang="de-DE" b="0" dirty="0" err="1">
-                <a:solidFill>
-                  <a:srgbClr val="CE9178"/>
-                </a:solidFill>
-                <a:effectLst/>
-                <a:latin typeface="JetBrainsMono NF" panose="02010509020102050004" pitchFamily="50" charset="0"/>
-              </a:rPr>
-              <a:t>Executed</a:t>
-            </a:r>
-            <a:r>
-              <a:rPr lang="de-DE" b="0" dirty="0">
-                <a:solidFill>
-                  <a:srgbClr val="CE9178"/>
-                </a:solidFill>
-                <a:effectLst/>
-                <a:latin typeface="JetBrainsMono NF" panose="02010509020102050004" pitchFamily="50" charset="0"/>
-              </a:rPr>
-              <a:t> in </a:t>
-            </a:r>
-            <a:r>
-              <a:rPr lang="de-DE" b="0" dirty="0" err="1">
-                <a:solidFill>
-                  <a:srgbClr val="CE9178"/>
-                </a:solidFill>
-                <a:effectLst/>
-                <a:latin typeface="JetBrainsMono NF" panose="02010509020102050004" pitchFamily="50" charset="0"/>
-              </a:rPr>
-              <a:t>sync</a:t>
-            </a:r>
-            <a:r>
-              <a:rPr lang="de-DE" b="0" dirty="0">
-                <a:solidFill>
-                  <a:srgbClr val="CE9178"/>
-                </a:solidFill>
-                <a:effectLst/>
-                <a:latin typeface="JetBrainsMono NF" panose="02010509020102050004" pitchFamily="50" charset="0"/>
-              </a:rPr>
-              <a:t>"</a:t>
-            </a:r>
-            <a:r>
-              <a:rPr lang="de-DE" b="0" dirty="0">
-                <a:solidFill>
-                  <a:srgbClr val="D4D4D4"/>
-                </a:solidFill>
-                <a:effectLst/>
-                <a:latin typeface="JetBrainsMono NF" panose="02010509020102050004" pitchFamily="50" charset="0"/>
-              </a:rPr>
-              <a:t>);</a:t>
-            </a:r>
-          </a:p>
-          <a:p>
-            <a:r>
-              <a:rPr lang="de-DE" b="0" dirty="0">
-                <a:solidFill>
-                  <a:srgbClr val="D4D4D4"/>
-                </a:solidFill>
-                <a:effectLst/>
-                <a:latin typeface="JetBrainsMono NF" panose="02010509020102050004" pitchFamily="50" charset="0"/>
-              </a:rPr>
-              <a:t>  </a:t>
-            </a:r>
-            <a:r>
-              <a:rPr lang="de-DE" b="0" dirty="0" err="1">
-                <a:solidFill>
-                  <a:srgbClr val="C586C0"/>
-                </a:solidFill>
-                <a:effectLst/>
-                <a:latin typeface="JetBrainsMono NF" panose="02010509020102050004" pitchFamily="50" charset="0"/>
-              </a:rPr>
-              <a:t>return</a:t>
-            </a:r>
-            <a:r>
-              <a:rPr lang="de-DE" b="0" dirty="0">
-                <a:solidFill>
-                  <a:srgbClr val="D4D4D4"/>
-                </a:solidFill>
-                <a:effectLst/>
-                <a:latin typeface="JetBrainsMono NF" panose="02010509020102050004" pitchFamily="50" charset="0"/>
-              </a:rPr>
-              <a:t> </a:t>
-            </a:r>
-            <a:r>
-              <a:rPr lang="de-DE" b="0" dirty="0" err="1">
-                <a:solidFill>
-                  <a:srgbClr val="4EC9B0"/>
-                </a:solidFill>
-                <a:effectLst/>
-                <a:latin typeface="JetBrainsMono NF" panose="02010509020102050004" pitchFamily="50" charset="0"/>
-              </a:rPr>
-              <a:t>Promise</a:t>
-            </a:r>
-            <a:r>
-              <a:rPr lang="de-DE" b="0" dirty="0" err="1">
-                <a:solidFill>
-                  <a:srgbClr val="D4D4D4"/>
-                </a:solidFill>
-                <a:effectLst/>
-                <a:latin typeface="JetBrainsMono NF" panose="02010509020102050004" pitchFamily="50" charset="0"/>
-              </a:rPr>
-              <a:t>.</a:t>
-            </a:r>
-            <a:r>
-              <a:rPr lang="de-DE" b="0" dirty="0" err="1">
-                <a:solidFill>
-                  <a:srgbClr val="DCDCAA"/>
-                </a:solidFill>
-                <a:effectLst/>
-                <a:latin typeface="JetBrainsMono NF" panose="02010509020102050004" pitchFamily="50" charset="0"/>
-              </a:rPr>
-              <a:t>resolve</a:t>
-            </a:r>
-            <a:r>
-              <a:rPr lang="de-DE" b="0" dirty="0">
-                <a:solidFill>
-                  <a:srgbClr val="D4D4D4"/>
-                </a:solidFill>
-                <a:effectLst/>
-                <a:latin typeface="JetBrainsMono NF" panose="02010509020102050004" pitchFamily="50" charset="0"/>
-              </a:rPr>
-              <a:t>(</a:t>
-            </a:r>
-            <a:r>
-              <a:rPr lang="de-DE" b="0" dirty="0">
-                <a:solidFill>
-                  <a:srgbClr val="CE9178"/>
-                </a:solidFill>
-                <a:effectLst/>
-                <a:latin typeface="JetBrainsMono NF" panose="02010509020102050004" pitchFamily="50" charset="0"/>
-              </a:rPr>
-              <a:t>"</a:t>
-            </a:r>
-            <a:r>
-              <a:rPr lang="de-DE" b="0" dirty="0" err="1">
-                <a:solidFill>
-                  <a:srgbClr val="CE9178"/>
-                </a:solidFill>
-                <a:effectLst/>
-                <a:latin typeface="JetBrainsMono NF" panose="02010509020102050004" pitchFamily="50" charset="0"/>
-              </a:rPr>
-              <a:t>Executed</a:t>
-            </a:r>
-            <a:r>
-              <a:rPr lang="de-DE" b="0" dirty="0">
-                <a:solidFill>
-                  <a:srgbClr val="CE9178"/>
-                </a:solidFill>
-                <a:effectLst/>
-                <a:latin typeface="JetBrainsMono NF" panose="02010509020102050004" pitchFamily="50" charset="0"/>
-              </a:rPr>
-              <a:t> </a:t>
-            </a:r>
-            <a:r>
-              <a:rPr lang="de-DE" b="0" dirty="0" err="1">
-                <a:solidFill>
-                  <a:srgbClr val="CE9178"/>
-                </a:solidFill>
-                <a:effectLst/>
-                <a:latin typeface="JetBrainsMono NF" panose="02010509020102050004" pitchFamily="50" charset="0"/>
-              </a:rPr>
-              <a:t>async</a:t>
-            </a:r>
-            <a:r>
-              <a:rPr lang="de-DE" b="0" dirty="0">
-                <a:solidFill>
-                  <a:srgbClr val="CE9178"/>
-                </a:solidFill>
-                <a:effectLst/>
-                <a:latin typeface="JetBrainsMono NF" panose="02010509020102050004" pitchFamily="50" charset="0"/>
-              </a:rPr>
-              <a:t>"</a:t>
-            </a:r>
-            <a:r>
-              <a:rPr lang="de-DE" b="0" dirty="0">
-                <a:solidFill>
-                  <a:srgbClr val="D4D4D4"/>
-                </a:solidFill>
-                <a:effectLst/>
-                <a:latin typeface="JetBrainsMono NF" panose="02010509020102050004" pitchFamily="50" charset="0"/>
-              </a:rPr>
-              <a:t>);</a:t>
-            </a:r>
-          </a:p>
-          <a:p>
-            <a:r>
-              <a:rPr lang="de-DE" b="0" dirty="0">
-                <a:solidFill>
-                  <a:srgbClr val="D4D4D4"/>
-                </a:solidFill>
-                <a:effectLst/>
-                <a:latin typeface="JetBrainsMono NF" panose="02010509020102050004" pitchFamily="50" charset="0"/>
-              </a:rPr>
-              <a:t>}</a:t>
-            </a:r>
-          </a:p>
-          <a:p>
-            <a:br>
-              <a:rPr lang="de-DE" b="0" dirty="0">
-                <a:solidFill>
-                  <a:srgbClr val="D4D4D4"/>
-                </a:solidFill>
-                <a:effectLst/>
-                <a:latin typeface="JetBrainsMono NF" panose="02010509020102050004" pitchFamily="50" charset="0"/>
-              </a:rPr>
-            </a:br>
-            <a:r>
-              <a:rPr lang="de-DE" b="0" dirty="0">
-                <a:solidFill>
-                  <a:srgbClr val="9CDCFE"/>
-                </a:solidFill>
-                <a:effectLst/>
-                <a:latin typeface="JetBrainsMono NF" panose="02010509020102050004" pitchFamily="50" charset="0"/>
-              </a:rPr>
-              <a:t>console</a:t>
-            </a:r>
-            <a:r>
-              <a:rPr lang="de-DE" b="0" dirty="0">
-                <a:solidFill>
-                  <a:srgbClr val="D4D4D4"/>
-                </a:solidFill>
-                <a:effectLst/>
-                <a:latin typeface="JetBrainsMono NF" panose="02010509020102050004" pitchFamily="50" charset="0"/>
-              </a:rPr>
-              <a:t>.</a:t>
-            </a:r>
-            <a:r>
-              <a:rPr lang="de-DE" b="0" dirty="0">
-                <a:solidFill>
-                  <a:srgbClr val="DCDCAA"/>
-                </a:solidFill>
-                <a:effectLst/>
-                <a:latin typeface="JetBrainsMono NF" panose="02010509020102050004" pitchFamily="50" charset="0"/>
-              </a:rPr>
-              <a:t>log</a:t>
-            </a:r>
-            <a:r>
-              <a:rPr lang="de-DE" b="0" dirty="0">
-                <a:solidFill>
-                  <a:srgbClr val="D4D4D4"/>
-                </a:solidFill>
-                <a:effectLst/>
-                <a:latin typeface="JetBrainsMono NF" panose="02010509020102050004" pitchFamily="50" charset="0"/>
-              </a:rPr>
-              <a:t>(</a:t>
-            </a:r>
-            <a:r>
-              <a:rPr lang="de-DE" b="0" dirty="0">
-                <a:solidFill>
-                  <a:srgbClr val="CE9178"/>
-                </a:solidFill>
-                <a:effectLst/>
-                <a:latin typeface="JetBrainsMono NF" panose="02010509020102050004" pitchFamily="50" charset="0"/>
-              </a:rPr>
-              <a:t>"</a:t>
-            </a:r>
-            <a:r>
-              <a:rPr lang="de-DE" b="0" dirty="0" err="1">
-                <a:solidFill>
-                  <a:srgbClr val="CE9178"/>
-                </a:solidFill>
-                <a:effectLst/>
-                <a:latin typeface="JetBrainsMono NF" panose="02010509020102050004" pitchFamily="50" charset="0"/>
-              </a:rPr>
-              <a:t>Started</a:t>
-            </a:r>
-            <a:r>
-              <a:rPr lang="de-DE" b="0" dirty="0">
-                <a:solidFill>
-                  <a:srgbClr val="CE9178"/>
-                </a:solidFill>
-                <a:effectLst/>
-                <a:latin typeface="JetBrainsMono NF" panose="02010509020102050004" pitchFamily="50" charset="0"/>
-              </a:rPr>
-              <a:t> in </a:t>
-            </a:r>
-            <a:r>
-              <a:rPr lang="de-DE" b="0" dirty="0" err="1">
-                <a:solidFill>
-                  <a:srgbClr val="CE9178"/>
-                </a:solidFill>
-                <a:effectLst/>
-                <a:latin typeface="JetBrainsMono NF" panose="02010509020102050004" pitchFamily="50" charset="0"/>
-              </a:rPr>
-              <a:t>sync</a:t>
-            </a:r>
-            <a:r>
-              <a:rPr lang="de-DE" b="0" dirty="0">
-                <a:solidFill>
-                  <a:srgbClr val="CE9178"/>
-                </a:solidFill>
-                <a:effectLst/>
-                <a:latin typeface="JetBrainsMono NF" panose="02010509020102050004" pitchFamily="50" charset="0"/>
-              </a:rPr>
-              <a:t>"</a:t>
-            </a:r>
-            <a:r>
-              <a:rPr lang="de-DE" b="0" dirty="0">
-                <a:solidFill>
-                  <a:srgbClr val="D4D4D4"/>
-                </a:solidFill>
-                <a:effectLst/>
-                <a:latin typeface="JetBrainsMono NF" panose="02010509020102050004" pitchFamily="50" charset="0"/>
-              </a:rPr>
-              <a:t>);</a:t>
-            </a:r>
-          </a:p>
-          <a:p>
-            <a:r>
-              <a:rPr lang="de-DE" b="0" dirty="0" err="1">
-                <a:solidFill>
-                  <a:srgbClr val="DCDCAA"/>
-                </a:solidFill>
-                <a:effectLst/>
-                <a:latin typeface="JetBrainsMono NF" panose="02010509020102050004" pitchFamily="50" charset="0"/>
-              </a:rPr>
-              <a:t>testSynchronousCalls</a:t>
-            </a:r>
-            <a:r>
-              <a:rPr lang="de-DE" b="0" dirty="0">
-                <a:solidFill>
-                  <a:srgbClr val="D4D4D4"/>
-                </a:solidFill>
-                <a:effectLst/>
-                <a:latin typeface="JetBrainsMono NF" panose="02010509020102050004" pitchFamily="50" charset="0"/>
-              </a:rPr>
-              <a:t>()</a:t>
-            </a:r>
-          </a:p>
-          <a:p>
-            <a:r>
-              <a:rPr lang="de-DE" b="0" dirty="0">
-                <a:solidFill>
-                  <a:srgbClr val="D4D4D4"/>
-                </a:solidFill>
-                <a:effectLst/>
-                <a:latin typeface="JetBrainsMono NF" panose="02010509020102050004" pitchFamily="50" charset="0"/>
-              </a:rPr>
-              <a:t>  .</a:t>
-            </a:r>
-            <a:r>
-              <a:rPr lang="de-DE" b="0" dirty="0" err="1">
-                <a:solidFill>
-                  <a:srgbClr val="DCDCAA"/>
-                </a:solidFill>
-                <a:effectLst/>
-                <a:latin typeface="JetBrainsMono NF" panose="02010509020102050004" pitchFamily="50" charset="0"/>
-              </a:rPr>
-              <a:t>then</a:t>
-            </a:r>
-            <a:r>
-              <a:rPr lang="de-DE" b="0" dirty="0">
-                <a:solidFill>
-                  <a:srgbClr val="D4D4D4"/>
-                </a:solidFill>
-                <a:effectLst/>
-                <a:latin typeface="JetBrainsMono NF" panose="02010509020102050004" pitchFamily="50" charset="0"/>
-              </a:rPr>
-              <a:t>(</a:t>
-            </a:r>
-            <a:r>
-              <a:rPr lang="de-DE" b="0" dirty="0" err="1">
-                <a:solidFill>
-                  <a:srgbClr val="9CDCFE"/>
-                </a:solidFill>
-                <a:effectLst/>
-                <a:latin typeface="JetBrainsMono NF" panose="02010509020102050004" pitchFamily="50" charset="0"/>
-              </a:rPr>
-              <a:t>res</a:t>
-            </a:r>
-            <a:r>
-              <a:rPr lang="de-DE" b="0" dirty="0">
-                <a:solidFill>
-                  <a:srgbClr val="D4D4D4"/>
-                </a:solidFill>
-                <a:effectLst/>
-                <a:latin typeface="JetBrainsMono NF" panose="02010509020102050004" pitchFamily="50" charset="0"/>
-              </a:rPr>
-              <a:t> </a:t>
-            </a:r>
-            <a:r>
-              <a:rPr lang="de-DE" b="0" dirty="0">
-                <a:solidFill>
-                  <a:srgbClr val="569CD6"/>
-                </a:solidFill>
-                <a:effectLst/>
-                <a:latin typeface="JetBrainsMono NF" panose="02010509020102050004" pitchFamily="50" charset="0"/>
-              </a:rPr>
-              <a:t>=&gt;</a:t>
-            </a:r>
-            <a:r>
-              <a:rPr lang="de-DE" b="0" dirty="0">
-                <a:solidFill>
-                  <a:srgbClr val="D4D4D4"/>
-                </a:solidFill>
-                <a:effectLst/>
-                <a:latin typeface="JetBrainsMono NF" panose="02010509020102050004" pitchFamily="50" charset="0"/>
-              </a:rPr>
-              <a:t> </a:t>
-            </a:r>
-            <a:r>
-              <a:rPr lang="de-DE" b="0" dirty="0">
-                <a:solidFill>
-                  <a:srgbClr val="9CDCFE"/>
-                </a:solidFill>
-                <a:effectLst/>
-                <a:latin typeface="JetBrainsMono NF" panose="02010509020102050004" pitchFamily="50" charset="0"/>
-              </a:rPr>
-              <a:t>console</a:t>
-            </a:r>
-            <a:r>
-              <a:rPr lang="de-DE" b="0" dirty="0">
-                <a:solidFill>
-                  <a:srgbClr val="D4D4D4"/>
-                </a:solidFill>
-                <a:effectLst/>
-                <a:latin typeface="JetBrainsMono NF" panose="02010509020102050004" pitchFamily="50" charset="0"/>
-              </a:rPr>
-              <a:t>.</a:t>
-            </a:r>
-            <a:r>
-              <a:rPr lang="de-DE" b="0" dirty="0">
-                <a:solidFill>
-                  <a:srgbClr val="DCDCAA"/>
-                </a:solidFill>
-                <a:effectLst/>
-                <a:latin typeface="JetBrainsMono NF" panose="02010509020102050004" pitchFamily="50" charset="0"/>
-              </a:rPr>
-              <a:t>log</a:t>
-            </a:r>
-            <a:r>
-              <a:rPr lang="de-DE" b="0" dirty="0">
-                <a:solidFill>
-                  <a:srgbClr val="D4D4D4"/>
-                </a:solidFill>
-                <a:effectLst/>
-                <a:latin typeface="JetBrainsMono NF" panose="02010509020102050004" pitchFamily="50" charset="0"/>
-              </a:rPr>
-              <a:t>(</a:t>
-            </a:r>
-            <a:r>
-              <a:rPr lang="de-DE" b="0" dirty="0" err="1">
-                <a:solidFill>
-                  <a:srgbClr val="9CDCFE"/>
-                </a:solidFill>
-                <a:effectLst/>
-                <a:latin typeface="JetBrainsMono NF" panose="02010509020102050004" pitchFamily="50" charset="0"/>
-              </a:rPr>
-              <a:t>res</a:t>
-            </a:r>
-            <a:r>
-              <a:rPr lang="de-DE" b="0" dirty="0">
-                <a:solidFill>
-                  <a:srgbClr val="D4D4D4"/>
-                </a:solidFill>
-                <a:effectLst/>
-                <a:latin typeface="JetBrainsMono NF" panose="02010509020102050004" pitchFamily="50" charset="0"/>
-              </a:rPr>
-              <a:t>));</a:t>
-            </a:r>
-          </a:p>
-          <a:p>
-            <a:r>
-              <a:rPr lang="de-DE" b="0" dirty="0">
-                <a:solidFill>
-                  <a:srgbClr val="9CDCFE"/>
-                </a:solidFill>
-                <a:effectLst/>
-                <a:latin typeface="JetBrainsMono NF" panose="02010509020102050004" pitchFamily="50" charset="0"/>
-              </a:rPr>
-              <a:t>console</a:t>
-            </a:r>
-            <a:r>
-              <a:rPr lang="de-DE" b="0" dirty="0">
-                <a:solidFill>
-                  <a:srgbClr val="D4D4D4"/>
-                </a:solidFill>
-                <a:effectLst/>
-                <a:latin typeface="JetBrainsMono NF" panose="02010509020102050004" pitchFamily="50" charset="0"/>
-              </a:rPr>
-              <a:t>.</a:t>
-            </a:r>
-            <a:r>
-              <a:rPr lang="de-DE" b="0" dirty="0">
-                <a:solidFill>
-                  <a:srgbClr val="DCDCAA"/>
-                </a:solidFill>
-                <a:effectLst/>
-                <a:latin typeface="JetBrainsMono NF" panose="02010509020102050004" pitchFamily="50" charset="0"/>
-              </a:rPr>
-              <a:t>log</a:t>
-            </a:r>
-            <a:r>
-              <a:rPr lang="de-DE" b="0" dirty="0">
-                <a:solidFill>
-                  <a:srgbClr val="D4D4D4"/>
-                </a:solidFill>
-                <a:effectLst/>
-                <a:latin typeface="JetBrainsMono NF" panose="02010509020102050004" pitchFamily="50" charset="0"/>
-              </a:rPr>
-              <a:t>(</a:t>
-            </a:r>
-            <a:r>
-              <a:rPr lang="de-DE" b="0" dirty="0">
-                <a:solidFill>
-                  <a:srgbClr val="CE9178"/>
-                </a:solidFill>
-                <a:effectLst/>
-                <a:latin typeface="JetBrainsMono NF" panose="02010509020102050004" pitchFamily="50" charset="0"/>
-              </a:rPr>
-              <a:t>"</a:t>
-            </a:r>
-            <a:r>
-              <a:rPr lang="de-DE" b="0" dirty="0" err="1">
-                <a:solidFill>
-                  <a:srgbClr val="CE9178"/>
-                </a:solidFill>
-                <a:effectLst/>
-                <a:latin typeface="JetBrainsMono NF" panose="02010509020102050004" pitchFamily="50" charset="0"/>
-              </a:rPr>
-              <a:t>Ended</a:t>
-            </a:r>
-            <a:r>
-              <a:rPr lang="de-DE" b="0" dirty="0">
-                <a:solidFill>
-                  <a:srgbClr val="CE9178"/>
-                </a:solidFill>
-                <a:effectLst/>
-                <a:latin typeface="JetBrainsMono NF" panose="02010509020102050004" pitchFamily="50" charset="0"/>
-              </a:rPr>
-              <a:t> in </a:t>
-            </a:r>
-            <a:r>
-              <a:rPr lang="de-DE" b="0" dirty="0" err="1">
-                <a:solidFill>
-                  <a:srgbClr val="CE9178"/>
-                </a:solidFill>
-                <a:effectLst/>
-                <a:latin typeface="JetBrainsMono NF" panose="02010509020102050004" pitchFamily="50" charset="0"/>
-              </a:rPr>
-              <a:t>sync</a:t>
-            </a:r>
-            <a:r>
-              <a:rPr lang="de-DE" b="0" dirty="0">
-                <a:solidFill>
-                  <a:srgbClr val="CE9178"/>
-                </a:solidFill>
-                <a:effectLst/>
-                <a:latin typeface="JetBrainsMono NF" panose="02010509020102050004" pitchFamily="50" charset="0"/>
-              </a:rPr>
-              <a:t>"</a:t>
-            </a:r>
-            <a:r>
-              <a:rPr lang="de-DE" b="0" dirty="0">
-                <a:solidFill>
-                  <a:srgbClr val="D4D4D4"/>
-                </a:solidFill>
-                <a:effectLst/>
-                <a:latin typeface="JetBrainsMono NF" panose="02010509020102050004" pitchFamily="50" charset="0"/>
-              </a:rPr>
-              <a:t>);</a:t>
-            </a:r>
-          </a:p>
-        </p:txBody>
-      </p:sp>
-      <p:pic>
-        <p:nvPicPr>
-          <p:cNvPr id="5" name="Picture 4">
-            <a:extLst>
-              <a:ext uri="{FF2B5EF4-FFF2-40B4-BE49-F238E27FC236}">
-                <a16:creationId xmlns:a16="http://schemas.microsoft.com/office/drawing/2014/main" id="{DD8751DF-2ABE-46AE-B1E7-A3BF221095D0}"/>
-              </a:ext>
-            </a:extLst>
-          </p:cNvPr>
-          <p:cNvPicPr>
-            <a:picLocks noChangeAspect="1"/>
-          </p:cNvPicPr>
-          <p:nvPr/>
-        </p:nvPicPr>
-        <p:blipFill>
-          <a:blip r:embed="rId2"/>
-          <a:stretch>
-            <a:fillRect/>
-          </a:stretch>
-        </p:blipFill>
-        <p:spPr>
-          <a:xfrm>
-            <a:off x="3635272" y="4976689"/>
-            <a:ext cx="8048625" cy="1266825"/>
-          </a:xfrm>
-          <a:prstGeom prst="rect">
-            <a:avLst/>
-          </a:prstGeom>
-        </p:spPr>
-      </p:pic>
-    </p:spTree>
-    <p:extLst>
-      <p:ext uri="{BB962C8B-B14F-4D97-AF65-F5344CB8AC3E}">
-        <p14:creationId xmlns:p14="http://schemas.microsoft.com/office/powerpoint/2010/main" val="2560752695"/>
       </p:ext>
     </p:extLst>
   </p:cSld>
@@ -42050,6 +41240,1179 @@
           <p:cNvPr id="2" name="Title 1">
             <a:extLst>
               <a:ext uri="{FF2B5EF4-FFF2-40B4-BE49-F238E27FC236}">
+                <a16:creationId xmlns:a16="http://schemas.microsoft.com/office/drawing/2014/main" id="{4DA7A955-2F83-44DE-B55C-F485E08CDA6F}"/>
+              </a:ext>
+            </a:extLst>
+          </p:cNvPr>
+          <p:cNvSpPr>
+            <a:spLocks noGrp="1"/>
+          </p:cNvSpPr>
+          <p:nvPr>
+            <p:ph type="title"/>
+          </p:nvPr>
+        </p:nvSpPr>
+        <p:spPr/>
+        <p:txBody>
+          <a:bodyPr/>
+          <a:lstStyle/>
+          <a:p>
+            <a:r>
+              <a:rPr lang="de-DE" dirty="0" err="1"/>
+              <a:t>Async</a:t>
+            </a:r>
+            <a:r>
+              <a:rPr lang="de-DE" dirty="0"/>
+              <a:t> / </a:t>
+            </a:r>
+            <a:r>
+              <a:rPr lang="de-DE" dirty="0" err="1"/>
+              <a:t>Await</a:t>
+            </a:r>
+            <a:r>
+              <a:rPr lang="de-DE" dirty="0"/>
+              <a:t> Pattern</a:t>
+            </a:r>
+          </a:p>
+        </p:txBody>
+      </p:sp>
+      <p:sp>
+        <p:nvSpPr>
+          <p:cNvPr id="3" name="Content Placeholder 2">
+            <a:extLst>
+              <a:ext uri="{FF2B5EF4-FFF2-40B4-BE49-F238E27FC236}">
+                <a16:creationId xmlns:a16="http://schemas.microsoft.com/office/drawing/2014/main" id="{52E4A2B6-04BB-4B3E-AA98-527076F03EF6}"/>
+              </a:ext>
+            </a:extLst>
+          </p:cNvPr>
+          <p:cNvSpPr>
+            <a:spLocks noGrp="1"/>
+          </p:cNvSpPr>
+          <p:nvPr>
+            <p:ph idx="1"/>
+          </p:nvPr>
+        </p:nvSpPr>
+        <p:spPr/>
+        <p:txBody>
+          <a:bodyPr>
+            <a:normAutofit lnSpcReduction="10000"/>
+          </a:bodyPr>
+          <a:lstStyle/>
+          <a:p>
+            <a:r>
+              <a:rPr lang="de-DE" dirty="0"/>
+              <a:t>ES7 Feature</a:t>
+            </a:r>
+          </a:p>
+          <a:p>
+            <a:pPr lvl="1"/>
+            <a:r>
+              <a:rPr lang="de-DE" dirty="0"/>
+              <a:t>Erlaubt es asynchronen Code zu schreiben, der wie synchroner Code aussieht</a:t>
+            </a:r>
+          </a:p>
+          <a:p>
+            <a:pPr lvl="1"/>
+            <a:r>
+              <a:rPr lang="de-DE" dirty="0" err="1"/>
+              <a:t>Syntactic</a:t>
+            </a:r>
+            <a:r>
+              <a:rPr lang="de-DE" dirty="0"/>
+              <a:t> </a:t>
+            </a:r>
+            <a:r>
+              <a:rPr lang="de-DE" dirty="0" err="1"/>
+              <a:t>sugar</a:t>
+            </a:r>
+            <a:endParaRPr lang="de-DE" dirty="0"/>
+          </a:p>
+          <a:p>
+            <a:pPr lvl="1"/>
+            <a:r>
+              <a:rPr lang="de-DE" dirty="0" err="1"/>
+              <a:t>Gängies</a:t>
+            </a:r>
+            <a:r>
+              <a:rPr lang="de-DE" dirty="0"/>
+              <a:t> Pattern auch in anderen Sprachen (C#, </a:t>
+            </a:r>
+            <a:r>
+              <a:rPr lang="de-DE" dirty="0" err="1"/>
+              <a:t>Kotlin</a:t>
+            </a:r>
+            <a:r>
+              <a:rPr lang="de-DE" dirty="0"/>
+              <a:t>, Rust, …)</a:t>
+            </a:r>
+          </a:p>
+          <a:p>
+            <a:r>
+              <a:rPr lang="de-DE" dirty="0"/>
+              <a:t>Asynchrone Funktionen werden mit </a:t>
+            </a:r>
+            <a:r>
+              <a:rPr lang="de-DE" b="0" dirty="0" err="1">
+                <a:solidFill>
+                  <a:srgbClr val="CE9178"/>
+                </a:solidFill>
+                <a:effectLst/>
+                <a:latin typeface="JetBrainsMono NF" panose="02010509020102050004" pitchFamily="50" charset="0"/>
+              </a:rPr>
+              <a:t>async</a:t>
+            </a:r>
+            <a:r>
+              <a:rPr lang="de-DE" dirty="0"/>
+              <a:t> gekennzeichnet</a:t>
+            </a:r>
+          </a:p>
+          <a:p>
+            <a:pPr lvl="1"/>
+            <a:r>
+              <a:rPr lang="de-DE" dirty="0" err="1"/>
+              <a:t>Returnen</a:t>
+            </a:r>
+            <a:r>
+              <a:rPr lang="de-DE" dirty="0"/>
+              <a:t> </a:t>
+            </a:r>
+            <a:r>
+              <a:rPr lang="de-DE" b="1" u="sng" dirty="0"/>
+              <a:t>immer</a:t>
+            </a:r>
+            <a:r>
+              <a:rPr lang="de-DE" dirty="0"/>
+              <a:t> eine </a:t>
+            </a:r>
+            <a:r>
+              <a:rPr lang="de-DE" dirty="0" err="1"/>
+              <a:t>Promise</a:t>
+            </a:r>
+            <a:endParaRPr lang="de-DE" dirty="0"/>
+          </a:p>
+          <a:p>
+            <a:pPr lvl="1"/>
+            <a:r>
+              <a:rPr lang="de-DE" dirty="0" err="1"/>
+              <a:t>Exception</a:t>
+            </a:r>
+            <a:r>
+              <a:rPr lang="de-DE" dirty="0"/>
+              <a:t> -&gt; </a:t>
+            </a:r>
+            <a:r>
+              <a:rPr lang="de-DE" dirty="0" err="1"/>
+              <a:t>Rejection</a:t>
+            </a:r>
+            <a:r>
+              <a:rPr lang="de-DE" dirty="0"/>
+              <a:t> </a:t>
+            </a:r>
+          </a:p>
+          <a:p>
+            <a:pPr lvl="1"/>
+            <a:r>
+              <a:rPr lang="de-DE" dirty="0"/>
+              <a:t>Return -&gt; Fulfillment (auch implizites </a:t>
+            </a:r>
+            <a:r>
+              <a:rPr lang="de-DE" dirty="0" err="1"/>
+              <a:t>return</a:t>
+            </a:r>
+            <a:r>
+              <a:rPr lang="de-DE" dirty="0"/>
+              <a:t>)</a:t>
+            </a:r>
+          </a:p>
+          <a:p>
+            <a:pPr lvl="1"/>
+            <a:r>
+              <a:rPr lang="de-DE" dirty="0"/>
+              <a:t>​</a:t>
+            </a:r>
+            <a:r>
+              <a:rPr lang="de-DE" b="0" dirty="0" err="1">
+                <a:solidFill>
+                  <a:srgbClr val="CE9178"/>
+                </a:solidFill>
+                <a:effectLst/>
+                <a:latin typeface="JetBrainsMono NF" panose="02010509020102050004" pitchFamily="50" charset="0"/>
+              </a:rPr>
+              <a:t>await</a:t>
+            </a:r>
+            <a:r>
+              <a:rPr lang="de-DE" dirty="0"/>
+              <a:t> wartet auf eine </a:t>
+            </a:r>
+            <a:r>
+              <a:rPr lang="de-DE" dirty="0" err="1"/>
+              <a:t>Promise</a:t>
+            </a:r>
+            <a:r>
+              <a:rPr lang="de-DE" dirty="0"/>
+              <a:t> </a:t>
+            </a:r>
+          </a:p>
+          <a:p>
+            <a:pPr lvl="2"/>
+            <a:r>
+              <a:rPr lang="de-DE" dirty="0"/>
+              <a:t>Ausführung wird unterbrochen</a:t>
+            </a:r>
+          </a:p>
+          <a:p>
+            <a:pPr lvl="2"/>
+            <a:r>
+              <a:rPr lang="de-DE" dirty="0"/>
+              <a:t>Aber blockiert nicht</a:t>
+            </a:r>
+          </a:p>
+        </p:txBody>
+      </p:sp>
+    </p:spTree>
+    <p:extLst>
+      <p:ext uri="{BB962C8B-B14F-4D97-AF65-F5344CB8AC3E}">
+        <p14:creationId xmlns:p14="http://schemas.microsoft.com/office/powerpoint/2010/main" val="3633304262"/>
+      </p:ext>
+    </p:extLst>
+  </p:cSld>
+  <p:clrMapOvr>
+    <a:masterClrMapping/>
+  </p:clrMapOvr>
+</p:sld>
+</file>
+
+<file path=ppt/slides/slide51.xml><?xml version="1.0" encoding="utf-8"?>
+<p:sld xmlns:a="http://schemas.openxmlformats.org/drawingml/2006/main" xmlns:r="http://schemas.openxmlformats.org/officeDocument/2006/relationships" xmlns:p="http://schemas.openxmlformats.org/presentationml/2006/main">
+  <p:cSld>
+    <p:spTree>
+      <p:nvGrpSpPr>
+        <p:cNvPr id="1" name=""/>
+        <p:cNvGrpSpPr/>
+        <p:nvPr/>
+      </p:nvGrpSpPr>
+      <p:grpSpPr>
+        <a:xfrm>
+          <a:off x="0" y="0"/>
+          <a:ext cx="0" cy="0"/>
+          <a:chOff x="0" y="0"/>
+          <a:chExt cx="0" cy="0"/>
+        </a:xfrm>
+      </p:grpSpPr>
+      <p:sp>
+        <p:nvSpPr>
+          <p:cNvPr id="2" name="Title 1">
+            <a:extLst>
+              <a:ext uri="{FF2B5EF4-FFF2-40B4-BE49-F238E27FC236}">
+                <a16:creationId xmlns:a16="http://schemas.microsoft.com/office/drawing/2014/main" id="{817B8287-CAAA-41FD-BC86-389AAE0004C9}"/>
+              </a:ext>
+            </a:extLst>
+          </p:cNvPr>
+          <p:cNvSpPr>
+            <a:spLocks noGrp="1"/>
+          </p:cNvSpPr>
+          <p:nvPr>
+            <p:ph type="title"/>
+          </p:nvPr>
+        </p:nvSpPr>
+        <p:spPr/>
+        <p:txBody>
+          <a:bodyPr/>
+          <a:lstStyle/>
+          <a:p>
+            <a:r>
+              <a:rPr lang="de-DE" dirty="0" err="1"/>
+              <a:t>Async</a:t>
+            </a:r>
+            <a:r>
+              <a:rPr lang="de-DE" dirty="0"/>
+              <a:t> / </a:t>
+            </a:r>
+            <a:r>
+              <a:rPr lang="de-DE" dirty="0" err="1"/>
+              <a:t>Await</a:t>
+            </a:r>
+            <a:r>
+              <a:rPr lang="de-DE" dirty="0"/>
+              <a:t> </a:t>
+            </a:r>
+            <a:r>
+              <a:rPr lang="de-DE" dirty="0" err="1"/>
+              <a:t>Pitfalls</a:t>
+            </a:r>
+            <a:endParaRPr lang="de-DE" dirty="0"/>
+          </a:p>
+        </p:txBody>
+      </p:sp>
+      <p:sp>
+        <p:nvSpPr>
+          <p:cNvPr id="3" name="Content Placeholder 2">
+            <a:extLst>
+              <a:ext uri="{FF2B5EF4-FFF2-40B4-BE49-F238E27FC236}">
+                <a16:creationId xmlns:a16="http://schemas.microsoft.com/office/drawing/2014/main" id="{43B90B20-FAB9-49E1-B45A-5487B3C20EB9}"/>
+              </a:ext>
+            </a:extLst>
+          </p:cNvPr>
+          <p:cNvSpPr>
+            <a:spLocks noGrp="1"/>
+          </p:cNvSpPr>
+          <p:nvPr>
+            <p:ph idx="1"/>
+          </p:nvPr>
+        </p:nvSpPr>
+        <p:spPr>
+          <a:xfrm>
+            <a:off x="953361" y="1524317"/>
+            <a:ext cx="8550857" cy="587375"/>
+          </a:xfrm>
+        </p:spPr>
+        <p:txBody>
+          <a:bodyPr>
+            <a:normAutofit fontScale="77500" lnSpcReduction="20000"/>
+          </a:bodyPr>
+          <a:lstStyle/>
+          <a:p>
+            <a:r>
+              <a:rPr lang="de-DE" dirty="0" err="1"/>
+              <a:t>Async</a:t>
+            </a:r>
+            <a:r>
+              <a:rPr lang="de-DE" dirty="0"/>
+              <a:t> Funktionen sind bis </a:t>
+            </a:r>
+            <a:r>
+              <a:rPr lang="de-DE" b="0" dirty="0" err="1">
+                <a:solidFill>
+                  <a:srgbClr val="C586C0"/>
+                </a:solidFill>
+                <a:effectLst/>
+                <a:latin typeface="JetBrainsMono NF" panose="02010509020102050004" pitchFamily="50" charset="0"/>
+              </a:rPr>
+              <a:t>await</a:t>
+            </a:r>
+            <a:r>
+              <a:rPr lang="de-DE" dirty="0"/>
+              <a:t>, </a:t>
+            </a:r>
+            <a:r>
+              <a:rPr lang="de-DE" b="0" dirty="0" err="1">
+                <a:solidFill>
+                  <a:srgbClr val="C586C0"/>
+                </a:solidFill>
+                <a:effectLst/>
+                <a:latin typeface="JetBrainsMono NF" panose="02010509020102050004" pitchFamily="50" charset="0"/>
+              </a:rPr>
+              <a:t>throw</a:t>
+            </a:r>
+            <a:r>
+              <a:rPr lang="de-DE" b="0" dirty="0">
+                <a:solidFill>
+                  <a:srgbClr val="C586C0"/>
+                </a:solidFill>
+                <a:effectLst/>
+                <a:latin typeface="JetBrainsMono NF" panose="02010509020102050004" pitchFamily="50" charset="0"/>
+              </a:rPr>
+              <a:t> </a:t>
+            </a:r>
+            <a:r>
+              <a:rPr lang="de-DE" dirty="0"/>
+              <a:t>oder </a:t>
+            </a:r>
+            <a:r>
+              <a:rPr lang="de-DE" b="0" dirty="0" err="1">
+                <a:solidFill>
+                  <a:srgbClr val="C586C0"/>
+                </a:solidFill>
+                <a:effectLst/>
+                <a:latin typeface="JetBrainsMono NF" panose="02010509020102050004" pitchFamily="50" charset="0"/>
+              </a:rPr>
+              <a:t>return</a:t>
+            </a:r>
+            <a:r>
+              <a:rPr lang="de-DE" dirty="0"/>
+              <a:t> synchron</a:t>
+            </a:r>
+          </a:p>
+        </p:txBody>
+      </p:sp>
+      <p:sp>
+        <p:nvSpPr>
+          <p:cNvPr id="11" name="TextBox 10">
+            <a:extLst>
+              <a:ext uri="{FF2B5EF4-FFF2-40B4-BE49-F238E27FC236}">
+                <a16:creationId xmlns:a16="http://schemas.microsoft.com/office/drawing/2014/main" id="{17DE8582-2CEE-4A2D-835C-85E1BFB0A496}"/>
+              </a:ext>
+            </a:extLst>
+          </p:cNvPr>
+          <p:cNvSpPr txBox="1"/>
+          <p:nvPr/>
+        </p:nvSpPr>
+        <p:spPr>
+          <a:xfrm>
+            <a:off x="1146401" y="2111692"/>
+            <a:ext cx="6027612" cy="2585323"/>
+          </a:xfrm>
+          <a:prstGeom prst="rect">
+            <a:avLst/>
+          </a:prstGeom>
+          <a:noFill/>
+        </p:spPr>
+        <p:txBody>
+          <a:bodyPr wrap="none" rtlCol="0">
+            <a:spAutoFit/>
+          </a:bodyPr>
+          <a:lstStyle/>
+          <a:p>
+            <a:r>
+              <a:rPr lang="de-DE" b="0" dirty="0" err="1">
+                <a:solidFill>
+                  <a:srgbClr val="569CD6"/>
+                </a:solidFill>
+                <a:effectLst/>
+                <a:latin typeface="JetBrainsMono NF" panose="02010509020102050004" pitchFamily="50" charset="0"/>
+              </a:rPr>
+              <a:t>async</a:t>
+            </a:r>
+            <a:r>
+              <a:rPr lang="de-DE" b="0" dirty="0">
+                <a:solidFill>
+                  <a:srgbClr val="D4D4D4"/>
+                </a:solidFill>
+                <a:effectLst/>
+                <a:latin typeface="JetBrainsMono NF" panose="02010509020102050004" pitchFamily="50" charset="0"/>
+              </a:rPr>
+              <a:t> </a:t>
+            </a:r>
+            <a:r>
+              <a:rPr lang="de-DE" b="0" dirty="0" err="1">
+                <a:solidFill>
+                  <a:srgbClr val="569CD6"/>
+                </a:solidFill>
+                <a:effectLst/>
+                <a:latin typeface="JetBrainsMono NF" panose="02010509020102050004" pitchFamily="50" charset="0"/>
+              </a:rPr>
+              <a:t>function</a:t>
+            </a:r>
+            <a:r>
+              <a:rPr lang="de-DE" b="0" dirty="0">
+                <a:solidFill>
+                  <a:srgbClr val="D4D4D4"/>
+                </a:solidFill>
+                <a:effectLst/>
+                <a:latin typeface="JetBrainsMono NF" panose="02010509020102050004" pitchFamily="50" charset="0"/>
+              </a:rPr>
+              <a:t> </a:t>
+            </a:r>
+            <a:r>
+              <a:rPr lang="de-DE" b="0" dirty="0" err="1">
+                <a:solidFill>
+                  <a:srgbClr val="DCDCAA"/>
+                </a:solidFill>
+                <a:effectLst/>
+                <a:latin typeface="JetBrainsMono NF" panose="02010509020102050004" pitchFamily="50" charset="0"/>
+              </a:rPr>
+              <a:t>testSynchronousCalls</a:t>
+            </a:r>
+            <a:r>
+              <a:rPr lang="de-DE" b="0" dirty="0">
+                <a:solidFill>
+                  <a:srgbClr val="D4D4D4"/>
+                </a:solidFill>
+                <a:effectLst/>
+                <a:latin typeface="JetBrainsMono NF" panose="02010509020102050004" pitchFamily="50" charset="0"/>
+              </a:rPr>
+              <a:t>() {</a:t>
+            </a:r>
+          </a:p>
+          <a:p>
+            <a:r>
+              <a:rPr lang="de-DE" b="0" dirty="0">
+                <a:solidFill>
+                  <a:srgbClr val="D4D4D4"/>
+                </a:solidFill>
+                <a:effectLst/>
+                <a:latin typeface="JetBrainsMono NF" panose="02010509020102050004" pitchFamily="50" charset="0"/>
+              </a:rPr>
+              <a:t>  </a:t>
+            </a:r>
+            <a:r>
+              <a:rPr lang="de-DE" b="0" dirty="0">
+                <a:solidFill>
+                  <a:srgbClr val="9CDCFE"/>
+                </a:solidFill>
+                <a:effectLst/>
+                <a:latin typeface="JetBrainsMono NF" panose="02010509020102050004" pitchFamily="50" charset="0"/>
+              </a:rPr>
+              <a:t>console</a:t>
+            </a:r>
+            <a:r>
+              <a:rPr lang="de-DE" b="0" dirty="0">
+                <a:solidFill>
+                  <a:srgbClr val="D4D4D4"/>
+                </a:solidFill>
+                <a:effectLst/>
+                <a:latin typeface="JetBrainsMono NF" panose="02010509020102050004" pitchFamily="50" charset="0"/>
+              </a:rPr>
+              <a:t>.</a:t>
+            </a:r>
+            <a:r>
+              <a:rPr lang="de-DE" b="0" dirty="0">
+                <a:solidFill>
+                  <a:srgbClr val="DCDCAA"/>
+                </a:solidFill>
+                <a:effectLst/>
+                <a:latin typeface="JetBrainsMono NF" panose="02010509020102050004" pitchFamily="50" charset="0"/>
+              </a:rPr>
+              <a:t>log</a:t>
+            </a:r>
+            <a:r>
+              <a:rPr lang="de-DE" b="0" dirty="0">
+                <a:solidFill>
+                  <a:srgbClr val="D4D4D4"/>
+                </a:solidFill>
+                <a:effectLst/>
+                <a:latin typeface="JetBrainsMono NF" panose="02010509020102050004" pitchFamily="50" charset="0"/>
+              </a:rPr>
+              <a:t>(</a:t>
+            </a:r>
+            <a:r>
+              <a:rPr lang="de-DE" b="0" dirty="0">
+                <a:solidFill>
+                  <a:srgbClr val="CE9178"/>
+                </a:solidFill>
+                <a:effectLst/>
+                <a:latin typeface="JetBrainsMono NF" panose="02010509020102050004" pitchFamily="50" charset="0"/>
+              </a:rPr>
+              <a:t>"</a:t>
+            </a:r>
+            <a:r>
+              <a:rPr lang="de-DE" b="0" dirty="0" err="1">
+                <a:solidFill>
+                  <a:srgbClr val="CE9178"/>
+                </a:solidFill>
+                <a:effectLst/>
+                <a:latin typeface="JetBrainsMono NF" panose="02010509020102050004" pitchFamily="50" charset="0"/>
+              </a:rPr>
+              <a:t>Executed</a:t>
+            </a:r>
+            <a:r>
+              <a:rPr lang="de-DE" b="0" dirty="0">
+                <a:solidFill>
+                  <a:srgbClr val="CE9178"/>
+                </a:solidFill>
+                <a:effectLst/>
+                <a:latin typeface="JetBrainsMono NF" panose="02010509020102050004" pitchFamily="50" charset="0"/>
+              </a:rPr>
+              <a:t> in </a:t>
+            </a:r>
+            <a:r>
+              <a:rPr lang="de-DE" b="0" dirty="0" err="1">
+                <a:solidFill>
+                  <a:srgbClr val="CE9178"/>
+                </a:solidFill>
+                <a:effectLst/>
+                <a:latin typeface="JetBrainsMono NF" panose="02010509020102050004" pitchFamily="50" charset="0"/>
+              </a:rPr>
+              <a:t>sync</a:t>
+            </a:r>
+            <a:r>
+              <a:rPr lang="de-DE" b="0" dirty="0">
+                <a:solidFill>
+                  <a:srgbClr val="CE9178"/>
+                </a:solidFill>
+                <a:effectLst/>
+                <a:latin typeface="JetBrainsMono NF" panose="02010509020102050004" pitchFamily="50" charset="0"/>
+              </a:rPr>
+              <a:t>"</a:t>
+            </a:r>
+            <a:r>
+              <a:rPr lang="de-DE" b="0" dirty="0">
+                <a:solidFill>
+                  <a:srgbClr val="D4D4D4"/>
+                </a:solidFill>
+                <a:effectLst/>
+                <a:latin typeface="JetBrainsMono NF" panose="02010509020102050004" pitchFamily="50" charset="0"/>
+              </a:rPr>
+              <a:t>);</a:t>
+            </a:r>
+          </a:p>
+          <a:p>
+            <a:r>
+              <a:rPr lang="de-DE" b="0" dirty="0">
+                <a:solidFill>
+                  <a:srgbClr val="D4D4D4"/>
+                </a:solidFill>
+                <a:effectLst/>
+                <a:latin typeface="JetBrainsMono NF" panose="02010509020102050004" pitchFamily="50" charset="0"/>
+              </a:rPr>
+              <a:t>  </a:t>
+            </a:r>
+            <a:r>
+              <a:rPr lang="de-DE" b="0" dirty="0" err="1">
+                <a:solidFill>
+                  <a:srgbClr val="C586C0"/>
+                </a:solidFill>
+                <a:effectLst/>
+                <a:latin typeface="JetBrainsMono NF" panose="02010509020102050004" pitchFamily="50" charset="0"/>
+              </a:rPr>
+              <a:t>return</a:t>
+            </a:r>
+            <a:r>
+              <a:rPr lang="de-DE" b="0" dirty="0">
+                <a:solidFill>
+                  <a:srgbClr val="D4D4D4"/>
+                </a:solidFill>
+                <a:effectLst/>
+                <a:latin typeface="JetBrainsMono NF" panose="02010509020102050004" pitchFamily="50" charset="0"/>
+              </a:rPr>
+              <a:t> </a:t>
+            </a:r>
+            <a:r>
+              <a:rPr lang="de-DE" b="0" dirty="0" err="1">
+                <a:solidFill>
+                  <a:srgbClr val="4EC9B0"/>
+                </a:solidFill>
+                <a:effectLst/>
+                <a:latin typeface="JetBrainsMono NF" panose="02010509020102050004" pitchFamily="50" charset="0"/>
+              </a:rPr>
+              <a:t>Promise</a:t>
+            </a:r>
+            <a:r>
+              <a:rPr lang="de-DE" b="0" dirty="0" err="1">
+                <a:solidFill>
+                  <a:srgbClr val="D4D4D4"/>
+                </a:solidFill>
+                <a:effectLst/>
+                <a:latin typeface="JetBrainsMono NF" panose="02010509020102050004" pitchFamily="50" charset="0"/>
+              </a:rPr>
+              <a:t>.</a:t>
+            </a:r>
+            <a:r>
+              <a:rPr lang="de-DE" b="0" dirty="0" err="1">
+                <a:solidFill>
+                  <a:srgbClr val="DCDCAA"/>
+                </a:solidFill>
+                <a:effectLst/>
+                <a:latin typeface="JetBrainsMono NF" panose="02010509020102050004" pitchFamily="50" charset="0"/>
+              </a:rPr>
+              <a:t>resolve</a:t>
+            </a:r>
+            <a:r>
+              <a:rPr lang="de-DE" b="0" dirty="0">
+                <a:solidFill>
+                  <a:srgbClr val="D4D4D4"/>
+                </a:solidFill>
+                <a:effectLst/>
+                <a:latin typeface="JetBrainsMono NF" panose="02010509020102050004" pitchFamily="50" charset="0"/>
+              </a:rPr>
+              <a:t>(</a:t>
+            </a:r>
+            <a:r>
+              <a:rPr lang="de-DE" b="0" dirty="0">
+                <a:solidFill>
+                  <a:srgbClr val="CE9178"/>
+                </a:solidFill>
+                <a:effectLst/>
+                <a:latin typeface="JetBrainsMono NF" panose="02010509020102050004" pitchFamily="50" charset="0"/>
+              </a:rPr>
+              <a:t>"</a:t>
+            </a:r>
+            <a:r>
+              <a:rPr lang="de-DE" b="0" dirty="0" err="1">
+                <a:solidFill>
+                  <a:srgbClr val="CE9178"/>
+                </a:solidFill>
+                <a:effectLst/>
+                <a:latin typeface="JetBrainsMono NF" panose="02010509020102050004" pitchFamily="50" charset="0"/>
+              </a:rPr>
+              <a:t>Executed</a:t>
+            </a:r>
+            <a:r>
+              <a:rPr lang="de-DE" b="0" dirty="0">
+                <a:solidFill>
+                  <a:srgbClr val="CE9178"/>
+                </a:solidFill>
+                <a:effectLst/>
+                <a:latin typeface="JetBrainsMono NF" panose="02010509020102050004" pitchFamily="50" charset="0"/>
+              </a:rPr>
+              <a:t> </a:t>
+            </a:r>
+            <a:r>
+              <a:rPr lang="de-DE" b="0" dirty="0" err="1">
+                <a:solidFill>
+                  <a:srgbClr val="CE9178"/>
+                </a:solidFill>
+                <a:effectLst/>
+                <a:latin typeface="JetBrainsMono NF" panose="02010509020102050004" pitchFamily="50" charset="0"/>
+              </a:rPr>
+              <a:t>async</a:t>
+            </a:r>
+            <a:r>
+              <a:rPr lang="de-DE" b="0" dirty="0">
+                <a:solidFill>
+                  <a:srgbClr val="CE9178"/>
+                </a:solidFill>
+                <a:effectLst/>
+                <a:latin typeface="JetBrainsMono NF" panose="02010509020102050004" pitchFamily="50" charset="0"/>
+              </a:rPr>
+              <a:t>"</a:t>
+            </a:r>
+            <a:r>
+              <a:rPr lang="de-DE" b="0" dirty="0">
+                <a:solidFill>
+                  <a:srgbClr val="D4D4D4"/>
+                </a:solidFill>
+                <a:effectLst/>
+                <a:latin typeface="JetBrainsMono NF" panose="02010509020102050004" pitchFamily="50" charset="0"/>
+              </a:rPr>
+              <a:t>);</a:t>
+            </a:r>
+          </a:p>
+          <a:p>
+            <a:r>
+              <a:rPr lang="de-DE" b="0" dirty="0">
+                <a:solidFill>
+                  <a:srgbClr val="D4D4D4"/>
+                </a:solidFill>
+                <a:effectLst/>
+                <a:latin typeface="JetBrainsMono NF" panose="02010509020102050004" pitchFamily="50" charset="0"/>
+              </a:rPr>
+              <a:t>}</a:t>
+            </a:r>
+          </a:p>
+          <a:p>
+            <a:br>
+              <a:rPr lang="de-DE" b="0" dirty="0">
+                <a:solidFill>
+                  <a:srgbClr val="D4D4D4"/>
+                </a:solidFill>
+                <a:effectLst/>
+                <a:latin typeface="JetBrainsMono NF" panose="02010509020102050004" pitchFamily="50" charset="0"/>
+              </a:rPr>
+            </a:br>
+            <a:r>
+              <a:rPr lang="de-DE" b="0" dirty="0">
+                <a:solidFill>
+                  <a:srgbClr val="9CDCFE"/>
+                </a:solidFill>
+                <a:effectLst/>
+                <a:latin typeface="JetBrainsMono NF" panose="02010509020102050004" pitchFamily="50" charset="0"/>
+              </a:rPr>
+              <a:t>console</a:t>
+            </a:r>
+            <a:r>
+              <a:rPr lang="de-DE" b="0" dirty="0">
+                <a:solidFill>
+                  <a:srgbClr val="D4D4D4"/>
+                </a:solidFill>
+                <a:effectLst/>
+                <a:latin typeface="JetBrainsMono NF" panose="02010509020102050004" pitchFamily="50" charset="0"/>
+              </a:rPr>
+              <a:t>.</a:t>
+            </a:r>
+            <a:r>
+              <a:rPr lang="de-DE" b="0" dirty="0">
+                <a:solidFill>
+                  <a:srgbClr val="DCDCAA"/>
+                </a:solidFill>
+                <a:effectLst/>
+                <a:latin typeface="JetBrainsMono NF" panose="02010509020102050004" pitchFamily="50" charset="0"/>
+              </a:rPr>
+              <a:t>log</a:t>
+            </a:r>
+            <a:r>
+              <a:rPr lang="de-DE" b="0" dirty="0">
+                <a:solidFill>
+                  <a:srgbClr val="D4D4D4"/>
+                </a:solidFill>
+                <a:effectLst/>
+                <a:latin typeface="JetBrainsMono NF" panose="02010509020102050004" pitchFamily="50" charset="0"/>
+              </a:rPr>
+              <a:t>(</a:t>
+            </a:r>
+            <a:r>
+              <a:rPr lang="de-DE" b="0" dirty="0">
+                <a:solidFill>
+                  <a:srgbClr val="CE9178"/>
+                </a:solidFill>
+                <a:effectLst/>
+                <a:latin typeface="JetBrainsMono NF" panose="02010509020102050004" pitchFamily="50" charset="0"/>
+              </a:rPr>
+              <a:t>"</a:t>
+            </a:r>
+            <a:r>
+              <a:rPr lang="de-DE" b="0" dirty="0" err="1">
+                <a:solidFill>
+                  <a:srgbClr val="CE9178"/>
+                </a:solidFill>
+                <a:effectLst/>
+                <a:latin typeface="JetBrainsMono NF" panose="02010509020102050004" pitchFamily="50" charset="0"/>
+              </a:rPr>
+              <a:t>Started</a:t>
+            </a:r>
+            <a:r>
+              <a:rPr lang="de-DE" b="0" dirty="0">
+                <a:solidFill>
+                  <a:srgbClr val="CE9178"/>
+                </a:solidFill>
+                <a:effectLst/>
+                <a:latin typeface="JetBrainsMono NF" panose="02010509020102050004" pitchFamily="50" charset="0"/>
+              </a:rPr>
+              <a:t> in </a:t>
+            </a:r>
+            <a:r>
+              <a:rPr lang="de-DE" b="0" dirty="0" err="1">
+                <a:solidFill>
+                  <a:srgbClr val="CE9178"/>
+                </a:solidFill>
+                <a:effectLst/>
+                <a:latin typeface="JetBrainsMono NF" panose="02010509020102050004" pitchFamily="50" charset="0"/>
+              </a:rPr>
+              <a:t>sync</a:t>
+            </a:r>
+            <a:r>
+              <a:rPr lang="de-DE" b="0" dirty="0">
+                <a:solidFill>
+                  <a:srgbClr val="CE9178"/>
+                </a:solidFill>
+                <a:effectLst/>
+                <a:latin typeface="JetBrainsMono NF" panose="02010509020102050004" pitchFamily="50" charset="0"/>
+              </a:rPr>
+              <a:t>"</a:t>
+            </a:r>
+            <a:r>
+              <a:rPr lang="de-DE" b="0" dirty="0">
+                <a:solidFill>
+                  <a:srgbClr val="D4D4D4"/>
+                </a:solidFill>
+                <a:effectLst/>
+                <a:latin typeface="JetBrainsMono NF" panose="02010509020102050004" pitchFamily="50" charset="0"/>
+              </a:rPr>
+              <a:t>);</a:t>
+            </a:r>
+          </a:p>
+          <a:p>
+            <a:r>
+              <a:rPr lang="de-DE" b="0" dirty="0" err="1">
+                <a:solidFill>
+                  <a:srgbClr val="DCDCAA"/>
+                </a:solidFill>
+                <a:effectLst/>
+                <a:latin typeface="JetBrainsMono NF" panose="02010509020102050004" pitchFamily="50" charset="0"/>
+              </a:rPr>
+              <a:t>testSynchronousCalls</a:t>
+            </a:r>
+            <a:r>
+              <a:rPr lang="de-DE" b="0" dirty="0">
+                <a:solidFill>
+                  <a:srgbClr val="D4D4D4"/>
+                </a:solidFill>
+                <a:effectLst/>
+                <a:latin typeface="JetBrainsMono NF" panose="02010509020102050004" pitchFamily="50" charset="0"/>
+              </a:rPr>
+              <a:t>()</a:t>
+            </a:r>
+          </a:p>
+          <a:p>
+            <a:r>
+              <a:rPr lang="de-DE" b="0" dirty="0">
+                <a:solidFill>
+                  <a:srgbClr val="D4D4D4"/>
+                </a:solidFill>
+                <a:effectLst/>
+                <a:latin typeface="JetBrainsMono NF" panose="02010509020102050004" pitchFamily="50" charset="0"/>
+              </a:rPr>
+              <a:t>  .</a:t>
+            </a:r>
+            <a:r>
+              <a:rPr lang="de-DE" b="0" dirty="0" err="1">
+                <a:solidFill>
+                  <a:srgbClr val="DCDCAA"/>
+                </a:solidFill>
+                <a:effectLst/>
+                <a:latin typeface="JetBrainsMono NF" panose="02010509020102050004" pitchFamily="50" charset="0"/>
+              </a:rPr>
+              <a:t>then</a:t>
+            </a:r>
+            <a:r>
+              <a:rPr lang="de-DE" b="0" dirty="0">
+                <a:solidFill>
+                  <a:srgbClr val="D4D4D4"/>
+                </a:solidFill>
+                <a:effectLst/>
+                <a:latin typeface="JetBrainsMono NF" panose="02010509020102050004" pitchFamily="50" charset="0"/>
+              </a:rPr>
+              <a:t>(</a:t>
+            </a:r>
+            <a:r>
+              <a:rPr lang="de-DE" b="0" dirty="0" err="1">
+                <a:solidFill>
+                  <a:srgbClr val="9CDCFE"/>
+                </a:solidFill>
+                <a:effectLst/>
+                <a:latin typeface="JetBrainsMono NF" panose="02010509020102050004" pitchFamily="50" charset="0"/>
+              </a:rPr>
+              <a:t>res</a:t>
+            </a:r>
+            <a:r>
+              <a:rPr lang="de-DE" b="0" dirty="0">
+                <a:solidFill>
+                  <a:srgbClr val="D4D4D4"/>
+                </a:solidFill>
+                <a:effectLst/>
+                <a:latin typeface="JetBrainsMono NF" panose="02010509020102050004" pitchFamily="50" charset="0"/>
+              </a:rPr>
+              <a:t> </a:t>
+            </a:r>
+            <a:r>
+              <a:rPr lang="de-DE" b="0" dirty="0">
+                <a:solidFill>
+                  <a:srgbClr val="569CD6"/>
+                </a:solidFill>
+                <a:effectLst/>
+                <a:latin typeface="JetBrainsMono NF" panose="02010509020102050004" pitchFamily="50" charset="0"/>
+              </a:rPr>
+              <a:t>=&gt;</a:t>
+            </a:r>
+            <a:r>
+              <a:rPr lang="de-DE" b="0" dirty="0">
+                <a:solidFill>
+                  <a:srgbClr val="D4D4D4"/>
+                </a:solidFill>
+                <a:effectLst/>
+                <a:latin typeface="JetBrainsMono NF" panose="02010509020102050004" pitchFamily="50" charset="0"/>
+              </a:rPr>
+              <a:t> </a:t>
+            </a:r>
+            <a:r>
+              <a:rPr lang="de-DE" b="0" dirty="0">
+                <a:solidFill>
+                  <a:srgbClr val="9CDCFE"/>
+                </a:solidFill>
+                <a:effectLst/>
+                <a:latin typeface="JetBrainsMono NF" panose="02010509020102050004" pitchFamily="50" charset="0"/>
+              </a:rPr>
+              <a:t>console</a:t>
+            </a:r>
+            <a:r>
+              <a:rPr lang="de-DE" b="0" dirty="0">
+                <a:solidFill>
+                  <a:srgbClr val="D4D4D4"/>
+                </a:solidFill>
+                <a:effectLst/>
+                <a:latin typeface="JetBrainsMono NF" panose="02010509020102050004" pitchFamily="50" charset="0"/>
+              </a:rPr>
+              <a:t>.</a:t>
+            </a:r>
+            <a:r>
+              <a:rPr lang="de-DE" b="0" dirty="0">
+                <a:solidFill>
+                  <a:srgbClr val="DCDCAA"/>
+                </a:solidFill>
+                <a:effectLst/>
+                <a:latin typeface="JetBrainsMono NF" panose="02010509020102050004" pitchFamily="50" charset="0"/>
+              </a:rPr>
+              <a:t>log</a:t>
+            </a:r>
+            <a:r>
+              <a:rPr lang="de-DE" b="0" dirty="0">
+                <a:solidFill>
+                  <a:srgbClr val="D4D4D4"/>
+                </a:solidFill>
+                <a:effectLst/>
+                <a:latin typeface="JetBrainsMono NF" panose="02010509020102050004" pitchFamily="50" charset="0"/>
+              </a:rPr>
+              <a:t>(</a:t>
+            </a:r>
+            <a:r>
+              <a:rPr lang="de-DE" b="0" dirty="0" err="1">
+                <a:solidFill>
+                  <a:srgbClr val="9CDCFE"/>
+                </a:solidFill>
+                <a:effectLst/>
+                <a:latin typeface="JetBrainsMono NF" panose="02010509020102050004" pitchFamily="50" charset="0"/>
+              </a:rPr>
+              <a:t>res</a:t>
+            </a:r>
+            <a:r>
+              <a:rPr lang="de-DE" b="0" dirty="0">
+                <a:solidFill>
+                  <a:srgbClr val="D4D4D4"/>
+                </a:solidFill>
+                <a:effectLst/>
+                <a:latin typeface="JetBrainsMono NF" panose="02010509020102050004" pitchFamily="50" charset="0"/>
+              </a:rPr>
+              <a:t>));</a:t>
+            </a:r>
+          </a:p>
+          <a:p>
+            <a:r>
+              <a:rPr lang="de-DE" b="0" dirty="0">
+                <a:solidFill>
+                  <a:srgbClr val="9CDCFE"/>
+                </a:solidFill>
+                <a:effectLst/>
+                <a:latin typeface="JetBrainsMono NF" panose="02010509020102050004" pitchFamily="50" charset="0"/>
+              </a:rPr>
+              <a:t>console</a:t>
+            </a:r>
+            <a:r>
+              <a:rPr lang="de-DE" b="0" dirty="0">
+                <a:solidFill>
+                  <a:srgbClr val="D4D4D4"/>
+                </a:solidFill>
+                <a:effectLst/>
+                <a:latin typeface="JetBrainsMono NF" panose="02010509020102050004" pitchFamily="50" charset="0"/>
+              </a:rPr>
+              <a:t>.</a:t>
+            </a:r>
+            <a:r>
+              <a:rPr lang="de-DE" b="0" dirty="0">
+                <a:solidFill>
+                  <a:srgbClr val="DCDCAA"/>
+                </a:solidFill>
+                <a:effectLst/>
+                <a:latin typeface="JetBrainsMono NF" panose="02010509020102050004" pitchFamily="50" charset="0"/>
+              </a:rPr>
+              <a:t>log</a:t>
+            </a:r>
+            <a:r>
+              <a:rPr lang="de-DE" b="0" dirty="0">
+                <a:solidFill>
+                  <a:srgbClr val="D4D4D4"/>
+                </a:solidFill>
+                <a:effectLst/>
+                <a:latin typeface="JetBrainsMono NF" panose="02010509020102050004" pitchFamily="50" charset="0"/>
+              </a:rPr>
+              <a:t>(</a:t>
+            </a:r>
+            <a:r>
+              <a:rPr lang="de-DE" b="0" dirty="0">
+                <a:solidFill>
+                  <a:srgbClr val="CE9178"/>
+                </a:solidFill>
+                <a:effectLst/>
+                <a:latin typeface="JetBrainsMono NF" panose="02010509020102050004" pitchFamily="50" charset="0"/>
+              </a:rPr>
+              <a:t>"</a:t>
+            </a:r>
+            <a:r>
+              <a:rPr lang="de-DE" b="0" dirty="0" err="1">
+                <a:solidFill>
+                  <a:srgbClr val="CE9178"/>
+                </a:solidFill>
+                <a:effectLst/>
+                <a:latin typeface="JetBrainsMono NF" panose="02010509020102050004" pitchFamily="50" charset="0"/>
+              </a:rPr>
+              <a:t>Ended</a:t>
+            </a:r>
+            <a:r>
+              <a:rPr lang="de-DE" b="0" dirty="0">
+                <a:solidFill>
+                  <a:srgbClr val="CE9178"/>
+                </a:solidFill>
+                <a:effectLst/>
+                <a:latin typeface="JetBrainsMono NF" panose="02010509020102050004" pitchFamily="50" charset="0"/>
+              </a:rPr>
+              <a:t> in </a:t>
+            </a:r>
+            <a:r>
+              <a:rPr lang="de-DE" b="0" dirty="0" err="1">
+                <a:solidFill>
+                  <a:srgbClr val="CE9178"/>
+                </a:solidFill>
+                <a:effectLst/>
+                <a:latin typeface="JetBrainsMono NF" panose="02010509020102050004" pitchFamily="50" charset="0"/>
+              </a:rPr>
+              <a:t>sync</a:t>
+            </a:r>
+            <a:r>
+              <a:rPr lang="de-DE" b="0" dirty="0">
+                <a:solidFill>
+                  <a:srgbClr val="CE9178"/>
+                </a:solidFill>
+                <a:effectLst/>
+                <a:latin typeface="JetBrainsMono NF" panose="02010509020102050004" pitchFamily="50" charset="0"/>
+              </a:rPr>
+              <a:t>"</a:t>
+            </a:r>
+            <a:r>
+              <a:rPr lang="de-DE" b="0" dirty="0">
+                <a:solidFill>
+                  <a:srgbClr val="D4D4D4"/>
+                </a:solidFill>
+                <a:effectLst/>
+                <a:latin typeface="JetBrainsMono NF" panose="02010509020102050004" pitchFamily="50" charset="0"/>
+              </a:rPr>
+              <a:t>);</a:t>
+            </a:r>
+          </a:p>
+        </p:txBody>
+      </p:sp>
+      <p:pic>
+        <p:nvPicPr>
+          <p:cNvPr id="5" name="Picture 4">
+            <a:extLst>
+              <a:ext uri="{FF2B5EF4-FFF2-40B4-BE49-F238E27FC236}">
+                <a16:creationId xmlns:a16="http://schemas.microsoft.com/office/drawing/2014/main" id="{DD8751DF-2ABE-46AE-B1E7-A3BF221095D0}"/>
+              </a:ext>
+            </a:extLst>
+          </p:cNvPr>
+          <p:cNvPicPr>
+            <a:picLocks noChangeAspect="1"/>
+          </p:cNvPicPr>
+          <p:nvPr/>
+        </p:nvPicPr>
+        <p:blipFill>
+          <a:blip r:embed="rId2"/>
+          <a:stretch>
+            <a:fillRect/>
+          </a:stretch>
+        </p:blipFill>
+        <p:spPr>
+          <a:xfrm>
+            <a:off x="3635272" y="4976689"/>
+            <a:ext cx="8048625" cy="1266825"/>
+          </a:xfrm>
+          <a:prstGeom prst="rect">
+            <a:avLst/>
+          </a:prstGeom>
+        </p:spPr>
+      </p:pic>
+    </p:spTree>
+    <p:extLst>
+      <p:ext uri="{BB962C8B-B14F-4D97-AF65-F5344CB8AC3E}">
+        <p14:creationId xmlns:p14="http://schemas.microsoft.com/office/powerpoint/2010/main" val="2560752695"/>
+      </p:ext>
+    </p:extLst>
+  </p:cSld>
+  <p:clrMapOvr>
+    <a:masterClrMapping/>
+  </p:clrMapOvr>
+</p:sld>
+</file>
+
+<file path=ppt/slides/slide52.xml><?xml version="1.0" encoding="utf-8"?>
+<p:sld xmlns:a="http://schemas.openxmlformats.org/drawingml/2006/main" xmlns:r="http://schemas.openxmlformats.org/officeDocument/2006/relationships" xmlns:p="http://schemas.openxmlformats.org/presentationml/2006/main">
+  <p:cSld>
+    <p:spTree>
+      <p:nvGrpSpPr>
+        <p:cNvPr id="1" name=""/>
+        <p:cNvGrpSpPr/>
+        <p:nvPr/>
+      </p:nvGrpSpPr>
+      <p:grpSpPr>
+        <a:xfrm>
+          <a:off x="0" y="0"/>
+          <a:ext cx="0" cy="0"/>
+          <a:chOff x="0" y="0"/>
+          <a:chExt cx="0" cy="0"/>
+        </a:xfrm>
+      </p:grpSpPr>
+      <p:sp>
+        <p:nvSpPr>
+          <p:cNvPr id="2" name="Title 1">
+            <a:extLst>
+              <a:ext uri="{FF2B5EF4-FFF2-40B4-BE49-F238E27FC236}">
                 <a16:creationId xmlns:a16="http://schemas.microsoft.com/office/drawing/2014/main" id="{817B8287-CAAA-41FD-BC86-389AAE0004C9}"/>
               </a:ext>
             </a:extLst>
@@ -42960,7 +43323,7 @@
 </p:sld>
 </file>
 
-<file path=ppt/slides/slide51.xml><?xml version="1.0" encoding="utf-8"?>
+<file path=ppt/slides/slide53.xml><?xml version="1.0" encoding="utf-8"?>
 <p:sld xmlns:a="http://schemas.openxmlformats.org/drawingml/2006/main" xmlns:r="http://schemas.openxmlformats.org/officeDocument/2006/relationships" xmlns:p="http://schemas.openxmlformats.org/presentationml/2006/main">
   <p:cSld>
     <p:spTree>
@@ -44355,7 +44718,7 @@
 </p:sld>
 </file>
 
-<file path=ppt/slides/slide52.xml><?xml version="1.0" encoding="utf-8"?>
+<file path=ppt/slides/slide54.xml><?xml version="1.0" encoding="utf-8"?>
 <p:sld xmlns:a="http://schemas.openxmlformats.org/drawingml/2006/main" xmlns:r="http://schemas.openxmlformats.org/officeDocument/2006/relationships" xmlns:p="http://schemas.openxmlformats.org/presentationml/2006/main">
   <p:cSld>
     <p:spTree>
@@ -44429,690 +44792,6 @@
     <p:extLst>
       <p:ext uri="{BB962C8B-B14F-4D97-AF65-F5344CB8AC3E}">
         <p14:creationId xmlns:p14="http://schemas.microsoft.com/office/powerpoint/2010/main" val="1392930269"/>
-      </p:ext>
-    </p:extLst>
-  </p:cSld>
-  <p:clrMapOvr>
-    <a:masterClrMapping/>
-  </p:clrMapOvr>
-</p:sld>
-</file>
-
-<file path=ppt/slides/slide53.xml><?xml version="1.0" encoding="utf-8"?>
-<p:sld xmlns:a="http://schemas.openxmlformats.org/drawingml/2006/main" xmlns:r="http://schemas.openxmlformats.org/officeDocument/2006/relationships" xmlns:p="http://schemas.openxmlformats.org/presentationml/2006/main">
-  <p:cSld>
-    <p:spTree>
-      <p:nvGrpSpPr>
-        <p:cNvPr id="1" name=""/>
-        <p:cNvGrpSpPr/>
-        <p:nvPr/>
-      </p:nvGrpSpPr>
-      <p:grpSpPr>
-        <a:xfrm>
-          <a:off x="0" y="0"/>
-          <a:ext cx="0" cy="0"/>
-          <a:chOff x="0" y="0"/>
-          <a:chExt cx="0" cy="0"/>
-        </a:xfrm>
-      </p:grpSpPr>
-      <p:sp>
-        <p:nvSpPr>
-          <p:cNvPr id="2" name="Title 1">
-            <a:extLst>
-              <a:ext uri="{FF2B5EF4-FFF2-40B4-BE49-F238E27FC236}">
-                <a16:creationId xmlns:a16="http://schemas.microsoft.com/office/drawing/2014/main" id="{302A2644-B9A3-4910-9CB6-149CE0FD2B78}"/>
-              </a:ext>
-            </a:extLst>
-          </p:cNvPr>
-          <p:cNvSpPr>
-            <a:spLocks noGrp="1"/>
-          </p:cNvSpPr>
-          <p:nvPr>
-            <p:ph type="title"/>
-          </p:nvPr>
-        </p:nvSpPr>
-        <p:spPr/>
-        <p:txBody>
-          <a:bodyPr/>
-          <a:lstStyle/>
-          <a:p>
-            <a:r>
-              <a:rPr lang="de-DE" dirty="0"/>
-              <a:t>Ergänzendes Material</a:t>
-            </a:r>
-          </a:p>
-        </p:txBody>
-      </p:sp>
-      <p:sp>
-        <p:nvSpPr>
-          <p:cNvPr id="3" name="Content Placeholder 2">
-            <a:extLst>
-              <a:ext uri="{FF2B5EF4-FFF2-40B4-BE49-F238E27FC236}">
-                <a16:creationId xmlns:a16="http://schemas.microsoft.com/office/drawing/2014/main" id="{8F14A612-99DF-4097-8036-6E75EACE5BDA}"/>
-              </a:ext>
-            </a:extLst>
-          </p:cNvPr>
-          <p:cNvSpPr>
-            <a:spLocks noGrp="1"/>
-          </p:cNvSpPr>
-          <p:nvPr>
-            <p:ph idx="1"/>
-          </p:nvPr>
-        </p:nvSpPr>
-        <p:spPr/>
-        <p:txBody>
-          <a:bodyPr/>
-          <a:lstStyle/>
-          <a:p>
-            <a:r>
-              <a:rPr lang="de-DE" dirty="0" err="1"/>
-              <a:t>Linter</a:t>
-            </a:r>
-            <a:r>
-              <a:rPr lang="de-DE" dirty="0"/>
-              <a:t> Rules:</a:t>
-            </a:r>
-          </a:p>
-          <a:p>
-            <a:pPr lvl="1"/>
-            <a:r>
-              <a:rPr lang="de-DE" dirty="0">
-                <a:hlinkClick r:id="rId2"/>
-              </a:rPr>
-              <a:t>@typescript-eslint/no-floating-promises</a:t>
-            </a:r>
-            <a:r>
-              <a:rPr lang="de-DE" dirty="0"/>
-              <a:t> </a:t>
-            </a:r>
-            <a:r>
-              <a:rPr lang="de-DE" b="0" i="0" dirty="0">
-                <a:solidFill>
-                  <a:srgbClr val="C8C3BC"/>
-                </a:solidFill>
-                <a:effectLst/>
-                <a:latin typeface="Noto Color Emoji"/>
-              </a:rPr>
-              <a:t>🏅</a:t>
-            </a:r>
-            <a:endParaRPr lang="de-DE" dirty="0"/>
-          </a:p>
-          <a:p>
-            <a:pPr lvl="1"/>
-            <a:r>
-              <a:rPr lang="de-DE" dirty="0">
-                <a:hlinkClick r:id="rId2"/>
-              </a:rPr>
-              <a:t>@typescript-eslint/no-misused-promises</a:t>
-            </a:r>
-            <a:r>
-              <a:rPr lang="de-DE" dirty="0"/>
-              <a:t> </a:t>
-            </a:r>
-            <a:r>
-              <a:rPr lang="de-DE" b="0" i="0" dirty="0">
-                <a:solidFill>
-                  <a:srgbClr val="C8C3BC"/>
-                </a:solidFill>
-                <a:effectLst/>
-                <a:latin typeface="Noto Color Emoji"/>
-              </a:rPr>
-              <a:t>🏅</a:t>
-            </a:r>
-            <a:endParaRPr lang="de-DE" dirty="0"/>
-          </a:p>
-          <a:p>
-            <a:pPr lvl="1"/>
-            <a:r>
-              <a:rPr lang="de-DE" dirty="0" err="1">
-                <a:hlinkClick r:id="rId3"/>
-              </a:rPr>
-              <a:t>no-async-promise-executor</a:t>
-            </a:r>
-            <a:endParaRPr lang="de-DE" dirty="0"/>
-          </a:p>
-          <a:p>
-            <a:pPr lvl="1"/>
-            <a:r>
-              <a:rPr lang="de-DE" dirty="0" err="1">
-                <a:hlinkClick r:id="rId4"/>
-              </a:rPr>
-              <a:t>prefer</a:t>
-            </a:r>
-            <a:r>
-              <a:rPr lang="de-DE" dirty="0">
-                <a:hlinkClick r:id="rId4"/>
-              </a:rPr>
-              <a:t>-</a:t>
-            </a:r>
-            <a:r>
-              <a:rPr lang="de-DE" dirty="0" err="1">
-                <a:hlinkClick r:id="rId4"/>
-              </a:rPr>
-              <a:t>promise</a:t>
-            </a:r>
-            <a:r>
-              <a:rPr lang="de-DE" dirty="0">
-                <a:hlinkClick r:id="rId4"/>
-              </a:rPr>
-              <a:t>-</a:t>
-            </a:r>
-            <a:r>
-              <a:rPr lang="de-DE" dirty="0" err="1">
-                <a:hlinkClick r:id="rId4"/>
-              </a:rPr>
-              <a:t>reject</a:t>
-            </a:r>
-            <a:r>
-              <a:rPr lang="de-DE" dirty="0">
-                <a:hlinkClick r:id="rId4"/>
-              </a:rPr>
-              <a:t>-errors</a:t>
-            </a:r>
-            <a:endParaRPr lang="de-DE" dirty="0"/>
-          </a:p>
-          <a:p>
-            <a:pPr lvl="1"/>
-            <a:r>
-              <a:rPr lang="de-DE" dirty="0" err="1">
-                <a:hlinkClick r:id="rId5"/>
-              </a:rPr>
-              <a:t>eslint</a:t>
-            </a:r>
-            <a:r>
-              <a:rPr lang="de-DE" dirty="0">
-                <a:hlinkClick r:id="rId5"/>
-              </a:rPr>
-              <a:t>-plugin-</a:t>
-            </a:r>
-            <a:r>
-              <a:rPr lang="de-DE" dirty="0" err="1">
-                <a:hlinkClick r:id="rId5"/>
-              </a:rPr>
-              <a:t>promise</a:t>
-            </a:r>
-            <a:endParaRPr lang="de-DE" dirty="0"/>
-          </a:p>
-          <a:p>
-            <a:pPr lvl="1"/>
-            <a:r>
-              <a:rPr lang="de-DE" dirty="0" err="1">
-                <a:hlinkClick r:id="rId6"/>
-              </a:rPr>
-              <a:t>node</a:t>
-            </a:r>
-            <a:r>
-              <a:rPr lang="de-DE" dirty="0">
-                <a:hlinkClick r:id="rId6"/>
-              </a:rPr>
-              <a:t>/handle-</a:t>
-            </a:r>
-            <a:r>
-              <a:rPr lang="de-DE" dirty="0" err="1">
-                <a:hlinkClick r:id="rId6"/>
-              </a:rPr>
-              <a:t>callback</a:t>
-            </a:r>
-            <a:r>
-              <a:rPr lang="de-DE" dirty="0">
-                <a:hlinkClick r:id="rId6"/>
-              </a:rPr>
-              <a:t>-</a:t>
-            </a:r>
-            <a:r>
-              <a:rPr lang="de-DE" dirty="0" err="1">
-                <a:hlinkClick r:id="rId6"/>
-              </a:rPr>
-              <a:t>err</a:t>
-            </a:r>
-            <a:endParaRPr lang="de-DE" dirty="0"/>
-          </a:p>
-          <a:p>
-            <a:pPr lvl="1"/>
-            <a:r>
-              <a:rPr lang="de-DE" dirty="0" err="1">
-                <a:hlinkClick r:id="rId7"/>
-              </a:rPr>
-              <a:t>node</a:t>
-            </a:r>
-            <a:r>
-              <a:rPr lang="de-DE" dirty="0">
-                <a:hlinkClick r:id="rId7"/>
-              </a:rPr>
-              <a:t>/</a:t>
-            </a:r>
-            <a:r>
-              <a:rPr lang="de-DE" dirty="0" err="1">
-                <a:hlinkClick r:id="rId7"/>
-              </a:rPr>
-              <a:t>no</a:t>
-            </a:r>
-            <a:r>
-              <a:rPr lang="de-DE" dirty="0">
-                <a:hlinkClick r:id="rId7"/>
-              </a:rPr>
-              <a:t>-</a:t>
-            </a:r>
-            <a:r>
-              <a:rPr lang="de-DE" dirty="0" err="1">
-                <a:hlinkClick r:id="rId7"/>
-              </a:rPr>
-              <a:t>callback</a:t>
-            </a:r>
-            <a:r>
-              <a:rPr lang="de-DE" dirty="0">
-                <a:hlinkClick r:id="rId7"/>
-              </a:rPr>
-              <a:t>-literal</a:t>
-            </a:r>
-            <a:endParaRPr lang="de-DE" dirty="0"/>
-          </a:p>
-          <a:p>
-            <a:pPr lvl="1"/>
-            <a:r>
-              <a:rPr lang="de-DE" dirty="0" err="1">
-                <a:hlinkClick r:id="rId8"/>
-              </a:rPr>
-              <a:t>node</a:t>
-            </a:r>
-            <a:r>
-              <a:rPr lang="de-DE" dirty="0">
-                <a:hlinkClick r:id="rId8"/>
-              </a:rPr>
-              <a:t>/</a:t>
-            </a:r>
-            <a:r>
-              <a:rPr lang="de-DE" dirty="0" err="1">
-                <a:hlinkClick r:id="rId8"/>
-              </a:rPr>
-              <a:t>callback</a:t>
-            </a:r>
-            <a:r>
-              <a:rPr lang="de-DE" dirty="0">
-                <a:hlinkClick r:id="rId8"/>
-              </a:rPr>
-              <a:t>-return</a:t>
-            </a:r>
-            <a:endParaRPr lang="de-DE" dirty="0"/>
-          </a:p>
-        </p:txBody>
-      </p:sp>
-      <p:sp>
-        <p:nvSpPr>
-          <p:cNvPr id="5" name="TextBox 4">
-            <a:extLst>
-              <a:ext uri="{FF2B5EF4-FFF2-40B4-BE49-F238E27FC236}">
-                <a16:creationId xmlns:a16="http://schemas.microsoft.com/office/drawing/2014/main" id="{52CD3F4F-7E7F-46CB-9C1A-8C7207511D7E}"/>
-              </a:ext>
-            </a:extLst>
-          </p:cNvPr>
-          <p:cNvSpPr txBox="1"/>
-          <p:nvPr/>
-        </p:nvSpPr>
-        <p:spPr>
-          <a:xfrm>
-            <a:off x="152400" y="6311900"/>
-            <a:ext cx="6096000" cy="369332"/>
-          </a:xfrm>
-          <a:prstGeom prst="rect">
-            <a:avLst/>
-          </a:prstGeom>
-          <a:noFill/>
-        </p:spPr>
-        <p:txBody>
-          <a:bodyPr wrap="square">
-            <a:spAutoFit/>
-          </a:bodyPr>
-          <a:lstStyle/>
-          <a:p>
-            <a:r>
-              <a:rPr lang="de-DE" b="0" i="0" dirty="0">
-                <a:solidFill>
-                  <a:srgbClr val="C8C3BC"/>
-                </a:solidFill>
-                <a:effectLst/>
-                <a:latin typeface="Noto Color Emoji"/>
-              </a:rPr>
-              <a:t>🏅Empfehlung</a:t>
-            </a:r>
-            <a:endParaRPr lang="de-DE" dirty="0"/>
-          </a:p>
-        </p:txBody>
-      </p:sp>
-    </p:spTree>
-    <p:extLst>
-      <p:ext uri="{BB962C8B-B14F-4D97-AF65-F5344CB8AC3E}">
-        <p14:creationId xmlns:p14="http://schemas.microsoft.com/office/powerpoint/2010/main" val="943631118"/>
-      </p:ext>
-    </p:extLst>
-  </p:cSld>
-  <p:clrMapOvr>
-    <a:masterClrMapping/>
-  </p:clrMapOvr>
-</p:sld>
-</file>
-
-<file path=ppt/slides/slide54.xml><?xml version="1.0" encoding="utf-8"?>
-<p:sld xmlns:a="http://schemas.openxmlformats.org/drawingml/2006/main" xmlns:r="http://schemas.openxmlformats.org/officeDocument/2006/relationships" xmlns:p="http://schemas.openxmlformats.org/presentationml/2006/main">
-  <p:cSld>
-    <p:spTree>
-      <p:nvGrpSpPr>
-        <p:cNvPr id="1" name=""/>
-        <p:cNvGrpSpPr/>
-        <p:nvPr/>
-      </p:nvGrpSpPr>
-      <p:grpSpPr>
-        <a:xfrm>
-          <a:off x="0" y="0"/>
-          <a:ext cx="0" cy="0"/>
-          <a:chOff x="0" y="0"/>
-          <a:chExt cx="0" cy="0"/>
-        </a:xfrm>
-      </p:grpSpPr>
-      <p:sp>
-        <p:nvSpPr>
-          <p:cNvPr id="2" name="Title 1">
-            <a:extLst>
-              <a:ext uri="{FF2B5EF4-FFF2-40B4-BE49-F238E27FC236}">
-                <a16:creationId xmlns:a16="http://schemas.microsoft.com/office/drawing/2014/main" id="{302A2644-B9A3-4910-9CB6-149CE0FD2B78}"/>
-              </a:ext>
-            </a:extLst>
-          </p:cNvPr>
-          <p:cNvSpPr>
-            <a:spLocks noGrp="1"/>
-          </p:cNvSpPr>
-          <p:nvPr>
-            <p:ph type="title"/>
-          </p:nvPr>
-        </p:nvSpPr>
-        <p:spPr/>
-        <p:txBody>
-          <a:bodyPr/>
-          <a:lstStyle/>
-          <a:p>
-            <a:r>
-              <a:rPr lang="de-DE" dirty="0"/>
-              <a:t>Ergänzendes Material</a:t>
-            </a:r>
-          </a:p>
-        </p:txBody>
-      </p:sp>
-      <p:sp>
-        <p:nvSpPr>
-          <p:cNvPr id="3" name="Content Placeholder 2">
-            <a:extLst>
-              <a:ext uri="{FF2B5EF4-FFF2-40B4-BE49-F238E27FC236}">
-                <a16:creationId xmlns:a16="http://schemas.microsoft.com/office/drawing/2014/main" id="{8F14A612-99DF-4097-8036-6E75EACE5BDA}"/>
-              </a:ext>
-            </a:extLst>
-          </p:cNvPr>
-          <p:cNvSpPr>
-            <a:spLocks noGrp="1"/>
-          </p:cNvSpPr>
-          <p:nvPr>
-            <p:ph idx="1"/>
-          </p:nvPr>
-        </p:nvSpPr>
-        <p:spPr/>
-        <p:txBody>
-          <a:bodyPr/>
-          <a:lstStyle/>
-          <a:p>
-            <a:r>
-              <a:rPr lang="de-DE" dirty="0"/>
-              <a:t>Talks</a:t>
-            </a:r>
-          </a:p>
-          <a:p>
-            <a:pPr lvl="1"/>
-            <a:r>
-              <a:rPr lang="en-US" dirty="0">
-                <a:hlinkClick r:id="rId2"/>
-              </a:rPr>
-              <a:t>What the heck is the event loop anyway? | Philip Roberts | </a:t>
-            </a:r>
-            <a:r>
-              <a:rPr lang="en-US" dirty="0" err="1">
-                <a:hlinkClick r:id="rId2"/>
-              </a:rPr>
-              <a:t>JSConf</a:t>
-            </a:r>
-            <a:r>
-              <a:rPr lang="en-US" dirty="0">
-                <a:hlinkClick r:id="rId2"/>
-              </a:rPr>
-              <a:t> EU – YouTube</a:t>
-            </a:r>
-            <a:r>
-              <a:rPr lang="en-US" dirty="0"/>
-              <a:t> </a:t>
-            </a:r>
-            <a:r>
-              <a:rPr lang="de-DE" b="0" i="0" dirty="0">
-                <a:solidFill>
-                  <a:srgbClr val="C8C3BC"/>
-                </a:solidFill>
-                <a:effectLst/>
-                <a:latin typeface="Noto Color Emoji"/>
-              </a:rPr>
-              <a:t>🏅</a:t>
-            </a:r>
-            <a:endParaRPr lang="en-US" dirty="0"/>
-          </a:p>
-          <a:p>
-            <a:pPr lvl="1"/>
-            <a:r>
-              <a:rPr lang="en-US" dirty="0">
-                <a:hlinkClick r:id="rId3"/>
-              </a:rPr>
-              <a:t>Jake Archibald: In The Loop - </a:t>
-            </a:r>
-            <a:r>
-              <a:rPr lang="en-US" dirty="0" err="1">
-                <a:hlinkClick r:id="rId3"/>
-              </a:rPr>
-              <a:t>JSConf.Asia</a:t>
-            </a:r>
-            <a:r>
-              <a:rPr lang="en-US" dirty="0">
-                <a:hlinkClick r:id="rId3"/>
-              </a:rPr>
-              <a:t> – YouTube</a:t>
-            </a:r>
-            <a:endParaRPr lang="en-US" dirty="0"/>
-          </a:p>
-          <a:p>
-            <a:pPr lvl="1"/>
-            <a:r>
-              <a:rPr lang="de-DE" dirty="0" err="1">
-                <a:hlinkClick r:id="rId4"/>
-              </a:rPr>
-              <a:t>Asynchrony</a:t>
-            </a:r>
-            <a:r>
-              <a:rPr lang="de-DE" dirty="0">
-                <a:hlinkClick r:id="rId4"/>
-              </a:rPr>
-              <a:t>: </a:t>
-            </a:r>
-            <a:r>
-              <a:rPr lang="de-DE" dirty="0" err="1">
-                <a:hlinkClick r:id="rId4"/>
-              </a:rPr>
-              <a:t>Under</a:t>
-            </a:r>
-            <a:r>
-              <a:rPr lang="de-DE" dirty="0">
-                <a:hlinkClick r:id="rId4"/>
-              </a:rPr>
-              <a:t> </a:t>
-            </a:r>
-            <a:r>
-              <a:rPr lang="de-DE" dirty="0" err="1">
-                <a:hlinkClick r:id="rId4"/>
-              </a:rPr>
-              <a:t>the</a:t>
-            </a:r>
-            <a:r>
-              <a:rPr lang="de-DE" dirty="0">
-                <a:hlinkClick r:id="rId4"/>
-              </a:rPr>
-              <a:t> Hood - Shelley </a:t>
-            </a:r>
-            <a:r>
-              <a:rPr lang="de-DE" dirty="0" err="1">
-                <a:hlinkClick r:id="rId4"/>
-              </a:rPr>
-              <a:t>Vohr</a:t>
-            </a:r>
-            <a:r>
-              <a:rPr lang="de-DE" dirty="0">
-                <a:hlinkClick r:id="rId4"/>
-              </a:rPr>
-              <a:t> - </a:t>
-            </a:r>
-            <a:r>
-              <a:rPr lang="de-DE" dirty="0" err="1">
-                <a:hlinkClick r:id="rId4"/>
-              </a:rPr>
-              <a:t>JSConf</a:t>
-            </a:r>
-            <a:r>
-              <a:rPr lang="de-DE" dirty="0">
-                <a:hlinkClick r:id="rId4"/>
-              </a:rPr>
-              <a:t> EU - YouTube</a:t>
-            </a:r>
-            <a:endParaRPr lang="en-US" dirty="0"/>
-          </a:p>
-          <a:p>
-            <a:r>
-              <a:rPr lang="en-US" dirty="0" err="1"/>
-              <a:t>Sonstiges</a:t>
-            </a:r>
-            <a:endParaRPr lang="en-US" dirty="0"/>
-          </a:p>
-          <a:p>
-            <a:pPr lvl="1"/>
-            <a:r>
-              <a:rPr lang="en-US" dirty="0" err="1"/>
-              <a:t>Visualisierungstools</a:t>
-            </a:r>
-            <a:r>
-              <a:rPr lang="en-US" dirty="0"/>
-              <a:t> für Task Queue, Microtask Queue, </a:t>
-            </a:r>
-            <a:r>
-              <a:rPr lang="en-US" dirty="0" err="1"/>
-              <a:t>Callstack</a:t>
-            </a:r>
-            <a:r>
-              <a:rPr lang="en-US" dirty="0"/>
-              <a:t> und Event Loop</a:t>
-            </a:r>
-          </a:p>
-          <a:p>
-            <a:pPr lvl="2"/>
-            <a:r>
-              <a:rPr lang="de-DE" dirty="0" err="1">
-                <a:hlinkClick r:id="rId5"/>
-              </a:rPr>
-              <a:t>Loupe</a:t>
-            </a:r>
-            <a:endParaRPr lang="de-DE" dirty="0"/>
-          </a:p>
-          <a:p>
-            <a:pPr lvl="2"/>
-            <a:r>
-              <a:rPr lang="de-DE" dirty="0">
-                <a:hlinkClick r:id="rId6"/>
-              </a:rPr>
-              <a:t>JavaScript Visualizer 9000</a:t>
-            </a:r>
-            <a:r>
-              <a:rPr lang="de-DE" dirty="0"/>
-              <a:t> </a:t>
-            </a:r>
-            <a:r>
-              <a:rPr lang="de-DE" b="0" i="0" dirty="0">
-                <a:solidFill>
-                  <a:srgbClr val="C8C3BC"/>
-                </a:solidFill>
-                <a:effectLst/>
-                <a:latin typeface="Noto Color Emoji"/>
-              </a:rPr>
-              <a:t>🏅</a:t>
-            </a:r>
-            <a:endParaRPr lang="de-DE" dirty="0"/>
-          </a:p>
-          <a:p>
-            <a:pPr lvl="2"/>
-            <a:r>
-              <a:rPr lang="de-DE" dirty="0" err="1">
-                <a:hlinkClick r:id="rId7"/>
-              </a:rPr>
-              <a:t>JELoop</a:t>
-            </a:r>
-            <a:r>
-              <a:rPr lang="de-DE" dirty="0">
-                <a:hlinkClick r:id="rId7"/>
-              </a:rPr>
-              <a:t> Visualizer</a:t>
-            </a:r>
-            <a:endParaRPr lang="de-DE" dirty="0"/>
-          </a:p>
-          <a:p>
-            <a:pPr lvl="1"/>
-            <a:endParaRPr lang="de-DE" dirty="0"/>
-          </a:p>
-        </p:txBody>
-      </p:sp>
-      <p:sp>
-        <p:nvSpPr>
-          <p:cNvPr id="4" name="TextBox 3">
-            <a:extLst>
-              <a:ext uri="{FF2B5EF4-FFF2-40B4-BE49-F238E27FC236}">
-                <a16:creationId xmlns:a16="http://schemas.microsoft.com/office/drawing/2014/main" id="{8FBD99FA-BF3C-49BB-8726-537DDF557701}"/>
-              </a:ext>
-            </a:extLst>
-          </p:cNvPr>
-          <p:cNvSpPr txBox="1"/>
-          <p:nvPr/>
-        </p:nvSpPr>
-        <p:spPr>
-          <a:xfrm>
-            <a:off x="152400" y="6311900"/>
-            <a:ext cx="6096000" cy="369332"/>
-          </a:xfrm>
-          <a:prstGeom prst="rect">
-            <a:avLst/>
-          </a:prstGeom>
-          <a:noFill/>
-        </p:spPr>
-        <p:txBody>
-          <a:bodyPr wrap="square">
-            <a:spAutoFit/>
-          </a:bodyPr>
-          <a:lstStyle/>
-          <a:p>
-            <a:r>
-              <a:rPr lang="de-DE" b="0" i="0" dirty="0">
-                <a:solidFill>
-                  <a:srgbClr val="C8C3BC"/>
-                </a:solidFill>
-                <a:effectLst/>
-                <a:latin typeface="Noto Color Emoji"/>
-              </a:rPr>
-              <a:t>🏅Empfehlung</a:t>
-            </a:r>
-            <a:endParaRPr lang="de-DE" dirty="0"/>
-          </a:p>
-        </p:txBody>
-      </p:sp>
-    </p:spTree>
-    <p:extLst>
-      <p:ext uri="{BB962C8B-B14F-4D97-AF65-F5344CB8AC3E}">
-        <p14:creationId xmlns:p14="http://schemas.microsoft.com/office/powerpoint/2010/main" val="2965522600"/>
       </p:ext>
     </p:extLst>
   </p:cSld>
@@ -45189,10 +44868,13 @@
           <a:lstStyle/>
           <a:p>
             <a:r>
-              <a:rPr lang="en-US" dirty="0" err="1"/>
-              <a:t>Literatur</a:t>
-            </a:r>
-            <a:endParaRPr lang="en-US" dirty="0"/>
+              <a:rPr lang="de-DE" dirty="0" err="1"/>
+              <a:t>Linter</a:t>
+            </a:r>
+            <a:r>
+              <a:rPr lang="de-DE" dirty="0"/>
+              <a:t> Rules:</a:t>
+            </a:r>
           </a:p>
           <a:p>
             <a:pPr lvl="1"/>
@@ -45200,25 +44882,12 @@
               <a:rPr lang="de-DE" dirty="0">
                 <a:hlinkClick r:id="rId2"/>
               </a:rPr>
-              <a:t>JavaScript for impatient programmers (ES2022 edition) (exploringjs.com)</a:t>
+              <a:t>@typescript-eslint/no-floating-promises</a:t>
             </a:r>
             <a:r>
               <a:rPr lang="de-DE" dirty="0"/>
               <a:t> </a:t>
             </a:r>
-            <a:r>
-              <a:rPr lang="de-DE" b="0" i="0" dirty="0">
-                <a:solidFill>
-                  <a:srgbClr val="C8C3BC"/>
-                </a:solidFill>
-                <a:effectLst/>
-                <a:latin typeface="Noto Color Emoji"/>
-              </a:rPr>
-              <a:t>🏅</a:t>
-            </a:r>
-            <a:endParaRPr lang="de-DE" dirty="0">
-              <a:hlinkClick r:id="rId3"/>
-            </a:endParaRPr>
           </a:p>
           <a:p>
             <a:pPr lvl="1"/>
@@ -45226,77 +44895,516 @@
               <a:rPr lang="de-DE" dirty="0">
                 <a:hlinkClick r:id="rId3"/>
               </a:rPr>
-              <a:t>Asynchronous Programming :: Eloquent JavaScript</a:t>
+              <a:t>@typescript-eslint/no-misused-promises</a:t>
+            </a:r>
+            <a:r>
+              <a:rPr lang="de-DE" dirty="0"/>
+              <a:t> </a:t>
+            </a:r>
+          </a:p>
+          <a:p>
+            <a:pPr lvl="1"/>
+            <a:r>
+              <a:rPr lang="de-DE" dirty="0" err="1">
+                <a:hlinkClick r:id="rId4"/>
+              </a:rPr>
+              <a:t>no-async-promise-executor</a:t>
             </a:r>
             <a:endParaRPr lang="de-DE" dirty="0"/>
           </a:p>
           <a:p>
             <a:pPr lvl="1"/>
             <a:r>
-              <a:rPr lang="en-US" dirty="0">
-                <a:hlinkClick r:id="rId4"/>
-              </a:rPr>
-              <a:t>Debugging Asynchronous JavaScript with Chrome </a:t>
-            </a:r>
-            <a:r>
-              <a:rPr lang="en-US" dirty="0" err="1">
-                <a:hlinkClick r:id="rId4"/>
-              </a:rPr>
-              <a:t>DevTools</a:t>
-            </a:r>
-            <a:r>
-              <a:rPr lang="en-US" dirty="0">
-                <a:hlinkClick r:id="rId4"/>
-              </a:rPr>
-              <a:t> - HTML5 Rocks</a:t>
-            </a:r>
-            <a:endParaRPr lang="en-US" dirty="0"/>
+              <a:rPr lang="de-DE" dirty="0" err="1">
+                <a:hlinkClick r:id="rId5"/>
+              </a:rPr>
+              <a:t>prefer</a:t>
+            </a:r>
+            <a:r>
+              <a:rPr lang="de-DE" dirty="0">
+                <a:hlinkClick r:id="rId5"/>
+              </a:rPr>
+              <a:t>-</a:t>
+            </a:r>
+            <a:r>
+              <a:rPr lang="de-DE" dirty="0" err="1">
+                <a:hlinkClick r:id="rId5"/>
+              </a:rPr>
+              <a:t>promise</a:t>
+            </a:r>
+            <a:r>
+              <a:rPr lang="de-DE" dirty="0">
+                <a:hlinkClick r:id="rId5"/>
+              </a:rPr>
+              <a:t>-</a:t>
+            </a:r>
+            <a:r>
+              <a:rPr lang="de-DE" dirty="0" err="1">
+                <a:hlinkClick r:id="rId5"/>
+              </a:rPr>
+              <a:t>reject</a:t>
+            </a:r>
+            <a:r>
+              <a:rPr lang="de-DE" dirty="0">
+                <a:hlinkClick r:id="rId5"/>
+              </a:rPr>
+              <a:t>-errors</a:t>
+            </a:r>
+            <a:endParaRPr lang="de-DE" dirty="0"/>
           </a:p>
           <a:p>
             <a:pPr lvl="1"/>
             <a:r>
-              <a:rPr lang="en-US" dirty="0">
-                <a:hlinkClick r:id="rId5"/>
-              </a:rPr>
-              <a:t>JavaScript Callbacks are Pretty Okay - Andrew Kelley</a:t>
-            </a:r>
-            <a:endParaRPr lang="en-US" dirty="0"/>
+              <a:rPr lang="de-DE" dirty="0" err="1">
+                <a:hlinkClick r:id="rId6"/>
+              </a:rPr>
+              <a:t>eslint</a:t>
+            </a:r>
+            <a:r>
+              <a:rPr lang="de-DE" dirty="0">
+                <a:hlinkClick r:id="rId6"/>
+              </a:rPr>
+              <a:t>-plugin-</a:t>
+            </a:r>
+            <a:r>
+              <a:rPr lang="de-DE" dirty="0" err="1">
+                <a:hlinkClick r:id="rId6"/>
+              </a:rPr>
+              <a:t>promise</a:t>
+            </a:r>
+            <a:endParaRPr lang="de-DE" dirty="0"/>
           </a:p>
           <a:p>
             <a:pPr lvl="1"/>
             <a:r>
-              <a:rPr lang="en-US" dirty="0">
-                <a:hlinkClick r:id="rId6"/>
-              </a:rPr>
-              <a:t>Callbacks are imperative, promises are functional: Node's biggest missed opportunity – The If Works (jcoglan.com)</a:t>
-            </a:r>
-            <a:endParaRPr lang="en-US" dirty="0"/>
-          </a:p>
-          <a:p>
-            <a:r>
-              <a:rPr lang="en-US" dirty="0"/>
-              <a:t>Standards</a:t>
-            </a:r>
-          </a:p>
-          <a:p>
-            <a:pPr lvl="1"/>
+              <a:rPr lang="de-DE" dirty="0" err="1">
+                <a:hlinkClick r:id="rId7"/>
+              </a:rPr>
+              <a:t>node</a:t>
+            </a:r>
             <a:r>
               <a:rPr lang="de-DE" dirty="0">
                 <a:hlinkClick r:id="rId7"/>
               </a:rPr>
-              <a:t>HTML Standard (whatwg.org)</a:t>
-            </a:r>
-            <a:endParaRPr lang="en-US" dirty="0"/>
+              <a:t>/handle-</a:t>
+            </a:r>
+            <a:r>
+              <a:rPr lang="de-DE" dirty="0" err="1">
+                <a:hlinkClick r:id="rId7"/>
+              </a:rPr>
+              <a:t>callback</a:t>
+            </a:r>
+            <a:r>
+              <a:rPr lang="de-DE" dirty="0">
+                <a:hlinkClick r:id="rId7"/>
+              </a:rPr>
+              <a:t>-</a:t>
+            </a:r>
+            <a:r>
+              <a:rPr lang="de-DE" dirty="0" err="1">
+                <a:hlinkClick r:id="rId7"/>
+              </a:rPr>
+              <a:t>err</a:t>
+            </a:r>
+            <a:endParaRPr lang="de-DE" dirty="0"/>
           </a:p>
           <a:p>
             <a:pPr lvl="1"/>
+            <a:r>
+              <a:rPr lang="de-DE" dirty="0" err="1">
+                <a:hlinkClick r:id="rId8"/>
+              </a:rPr>
+              <a:t>node</a:t>
+            </a:r>
             <a:r>
               <a:rPr lang="de-DE" dirty="0">
                 <a:hlinkClick r:id="rId8"/>
               </a:rPr>
-              <a:t>ECMA-262 - Ecma International (ecma-international.org)</a:t>
+              <a:t>/</a:t>
+            </a:r>
+            <a:r>
+              <a:rPr lang="de-DE" dirty="0" err="1">
+                <a:hlinkClick r:id="rId8"/>
+              </a:rPr>
+              <a:t>no</a:t>
+            </a:r>
+            <a:r>
+              <a:rPr lang="de-DE" dirty="0">
+                <a:hlinkClick r:id="rId8"/>
+              </a:rPr>
+              <a:t>-</a:t>
+            </a:r>
+            <a:r>
+              <a:rPr lang="de-DE" dirty="0" err="1">
+                <a:hlinkClick r:id="rId8"/>
+              </a:rPr>
+              <a:t>callback</a:t>
+            </a:r>
+            <a:r>
+              <a:rPr lang="de-DE" dirty="0">
+                <a:hlinkClick r:id="rId8"/>
+              </a:rPr>
+              <a:t>-literal</a:t>
+            </a:r>
+            <a:endParaRPr lang="de-DE" dirty="0"/>
+          </a:p>
+          <a:p>
+            <a:pPr lvl="1"/>
+            <a:r>
+              <a:rPr lang="de-DE" dirty="0" err="1">
+                <a:hlinkClick r:id="rId9"/>
+              </a:rPr>
+              <a:t>node</a:t>
+            </a:r>
+            <a:r>
+              <a:rPr lang="de-DE" dirty="0">
+                <a:hlinkClick r:id="rId9"/>
+              </a:rPr>
+              <a:t>/</a:t>
+            </a:r>
+            <a:r>
+              <a:rPr lang="de-DE" dirty="0" err="1">
+                <a:hlinkClick r:id="rId9"/>
+              </a:rPr>
+              <a:t>callback</a:t>
+            </a:r>
+            <a:r>
+              <a:rPr lang="de-DE" dirty="0">
+                <a:hlinkClick r:id="rId9"/>
+              </a:rPr>
+              <a:t>-return</a:t>
+            </a:r>
+            <a:endParaRPr lang="de-DE" dirty="0"/>
+          </a:p>
+        </p:txBody>
+      </p:sp>
+      <p:sp>
+        <p:nvSpPr>
+          <p:cNvPr id="5" name="TextBox 4">
+            <a:extLst>
+              <a:ext uri="{FF2B5EF4-FFF2-40B4-BE49-F238E27FC236}">
+                <a16:creationId xmlns:a16="http://schemas.microsoft.com/office/drawing/2014/main" id="{52CD3F4F-7E7F-46CB-9C1A-8C7207511D7E}"/>
+              </a:ext>
+            </a:extLst>
+          </p:cNvPr>
+          <p:cNvSpPr txBox="1"/>
+          <p:nvPr/>
+        </p:nvSpPr>
+        <p:spPr>
+          <a:xfrm>
+            <a:off x="152400" y="6311900"/>
+            <a:ext cx="6096000" cy="369332"/>
+          </a:xfrm>
+          <a:prstGeom prst="rect">
+            <a:avLst/>
+          </a:prstGeom>
+          <a:noFill/>
+        </p:spPr>
+        <p:txBody>
+          <a:bodyPr wrap="square">
+            <a:spAutoFit/>
+          </a:bodyPr>
+          <a:lstStyle/>
+          <a:p>
+            <a:r>
+              <a:rPr lang="de-DE" b="0" i="0" dirty="0">
+                <a:solidFill>
+                  <a:srgbClr val="C8C3BC"/>
+                </a:solidFill>
+                <a:effectLst/>
+                <a:latin typeface="Noto Color Emoji"/>
+              </a:rPr>
+              <a:t>🏅Empfehlung</a:t>
+            </a:r>
+            <a:endParaRPr lang="de-DE" dirty="0"/>
+          </a:p>
+        </p:txBody>
+      </p:sp>
+    </p:spTree>
+    <p:extLst>
+      <p:ext uri="{BB962C8B-B14F-4D97-AF65-F5344CB8AC3E}">
+        <p14:creationId xmlns:p14="http://schemas.microsoft.com/office/powerpoint/2010/main" val="943631118"/>
+      </p:ext>
+    </p:extLst>
+  </p:cSld>
+  <p:clrMapOvr>
+    <a:masterClrMapping/>
+  </p:clrMapOvr>
+</p:sld>
+</file>
+
+<file path=ppt/slides/slide56.xml><?xml version="1.0" encoding="utf-8"?>
+<p:sld xmlns:a="http://schemas.openxmlformats.org/drawingml/2006/main" xmlns:r="http://schemas.openxmlformats.org/officeDocument/2006/relationships" xmlns:p="http://schemas.openxmlformats.org/presentationml/2006/main">
+  <p:cSld>
+    <p:spTree>
+      <p:nvGrpSpPr>
+        <p:cNvPr id="1" name=""/>
+        <p:cNvGrpSpPr/>
+        <p:nvPr/>
+      </p:nvGrpSpPr>
+      <p:grpSpPr>
+        <a:xfrm>
+          <a:off x="0" y="0"/>
+          <a:ext cx="0" cy="0"/>
+          <a:chOff x="0" y="0"/>
+          <a:chExt cx="0" cy="0"/>
+        </a:xfrm>
+      </p:grpSpPr>
+      <p:sp>
+        <p:nvSpPr>
+          <p:cNvPr id="2" name="Title 1">
+            <a:extLst>
+              <a:ext uri="{FF2B5EF4-FFF2-40B4-BE49-F238E27FC236}">
+                <a16:creationId xmlns:a16="http://schemas.microsoft.com/office/drawing/2014/main" id="{302A2644-B9A3-4910-9CB6-149CE0FD2B78}"/>
+              </a:ext>
+            </a:extLst>
+          </p:cNvPr>
+          <p:cNvSpPr>
+            <a:spLocks noGrp="1"/>
+          </p:cNvSpPr>
+          <p:nvPr>
+            <p:ph type="title"/>
+          </p:nvPr>
+        </p:nvSpPr>
+        <p:spPr/>
+        <p:txBody>
+          <a:bodyPr/>
+          <a:lstStyle/>
+          <a:p>
+            <a:r>
+              <a:rPr lang="de-DE" dirty="0"/>
+              <a:t>Ergänzendes Material</a:t>
+            </a:r>
+          </a:p>
+        </p:txBody>
+      </p:sp>
+      <p:sp>
+        <p:nvSpPr>
+          <p:cNvPr id="3" name="Content Placeholder 2">
+            <a:extLst>
+              <a:ext uri="{FF2B5EF4-FFF2-40B4-BE49-F238E27FC236}">
+                <a16:creationId xmlns:a16="http://schemas.microsoft.com/office/drawing/2014/main" id="{8F14A612-99DF-4097-8036-6E75EACE5BDA}"/>
+              </a:ext>
+            </a:extLst>
+          </p:cNvPr>
+          <p:cNvSpPr>
+            <a:spLocks noGrp="1"/>
+          </p:cNvSpPr>
+          <p:nvPr>
+            <p:ph idx="1"/>
+          </p:nvPr>
+        </p:nvSpPr>
+        <p:spPr/>
+        <p:txBody>
+          <a:bodyPr/>
+          <a:lstStyle/>
+          <a:p>
+            <a:r>
+              <a:rPr lang="de-DE" dirty="0"/>
+              <a:t>Talks</a:t>
+            </a:r>
+          </a:p>
+          <a:p>
+            <a:pPr lvl="1"/>
+            <a:r>
+              <a:rPr lang="en-US" dirty="0">
+                <a:hlinkClick r:id="rId2"/>
+              </a:rPr>
+              <a:t>What the heck is the event loop anyway? | Philip Roberts | </a:t>
+            </a:r>
+            <a:r>
+              <a:rPr lang="en-US" dirty="0" err="1">
+                <a:hlinkClick r:id="rId2"/>
+              </a:rPr>
+              <a:t>JSConf</a:t>
+            </a:r>
+            <a:r>
+              <a:rPr lang="en-US" dirty="0">
+                <a:hlinkClick r:id="rId2"/>
+              </a:rPr>
+              <a:t> EU – YouTube</a:t>
+            </a:r>
+            <a:r>
+              <a:rPr lang="en-US" dirty="0"/>
+              <a:t> </a:t>
+            </a:r>
+            <a:r>
+              <a:rPr lang="de-DE" b="0" i="0" dirty="0">
+                <a:solidFill>
+                  <a:srgbClr val="C8C3BC"/>
+                </a:solidFill>
+                <a:effectLst/>
+                <a:latin typeface="Noto Color Emoji"/>
+              </a:rPr>
+              <a:t>🏅</a:t>
             </a:r>
             <a:endParaRPr lang="en-US" dirty="0"/>
+          </a:p>
+          <a:p>
+            <a:pPr lvl="1"/>
+            <a:r>
+              <a:rPr lang="en-US" dirty="0">
+                <a:hlinkClick r:id="rId3"/>
+              </a:rPr>
+              <a:t>Jake Archibald: In The Loop - </a:t>
+            </a:r>
+            <a:r>
+              <a:rPr lang="en-US" dirty="0" err="1">
+                <a:hlinkClick r:id="rId3"/>
+              </a:rPr>
+              <a:t>JSConf.Asia</a:t>
+            </a:r>
+            <a:r>
+              <a:rPr lang="en-US" dirty="0">
+                <a:hlinkClick r:id="rId3"/>
+              </a:rPr>
+              <a:t> – YouTube</a:t>
+            </a:r>
+            <a:endParaRPr lang="en-US" dirty="0"/>
+          </a:p>
+          <a:p>
+            <a:pPr lvl="1"/>
+            <a:r>
+              <a:rPr lang="de-DE" dirty="0" err="1">
+                <a:hlinkClick r:id="rId4"/>
+              </a:rPr>
+              <a:t>Asynchrony</a:t>
+            </a:r>
+            <a:r>
+              <a:rPr lang="de-DE" dirty="0">
+                <a:hlinkClick r:id="rId4"/>
+              </a:rPr>
+              <a:t>: </a:t>
+            </a:r>
+            <a:r>
+              <a:rPr lang="de-DE" dirty="0" err="1">
+                <a:hlinkClick r:id="rId4"/>
+              </a:rPr>
+              <a:t>Under</a:t>
+            </a:r>
+            <a:r>
+              <a:rPr lang="de-DE" dirty="0">
+                <a:hlinkClick r:id="rId4"/>
+              </a:rPr>
+              <a:t> </a:t>
+            </a:r>
+            <a:r>
+              <a:rPr lang="de-DE" dirty="0" err="1">
+                <a:hlinkClick r:id="rId4"/>
+              </a:rPr>
+              <a:t>the</a:t>
+            </a:r>
+            <a:r>
+              <a:rPr lang="de-DE" dirty="0">
+                <a:hlinkClick r:id="rId4"/>
+              </a:rPr>
+              <a:t> Hood - Shelley </a:t>
+            </a:r>
+            <a:r>
+              <a:rPr lang="de-DE" dirty="0" err="1">
+                <a:hlinkClick r:id="rId4"/>
+              </a:rPr>
+              <a:t>Vohr</a:t>
+            </a:r>
+            <a:r>
+              <a:rPr lang="de-DE" dirty="0">
+                <a:hlinkClick r:id="rId4"/>
+              </a:rPr>
+              <a:t> - </a:t>
+            </a:r>
+            <a:r>
+              <a:rPr lang="de-DE" dirty="0" err="1">
+                <a:hlinkClick r:id="rId4"/>
+              </a:rPr>
+              <a:t>JSConf</a:t>
+            </a:r>
+            <a:r>
+              <a:rPr lang="de-DE" dirty="0">
+                <a:hlinkClick r:id="rId4"/>
+              </a:rPr>
+              <a:t> EU - YouTube</a:t>
+            </a:r>
+            <a:endParaRPr lang="en-US" dirty="0"/>
+          </a:p>
+          <a:p>
+            <a:r>
+              <a:rPr lang="en-US" dirty="0" err="1"/>
+              <a:t>Sonstiges</a:t>
+            </a:r>
+            <a:endParaRPr lang="en-US" dirty="0"/>
+          </a:p>
+          <a:p>
+            <a:pPr lvl="1"/>
+            <a:r>
+              <a:rPr lang="en-US" dirty="0" err="1"/>
+              <a:t>Visualisierungstools</a:t>
+            </a:r>
+            <a:r>
+              <a:rPr lang="en-US" dirty="0"/>
+              <a:t> für Task Queue, Microtask Queue, </a:t>
+            </a:r>
+            <a:r>
+              <a:rPr lang="en-US" dirty="0" err="1"/>
+              <a:t>Callstack</a:t>
+            </a:r>
+            <a:r>
+              <a:rPr lang="en-US" dirty="0"/>
+              <a:t> und Event Loop</a:t>
+            </a:r>
+          </a:p>
+          <a:p>
+            <a:pPr lvl="2"/>
+            <a:r>
+              <a:rPr lang="de-DE" dirty="0" err="1">
+                <a:hlinkClick r:id="rId5"/>
+              </a:rPr>
+              <a:t>Loupe</a:t>
+            </a:r>
+            <a:endParaRPr lang="de-DE" dirty="0"/>
+          </a:p>
+          <a:p>
+            <a:pPr lvl="2"/>
+            <a:r>
+              <a:rPr lang="de-DE" dirty="0">
+                <a:hlinkClick r:id="rId6"/>
+              </a:rPr>
+              <a:t>JavaScript Visualizer 9000</a:t>
+            </a:r>
+            <a:r>
+              <a:rPr lang="de-DE" dirty="0"/>
+              <a:t> </a:t>
+            </a:r>
+            <a:r>
+              <a:rPr lang="de-DE" b="0" i="0" dirty="0">
+                <a:solidFill>
+                  <a:srgbClr val="C8C3BC"/>
+                </a:solidFill>
+                <a:effectLst/>
+                <a:latin typeface="Noto Color Emoji"/>
+              </a:rPr>
+              <a:t>🏅</a:t>
+            </a:r>
+            <a:endParaRPr lang="de-DE" dirty="0"/>
+          </a:p>
+          <a:p>
+            <a:pPr lvl="2"/>
+            <a:r>
+              <a:rPr lang="de-DE" dirty="0" err="1">
+                <a:hlinkClick r:id="rId7"/>
+              </a:rPr>
+              <a:t>JELoop</a:t>
+            </a:r>
+            <a:r>
+              <a:rPr lang="de-DE" dirty="0">
+                <a:hlinkClick r:id="rId7"/>
+              </a:rPr>
+              <a:t> Visualizer</a:t>
+            </a:r>
+            <a:endParaRPr lang="de-DE" dirty="0"/>
+          </a:p>
+          <a:p>
+            <a:pPr lvl="1"/>
+            <a:endParaRPr lang="de-DE" dirty="0"/>
           </a:p>
         </p:txBody>
       </p:sp>
@@ -45345,6 +45453,239 @@
     </p:spTree>
     <p:extLst>
       <p:ext uri="{BB962C8B-B14F-4D97-AF65-F5344CB8AC3E}">
+        <p14:creationId xmlns:p14="http://schemas.microsoft.com/office/powerpoint/2010/main" val="2965522600"/>
+      </p:ext>
+    </p:extLst>
+  </p:cSld>
+  <p:clrMapOvr>
+    <a:masterClrMapping/>
+  </p:clrMapOvr>
+</p:sld>
+</file>
+
+<file path=ppt/slides/slide57.xml><?xml version="1.0" encoding="utf-8"?>
+<p:sld xmlns:a="http://schemas.openxmlformats.org/drawingml/2006/main" xmlns:r="http://schemas.openxmlformats.org/officeDocument/2006/relationships" xmlns:p="http://schemas.openxmlformats.org/presentationml/2006/main">
+  <p:cSld>
+    <p:spTree>
+      <p:nvGrpSpPr>
+        <p:cNvPr id="1" name=""/>
+        <p:cNvGrpSpPr/>
+        <p:nvPr/>
+      </p:nvGrpSpPr>
+      <p:grpSpPr>
+        <a:xfrm>
+          <a:off x="0" y="0"/>
+          <a:ext cx="0" cy="0"/>
+          <a:chOff x="0" y="0"/>
+          <a:chExt cx="0" cy="0"/>
+        </a:xfrm>
+      </p:grpSpPr>
+      <p:sp>
+        <p:nvSpPr>
+          <p:cNvPr id="2" name="Title 1">
+            <a:extLst>
+              <a:ext uri="{FF2B5EF4-FFF2-40B4-BE49-F238E27FC236}">
+                <a16:creationId xmlns:a16="http://schemas.microsoft.com/office/drawing/2014/main" id="{302A2644-B9A3-4910-9CB6-149CE0FD2B78}"/>
+              </a:ext>
+            </a:extLst>
+          </p:cNvPr>
+          <p:cNvSpPr>
+            <a:spLocks noGrp="1"/>
+          </p:cNvSpPr>
+          <p:nvPr>
+            <p:ph type="title"/>
+          </p:nvPr>
+        </p:nvSpPr>
+        <p:spPr/>
+        <p:txBody>
+          <a:bodyPr/>
+          <a:lstStyle/>
+          <a:p>
+            <a:r>
+              <a:rPr lang="de-DE" dirty="0"/>
+              <a:t>Ergänzendes Material</a:t>
+            </a:r>
+          </a:p>
+        </p:txBody>
+      </p:sp>
+      <p:sp>
+        <p:nvSpPr>
+          <p:cNvPr id="3" name="Content Placeholder 2">
+            <a:extLst>
+              <a:ext uri="{FF2B5EF4-FFF2-40B4-BE49-F238E27FC236}">
+                <a16:creationId xmlns:a16="http://schemas.microsoft.com/office/drawing/2014/main" id="{8F14A612-99DF-4097-8036-6E75EACE5BDA}"/>
+              </a:ext>
+            </a:extLst>
+          </p:cNvPr>
+          <p:cNvSpPr>
+            <a:spLocks noGrp="1"/>
+          </p:cNvSpPr>
+          <p:nvPr>
+            <p:ph idx="1"/>
+          </p:nvPr>
+        </p:nvSpPr>
+        <p:spPr/>
+        <p:txBody>
+          <a:bodyPr/>
+          <a:lstStyle/>
+          <a:p>
+            <a:r>
+              <a:rPr lang="en-US" dirty="0" err="1"/>
+              <a:t>Literatur</a:t>
+            </a:r>
+            <a:endParaRPr lang="en-US" dirty="0"/>
+          </a:p>
+          <a:p>
+            <a:pPr lvl="1"/>
+            <a:r>
+              <a:rPr lang="de-DE" dirty="0">
+                <a:hlinkClick r:id="rId2"/>
+              </a:rPr>
+              <a:t>JavaScript for impatient programmers (ES2022 edition) (exploringjs.com)</a:t>
+            </a:r>
+            <a:r>
+              <a:rPr lang="de-DE" dirty="0"/>
+              <a:t> </a:t>
+            </a:r>
+            <a:r>
+              <a:rPr lang="de-DE" b="0" i="0" dirty="0">
+                <a:solidFill>
+                  <a:srgbClr val="C8C3BC"/>
+                </a:solidFill>
+                <a:effectLst/>
+                <a:latin typeface="Noto Color Emoji"/>
+              </a:rPr>
+              <a:t>🏅</a:t>
+            </a:r>
+            <a:endParaRPr lang="de-DE" dirty="0">
+              <a:hlinkClick r:id="rId3"/>
+            </a:endParaRPr>
+          </a:p>
+          <a:p>
+            <a:pPr lvl="1"/>
+            <a:r>
+              <a:rPr lang="de-DE" dirty="0">
+                <a:hlinkClick r:id="rId3"/>
+              </a:rPr>
+              <a:t>Asynchronous Programming :: Eloquent JavaScript</a:t>
+            </a:r>
+            <a:endParaRPr lang="de-DE" dirty="0"/>
+          </a:p>
+          <a:p>
+            <a:pPr lvl="1"/>
+            <a:r>
+              <a:rPr lang="en-US" dirty="0">
+                <a:hlinkClick r:id="rId4"/>
+              </a:rPr>
+              <a:t>Debugging Asynchronous JavaScript with Chrome </a:t>
+            </a:r>
+            <a:r>
+              <a:rPr lang="en-US" dirty="0" err="1">
+                <a:hlinkClick r:id="rId4"/>
+              </a:rPr>
+              <a:t>DevTools</a:t>
+            </a:r>
+            <a:r>
+              <a:rPr lang="en-US" dirty="0">
+                <a:hlinkClick r:id="rId4"/>
+              </a:rPr>
+              <a:t> - HTML5 Rocks</a:t>
+            </a:r>
+            <a:endParaRPr lang="en-US" dirty="0"/>
+          </a:p>
+          <a:p>
+            <a:pPr lvl="1"/>
+            <a:r>
+              <a:rPr lang="en-US" dirty="0">
+                <a:hlinkClick r:id="rId5"/>
+              </a:rPr>
+              <a:t>JavaScript Callbacks are Pretty Okay - Andrew Kelley</a:t>
+            </a:r>
+            <a:endParaRPr lang="en-US" dirty="0"/>
+          </a:p>
+          <a:p>
+            <a:pPr lvl="1"/>
+            <a:r>
+              <a:rPr lang="en-US" dirty="0">
+                <a:hlinkClick r:id="rId6"/>
+              </a:rPr>
+              <a:t>Callbacks are imperative, promises are functional: Node's biggest missed opportunity – The If Works (jcoglan.com)</a:t>
+            </a:r>
+            <a:endParaRPr lang="en-US" dirty="0"/>
+          </a:p>
+          <a:p>
+            <a:r>
+              <a:rPr lang="en-US" dirty="0"/>
+              <a:t>Standards</a:t>
+            </a:r>
+          </a:p>
+          <a:p>
+            <a:pPr lvl="1"/>
+            <a:r>
+              <a:rPr lang="de-DE" dirty="0">
+                <a:hlinkClick r:id="rId7"/>
+              </a:rPr>
+              <a:t>HTML Standard (whatwg.org)</a:t>
+            </a:r>
+            <a:endParaRPr lang="en-US" dirty="0"/>
+          </a:p>
+          <a:p>
+            <a:pPr lvl="1"/>
+            <a:r>
+              <a:rPr lang="de-DE" dirty="0">
+                <a:hlinkClick r:id="rId8"/>
+              </a:rPr>
+              <a:t>ECMA-262 - Ecma International (ecma-international.org)</a:t>
+            </a:r>
+            <a:endParaRPr lang="en-US" dirty="0"/>
+          </a:p>
+        </p:txBody>
+      </p:sp>
+      <p:sp>
+        <p:nvSpPr>
+          <p:cNvPr id="4" name="TextBox 3">
+            <a:extLst>
+              <a:ext uri="{FF2B5EF4-FFF2-40B4-BE49-F238E27FC236}">
+                <a16:creationId xmlns:a16="http://schemas.microsoft.com/office/drawing/2014/main" id="{8FBD99FA-BF3C-49BB-8726-537DDF557701}"/>
+              </a:ext>
+            </a:extLst>
+          </p:cNvPr>
+          <p:cNvSpPr txBox="1"/>
+          <p:nvPr/>
+        </p:nvSpPr>
+        <p:spPr>
+          <a:xfrm>
+            <a:off x="152400" y="6311900"/>
+            <a:ext cx="6096000" cy="369332"/>
+          </a:xfrm>
+          <a:prstGeom prst="rect">
+            <a:avLst/>
+          </a:prstGeom>
+          <a:noFill/>
+        </p:spPr>
+        <p:txBody>
+          <a:bodyPr wrap="square">
+            <a:spAutoFit/>
+          </a:bodyPr>
+          <a:lstStyle/>
+          <a:p>
+            <a:r>
+              <a:rPr lang="de-DE" b="0" i="0" dirty="0">
+                <a:solidFill>
+                  <a:srgbClr val="C8C3BC"/>
+                </a:solidFill>
+                <a:effectLst/>
+                <a:latin typeface="Noto Color Emoji"/>
+              </a:rPr>
+              <a:t>🏅Empfehlung</a:t>
+            </a:r>
+            <a:endParaRPr lang="de-DE" dirty="0"/>
+          </a:p>
+        </p:txBody>
+      </p:sp>
+    </p:spTree>
+    <p:extLst>
+      <p:ext uri="{BB962C8B-B14F-4D97-AF65-F5344CB8AC3E}">
         <p14:creationId xmlns:p14="http://schemas.microsoft.com/office/powerpoint/2010/main" val="3719768257"/>
       </p:ext>
     </p:extLst>
@@ -45355,7 +45696,7 @@
 </p:sld>
 </file>
 
-<file path=ppt/slides/slide56.xml><?xml version="1.0" encoding="utf-8"?>
+<file path=ppt/slides/slide58.xml><?xml version="1.0" encoding="utf-8"?>
 <p:sld xmlns:a="http://schemas.openxmlformats.org/drawingml/2006/main" xmlns:r="http://schemas.openxmlformats.org/officeDocument/2006/relationships" xmlns:p="http://schemas.openxmlformats.org/presentationml/2006/main">
   <p:cSld>
     <p:spTree>

--- a/slides/Presentation.pptx
+++ b/slides/Presentation.pptx
@@ -5,7 +5,7 @@
     <p:sldMasterId id="2147483780" r:id="rId1"/>
   </p:sldMasterIdLst>
   <p:notesMasterIdLst>
-    <p:notesMasterId r:id="rId60"/>
+    <p:notesMasterId r:id="rId62"/>
   </p:notesMasterIdLst>
   <p:sldIdLst>
     <p:sldId id="259" r:id="rId2"/>
@@ -37,35 +37,37 @@
     <p:sldId id="258" r:id="rId28"/>
     <p:sldId id="310" r:id="rId29"/>
     <p:sldId id="314" r:id="rId30"/>
-    <p:sldId id="309" r:id="rId31"/>
-    <p:sldId id="266" r:id="rId32"/>
-    <p:sldId id="318" r:id="rId33"/>
-    <p:sldId id="267" r:id="rId34"/>
-    <p:sldId id="268" r:id="rId35"/>
-    <p:sldId id="295" r:id="rId36"/>
-    <p:sldId id="269" r:id="rId37"/>
-    <p:sldId id="311" r:id="rId38"/>
-    <p:sldId id="312" r:id="rId39"/>
-    <p:sldId id="313" r:id="rId40"/>
-    <p:sldId id="274" r:id="rId41"/>
-    <p:sldId id="270" r:id="rId42"/>
-    <p:sldId id="271" r:id="rId43"/>
-    <p:sldId id="278" r:id="rId44"/>
-    <p:sldId id="272" r:id="rId45"/>
-    <p:sldId id="273" r:id="rId46"/>
-    <p:sldId id="275" r:id="rId47"/>
-    <p:sldId id="276" r:id="rId48"/>
-    <p:sldId id="277" r:id="rId49"/>
-    <p:sldId id="291" r:id="rId50"/>
-    <p:sldId id="280" r:id="rId51"/>
-    <p:sldId id="282" r:id="rId52"/>
-    <p:sldId id="281" r:id="rId53"/>
-    <p:sldId id="283" r:id="rId54"/>
-    <p:sldId id="292" r:id="rId55"/>
-    <p:sldId id="286" r:id="rId56"/>
-    <p:sldId id="285" r:id="rId57"/>
-    <p:sldId id="315" r:id="rId58"/>
-    <p:sldId id="287" r:id="rId59"/>
+    <p:sldId id="319" r:id="rId31"/>
+    <p:sldId id="320" r:id="rId32"/>
+    <p:sldId id="309" r:id="rId33"/>
+    <p:sldId id="266" r:id="rId34"/>
+    <p:sldId id="318" r:id="rId35"/>
+    <p:sldId id="267" r:id="rId36"/>
+    <p:sldId id="268" r:id="rId37"/>
+    <p:sldId id="295" r:id="rId38"/>
+    <p:sldId id="269" r:id="rId39"/>
+    <p:sldId id="311" r:id="rId40"/>
+    <p:sldId id="312" r:id="rId41"/>
+    <p:sldId id="313" r:id="rId42"/>
+    <p:sldId id="274" r:id="rId43"/>
+    <p:sldId id="270" r:id="rId44"/>
+    <p:sldId id="271" r:id="rId45"/>
+    <p:sldId id="278" r:id="rId46"/>
+    <p:sldId id="272" r:id="rId47"/>
+    <p:sldId id="273" r:id="rId48"/>
+    <p:sldId id="275" r:id="rId49"/>
+    <p:sldId id="276" r:id="rId50"/>
+    <p:sldId id="277" r:id="rId51"/>
+    <p:sldId id="291" r:id="rId52"/>
+    <p:sldId id="280" r:id="rId53"/>
+    <p:sldId id="282" r:id="rId54"/>
+    <p:sldId id="281" r:id="rId55"/>
+    <p:sldId id="283" r:id="rId56"/>
+    <p:sldId id="292" r:id="rId57"/>
+    <p:sldId id="286" r:id="rId58"/>
+    <p:sldId id="285" r:id="rId59"/>
+    <p:sldId id="315" r:id="rId60"/>
+    <p:sldId id="287" r:id="rId61"/>
   </p:sldIdLst>
   <p:sldSz cx="12192000" cy="6858000"/>
   <p:notesSz cx="6858000" cy="9144000"/>
@@ -254,7 +256,7 @@
           <a:p>
             <a:fld id="{B2F468E0-F31F-445D-A445-FF18778E878B}" type="datetimeFigureOut">
               <a:rPr lang="de-DE" smtClean="0"/>
-              <a:t>24.04.2022</a:t>
+              <a:t>25.04.2022</a:t>
             </a:fld>
             <a:endParaRPr lang="de-DE"/>
           </a:p>
@@ -809,7 +811,7 @@
           <a:p>
             <a:fld id="{B0987B78-0961-4619-8AB9-0DC557153BE3}" type="slidenum">
               <a:rPr lang="de-DE" smtClean="0"/>
-              <a:t>31</a:t>
+              <a:t>33</a:t>
             </a:fld>
             <a:endParaRPr lang="de-DE"/>
           </a:p>
@@ -893,7 +895,7 @@
           <a:p>
             <a:fld id="{B0987B78-0961-4619-8AB9-0DC557153BE3}" type="slidenum">
               <a:rPr lang="de-DE" smtClean="0"/>
-              <a:t>37</a:t>
+              <a:t>39</a:t>
             </a:fld>
             <a:endParaRPr lang="de-DE"/>
           </a:p>
@@ -1043,7 +1045,7 @@
           <a:p>
             <a:fld id="{02946651-2B59-4F4E-A127-AB6898D5BE3D}" type="datetimeFigureOut">
               <a:rPr lang="de-DE" smtClean="0"/>
-              <a:t>24.04.2022</a:t>
+              <a:t>25.04.2022</a:t>
             </a:fld>
             <a:endParaRPr lang="de-DE"/>
           </a:p>
@@ -1213,7 +1215,7 @@
           <a:p>
             <a:fld id="{02946651-2B59-4F4E-A127-AB6898D5BE3D}" type="datetimeFigureOut">
               <a:rPr lang="de-DE" smtClean="0"/>
-              <a:t>24.04.2022</a:t>
+              <a:t>25.04.2022</a:t>
             </a:fld>
             <a:endParaRPr lang="de-DE"/>
           </a:p>
@@ -1393,7 +1395,7 @@
           <a:p>
             <a:fld id="{02946651-2B59-4F4E-A127-AB6898D5BE3D}" type="datetimeFigureOut">
               <a:rPr lang="de-DE" smtClean="0"/>
-              <a:t>24.04.2022</a:t>
+              <a:t>25.04.2022</a:t>
             </a:fld>
             <a:endParaRPr lang="de-DE"/>
           </a:p>
@@ -1563,7 +1565,7 @@
           <a:p>
             <a:fld id="{02946651-2B59-4F4E-A127-AB6898D5BE3D}" type="datetimeFigureOut">
               <a:rPr lang="de-DE" smtClean="0"/>
-              <a:t>24.04.2022</a:t>
+              <a:t>25.04.2022</a:t>
             </a:fld>
             <a:endParaRPr lang="de-DE"/>
           </a:p>
@@ -1809,7 +1811,7 @@
           <a:p>
             <a:fld id="{02946651-2B59-4F4E-A127-AB6898D5BE3D}" type="datetimeFigureOut">
               <a:rPr lang="de-DE" smtClean="0"/>
-              <a:t>24.04.2022</a:t>
+              <a:t>25.04.2022</a:t>
             </a:fld>
             <a:endParaRPr lang="de-DE"/>
           </a:p>
@@ -2041,7 +2043,7 @@
           <a:p>
             <a:fld id="{02946651-2B59-4F4E-A127-AB6898D5BE3D}" type="datetimeFigureOut">
               <a:rPr lang="de-DE" smtClean="0"/>
-              <a:t>24.04.2022</a:t>
+              <a:t>25.04.2022</a:t>
             </a:fld>
             <a:endParaRPr lang="de-DE"/>
           </a:p>
@@ -2408,7 +2410,7 @@
           <a:p>
             <a:fld id="{02946651-2B59-4F4E-A127-AB6898D5BE3D}" type="datetimeFigureOut">
               <a:rPr lang="de-DE" smtClean="0"/>
-              <a:t>24.04.2022</a:t>
+              <a:t>25.04.2022</a:t>
             </a:fld>
             <a:endParaRPr lang="de-DE"/>
           </a:p>
@@ -2526,7 +2528,7 @@
           <a:p>
             <a:fld id="{02946651-2B59-4F4E-A127-AB6898D5BE3D}" type="datetimeFigureOut">
               <a:rPr lang="de-DE" smtClean="0"/>
-              <a:t>24.04.2022</a:t>
+              <a:t>25.04.2022</a:t>
             </a:fld>
             <a:endParaRPr lang="de-DE"/>
           </a:p>
@@ -2621,7 +2623,7 @@
           <a:p>
             <a:fld id="{02946651-2B59-4F4E-A127-AB6898D5BE3D}" type="datetimeFigureOut">
               <a:rPr lang="de-DE" smtClean="0"/>
-              <a:t>24.04.2022</a:t>
+              <a:t>25.04.2022</a:t>
             </a:fld>
             <a:endParaRPr lang="de-DE"/>
           </a:p>
@@ -2898,7 +2900,7 @@
           <a:p>
             <a:fld id="{02946651-2B59-4F4E-A127-AB6898D5BE3D}" type="datetimeFigureOut">
               <a:rPr lang="de-DE" smtClean="0"/>
-              <a:t>24.04.2022</a:t>
+              <a:t>25.04.2022</a:t>
             </a:fld>
             <a:endParaRPr lang="de-DE"/>
           </a:p>
@@ -3155,7 +3157,7 @@
           <a:p>
             <a:fld id="{02946651-2B59-4F4E-A127-AB6898D5BE3D}" type="datetimeFigureOut">
               <a:rPr lang="de-DE" smtClean="0"/>
-              <a:t>24.04.2022</a:t>
+              <a:t>25.04.2022</a:t>
             </a:fld>
             <a:endParaRPr lang="de-DE"/>
           </a:p>
@@ -3368,7 +3370,7 @@
           <a:p>
             <a:fld id="{02946651-2B59-4F4E-A127-AB6898D5BE3D}" type="datetimeFigureOut">
               <a:rPr lang="de-DE" smtClean="0"/>
-              <a:t>24.04.2022</a:t>
+              <a:t>25.04.2022</a:t>
             </a:fld>
             <a:endParaRPr lang="de-DE"/>
           </a:p>
@@ -21681,6 +21683,950 @@
           <p:cNvPr id="2" name="Title 1">
             <a:extLst>
               <a:ext uri="{FF2B5EF4-FFF2-40B4-BE49-F238E27FC236}">
+                <a16:creationId xmlns:a16="http://schemas.microsoft.com/office/drawing/2014/main" id="{EF0962AC-1B58-4BF5-82BA-D563B1B4585F}"/>
+              </a:ext>
+            </a:extLst>
+          </p:cNvPr>
+          <p:cNvSpPr>
+            <a:spLocks noGrp="1"/>
+          </p:cNvSpPr>
+          <p:nvPr>
+            <p:ph type="title"/>
+          </p:nvPr>
+        </p:nvSpPr>
+        <p:spPr/>
+        <p:txBody>
+          <a:bodyPr/>
+          <a:lstStyle/>
+          <a:p>
+            <a:r>
+              <a:rPr lang="de-DE" dirty="0"/>
+              <a:t>„Run To Completion“-Semantics</a:t>
+            </a:r>
+          </a:p>
+        </p:txBody>
+      </p:sp>
+      <p:sp>
+        <p:nvSpPr>
+          <p:cNvPr id="6" name="Content Placeholder 2">
+            <a:extLst>
+              <a:ext uri="{FF2B5EF4-FFF2-40B4-BE49-F238E27FC236}">
+                <a16:creationId xmlns:a16="http://schemas.microsoft.com/office/drawing/2014/main" id="{BED95D4C-4A26-41AE-BF21-2FE521CFF9FB}"/>
+              </a:ext>
+            </a:extLst>
+          </p:cNvPr>
+          <p:cNvSpPr>
+            <a:spLocks noGrp="1"/>
+          </p:cNvSpPr>
+          <p:nvPr>
+            <p:ph idx="1"/>
+          </p:nvPr>
+        </p:nvSpPr>
+        <p:spPr>
+          <a:xfrm>
+            <a:off x="838200" y="1825625"/>
+            <a:ext cx="10515600" cy="4351338"/>
+          </a:xfrm>
+        </p:spPr>
+        <p:txBody>
+          <a:bodyPr/>
+          <a:lstStyle/>
+          <a:p>
+            <a:r>
+              <a:rPr lang="de-DE" dirty="0"/>
+              <a:t>JavaScript Code wird immer „bis zum Ende“ ausgeführt</a:t>
+            </a:r>
+          </a:p>
+          <a:p>
+            <a:pPr lvl="1"/>
+            <a:r>
+              <a:rPr lang="de-DE" dirty="0"/>
+              <a:t>Egal ob aus einer Queue, Import oder im </a:t>
+            </a:r>
+            <a:r>
+              <a:rPr lang="de-DE" b="0" dirty="0">
+                <a:solidFill>
+                  <a:srgbClr val="C586C0"/>
+                </a:solidFill>
+                <a:effectLst/>
+                <a:latin typeface="JetBrainsMono NF" panose="02010509020102050004" pitchFamily="50" charset="0"/>
+              </a:rPr>
+              <a:t>&lt;script&gt;</a:t>
+            </a:r>
+            <a:r>
+              <a:rPr lang="de-DE" dirty="0"/>
+              <a:t> Block </a:t>
+            </a:r>
+          </a:p>
+          <a:p>
+            <a:pPr lvl="1"/>
+            <a:r>
+              <a:rPr lang="de-DE" dirty="0"/>
+              <a:t>Erst danach wird das Rendering aktualisiert</a:t>
+            </a:r>
+          </a:p>
+          <a:p>
+            <a:r>
+              <a:rPr lang="de-DE" dirty="0"/>
+              <a:t>Gefahr: Blockieren</a:t>
+            </a:r>
+          </a:p>
+          <a:p>
+            <a:r>
+              <a:rPr lang="de-DE" dirty="0"/>
+              <a:t>Vorteil: Determinismus</a:t>
+            </a:r>
+          </a:p>
+          <a:p>
+            <a:pPr lvl="1"/>
+            <a:endParaRPr lang="de-DE" dirty="0"/>
+          </a:p>
+        </p:txBody>
+      </p:sp>
+      <p:sp>
+        <p:nvSpPr>
+          <p:cNvPr id="3" name="TextBox 2">
+            <a:extLst>
+              <a:ext uri="{FF2B5EF4-FFF2-40B4-BE49-F238E27FC236}">
+                <a16:creationId xmlns:a16="http://schemas.microsoft.com/office/drawing/2014/main" id="{9B191A95-AC54-440C-94F6-69669191BBA3}"/>
+              </a:ext>
+            </a:extLst>
+          </p:cNvPr>
+          <p:cNvSpPr txBox="1"/>
+          <p:nvPr/>
+        </p:nvSpPr>
+        <p:spPr>
+          <a:xfrm>
+            <a:off x="3344285" y="4472365"/>
+            <a:ext cx="5503430" cy="1200329"/>
+          </a:xfrm>
+          <a:prstGeom prst="rect">
+            <a:avLst/>
+          </a:prstGeom>
+          <a:noFill/>
+        </p:spPr>
+        <p:txBody>
+          <a:bodyPr wrap="none" rtlCol="0">
+            <a:spAutoFit/>
+          </a:bodyPr>
+          <a:lstStyle/>
+          <a:p>
+            <a:r>
+              <a:rPr lang="de-DE" b="0" dirty="0">
+                <a:solidFill>
+                  <a:srgbClr val="9CDCFE"/>
+                </a:solidFill>
+                <a:effectLst/>
+                <a:latin typeface="Consolas" panose="020B0609020204030204" pitchFamily="49" charset="0"/>
+              </a:rPr>
+              <a:t>element</a:t>
+            </a:r>
+            <a:r>
+              <a:rPr lang="de-DE" b="0" dirty="0">
+                <a:solidFill>
+                  <a:srgbClr val="D4D4D4"/>
+                </a:solidFill>
+                <a:effectLst/>
+                <a:latin typeface="Consolas" panose="020B0609020204030204" pitchFamily="49" charset="0"/>
+              </a:rPr>
+              <a:t>.</a:t>
+            </a:r>
+            <a:r>
+              <a:rPr lang="de-DE" b="0" dirty="0">
+                <a:solidFill>
+                  <a:srgbClr val="9CDCFE"/>
+                </a:solidFill>
+                <a:effectLst/>
+                <a:latin typeface="Consolas" panose="020B0609020204030204" pitchFamily="49" charset="0"/>
+              </a:rPr>
+              <a:t>innerText</a:t>
+            </a:r>
+            <a:r>
+              <a:rPr lang="de-DE" b="0" dirty="0">
+                <a:solidFill>
+                  <a:srgbClr val="D4D4D4"/>
+                </a:solidFill>
+                <a:effectLst/>
+                <a:latin typeface="Consolas" panose="020B0609020204030204" pitchFamily="49" charset="0"/>
+              </a:rPr>
+              <a:t> = </a:t>
+            </a:r>
+            <a:r>
+              <a:rPr lang="de-DE" b="0" dirty="0">
+                <a:solidFill>
+                  <a:srgbClr val="CE9178"/>
+                </a:solidFill>
+                <a:effectLst/>
+                <a:latin typeface="Consolas" panose="020B0609020204030204" pitchFamily="49" charset="0"/>
+              </a:rPr>
+              <a:t>"Mein Chef ist doof"</a:t>
+            </a:r>
+            <a:r>
+              <a:rPr lang="de-DE" b="0" dirty="0">
+                <a:solidFill>
+                  <a:srgbClr val="D4D4D4"/>
+                </a:solidFill>
+                <a:effectLst/>
+                <a:latin typeface="Consolas" panose="020B0609020204030204" pitchFamily="49" charset="0"/>
+              </a:rPr>
+              <a:t>;</a:t>
+            </a:r>
+          </a:p>
+          <a:p>
+            <a:r>
+              <a:rPr lang="de-DE" b="0" dirty="0">
+                <a:solidFill>
+                  <a:srgbClr val="9CDCFE"/>
+                </a:solidFill>
+                <a:effectLst/>
+                <a:latin typeface="Consolas" panose="020B0609020204030204" pitchFamily="49" charset="0"/>
+              </a:rPr>
+              <a:t>element</a:t>
+            </a:r>
+            <a:r>
+              <a:rPr lang="de-DE" b="0" dirty="0">
+                <a:solidFill>
+                  <a:srgbClr val="D4D4D4"/>
+                </a:solidFill>
+                <a:effectLst/>
+                <a:latin typeface="Consolas" panose="020B0609020204030204" pitchFamily="49" charset="0"/>
+              </a:rPr>
+              <a:t>.</a:t>
+            </a:r>
+            <a:r>
+              <a:rPr lang="de-DE" b="0" dirty="0">
+                <a:solidFill>
+                  <a:srgbClr val="9CDCFE"/>
+                </a:solidFill>
+                <a:effectLst/>
+                <a:latin typeface="Consolas" panose="020B0609020204030204" pitchFamily="49" charset="0"/>
+              </a:rPr>
+              <a:t>hidden</a:t>
+            </a:r>
+            <a:r>
+              <a:rPr lang="de-DE" b="0" dirty="0">
+                <a:solidFill>
+                  <a:srgbClr val="D4D4D4"/>
+                </a:solidFill>
+                <a:effectLst/>
+                <a:latin typeface="Consolas" panose="020B0609020204030204" pitchFamily="49" charset="0"/>
+              </a:rPr>
+              <a:t> = </a:t>
+            </a:r>
+            <a:r>
+              <a:rPr lang="de-DE" b="0" dirty="0">
+                <a:solidFill>
+                  <a:srgbClr val="569CD6"/>
+                </a:solidFill>
+                <a:effectLst/>
+                <a:latin typeface="Consolas" panose="020B0609020204030204" pitchFamily="49" charset="0"/>
+              </a:rPr>
+              <a:t>false</a:t>
+            </a:r>
+            <a:r>
+              <a:rPr lang="de-DE" b="0" dirty="0">
+                <a:solidFill>
+                  <a:srgbClr val="D4D4D4"/>
+                </a:solidFill>
+                <a:effectLst/>
+                <a:latin typeface="Consolas" panose="020B0609020204030204" pitchFamily="49" charset="0"/>
+              </a:rPr>
+              <a:t>;</a:t>
+            </a:r>
+          </a:p>
+          <a:p>
+            <a:r>
+              <a:rPr lang="de-DE" b="0" dirty="0">
+                <a:solidFill>
+                  <a:srgbClr val="9CDCFE"/>
+                </a:solidFill>
+                <a:effectLst/>
+                <a:latin typeface="Consolas" panose="020B0609020204030204" pitchFamily="49" charset="0"/>
+              </a:rPr>
+              <a:t>element</a:t>
+            </a:r>
+            <a:r>
+              <a:rPr lang="de-DE" b="0" dirty="0">
+                <a:solidFill>
+                  <a:srgbClr val="D4D4D4"/>
+                </a:solidFill>
+                <a:effectLst/>
+                <a:latin typeface="Consolas" panose="020B0609020204030204" pitchFamily="49" charset="0"/>
+              </a:rPr>
+              <a:t>.</a:t>
+            </a:r>
+            <a:r>
+              <a:rPr lang="de-DE" b="0" dirty="0">
+                <a:solidFill>
+                  <a:srgbClr val="9CDCFE"/>
+                </a:solidFill>
+                <a:effectLst/>
+                <a:latin typeface="Consolas" panose="020B0609020204030204" pitchFamily="49" charset="0"/>
+              </a:rPr>
+              <a:t>innerText</a:t>
+            </a:r>
+            <a:r>
+              <a:rPr lang="de-DE" b="0" dirty="0">
+                <a:solidFill>
+                  <a:srgbClr val="D4D4D4"/>
+                </a:solidFill>
+                <a:effectLst/>
+                <a:latin typeface="Consolas" panose="020B0609020204030204" pitchFamily="49" charset="0"/>
+              </a:rPr>
+              <a:t> = </a:t>
+            </a:r>
+            <a:r>
+              <a:rPr lang="de-DE" b="0" dirty="0">
+                <a:solidFill>
+                  <a:srgbClr val="CE9178"/>
+                </a:solidFill>
+                <a:effectLst/>
+                <a:latin typeface="Consolas" panose="020B0609020204030204" pitchFamily="49" charset="0"/>
+              </a:rPr>
+              <a:t>"Mein Chef ist super"</a:t>
+            </a:r>
+            <a:r>
+              <a:rPr lang="de-DE" b="0" dirty="0">
+                <a:solidFill>
+                  <a:srgbClr val="D4D4D4"/>
+                </a:solidFill>
+                <a:effectLst/>
+                <a:latin typeface="Consolas" panose="020B0609020204030204" pitchFamily="49" charset="0"/>
+              </a:rPr>
+              <a:t>;</a:t>
+            </a:r>
+          </a:p>
+          <a:p>
+            <a:endParaRPr lang="de-DE" dirty="0"/>
+          </a:p>
+        </p:txBody>
+      </p:sp>
+      <p:sp>
+        <p:nvSpPr>
+          <p:cNvPr id="7" name="TextBox 6">
+            <a:extLst>
+              <a:ext uri="{FF2B5EF4-FFF2-40B4-BE49-F238E27FC236}">
+                <a16:creationId xmlns:a16="http://schemas.microsoft.com/office/drawing/2014/main" id="{F7A954B9-545E-4FD8-9F0E-4383E1B51F49}"/>
+              </a:ext>
+            </a:extLst>
+          </p:cNvPr>
+          <p:cNvSpPr txBox="1"/>
+          <p:nvPr/>
+        </p:nvSpPr>
+        <p:spPr>
+          <a:xfrm>
+            <a:off x="2919233" y="5807631"/>
+            <a:ext cx="6353534" cy="369332"/>
+          </a:xfrm>
+          <a:prstGeom prst="rect">
+            <a:avLst/>
+          </a:prstGeom>
+          <a:noFill/>
+        </p:spPr>
+        <p:txBody>
+          <a:bodyPr wrap="none" rtlCol="0">
+            <a:spAutoFit/>
+          </a:bodyPr>
+          <a:lstStyle/>
+          <a:p>
+            <a:r>
+              <a:rPr lang="de-DE" dirty="0"/>
+              <a:t>Der Nutzer wird niemals sehen, dass der Chef doof war (oder ist?)</a:t>
+            </a:r>
+          </a:p>
+        </p:txBody>
+      </p:sp>
+    </p:spTree>
+    <p:extLst>
+      <p:ext uri="{BB962C8B-B14F-4D97-AF65-F5344CB8AC3E}">
+        <p14:creationId xmlns:p14="http://schemas.microsoft.com/office/powerpoint/2010/main" val="2487618037"/>
+      </p:ext>
+    </p:extLst>
+  </p:cSld>
+  <p:clrMapOvr>
+    <a:masterClrMapping/>
+  </p:clrMapOvr>
+</p:sld>
+</file>
+
+<file path=ppt/slides/slide31.xml><?xml version="1.0" encoding="utf-8"?>
+<p:sld xmlns:a="http://schemas.openxmlformats.org/drawingml/2006/main" xmlns:r="http://schemas.openxmlformats.org/officeDocument/2006/relationships" xmlns:p="http://schemas.openxmlformats.org/presentationml/2006/main" show="0">
+  <p:cSld>
+    <p:spTree>
+      <p:nvGrpSpPr>
+        <p:cNvPr id="1" name=""/>
+        <p:cNvGrpSpPr/>
+        <p:nvPr/>
+      </p:nvGrpSpPr>
+      <p:grpSpPr>
+        <a:xfrm>
+          <a:off x="0" y="0"/>
+          <a:ext cx="0" cy="0"/>
+          <a:chOff x="0" y="0"/>
+          <a:chExt cx="0" cy="0"/>
+        </a:xfrm>
+      </p:grpSpPr>
+      <p:sp>
+        <p:nvSpPr>
+          <p:cNvPr id="2" name="Title 1">
+            <a:extLst>
+              <a:ext uri="{FF2B5EF4-FFF2-40B4-BE49-F238E27FC236}">
+                <a16:creationId xmlns:a16="http://schemas.microsoft.com/office/drawing/2014/main" id="{EF0962AC-1B58-4BF5-82BA-D563B1B4585F}"/>
+              </a:ext>
+            </a:extLst>
+          </p:cNvPr>
+          <p:cNvSpPr>
+            <a:spLocks noGrp="1"/>
+          </p:cNvSpPr>
+          <p:nvPr>
+            <p:ph type="title"/>
+          </p:nvPr>
+        </p:nvSpPr>
+        <p:spPr/>
+        <p:txBody>
+          <a:bodyPr/>
+          <a:lstStyle/>
+          <a:p>
+            <a:r>
+              <a:rPr lang="de-DE" dirty="0"/>
+              <a:t>„Run To Completion“-Semantics</a:t>
+            </a:r>
+          </a:p>
+        </p:txBody>
+      </p:sp>
+      <p:sp>
+        <p:nvSpPr>
+          <p:cNvPr id="3" name="TextBox 2">
+            <a:extLst>
+              <a:ext uri="{FF2B5EF4-FFF2-40B4-BE49-F238E27FC236}">
+                <a16:creationId xmlns:a16="http://schemas.microsoft.com/office/drawing/2014/main" id="{9B191A95-AC54-440C-94F6-69669191BBA3}"/>
+              </a:ext>
+            </a:extLst>
+          </p:cNvPr>
+          <p:cNvSpPr txBox="1"/>
+          <p:nvPr/>
+        </p:nvSpPr>
+        <p:spPr>
+          <a:xfrm>
+            <a:off x="3154329" y="1690688"/>
+            <a:ext cx="5883342" cy="2862322"/>
+          </a:xfrm>
+          <a:prstGeom prst="rect">
+            <a:avLst/>
+          </a:prstGeom>
+          <a:noFill/>
+        </p:spPr>
+        <p:txBody>
+          <a:bodyPr wrap="none" rtlCol="0">
+            <a:spAutoFit/>
+          </a:bodyPr>
+          <a:lstStyle/>
+          <a:p>
+            <a:r>
+              <a:rPr lang="de-DE" b="0" dirty="0">
+                <a:solidFill>
+                  <a:srgbClr val="6A9955"/>
+                </a:solidFill>
+                <a:effectLst/>
+                <a:latin typeface="Consolas" panose="020B0609020204030204" pitchFamily="49" charset="0"/>
+              </a:rPr>
+              <a:t>// Task 1</a:t>
+            </a:r>
+            <a:endParaRPr lang="de-DE" b="0" dirty="0">
+              <a:solidFill>
+                <a:srgbClr val="D4D4D4"/>
+              </a:solidFill>
+              <a:effectLst/>
+              <a:latin typeface="Consolas" panose="020B0609020204030204" pitchFamily="49" charset="0"/>
+            </a:endParaRPr>
+          </a:p>
+          <a:p>
+            <a:r>
+              <a:rPr lang="de-DE" b="0" dirty="0">
+                <a:solidFill>
+                  <a:srgbClr val="DCDCAA"/>
+                </a:solidFill>
+                <a:effectLst/>
+                <a:latin typeface="Consolas" panose="020B0609020204030204" pitchFamily="49" charset="0"/>
+              </a:rPr>
+              <a:t>setTimeout</a:t>
+            </a:r>
+            <a:r>
+              <a:rPr lang="de-DE" b="0" dirty="0">
+                <a:solidFill>
+                  <a:srgbClr val="D4D4D4"/>
+                </a:solidFill>
+                <a:effectLst/>
+                <a:latin typeface="Consolas" panose="020B0609020204030204" pitchFamily="49" charset="0"/>
+              </a:rPr>
+              <a:t>(() </a:t>
+            </a:r>
+            <a:r>
+              <a:rPr lang="de-DE" b="0" dirty="0">
+                <a:solidFill>
+                  <a:srgbClr val="569CD6"/>
+                </a:solidFill>
+                <a:effectLst/>
+                <a:latin typeface="Consolas" panose="020B0609020204030204" pitchFamily="49" charset="0"/>
+              </a:rPr>
+              <a:t>=&gt;</a:t>
+            </a:r>
+            <a:r>
+              <a:rPr lang="de-DE" b="0" dirty="0">
+                <a:solidFill>
+                  <a:srgbClr val="D4D4D4"/>
+                </a:solidFill>
+                <a:effectLst/>
+                <a:latin typeface="Consolas" panose="020B0609020204030204" pitchFamily="49" charset="0"/>
+              </a:rPr>
+              <a:t> {</a:t>
+            </a:r>
+          </a:p>
+          <a:p>
+            <a:r>
+              <a:rPr lang="de-DE" b="0" dirty="0">
+                <a:solidFill>
+                  <a:srgbClr val="D4D4D4"/>
+                </a:solidFill>
+                <a:effectLst/>
+                <a:latin typeface="Consolas" panose="020B0609020204030204" pitchFamily="49" charset="0"/>
+              </a:rPr>
+              <a:t>  </a:t>
+            </a:r>
+            <a:r>
+              <a:rPr lang="de-DE" b="0" dirty="0">
+                <a:solidFill>
+                  <a:srgbClr val="9CDCFE"/>
+                </a:solidFill>
+                <a:effectLst/>
+                <a:latin typeface="Consolas" panose="020B0609020204030204" pitchFamily="49" charset="0"/>
+              </a:rPr>
+              <a:t>element</a:t>
+            </a:r>
+            <a:r>
+              <a:rPr lang="de-DE" b="0" dirty="0">
+                <a:solidFill>
+                  <a:srgbClr val="D4D4D4"/>
+                </a:solidFill>
+                <a:effectLst/>
+                <a:latin typeface="Consolas" panose="020B0609020204030204" pitchFamily="49" charset="0"/>
+              </a:rPr>
+              <a:t>.</a:t>
+            </a:r>
+            <a:r>
+              <a:rPr lang="de-DE" b="0" dirty="0">
+                <a:solidFill>
+                  <a:srgbClr val="9CDCFE"/>
+                </a:solidFill>
+                <a:effectLst/>
+                <a:latin typeface="Consolas" panose="020B0609020204030204" pitchFamily="49" charset="0"/>
+              </a:rPr>
+              <a:t>innerText</a:t>
+            </a:r>
+            <a:r>
+              <a:rPr lang="de-DE" b="0" dirty="0">
+                <a:solidFill>
+                  <a:srgbClr val="D4D4D4"/>
+                </a:solidFill>
+                <a:effectLst/>
+                <a:latin typeface="Consolas" panose="020B0609020204030204" pitchFamily="49" charset="0"/>
+              </a:rPr>
+              <a:t> = </a:t>
+            </a:r>
+            <a:r>
+              <a:rPr lang="de-DE" b="0" dirty="0">
+                <a:solidFill>
+                  <a:srgbClr val="CE9178"/>
+                </a:solidFill>
+                <a:effectLst/>
+                <a:latin typeface="Consolas" panose="020B0609020204030204" pitchFamily="49" charset="0"/>
+              </a:rPr>
+              <a:t>"Mein Chef ist doof"</a:t>
+            </a:r>
+            <a:r>
+              <a:rPr lang="de-DE" b="0" dirty="0">
+                <a:solidFill>
+                  <a:srgbClr val="D4D4D4"/>
+                </a:solidFill>
+                <a:effectLst/>
+                <a:latin typeface="Consolas" panose="020B0609020204030204" pitchFamily="49" charset="0"/>
+              </a:rPr>
+              <a:t>;</a:t>
+            </a:r>
+          </a:p>
+          <a:p>
+            <a:r>
+              <a:rPr lang="de-DE" b="0" dirty="0">
+                <a:solidFill>
+                  <a:srgbClr val="D4D4D4"/>
+                </a:solidFill>
+                <a:effectLst/>
+                <a:latin typeface="Consolas" panose="020B0609020204030204" pitchFamily="49" charset="0"/>
+              </a:rPr>
+              <a:t>  </a:t>
+            </a:r>
+            <a:r>
+              <a:rPr lang="de-DE" b="0" dirty="0">
+                <a:solidFill>
+                  <a:srgbClr val="9CDCFE"/>
+                </a:solidFill>
+                <a:effectLst/>
+                <a:latin typeface="Consolas" panose="020B0609020204030204" pitchFamily="49" charset="0"/>
+              </a:rPr>
+              <a:t>element</a:t>
+            </a:r>
+            <a:r>
+              <a:rPr lang="de-DE" b="0" dirty="0">
+                <a:solidFill>
+                  <a:srgbClr val="D4D4D4"/>
+                </a:solidFill>
+                <a:effectLst/>
+                <a:latin typeface="Consolas" panose="020B0609020204030204" pitchFamily="49" charset="0"/>
+              </a:rPr>
+              <a:t>.</a:t>
+            </a:r>
+            <a:r>
+              <a:rPr lang="de-DE" b="0" dirty="0">
+                <a:solidFill>
+                  <a:srgbClr val="9CDCFE"/>
+                </a:solidFill>
+                <a:effectLst/>
+                <a:latin typeface="Consolas" panose="020B0609020204030204" pitchFamily="49" charset="0"/>
+              </a:rPr>
+              <a:t>hidden</a:t>
+            </a:r>
+            <a:r>
+              <a:rPr lang="de-DE" b="0" dirty="0">
+                <a:solidFill>
+                  <a:srgbClr val="D4D4D4"/>
+                </a:solidFill>
+                <a:effectLst/>
+                <a:latin typeface="Consolas" panose="020B0609020204030204" pitchFamily="49" charset="0"/>
+              </a:rPr>
+              <a:t> = </a:t>
+            </a:r>
+            <a:r>
+              <a:rPr lang="de-DE" b="0" dirty="0">
+                <a:solidFill>
+                  <a:srgbClr val="569CD6"/>
+                </a:solidFill>
+                <a:effectLst/>
+                <a:latin typeface="Consolas" panose="020B0609020204030204" pitchFamily="49" charset="0"/>
+              </a:rPr>
+              <a:t>false</a:t>
+            </a:r>
+            <a:r>
+              <a:rPr lang="de-DE" b="0" dirty="0">
+                <a:solidFill>
+                  <a:srgbClr val="D4D4D4"/>
+                </a:solidFill>
+                <a:effectLst/>
+                <a:latin typeface="Consolas" panose="020B0609020204030204" pitchFamily="49" charset="0"/>
+              </a:rPr>
+              <a:t>;</a:t>
+            </a:r>
+          </a:p>
+          <a:p>
+            <a:r>
+              <a:rPr lang="de-DE" b="0" dirty="0">
+                <a:solidFill>
+                  <a:srgbClr val="D4D4D4"/>
+                </a:solidFill>
+                <a:effectLst/>
+                <a:latin typeface="Consolas" panose="020B0609020204030204" pitchFamily="49" charset="0"/>
+              </a:rPr>
+              <a:t>}, </a:t>
+            </a:r>
+            <a:r>
+              <a:rPr lang="de-DE" b="0" dirty="0">
+                <a:solidFill>
+                  <a:srgbClr val="B5CEA8"/>
+                </a:solidFill>
+                <a:effectLst/>
+                <a:latin typeface="Consolas" panose="020B0609020204030204" pitchFamily="49" charset="0"/>
+              </a:rPr>
+              <a:t>0</a:t>
+            </a:r>
+            <a:r>
+              <a:rPr lang="de-DE" b="0" dirty="0">
+                <a:solidFill>
+                  <a:srgbClr val="D4D4D4"/>
+                </a:solidFill>
+                <a:effectLst/>
+                <a:latin typeface="Consolas" panose="020B0609020204030204" pitchFamily="49" charset="0"/>
+              </a:rPr>
+              <a:t>);</a:t>
+            </a:r>
+          </a:p>
+          <a:p>
+            <a:br>
+              <a:rPr lang="de-DE" b="0" dirty="0">
+                <a:solidFill>
+                  <a:srgbClr val="D4D4D4"/>
+                </a:solidFill>
+                <a:effectLst/>
+                <a:latin typeface="Consolas" panose="020B0609020204030204" pitchFamily="49" charset="0"/>
+              </a:rPr>
+            </a:br>
+            <a:r>
+              <a:rPr lang="de-DE" b="0" dirty="0">
+                <a:solidFill>
+                  <a:srgbClr val="6A9955"/>
+                </a:solidFill>
+                <a:effectLst/>
+                <a:latin typeface="Consolas" panose="020B0609020204030204" pitchFamily="49" charset="0"/>
+              </a:rPr>
+              <a:t>// Task 2</a:t>
+            </a:r>
+            <a:endParaRPr lang="de-DE" b="0" dirty="0">
+              <a:solidFill>
+                <a:srgbClr val="D4D4D4"/>
+              </a:solidFill>
+              <a:effectLst/>
+              <a:latin typeface="Consolas" panose="020B0609020204030204" pitchFamily="49" charset="0"/>
+            </a:endParaRPr>
+          </a:p>
+          <a:p>
+            <a:r>
+              <a:rPr lang="de-DE" b="0" dirty="0">
+                <a:solidFill>
+                  <a:srgbClr val="DCDCAA"/>
+                </a:solidFill>
+                <a:effectLst/>
+                <a:latin typeface="Consolas" panose="020B0609020204030204" pitchFamily="49" charset="0"/>
+              </a:rPr>
+              <a:t>setTimeout</a:t>
+            </a:r>
+            <a:r>
+              <a:rPr lang="de-DE" b="0" dirty="0">
+                <a:solidFill>
+                  <a:srgbClr val="D4D4D4"/>
+                </a:solidFill>
+                <a:effectLst/>
+                <a:latin typeface="Consolas" panose="020B0609020204030204" pitchFamily="49" charset="0"/>
+              </a:rPr>
+              <a:t>(() </a:t>
+            </a:r>
+            <a:r>
+              <a:rPr lang="de-DE" b="0" dirty="0">
+                <a:solidFill>
+                  <a:srgbClr val="569CD6"/>
+                </a:solidFill>
+                <a:effectLst/>
+                <a:latin typeface="Consolas" panose="020B0609020204030204" pitchFamily="49" charset="0"/>
+              </a:rPr>
+              <a:t>=&gt;</a:t>
+            </a:r>
+            <a:r>
+              <a:rPr lang="de-DE" b="0" dirty="0">
+                <a:solidFill>
+                  <a:srgbClr val="D4D4D4"/>
+                </a:solidFill>
+                <a:effectLst/>
+                <a:latin typeface="Consolas" panose="020B0609020204030204" pitchFamily="49" charset="0"/>
+              </a:rPr>
+              <a:t> {</a:t>
+            </a:r>
+          </a:p>
+          <a:p>
+            <a:r>
+              <a:rPr lang="de-DE" b="0" dirty="0">
+                <a:solidFill>
+                  <a:srgbClr val="D4D4D4"/>
+                </a:solidFill>
+                <a:effectLst/>
+                <a:latin typeface="Consolas" panose="020B0609020204030204" pitchFamily="49" charset="0"/>
+              </a:rPr>
+              <a:t>  </a:t>
+            </a:r>
+            <a:r>
+              <a:rPr lang="de-DE" b="0" dirty="0">
+                <a:solidFill>
+                  <a:srgbClr val="9CDCFE"/>
+                </a:solidFill>
+                <a:effectLst/>
+                <a:latin typeface="Consolas" panose="020B0609020204030204" pitchFamily="49" charset="0"/>
+              </a:rPr>
+              <a:t>element</a:t>
+            </a:r>
+            <a:r>
+              <a:rPr lang="de-DE" b="0" dirty="0">
+                <a:solidFill>
+                  <a:srgbClr val="D4D4D4"/>
+                </a:solidFill>
+                <a:effectLst/>
+                <a:latin typeface="Consolas" panose="020B0609020204030204" pitchFamily="49" charset="0"/>
+              </a:rPr>
+              <a:t>.</a:t>
+            </a:r>
+            <a:r>
+              <a:rPr lang="de-DE" b="0" dirty="0">
+                <a:solidFill>
+                  <a:srgbClr val="9CDCFE"/>
+                </a:solidFill>
+                <a:effectLst/>
+                <a:latin typeface="Consolas" panose="020B0609020204030204" pitchFamily="49" charset="0"/>
+              </a:rPr>
+              <a:t>innterText</a:t>
+            </a:r>
+            <a:r>
+              <a:rPr lang="de-DE" b="0" dirty="0">
+                <a:solidFill>
+                  <a:srgbClr val="D4D4D4"/>
+                </a:solidFill>
+                <a:effectLst/>
+                <a:latin typeface="Consolas" panose="020B0609020204030204" pitchFamily="49" charset="0"/>
+              </a:rPr>
+              <a:t> = </a:t>
+            </a:r>
+            <a:r>
+              <a:rPr lang="de-DE" b="0" dirty="0">
+                <a:solidFill>
+                  <a:srgbClr val="CE9178"/>
+                </a:solidFill>
+                <a:effectLst/>
+                <a:latin typeface="Consolas" panose="020B0609020204030204" pitchFamily="49" charset="0"/>
+              </a:rPr>
+              <a:t>"Mein Chef ist super"</a:t>
+            </a:r>
+            <a:r>
+              <a:rPr lang="de-DE" b="0" dirty="0">
+                <a:solidFill>
+                  <a:srgbClr val="D4D4D4"/>
+                </a:solidFill>
+                <a:effectLst/>
+                <a:latin typeface="Consolas" panose="020B0609020204030204" pitchFamily="49" charset="0"/>
+              </a:rPr>
+              <a:t>;</a:t>
+            </a:r>
+          </a:p>
+          <a:p>
+            <a:r>
+              <a:rPr lang="de-DE" b="0" dirty="0">
+                <a:solidFill>
+                  <a:srgbClr val="D4D4D4"/>
+                </a:solidFill>
+                <a:effectLst/>
+                <a:latin typeface="Consolas" panose="020B0609020204030204" pitchFamily="49" charset="0"/>
+              </a:rPr>
+              <a:t>}, </a:t>
+            </a:r>
+            <a:r>
+              <a:rPr lang="de-DE" b="0" dirty="0">
+                <a:solidFill>
+                  <a:srgbClr val="B5CEA8"/>
+                </a:solidFill>
+                <a:effectLst/>
+                <a:latin typeface="Consolas" panose="020B0609020204030204" pitchFamily="49" charset="0"/>
+              </a:rPr>
+              <a:t>0</a:t>
+            </a:r>
+            <a:r>
+              <a:rPr lang="de-DE" b="0" dirty="0">
+                <a:solidFill>
+                  <a:srgbClr val="D4D4D4"/>
+                </a:solidFill>
+                <a:effectLst/>
+                <a:latin typeface="Consolas" panose="020B0609020204030204" pitchFamily="49" charset="0"/>
+              </a:rPr>
+              <a:t>);</a:t>
+            </a:r>
+          </a:p>
+        </p:txBody>
+      </p:sp>
+      <p:sp>
+        <p:nvSpPr>
+          <p:cNvPr id="7" name="TextBox 6">
+            <a:extLst>
+              <a:ext uri="{FF2B5EF4-FFF2-40B4-BE49-F238E27FC236}">
+                <a16:creationId xmlns:a16="http://schemas.microsoft.com/office/drawing/2014/main" id="{F7A954B9-545E-4FD8-9F0E-4383E1B51F49}"/>
+              </a:ext>
+            </a:extLst>
+          </p:cNvPr>
+          <p:cNvSpPr txBox="1"/>
+          <p:nvPr/>
+        </p:nvSpPr>
+        <p:spPr>
+          <a:xfrm>
+            <a:off x="3289077" y="4893231"/>
+            <a:ext cx="5613845" cy="1200329"/>
+          </a:xfrm>
+          <a:prstGeom prst="rect">
+            <a:avLst/>
+          </a:prstGeom>
+          <a:noFill/>
+        </p:spPr>
+        <p:txBody>
+          <a:bodyPr wrap="none" rtlCol="0">
+            <a:spAutoFit/>
+          </a:bodyPr>
+          <a:lstStyle/>
+          <a:p>
+            <a:pPr marL="285750" indent="-285750">
+              <a:buFont typeface="Arial" panose="020B0604020202020204" pitchFamily="34" charset="0"/>
+              <a:buChar char="•"/>
+            </a:pPr>
+            <a:r>
+              <a:rPr lang="de-DE" dirty="0"/>
+              <a:t>Zwischen Task 1 und Task 2 wird gerendert</a:t>
+            </a:r>
+          </a:p>
+          <a:p>
+            <a:pPr marL="285750" indent="-285750">
+              <a:buFont typeface="Arial" panose="020B0604020202020204" pitchFamily="34" charset="0"/>
+              <a:buChar char="•"/>
+            </a:pPr>
+            <a:r>
+              <a:rPr lang="de-DE" dirty="0"/>
+              <a:t>Run-To-Completion Semantics nur innerhalb einer Task</a:t>
+            </a:r>
+          </a:p>
+          <a:p>
+            <a:endParaRPr lang="de-DE" dirty="0"/>
+          </a:p>
+          <a:p>
+            <a:r>
+              <a:rPr lang="de-DE" dirty="0"/>
+              <a:t>-&gt; Nutzer kann einen Blick erhaschen </a:t>
+            </a:r>
+          </a:p>
+        </p:txBody>
+      </p:sp>
+    </p:spTree>
+    <p:extLst>
+      <p:ext uri="{BB962C8B-B14F-4D97-AF65-F5344CB8AC3E}">
+        <p14:creationId xmlns:p14="http://schemas.microsoft.com/office/powerpoint/2010/main" val="185785686"/>
+      </p:ext>
+    </p:extLst>
+  </p:cSld>
+  <p:clrMapOvr>
+    <a:masterClrMapping/>
+  </p:clrMapOvr>
+</p:sld>
+</file>
+
+<file path=ppt/slides/slide32.xml><?xml version="1.0" encoding="utf-8"?>
+<p:sld xmlns:a="http://schemas.openxmlformats.org/drawingml/2006/main" xmlns:r="http://schemas.openxmlformats.org/officeDocument/2006/relationships" xmlns:p="http://schemas.openxmlformats.org/presentationml/2006/main">
+  <p:cSld>
+    <p:spTree>
+      <p:nvGrpSpPr>
+        <p:cNvPr id="1" name=""/>
+        <p:cNvGrpSpPr/>
+        <p:nvPr/>
+      </p:nvGrpSpPr>
+      <p:grpSpPr>
+        <a:xfrm>
+          <a:off x="0" y="0"/>
+          <a:ext cx="0" cy="0"/>
+          <a:chOff x="0" y="0"/>
+          <a:chExt cx="0" cy="0"/>
+        </a:xfrm>
+      </p:grpSpPr>
+      <p:sp>
+        <p:nvSpPr>
+          <p:cNvPr id="2" name="Title 1">
+            <a:extLst>
+              <a:ext uri="{FF2B5EF4-FFF2-40B4-BE49-F238E27FC236}">
                 <a16:creationId xmlns:a16="http://schemas.microsoft.com/office/drawing/2014/main" id="{E288EB53-67A7-4817-A120-1E5991CE961A}"/>
               </a:ext>
             </a:extLst>
@@ -21826,7 +22772,7 @@
 </p:sld>
 </file>
 
-<file path=ppt/slides/slide31.xml><?xml version="1.0" encoding="utf-8"?>
+<file path=ppt/slides/slide33.xml><?xml version="1.0" encoding="utf-8"?>
 <p:sld xmlns:a="http://schemas.openxmlformats.org/drawingml/2006/main" xmlns:r="http://schemas.openxmlformats.org/officeDocument/2006/relationships" xmlns:p="http://schemas.openxmlformats.org/presentationml/2006/main">
   <p:cSld>
     <p:spTree>
@@ -21913,7 +22859,7 @@
 </p:sld>
 </file>
 
-<file path=ppt/slides/slide32.xml><?xml version="1.0" encoding="utf-8"?>
+<file path=ppt/slides/slide34.xml><?xml version="1.0" encoding="utf-8"?>
 <p:sld xmlns:a="http://schemas.openxmlformats.org/drawingml/2006/main" xmlns:r="http://schemas.openxmlformats.org/officeDocument/2006/relationships" xmlns:p="http://schemas.openxmlformats.org/presentationml/2006/main">
   <p:cSld>
     <p:spTree>
@@ -22729,7 +23675,7 @@
 </p:sld>
 </file>
 
-<file path=ppt/slides/slide33.xml><?xml version="1.0" encoding="utf-8"?>
+<file path=ppt/slides/slide35.xml><?xml version="1.0" encoding="utf-8"?>
 <p:sld xmlns:a="http://schemas.openxmlformats.org/drawingml/2006/main" xmlns:r="http://schemas.openxmlformats.org/officeDocument/2006/relationships" xmlns:p="http://schemas.openxmlformats.org/presentationml/2006/main">
   <p:cSld>
     <p:spTree>
@@ -24342,7 +25288,7 @@
 </p:sld>
 </file>
 
-<file path=ppt/slides/slide34.xml><?xml version="1.0" encoding="utf-8"?>
+<file path=ppt/slides/slide36.xml><?xml version="1.0" encoding="utf-8"?>
 <p:sld xmlns:a="http://schemas.openxmlformats.org/drawingml/2006/main" xmlns:r="http://schemas.openxmlformats.org/officeDocument/2006/relationships" xmlns:p="http://schemas.openxmlformats.org/presentationml/2006/main">
   <p:cSld>
     <p:spTree>
@@ -26455,7 +27401,7 @@
 </p:sld>
 </file>
 
-<file path=ppt/slides/slide35.xml><?xml version="1.0" encoding="utf-8"?>
+<file path=ppt/slides/slide37.xml><?xml version="1.0" encoding="utf-8"?>
 <p:sld xmlns:a="http://schemas.openxmlformats.org/drawingml/2006/main" xmlns:r="http://schemas.openxmlformats.org/officeDocument/2006/relationships" xmlns:p="http://schemas.openxmlformats.org/presentationml/2006/main">
   <p:cSld>
     <p:spTree>
@@ -26538,7 +27484,7 @@
 </p:sld>
 </file>
 
-<file path=ppt/slides/slide36.xml><?xml version="1.0" encoding="utf-8"?>
+<file path=ppt/slides/slide38.xml><?xml version="1.0" encoding="utf-8"?>
 <p:sld xmlns:a="http://schemas.openxmlformats.org/drawingml/2006/main" xmlns:r="http://schemas.openxmlformats.org/officeDocument/2006/relationships" xmlns:p="http://schemas.openxmlformats.org/presentationml/2006/main">
   <p:cSld>
     <p:spTree>
@@ -26754,7 +27700,7 @@
 </p:sld>
 </file>
 
-<file path=ppt/slides/slide37.xml><?xml version="1.0" encoding="utf-8"?>
+<file path=ppt/slides/slide39.xml><?xml version="1.0" encoding="utf-8"?>
 <p:sld xmlns:a="http://schemas.openxmlformats.org/drawingml/2006/main" xmlns:r="http://schemas.openxmlformats.org/officeDocument/2006/relationships" xmlns:p="http://schemas.openxmlformats.org/presentationml/2006/main">
   <p:cSld>
     <p:spTree>
@@ -28893,1305 +29839,6 @@
 </p:sld>
 </file>
 
-<file path=ppt/slides/slide38.xml><?xml version="1.0" encoding="utf-8"?>
-<p:sld xmlns:a="http://schemas.openxmlformats.org/drawingml/2006/main" xmlns:r="http://schemas.openxmlformats.org/officeDocument/2006/relationships" xmlns:p="http://schemas.openxmlformats.org/presentationml/2006/main">
-  <p:cSld>
-    <p:spTree>
-      <p:nvGrpSpPr>
-        <p:cNvPr id="1" name=""/>
-        <p:cNvGrpSpPr/>
-        <p:nvPr/>
-      </p:nvGrpSpPr>
-      <p:grpSpPr>
-        <a:xfrm>
-          <a:off x="0" y="0"/>
-          <a:ext cx="0" cy="0"/>
-          <a:chOff x="0" y="0"/>
-          <a:chExt cx="0" cy="0"/>
-        </a:xfrm>
-      </p:grpSpPr>
-      <p:sp>
-        <p:nvSpPr>
-          <p:cNvPr id="4" name="Oval 3">
-            <a:extLst>
-              <a:ext uri="{FF2B5EF4-FFF2-40B4-BE49-F238E27FC236}">
-                <a16:creationId xmlns:a16="http://schemas.microsoft.com/office/drawing/2014/main" id="{A79B1C10-A995-45A1-B686-C656616B977F}"/>
-              </a:ext>
-            </a:extLst>
-          </p:cNvPr>
-          <p:cNvSpPr/>
-          <p:nvPr/>
-        </p:nvSpPr>
-        <p:spPr>
-          <a:xfrm>
-            <a:off x="3181350" y="514350"/>
-            <a:ext cx="5829300" cy="5829300"/>
-          </a:xfrm>
-          <a:prstGeom prst="ellipse">
-            <a:avLst/>
-          </a:prstGeom>
-          <a:solidFill>
-            <a:schemeClr val="bg2"/>
-          </a:solidFill>
-          <a:ln>
-            <a:noFill/>
-          </a:ln>
-        </p:spPr>
-        <p:style>
-          <a:lnRef idx="2">
-            <a:schemeClr val="accent1">
-              <a:shade val="50000"/>
-            </a:schemeClr>
-          </a:lnRef>
-          <a:fillRef idx="1">
-            <a:schemeClr val="accent1"/>
-          </a:fillRef>
-          <a:effectRef idx="0">
-            <a:schemeClr val="accent1"/>
-          </a:effectRef>
-          <a:fontRef idx="minor">
-            <a:schemeClr val="lt1"/>
-          </a:fontRef>
-        </p:style>
-        <p:txBody>
-          <a:bodyPr rtlCol="0" anchor="ctr"/>
-          <a:lstStyle/>
-          <a:p>
-            <a:pPr algn="ctr"/>
-            <a:endParaRPr lang="de-DE"/>
-          </a:p>
-        </p:txBody>
-      </p:sp>
-      <p:pic>
-        <p:nvPicPr>
-          <p:cNvPr id="1026" name="Picture 2" descr="How to view JavaScript for a web page">
-            <a:extLst>
-              <a:ext uri="{FF2B5EF4-FFF2-40B4-BE49-F238E27FC236}">
-                <a16:creationId xmlns:a16="http://schemas.microsoft.com/office/drawing/2014/main" id="{2C80135A-A8BD-45DD-ABBF-031EF5067611}"/>
-              </a:ext>
-            </a:extLst>
-          </p:cNvPr>
-          <p:cNvPicPr>
-            <a:picLocks noChangeAspect="1" noChangeArrowheads="1"/>
-          </p:cNvPicPr>
-          <p:nvPr/>
-        </p:nvPicPr>
-        <p:blipFill>
-          <a:blip r:embed="rId2">
-            <a:extLst>
-              <a:ext uri="{28A0092B-C50C-407E-A947-70E740481C1C}">
-                <a14:useLocalDpi xmlns:a14="http://schemas.microsoft.com/office/drawing/2010/main" val="0"/>
-              </a:ext>
-            </a:extLst>
-          </a:blip>
-          <a:srcRect/>
-          <a:stretch>
-            <a:fillRect/>
-          </a:stretch>
-        </p:blipFill>
-        <p:spPr bwMode="auto">
-          <a:xfrm>
-            <a:off x="2108653" y="2714625"/>
-            <a:ext cx="714375" cy="714375"/>
-          </a:xfrm>
-          <a:prstGeom prst="rect">
-            <a:avLst/>
-          </a:prstGeom>
-          <a:noFill/>
-          <a:extLst>
-            <a:ext uri="{909E8E84-426E-40DD-AFC4-6F175D3DCCD1}">
-              <a14:hiddenFill xmlns:a14="http://schemas.microsoft.com/office/drawing/2010/main">
-                <a:solidFill>
-                  <a:srgbClr val="FFFFFF"/>
-                </a:solidFill>
-              </a14:hiddenFill>
-            </a:ext>
-          </a:extLst>
-        </p:spPr>
-      </p:pic>
-      <p:sp>
-        <p:nvSpPr>
-          <p:cNvPr id="6" name="Oval 5">
-            <a:extLst>
-              <a:ext uri="{FF2B5EF4-FFF2-40B4-BE49-F238E27FC236}">
-                <a16:creationId xmlns:a16="http://schemas.microsoft.com/office/drawing/2014/main" id="{95D8AF0A-8B2C-4088-903A-62F26F2EC32E}"/>
-              </a:ext>
-            </a:extLst>
-          </p:cNvPr>
-          <p:cNvSpPr/>
-          <p:nvPr/>
-        </p:nvSpPr>
-        <p:spPr>
-          <a:xfrm>
-            <a:off x="3655310" y="988310"/>
-            <a:ext cx="4881380" cy="4881380"/>
-          </a:xfrm>
-          <a:prstGeom prst="ellipse">
-            <a:avLst/>
-          </a:prstGeom>
-          <a:solidFill>
-            <a:srgbClr val="000000"/>
-          </a:solidFill>
-          <a:ln>
-            <a:noFill/>
-          </a:ln>
-        </p:spPr>
-        <p:style>
-          <a:lnRef idx="2">
-            <a:schemeClr val="accent1">
-              <a:shade val="50000"/>
-            </a:schemeClr>
-          </a:lnRef>
-          <a:fillRef idx="1">
-            <a:schemeClr val="accent1"/>
-          </a:fillRef>
-          <a:effectRef idx="0">
-            <a:schemeClr val="accent1"/>
-          </a:effectRef>
-          <a:fontRef idx="minor">
-            <a:schemeClr val="lt1"/>
-          </a:fontRef>
-        </p:style>
-        <p:txBody>
-          <a:bodyPr rtlCol="0" anchor="ctr"/>
-          <a:lstStyle/>
-          <a:p>
-            <a:pPr algn="ctr"/>
-            <a:endParaRPr lang="de-DE"/>
-          </a:p>
-        </p:txBody>
-      </p:sp>
-      <p:pic>
-        <p:nvPicPr>
-          <p:cNvPr id="7" name="Picture 6" descr="Logo, icon&#10;&#10;Description automatically generated">
-            <a:extLst>
-              <a:ext uri="{FF2B5EF4-FFF2-40B4-BE49-F238E27FC236}">
-                <a16:creationId xmlns:a16="http://schemas.microsoft.com/office/drawing/2014/main" id="{A1C751A2-34C0-4629-8E96-F92996DEB8BC}"/>
-              </a:ext>
-            </a:extLst>
-          </p:cNvPr>
-          <p:cNvPicPr>
-            <a:picLocks noChangeAspect="1"/>
-          </p:cNvPicPr>
-          <p:nvPr/>
-        </p:nvPicPr>
-        <p:blipFill>
-          <a:blip r:embed="rId3">
-            <a:extLst>
-              <a:ext uri="{28A0092B-C50C-407E-A947-70E740481C1C}">
-                <a14:useLocalDpi xmlns:a14="http://schemas.microsoft.com/office/drawing/2010/main" val="0"/>
-              </a:ext>
-            </a:extLst>
-          </a:blip>
-          <a:stretch>
-            <a:fillRect/>
-          </a:stretch>
-        </p:blipFill>
-        <p:spPr>
-          <a:xfrm>
-            <a:off x="9368972" y="2341382"/>
-            <a:ext cx="1087618" cy="1087618"/>
-          </a:xfrm>
-          <a:prstGeom prst="rect">
-            <a:avLst/>
-          </a:prstGeom>
-        </p:spPr>
-      </p:pic>
-      <p:sp>
-        <p:nvSpPr>
-          <p:cNvPr id="8" name="Oval 7">
-            <a:extLst>
-              <a:ext uri="{FF2B5EF4-FFF2-40B4-BE49-F238E27FC236}">
-                <a16:creationId xmlns:a16="http://schemas.microsoft.com/office/drawing/2014/main" id="{5634B776-000A-4EF7-A937-20AD4E47A13F}"/>
-              </a:ext>
-            </a:extLst>
-          </p:cNvPr>
-          <p:cNvSpPr/>
-          <p:nvPr/>
-        </p:nvSpPr>
-        <p:spPr>
-          <a:xfrm>
-            <a:off x="5878955" y="534285"/>
-            <a:ext cx="434090" cy="434090"/>
-          </a:xfrm>
-          <a:prstGeom prst="ellipse">
-            <a:avLst/>
-          </a:prstGeom>
-          <a:solidFill>
-            <a:schemeClr val="tx1"/>
-          </a:solidFill>
-        </p:spPr>
-        <p:style>
-          <a:lnRef idx="2">
-            <a:schemeClr val="accent1">
-              <a:shade val="50000"/>
-            </a:schemeClr>
-          </a:lnRef>
-          <a:fillRef idx="1">
-            <a:schemeClr val="accent1"/>
-          </a:fillRef>
-          <a:effectRef idx="0">
-            <a:schemeClr val="accent1"/>
-          </a:effectRef>
-          <a:fontRef idx="minor">
-            <a:schemeClr val="lt1"/>
-          </a:fontRef>
-        </p:style>
-        <p:txBody>
-          <a:bodyPr rtlCol="0" anchor="ctr"/>
-          <a:lstStyle/>
-          <a:p>
-            <a:pPr algn="ctr"/>
-            <a:endParaRPr lang="de-DE"/>
-          </a:p>
-        </p:txBody>
-      </p:sp>
-      <p:sp>
-        <p:nvSpPr>
-          <p:cNvPr id="9" name="TextBox 8">
-            <a:extLst>
-              <a:ext uri="{FF2B5EF4-FFF2-40B4-BE49-F238E27FC236}">
-                <a16:creationId xmlns:a16="http://schemas.microsoft.com/office/drawing/2014/main" id="{74C8D496-29AB-4CB5-AF50-4771D9E42F52}"/>
-              </a:ext>
-            </a:extLst>
-          </p:cNvPr>
-          <p:cNvSpPr txBox="1"/>
-          <p:nvPr/>
-        </p:nvSpPr>
-        <p:spPr>
-          <a:xfrm>
-            <a:off x="9484610" y="3549650"/>
-            <a:ext cx="1886414" cy="369332"/>
-          </a:xfrm>
-          <a:prstGeom prst="rect">
-            <a:avLst/>
-          </a:prstGeom>
-          <a:noFill/>
-        </p:spPr>
-        <p:txBody>
-          <a:bodyPr wrap="none" rtlCol="0">
-            <a:spAutoFit/>
-          </a:bodyPr>
-          <a:lstStyle/>
-          <a:p>
-            <a:r>
-              <a:rPr lang="de-DE" dirty="0"/>
-              <a:t>Update Rendering</a:t>
-            </a:r>
-          </a:p>
-        </p:txBody>
-      </p:sp>
-      <p:sp>
-        <p:nvSpPr>
-          <p:cNvPr id="23" name="TextBox 22">
-            <a:extLst>
-              <a:ext uri="{FF2B5EF4-FFF2-40B4-BE49-F238E27FC236}">
-                <a16:creationId xmlns:a16="http://schemas.microsoft.com/office/drawing/2014/main" id="{86A53BFE-F1C9-40D4-9AEA-D0B4FABFD09C}"/>
-              </a:ext>
-            </a:extLst>
-          </p:cNvPr>
-          <p:cNvSpPr txBox="1"/>
-          <p:nvPr/>
-        </p:nvSpPr>
-        <p:spPr>
-          <a:xfrm>
-            <a:off x="143523" y="3549650"/>
-            <a:ext cx="3117905" cy="1754326"/>
-          </a:xfrm>
-          <a:prstGeom prst="rect">
-            <a:avLst/>
-          </a:prstGeom>
-          <a:noFill/>
-        </p:spPr>
-        <p:txBody>
-          <a:bodyPr wrap="none" rtlCol="0">
-            <a:spAutoFit/>
-          </a:bodyPr>
-          <a:lstStyle/>
-          <a:p>
-            <a:r>
-              <a:rPr lang="de-DE" dirty="0"/>
-              <a:t>1. Arbeit auf Task Queue?</a:t>
-            </a:r>
-            <a:br>
-              <a:rPr lang="de-DE" dirty="0"/>
-            </a:br>
-            <a:r>
-              <a:rPr lang="de-DE" dirty="0"/>
-              <a:t>-&gt; Task bis zum Ende ausführen</a:t>
-            </a:r>
-          </a:p>
-          <a:p>
-            <a:r>
-              <a:rPr lang="de-DE" dirty="0"/>
-              <a:t>2. Arbeit auf Microtask Queue?</a:t>
-            </a:r>
-          </a:p>
-          <a:p>
-            <a:r>
-              <a:rPr lang="de-DE" dirty="0"/>
-              <a:t>-&gt; Microtasks ausführen bis </a:t>
-            </a:r>
-            <a:br>
-              <a:rPr lang="de-DE" dirty="0"/>
-            </a:br>
-            <a:r>
-              <a:rPr lang="de-DE" dirty="0"/>
-              <a:t>Queue leer</a:t>
-            </a:r>
-          </a:p>
-          <a:p>
-            <a:r>
-              <a:rPr lang="de-DE" dirty="0"/>
-              <a:t>3. Weiter im Loop</a:t>
-            </a:r>
-          </a:p>
-        </p:txBody>
-      </p:sp>
-    </p:spTree>
-    <p:extLst>
-      <p:ext uri="{BB962C8B-B14F-4D97-AF65-F5344CB8AC3E}">
-        <p14:creationId xmlns:p14="http://schemas.microsoft.com/office/powerpoint/2010/main" val="684120702"/>
-      </p:ext>
-    </p:extLst>
-  </p:cSld>
-  <p:clrMapOvr>
-    <a:masterClrMapping/>
-  </p:clrMapOvr>
-  <p:timing>
-    <p:tnLst>
-      <p:par>
-        <p:cTn id="1" dur="indefinite" restart="never" nodeType="tmRoot">
-          <p:childTnLst>
-            <p:seq concurrent="1" nextAc="seek">
-              <p:cTn id="2" dur="indefinite" nodeType="mainSeq">
-                <p:childTnLst>
-                  <p:par>
-                    <p:cTn id="3" fill="hold">
-                      <p:stCondLst>
-                        <p:cond delay="indefinite"/>
-                        <p:cond evt="onBegin" delay="0">
-                          <p:tn val="2"/>
-                        </p:cond>
-                      </p:stCondLst>
-                      <p:childTnLst>
-                        <p:par>
-                          <p:cTn id="4" fill="hold">
-                            <p:stCondLst>
-                              <p:cond delay="0"/>
-                            </p:stCondLst>
-                            <p:childTnLst>
-                              <p:par>
-                                <p:cTn id="5" presetID="1" presetClass="path" presetSubtype="0" repeatCount="indefinite" fill="hold" grpId="0" nodeType="withEffect">
-                                  <p:stCondLst>
-                                    <p:cond delay="0"/>
-                                  </p:stCondLst>
-                                  <p:childTnLst>
-                                    <p:animMotion origin="layout" path="M 0 -7.40741E-7 C 0.12214 -7.40741E-7 0.22161 0.17593 0.22161 0.39282 C 0.22161 0.60926 0.12214 0.78565 0 0.78565 C -0.12253 0.78565 -0.22161 0.60926 -0.22161 0.39282 C -0.22161 0.17593 -0.12253 -7.40741E-7 0 -7.40741E-7 Z " pathEditMode="relative" rAng="0" ptsTypes="AAAAA">
-                                      <p:cBhvr>
-                                        <p:cTn id="6" dur="2000" fill="hold"/>
-                                        <p:tgtEl>
-                                          <p:spTgt spid="8"/>
-                                        </p:tgtEl>
-                                        <p:attrNameLst>
-                                          <p:attrName>ppt_x</p:attrName>
-                                          <p:attrName>ppt_y</p:attrName>
-                                        </p:attrNameLst>
-                                      </p:cBhvr>
-                                      <p:rCtr x="0" y="39282"/>
-                                    </p:animMotion>
-                                  </p:childTnLst>
-                                </p:cTn>
-                              </p:par>
-                            </p:childTnLst>
-                          </p:cTn>
-                        </p:par>
-                      </p:childTnLst>
-                    </p:cTn>
-                  </p:par>
-                </p:childTnLst>
-              </p:cTn>
-              <p:prevCondLst>
-                <p:cond evt="onPrev" delay="0">
-                  <p:tgtEl>
-                    <p:sldTgt/>
-                  </p:tgtEl>
-                </p:cond>
-              </p:prevCondLst>
-              <p:nextCondLst>
-                <p:cond evt="onNext" delay="0">
-                  <p:tgtEl>
-                    <p:sldTgt/>
-                  </p:tgtEl>
-                </p:cond>
-              </p:nextCondLst>
-            </p:seq>
-          </p:childTnLst>
-        </p:cTn>
-      </p:par>
-    </p:tnLst>
-    <p:bldLst>
-      <p:bldP spid="8" grpId="0" animBg="1"/>
-    </p:bldLst>
-  </p:timing>
-</p:sld>
-</file>
-
-<file path=ppt/slides/slide39.xml><?xml version="1.0" encoding="utf-8"?>
-<p:sld xmlns:a="http://schemas.openxmlformats.org/drawingml/2006/main" xmlns:r="http://schemas.openxmlformats.org/officeDocument/2006/relationships" xmlns:p="http://schemas.openxmlformats.org/presentationml/2006/main">
-  <p:cSld>
-    <p:spTree>
-      <p:nvGrpSpPr>
-        <p:cNvPr id="1" name=""/>
-        <p:cNvGrpSpPr/>
-        <p:nvPr/>
-      </p:nvGrpSpPr>
-      <p:grpSpPr>
-        <a:xfrm>
-          <a:off x="0" y="0"/>
-          <a:ext cx="0" cy="0"/>
-          <a:chOff x="0" y="0"/>
-          <a:chExt cx="0" cy="0"/>
-        </a:xfrm>
-      </p:grpSpPr>
-      <p:sp>
-        <p:nvSpPr>
-          <p:cNvPr id="2" name="Title 1">
-            <a:extLst>
-              <a:ext uri="{FF2B5EF4-FFF2-40B4-BE49-F238E27FC236}">
-                <a16:creationId xmlns:a16="http://schemas.microsoft.com/office/drawing/2014/main" id="{A7BAFB69-2F78-46FC-92A3-7D6D589AA986}"/>
-              </a:ext>
-            </a:extLst>
-          </p:cNvPr>
-          <p:cNvSpPr>
-            <a:spLocks noGrp="1"/>
-          </p:cNvSpPr>
-          <p:nvPr>
-            <p:ph type="title"/>
-          </p:nvPr>
-        </p:nvSpPr>
-        <p:spPr/>
-        <p:txBody>
-          <a:bodyPr/>
-          <a:lstStyle/>
-          <a:p>
-            <a:r>
-              <a:rPr lang="de-DE" dirty="0"/>
-              <a:t>Task Queue vs. Microtask Queue</a:t>
-            </a:r>
-          </a:p>
-        </p:txBody>
-      </p:sp>
-      <p:sp>
-        <p:nvSpPr>
-          <p:cNvPr id="3" name="Content Placeholder 2">
-            <a:extLst>
-              <a:ext uri="{FF2B5EF4-FFF2-40B4-BE49-F238E27FC236}">
-                <a16:creationId xmlns:a16="http://schemas.microsoft.com/office/drawing/2014/main" id="{D48EBEF7-279F-4457-92FE-09AC836AB9F4}"/>
-              </a:ext>
-            </a:extLst>
-          </p:cNvPr>
-          <p:cNvSpPr>
-            <a:spLocks noGrp="1"/>
-          </p:cNvSpPr>
-          <p:nvPr>
-            <p:ph idx="1"/>
-          </p:nvPr>
-        </p:nvSpPr>
-        <p:spPr/>
-        <p:txBody>
-          <a:bodyPr>
-            <a:normAutofit lnSpcReduction="10000"/>
-          </a:bodyPr>
-          <a:lstStyle/>
-          <a:p>
-            <a:r>
-              <a:rPr lang="de-DE" dirty="0"/>
-              <a:t>Task Queue</a:t>
-            </a:r>
-          </a:p>
-          <a:p>
-            <a:pPr lvl="1"/>
-            <a:r>
-              <a:rPr lang="de-DE" dirty="0" err="1"/>
-              <a:t>Dequeue</a:t>
-            </a:r>
-            <a:r>
-              <a:rPr lang="de-DE" dirty="0"/>
-              <a:t> Task</a:t>
-            </a:r>
-          </a:p>
-          <a:p>
-            <a:pPr lvl="1"/>
-            <a:r>
-              <a:rPr lang="de-DE" dirty="0"/>
-              <a:t>Task wird bis zum Ende ausgeführt</a:t>
-            </a:r>
-          </a:p>
-          <a:p>
-            <a:pPr lvl="1"/>
-            <a:r>
-              <a:rPr lang="de-DE" dirty="0"/>
-              <a:t>Nach Abschluss „läuft“ der Loop weiter </a:t>
-            </a:r>
-          </a:p>
-          <a:p>
-            <a:pPr lvl="2"/>
-            <a:r>
-              <a:rPr lang="de-DE" dirty="0"/>
-              <a:t>Rendering</a:t>
-            </a:r>
-          </a:p>
-          <a:p>
-            <a:r>
-              <a:rPr lang="de-DE" dirty="0"/>
-              <a:t>Microtask Queue</a:t>
-            </a:r>
-          </a:p>
-          <a:p>
-            <a:pPr lvl="1"/>
-            <a:r>
-              <a:rPr lang="de-DE" dirty="0" err="1"/>
-              <a:t>Dequeue</a:t>
-            </a:r>
-            <a:r>
-              <a:rPr lang="de-DE" dirty="0"/>
-              <a:t> Microtask</a:t>
-            </a:r>
-          </a:p>
-          <a:p>
-            <a:pPr lvl="1"/>
-            <a:r>
-              <a:rPr lang="de-DE" dirty="0"/>
-              <a:t>Microtask bis zum Ende ausführen</a:t>
-            </a:r>
-          </a:p>
-          <a:p>
-            <a:pPr lvl="1"/>
-            <a:r>
-              <a:rPr lang="de-DE" dirty="0"/>
-              <a:t>Weiterer Microtask? Repeat.</a:t>
-            </a:r>
-          </a:p>
-          <a:p>
-            <a:pPr lvl="1"/>
-            <a:r>
-              <a:rPr lang="de-DE" dirty="0"/>
-              <a:t>Wenn Queue leer „läuft“ der Loop weiter</a:t>
-            </a:r>
-          </a:p>
-          <a:p>
-            <a:pPr lvl="2"/>
-            <a:r>
-              <a:rPr lang="de-DE" dirty="0"/>
-              <a:t>Rendering</a:t>
-            </a:r>
-          </a:p>
-        </p:txBody>
-      </p:sp>
-      <p:sp>
-        <p:nvSpPr>
-          <p:cNvPr id="4" name="TextBox 3">
-            <a:extLst>
-              <a:ext uri="{FF2B5EF4-FFF2-40B4-BE49-F238E27FC236}">
-                <a16:creationId xmlns:a16="http://schemas.microsoft.com/office/drawing/2014/main" id="{30A48795-7BEC-4F9A-9A31-5B82E0B72D5D}"/>
-              </a:ext>
-            </a:extLst>
-          </p:cNvPr>
-          <p:cNvSpPr txBox="1"/>
-          <p:nvPr/>
-        </p:nvSpPr>
-        <p:spPr>
-          <a:xfrm>
-            <a:off x="7112000" y="2094865"/>
-            <a:ext cx="5184433" cy="3539430"/>
-          </a:xfrm>
-          <a:prstGeom prst="rect">
-            <a:avLst/>
-          </a:prstGeom>
-          <a:noFill/>
-        </p:spPr>
-        <p:txBody>
-          <a:bodyPr wrap="none" rtlCol="0">
-            <a:spAutoFit/>
-          </a:bodyPr>
-          <a:lstStyle/>
-          <a:p>
-            <a:r>
-              <a:rPr lang="de-DE" sz="1600" b="0" dirty="0" err="1">
-                <a:solidFill>
-                  <a:srgbClr val="C586C0"/>
-                </a:solidFill>
-                <a:effectLst/>
-                <a:latin typeface="JetBrainsMono NF" panose="02010509020102050004" pitchFamily="50" charset="0"/>
-              </a:rPr>
-              <a:t>while</a:t>
-            </a:r>
-            <a:r>
-              <a:rPr lang="de-DE" sz="1600" b="0" dirty="0">
-                <a:solidFill>
-                  <a:srgbClr val="D4D4D4"/>
-                </a:solidFill>
-                <a:effectLst/>
-                <a:latin typeface="JetBrainsMono NF" panose="02010509020102050004" pitchFamily="50" charset="0"/>
-              </a:rPr>
-              <a:t>(</a:t>
-            </a:r>
-            <a:r>
-              <a:rPr lang="de-DE" sz="1600" b="0" dirty="0" err="1">
-                <a:solidFill>
-                  <a:srgbClr val="569CD6"/>
-                </a:solidFill>
-                <a:effectLst/>
-                <a:latin typeface="JetBrainsMono NF" panose="02010509020102050004" pitchFamily="50" charset="0"/>
-              </a:rPr>
-              <a:t>true</a:t>
-            </a:r>
-            <a:r>
-              <a:rPr lang="de-DE" sz="1600" b="0" dirty="0">
-                <a:solidFill>
-                  <a:srgbClr val="D4D4D4"/>
-                </a:solidFill>
-                <a:effectLst/>
-                <a:latin typeface="JetBrainsMono NF" panose="02010509020102050004" pitchFamily="50" charset="0"/>
-              </a:rPr>
-              <a:t>) {</a:t>
-            </a:r>
-          </a:p>
-          <a:p>
-            <a:r>
-              <a:rPr lang="de-DE" sz="1600" b="0" dirty="0">
-                <a:solidFill>
-                  <a:srgbClr val="D4D4D4"/>
-                </a:solidFill>
-                <a:effectLst/>
-                <a:latin typeface="JetBrainsMono NF" panose="02010509020102050004" pitchFamily="50" charset="0"/>
-              </a:rPr>
-              <a:t>    </a:t>
-            </a:r>
-            <a:r>
-              <a:rPr lang="de-DE" sz="1600" b="0" dirty="0">
-                <a:solidFill>
-                  <a:srgbClr val="6A9955"/>
-                </a:solidFill>
-                <a:effectLst/>
-                <a:latin typeface="JetBrainsMono NF" panose="02010509020102050004" pitchFamily="50" charset="0"/>
-              </a:rPr>
-              <a:t>// Task Queue</a:t>
-            </a:r>
-            <a:endParaRPr lang="de-DE" sz="1600" b="0" dirty="0">
-              <a:solidFill>
-                <a:srgbClr val="D4D4D4"/>
-              </a:solidFill>
-              <a:effectLst/>
-              <a:latin typeface="JetBrainsMono NF" panose="02010509020102050004" pitchFamily="50" charset="0"/>
-            </a:endParaRPr>
-          </a:p>
-          <a:p>
-            <a:r>
-              <a:rPr lang="de-DE" sz="1600" b="0" dirty="0">
-                <a:solidFill>
-                  <a:srgbClr val="D4D4D4"/>
-                </a:solidFill>
-                <a:effectLst/>
-                <a:latin typeface="JetBrainsMono NF" panose="02010509020102050004" pitchFamily="50" charset="0"/>
-              </a:rPr>
-              <a:t>    </a:t>
-            </a:r>
-            <a:r>
-              <a:rPr lang="de-DE" sz="1600" b="0" dirty="0" err="1">
-                <a:solidFill>
-                  <a:srgbClr val="C586C0"/>
-                </a:solidFill>
-                <a:effectLst/>
-                <a:latin typeface="JetBrainsMono NF" panose="02010509020102050004" pitchFamily="50" charset="0"/>
-              </a:rPr>
-              <a:t>if</a:t>
-            </a:r>
-            <a:r>
-              <a:rPr lang="de-DE" sz="1600" b="0" dirty="0">
-                <a:solidFill>
-                  <a:srgbClr val="D4D4D4"/>
-                </a:solidFill>
-                <a:effectLst/>
-                <a:latin typeface="JetBrainsMono NF" panose="02010509020102050004" pitchFamily="50" charset="0"/>
-              </a:rPr>
-              <a:t>(</a:t>
-            </a:r>
-            <a:r>
-              <a:rPr lang="de-DE" sz="1600" b="0" dirty="0" err="1">
-                <a:solidFill>
-                  <a:srgbClr val="9CDCFE"/>
-                </a:solidFill>
-                <a:effectLst/>
-                <a:latin typeface="JetBrainsMono NF" panose="02010509020102050004" pitchFamily="50" charset="0"/>
-              </a:rPr>
-              <a:t>taskQueue</a:t>
-            </a:r>
-            <a:r>
-              <a:rPr lang="de-DE" sz="1600" b="0" dirty="0" err="1">
-                <a:solidFill>
-                  <a:srgbClr val="D4D4D4"/>
-                </a:solidFill>
-                <a:effectLst/>
-                <a:latin typeface="JetBrainsMono NF" panose="02010509020102050004" pitchFamily="50" charset="0"/>
-              </a:rPr>
-              <a:t>.</a:t>
-            </a:r>
-            <a:r>
-              <a:rPr lang="de-DE" sz="1600" b="0" dirty="0" err="1">
-                <a:solidFill>
-                  <a:srgbClr val="DCDCAA"/>
-                </a:solidFill>
-                <a:effectLst/>
-                <a:latin typeface="JetBrainsMono NF" panose="02010509020102050004" pitchFamily="50" charset="0"/>
-              </a:rPr>
-              <a:t>hasTasks</a:t>
-            </a:r>
-            <a:r>
-              <a:rPr lang="de-DE" sz="1600" b="0" dirty="0">
-                <a:solidFill>
-                  <a:srgbClr val="D4D4D4"/>
-                </a:solidFill>
-                <a:effectLst/>
-                <a:latin typeface="JetBrainsMono NF" panose="02010509020102050004" pitchFamily="50" charset="0"/>
-              </a:rPr>
-              <a:t>()) {</a:t>
-            </a:r>
-          </a:p>
-          <a:p>
-            <a:r>
-              <a:rPr lang="de-DE" sz="1600" b="0" dirty="0">
-                <a:solidFill>
-                  <a:srgbClr val="D4D4D4"/>
-                </a:solidFill>
-                <a:effectLst/>
-                <a:latin typeface="JetBrainsMono NF" panose="02010509020102050004" pitchFamily="50" charset="0"/>
-              </a:rPr>
-              <a:t>        </a:t>
-            </a:r>
-            <a:r>
-              <a:rPr lang="de-DE" sz="1600" b="0" dirty="0" err="1">
-                <a:solidFill>
-                  <a:srgbClr val="569CD6"/>
-                </a:solidFill>
-                <a:effectLst/>
-                <a:latin typeface="JetBrainsMono NF" panose="02010509020102050004" pitchFamily="50" charset="0"/>
-              </a:rPr>
-              <a:t>const</a:t>
-            </a:r>
-            <a:r>
-              <a:rPr lang="de-DE" sz="1600" b="0" dirty="0">
-                <a:solidFill>
-                  <a:srgbClr val="D4D4D4"/>
-                </a:solidFill>
-                <a:effectLst/>
-                <a:latin typeface="JetBrainsMono NF" panose="02010509020102050004" pitchFamily="50" charset="0"/>
-              </a:rPr>
-              <a:t> </a:t>
-            </a:r>
-            <a:r>
-              <a:rPr lang="de-DE" sz="1600" b="0" dirty="0" err="1">
-                <a:solidFill>
-                  <a:srgbClr val="4FC1FF"/>
-                </a:solidFill>
-                <a:effectLst/>
-                <a:latin typeface="JetBrainsMono NF" panose="02010509020102050004" pitchFamily="50" charset="0"/>
-              </a:rPr>
-              <a:t>task</a:t>
-            </a:r>
-            <a:r>
-              <a:rPr lang="de-DE" sz="1600" b="0" dirty="0">
-                <a:solidFill>
-                  <a:srgbClr val="D4D4D4"/>
-                </a:solidFill>
-                <a:effectLst/>
-                <a:latin typeface="JetBrainsMono NF" panose="02010509020102050004" pitchFamily="50" charset="0"/>
-              </a:rPr>
-              <a:t> = </a:t>
-            </a:r>
-            <a:r>
-              <a:rPr lang="de-DE" sz="1600" b="0" dirty="0" err="1">
-                <a:solidFill>
-                  <a:srgbClr val="9CDCFE"/>
-                </a:solidFill>
-                <a:effectLst/>
-                <a:latin typeface="JetBrainsMono NF" panose="02010509020102050004" pitchFamily="50" charset="0"/>
-              </a:rPr>
-              <a:t>taskQueue</a:t>
-            </a:r>
-            <a:r>
-              <a:rPr lang="de-DE" sz="1600" b="0" dirty="0" err="1">
-                <a:solidFill>
-                  <a:srgbClr val="D4D4D4"/>
-                </a:solidFill>
-                <a:effectLst/>
-                <a:latin typeface="JetBrainsMono NF" panose="02010509020102050004" pitchFamily="50" charset="0"/>
-              </a:rPr>
-              <a:t>.</a:t>
-            </a:r>
-            <a:r>
-              <a:rPr lang="de-DE" sz="1600" b="0" dirty="0" err="1">
-                <a:solidFill>
-                  <a:srgbClr val="DCDCAA"/>
-                </a:solidFill>
-                <a:effectLst/>
-                <a:latin typeface="JetBrainsMono NF" panose="02010509020102050004" pitchFamily="50" charset="0"/>
-              </a:rPr>
-              <a:t>dequeue</a:t>
-            </a:r>
-            <a:r>
-              <a:rPr lang="de-DE" sz="1600" b="0" dirty="0">
-                <a:solidFill>
-                  <a:srgbClr val="D4D4D4"/>
-                </a:solidFill>
-                <a:effectLst/>
-                <a:latin typeface="JetBrainsMono NF" panose="02010509020102050004" pitchFamily="50" charset="0"/>
-              </a:rPr>
-              <a:t>();</a:t>
-            </a:r>
-          </a:p>
-          <a:p>
-            <a:r>
-              <a:rPr lang="de-DE" sz="1600" b="0" dirty="0">
-                <a:solidFill>
-                  <a:srgbClr val="D4D4D4"/>
-                </a:solidFill>
-                <a:effectLst/>
-                <a:latin typeface="JetBrainsMono NF" panose="02010509020102050004" pitchFamily="50" charset="0"/>
-              </a:rPr>
-              <a:t>        </a:t>
-            </a:r>
-            <a:r>
-              <a:rPr lang="de-DE" sz="1600" b="0" dirty="0" err="1">
-                <a:solidFill>
-                  <a:srgbClr val="9CDCFE"/>
-                </a:solidFill>
-                <a:effectLst/>
-                <a:latin typeface="JetBrainsMono NF" panose="02010509020102050004" pitchFamily="50" charset="0"/>
-              </a:rPr>
-              <a:t>task</a:t>
-            </a:r>
-            <a:r>
-              <a:rPr lang="de-DE" sz="1600" b="0" dirty="0" err="1">
-                <a:solidFill>
-                  <a:srgbClr val="D4D4D4"/>
-                </a:solidFill>
-                <a:effectLst/>
-                <a:latin typeface="JetBrainsMono NF" panose="02010509020102050004" pitchFamily="50" charset="0"/>
-              </a:rPr>
-              <a:t>.</a:t>
-            </a:r>
-            <a:r>
-              <a:rPr lang="de-DE" sz="1600" b="0" dirty="0" err="1">
-                <a:solidFill>
-                  <a:srgbClr val="DCDCAA"/>
-                </a:solidFill>
-                <a:effectLst/>
-                <a:latin typeface="JetBrainsMono NF" panose="02010509020102050004" pitchFamily="50" charset="0"/>
-              </a:rPr>
-              <a:t>execute</a:t>
-            </a:r>
-            <a:r>
-              <a:rPr lang="de-DE" sz="1600" b="0" dirty="0">
-                <a:solidFill>
-                  <a:srgbClr val="D4D4D4"/>
-                </a:solidFill>
-                <a:effectLst/>
-                <a:latin typeface="JetBrainsMono NF" panose="02010509020102050004" pitchFamily="50" charset="0"/>
-              </a:rPr>
-              <a:t>();</a:t>
-            </a:r>
-          </a:p>
-          <a:p>
-            <a:r>
-              <a:rPr lang="de-DE" sz="1600" b="0" dirty="0">
-                <a:solidFill>
-                  <a:srgbClr val="D4D4D4"/>
-                </a:solidFill>
-                <a:effectLst/>
-                <a:latin typeface="JetBrainsMono NF" panose="02010509020102050004" pitchFamily="50" charset="0"/>
-              </a:rPr>
-              <a:t>    }</a:t>
-            </a:r>
-          </a:p>
-          <a:p>
-            <a:r>
-              <a:rPr lang="de-DE" sz="1600" b="0" dirty="0">
-                <a:solidFill>
-                  <a:srgbClr val="D4D4D4"/>
-                </a:solidFill>
-                <a:effectLst/>
-                <a:latin typeface="JetBrainsMono NF" panose="02010509020102050004" pitchFamily="50" charset="0"/>
-              </a:rPr>
-              <a:t>    </a:t>
-            </a:r>
-            <a:r>
-              <a:rPr lang="de-DE" sz="1600" b="0" dirty="0">
-                <a:solidFill>
-                  <a:srgbClr val="6A9955"/>
-                </a:solidFill>
-                <a:effectLst/>
-                <a:latin typeface="JetBrainsMono NF" panose="02010509020102050004" pitchFamily="50" charset="0"/>
-              </a:rPr>
-              <a:t>// Microtask Queue</a:t>
-            </a:r>
-            <a:endParaRPr lang="de-DE" sz="1600" b="0" dirty="0">
-              <a:solidFill>
-                <a:srgbClr val="D4D4D4"/>
-              </a:solidFill>
-              <a:effectLst/>
-              <a:latin typeface="JetBrainsMono NF" panose="02010509020102050004" pitchFamily="50" charset="0"/>
-            </a:endParaRPr>
-          </a:p>
-          <a:p>
-            <a:r>
-              <a:rPr lang="de-DE" sz="1600" b="0" dirty="0">
-                <a:solidFill>
-                  <a:srgbClr val="D4D4D4"/>
-                </a:solidFill>
-                <a:effectLst/>
-                <a:latin typeface="JetBrainsMono NF" panose="02010509020102050004" pitchFamily="50" charset="0"/>
-              </a:rPr>
-              <a:t>    </a:t>
-            </a:r>
-            <a:r>
-              <a:rPr lang="de-DE" sz="1600" b="0" dirty="0" err="1">
-                <a:solidFill>
-                  <a:srgbClr val="C586C0"/>
-                </a:solidFill>
-                <a:effectLst/>
-                <a:latin typeface="JetBrainsMono NF" panose="02010509020102050004" pitchFamily="50" charset="0"/>
-              </a:rPr>
-              <a:t>while</a:t>
-            </a:r>
-            <a:r>
-              <a:rPr lang="de-DE" sz="1600" b="0" dirty="0">
-                <a:solidFill>
-                  <a:srgbClr val="D4D4D4"/>
-                </a:solidFill>
-                <a:effectLst/>
-                <a:latin typeface="JetBrainsMono NF" panose="02010509020102050004" pitchFamily="50" charset="0"/>
-              </a:rPr>
-              <a:t>(</a:t>
-            </a:r>
-            <a:r>
-              <a:rPr lang="el-GR" sz="1600" b="0" dirty="0">
-                <a:solidFill>
-                  <a:srgbClr val="9CDCFE"/>
-                </a:solidFill>
-                <a:effectLst/>
-                <a:latin typeface="JetBrainsMono NF" panose="02010509020102050004" pitchFamily="50" charset="0"/>
-              </a:rPr>
-              <a:t>μ</a:t>
-            </a:r>
-            <a:r>
-              <a:rPr lang="de-DE" sz="1600" b="0" dirty="0" err="1">
-                <a:solidFill>
-                  <a:srgbClr val="9CDCFE"/>
-                </a:solidFill>
-                <a:effectLst/>
-                <a:latin typeface="JetBrainsMono NF" panose="02010509020102050004" pitchFamily="50" charset="0"/>
-              </a:rPr>
-              <a:t>TaskQueue</a:t>
-            </a:r>
-            <a:r>
-              <a:rPr lang="de-DE" sz="1600" b="0" dirty="0" err="1">
-                <a:solidFill>
-                  <a:srgbClr val="D4D4D4"/>
-                </a:solidFill>
-                <a:effectLst/>
-                <a:latin typeface="JetBrainsMono NF" panose="02010509020102050004" pitchFamily="50" charset="0"/>
-              </a:rPr>
-              <a:t>.</a:t>
-            </a:r>
-            <a:r>
-              <a:rPr lang="de-DE" sz="1600" b="0" dirty="0" err="1">
-                <a:solidFill>
-                  <a:srgbClr val="DCDCAA"/>
-                </a:solidFill>
-                <a:effectLst/>
-                <a:latin typeface="JetBrainsMono NF" panose="02010509020102050004" pitchFamily="50" charset="0"/>
-              </a:rPr>
-              <a:t>hasTasks</a:t>
-            </a:r>
-            <a:r>
-              <a:rPr lang="de-DE" sz="1600" b="0" dirty="0">
-                <a:solidFill>
-                  <a:srgbClr val="D4D4D4"/>
-                </a:solidFill>
-                <a:effectLst/>
-                <a:latin typeface="JetBrainsMono NF" panose="02010509020102050004" pitchFamily="50" charset="0"/>
-              </a:rPr>
-              <a:t>()) {</a:t>
-            </a:r>
-          </a:p>
-          <a:p>
-            <a:r>
-              <a:rPr lang="de-DE" sz="1600" b="0" dirty="0">
-                <a:solidFill>
-                  <a:srgbClr val="D4D4D4"/>
-                </a:solidFill>
-                <a:effectLst/>
-                <a:latin typeface="JetBrainsMono NF" panose="02010509020102050004" pitchFamily="50" charset="0"/>
-              </a:rPr>
-              <a:t>        </a:t>
-            </a:r>
-            <a:r>
-              <a:rPr lang="de-DE" sz="1600" b="0" dirty="0" err="1">
-                <a:solidFill>
-                  <a:srgbClr val="569CD6"/>
-                </a:solidFill>
-                <a:effectLst/>
-                <a:latin typeface="JetBrainsMono NF" panose="02010509020102050004" pitchFamily="50" charset="0"/>
-              </a:rPr>
-              <a:t>const</a:t>
-            </a:r>
-            <a:r>
-              <a:rPr lang="de-DE" sz="1600" b="0" dirty="0">
-                <a:solidFill>
-                  <a:srgbClr val="D4D4D4"/>
-                </a:solidFill>
-                <a:effectLst/>
-                <a:latin typeface="JetBrainsMono NF" panose="02010509020102050004" pitchFamily="50" charset="0"/>
-              </a:rPr>
-              <a:t> </a:t>
-            </a:r>
-            <a:r>
-              <a:rPr lang="el-GR" sz="1600" b="0" dirty="0">
-                <a:solidFill>
-                  <a:srgbClr val="4FC1FF"/>
-                </a:solidFill>
-                <a:effectLst/>
-                <a:latin typeface="JetBrainsMono NF" panose="02010509020102050004" pitchFamily="50" charset="0"/>
-              </a:rPr>
-              <a:t>μ</a:t>
-            </a:r>
-            <a:r>
-              <a:rPr lang="de-DE" sz="1600" dirty="0">
-                <a:solidFill>
-                  <a:srgbClr val="4FC1FF"/>
-                </a:solidFill>
-                <a:latin typeface="JetBrainsMono NF" panose="02010509020102050004" pitchFamily="50" charset="0"/>
-              </a:rPr>
-              <a:t>T</a:t>
-            </a:r>
-            <a:r>
-              <a:rPr lang="de-DE" sz="1600" b="0" dirty="0">
-                <a:solidFill>
-                  <a:srgbClr val="4FC1FF"/>
-                </a:solidFill>
-                <a:effectLst/>
-                <a:latin typeface="JetBrainsMono NF" panose="02010509020102050004" pitchFamily="50" charset="0"/>
-              </a:rPr>
-              <a:t>ask</a:t>
-            </a:r>
-            <a:r>
-              <a:rPr lang="de-DE" sz="1600" b="0" dirty="0">
-                <a:solidFill>
-                  <a:srgbClr val="D4D4D4"/>
-                </a:solidFill>
-                <a:effectLst/>
-                <a:latin typeface="JetBrainsMono NF" panose="02010509020102050004" pitchFamily="50" charset="0"/>
-              </a:rPr>
-              <a:t> = </a:t>
-            </a:r>
-            <a:r>
-              <a:rPr lang="el-GR" sz="1600" b="0" dirty="0">
-                <a:solidFill>
-                  <a:srgbClr val="9CDCFE"/>
-                </a:solidFill>
-                <a:effectLst/>
-                <a:latin typeface="JetBrainsMono NF" panose="02010509020102050004" pitchFamily="50" charset="0"/>
-              </a:rPr>
-              <a:t>μ</a:t>
-            </a:r>
-            <a:r>
-              <a:rPr lang="de-DE" sz="1600" dirty="0" err="1">
-                <a:solidFill>
-                  <a:srgbClr val="9CDCFE"/>
-                </a:solidFill>
-                <a:latin typeface="JetBrainsMono NF" panose="02010509020102050004" pitchFamily="50" charset="0"/>
-              </a:rPr>
-              <a:t>T</a:t>
-            </a:r>
-            <a:r>
-              <a:rPr lang="de-DE" sz="1600" b="0" dirty="0" err="1">
-                <a:solidFill>
-                  <a:srgbClr val="9CDCFE"/>
-                </a:solidFill>
-                <a:effectLst/>
-                <a:latin typeface="JetBrainsMono NF" panose="02010509020102050004" pitchFamily="50" charset="0"/>
-              </a:rPr>
-              <a:t>askQueue</a:t>
-            </a:r>
-            <a:r>
-              <a:rPr lang="de-DE" sz="1600" b="0" dirty="0" err="1">
-                <a:solidFill>
-                  <a:srgbClr val="D4D4D4"/>
-                </a:solidFill>
-                <a:effectLst/>
-                <a:latin typeface="JetBrainsMono NF" panose="02010509020102050004" pitchFamily="50" charset="0"/>
-              </a:rPr>
-              <a:t>.</a:t>
-            </a:r>
-            <a:r>
-              <a:rPr lang="de-DE" sz="1600" b="0" dirty="0" err="1">
-                <a:solidFill>
-                  <a:srgbClr val="DCDCAA"/>
-                </a:solidFill>
-                <a:effectLst/>
-                <a:latin typeface="JetBrainsMono NF" panose="02010509020102050004" pitchFamily="50" charset="0"/>
-              </a:rPr>
-              <a:t>dequeue</a:t>
-            </a:r>
-            <a:r>
-              <a:rPr lang="de-DE" sz="1600" b="0" dirty="0">
-                <a:solidFill>
-                  <a:srgbClr val="D4D4D4"/>
-                </a:solidFill>
-                <a:effectLst/>
-                <a:latin typeface="JetBrainsMono NF" panose="02010509020102050004" pitchFamily="50" charset="0"/>
-              </a:rPr>
-              <a:t>();</a:t>
-            </a:r>
-          </a:p>
-          <a:p>
-            <a:r>
-              <a:rPr lang="de-DE" sz="1600" b="0" dirty="0">
-                <a:solidFill>
-                  <a:srgbClr val="D4D4D4"/>
-                </a:solidFill>
-                <a:effectLst/>
-                <a:latin typeface="JetBrainsMono NF" panose="02010509020102050004" pitchFamily="50" charset="0"/>
-              </a:rPr>
-              <a:t>        </a:t>
-            </a:r>
-            <a:r>
-              <a:rPr lang="el-GR" sz="1600" b="0" dirty="0">
-                <a:solidFill>
-                  <a:srgbClr val="9CDCFE"/>
-                </a:solidFill>
-                <a:effectLst/>
-                <a:latin typeface="JetBrainsMono NF" panose="02010509020102050004" pitchFamily="50" charset="0"/>
-              </a:rPr>
-              <a:t>μ</a:t>
-            </a:r>
-            <a:r>
-              <a:rPr lang="de-DE" sz="1600" b="0" dirty="0" err="1">
-                <a:solidFill>
-                  <a:srgbClr val="9CDCFE"/>
-                </a:solidFill>
-                <a:effectLst/>
-                <a:latin typeface="JetBrainsMono NF" panose="02010509020102050004" pitchFamily="50" charset="0"/>
-              </a:rPr>
-              <a:t>Task</a:t>
-            </a:r>
-            <a:r>
-              <a:rPr lang="de-DE" sz="1600" b="0" dirty="0" err="1">
-                <a:solidFill>
-                  <a:srgbClr val="D4D4D4"/>
-                </a:solidFill>
-                <a:effectLst/>
-                <a:latin typeface="JetBrainsMono NF" panose="02010509020102050004" pitchFamily="50" charset="0"/>
-              </a:rPr>
-              <a:t>.</a:t>
-            </a:r>
-            <a:r>
-              <a:rPr lang="de-DE" sz="1600" b="0" dirty="0" err="1">
-                <a:solidFill>
-                  <a:srgbClr val="DCDCAA"/>
-                </a:solidFill>
-                <a:effectLst/>
-                <a:latin typeface="JetBrainsMono NF" panose="02010509020102050004" pitchFamily="50" charset="0"/>
-              </a:rPr>
-              <a:t>execute</a:t>
-            </a:r>
-            <a:r>
-              <a:rPr lang="de-DE" sz="1600" b="0" dirty="0">
-                <a:solidFill>
-                  <a:srgbClr val="D4D4D4"/>
-                </a:solidFill>
-                <a:effectLst/>
-                <a:latin typeface="JetBrainsMono NF" panose="02010509020102050004" pitchFamily="50" charset="0"/>
-              </a:rPr>
-              <a:t>();</a:t>
-            </a:r>
-          </a:p>
-          <a:p>
-            <a:r>
-              <a:rPr lang="de-DE" sz="1600" b="0" dirty="0">
-                <a:solidFill>
-                  <a:srgbClr val="D4D4D4"/>
-                </a:solidFill>
-                <a:effectLst/>
-                <a:latin typeface="JetBrainsMono NF" panose="02010509020102050004" pitchFamily="50" charset="0"/>
-              </a:rPr>
-              <a:t>    }</a:t>
-            </a:r>
-          </a:p>
-          <a:p>
-            <a:r>
-              <a:rPr lang="de-DE" sz="1600" b="0" dirty="0">
-                <a:solidFill>
-                  <a:srgbClr val="D4D4D4"/>
-                </a:solidFill>
-                <a:effectLst/>
-                <a:latin typeface="JetBrainsMono NF" panose="02010509020102050004" pitchFamily="50" charset="0"/>
-              </a:rPr>
-              <a:t>    </a:t>
-            </a:r>
-            <a:r>
-              <a:rPr lang="de-DE" sz="1600" b="0" dirty="0" err="1">
-                <a:solidFill>
-                  <a:srgbClr val="DCDCAA"/>
-                </a:solidFill>
-                <a:effectLst/>
-                <a:latin typeface="JetBrainsMono NF" panose="02010509020102050004" pitchFamily="50" charset="0"/>
-              </a:rPr>
-              <a:t>updateRendering</a:t>
-            </a:r>
-            <a:r>
-              <a:rPr lang="de-DE" sz="1600" b="0" dirty="0">
-                <a:solidFill>
-                  <a:srgbClr val="D4D4D4"/>
-                </a:solidFill>
-                <a:effectLst/>
-                <a:latin typeface="JetBrainsMono NF" panose="02010509020102050004" pitchFamily="50" charset="0"/>
-              </a:rPr>
-              <a:t>();</a:t>
-            </a:r>
-          </a:p>
-          <a:p>
-            <a:r>
-              <a:rPr lang="de-DE" sz="1600" b="0" dirty="0">
-                <a:solidFill>
-                  <a:srgbClr val="D4D4D4"/>
-                </a:solidFill>
-                <a:effectLst/>
-                <a:latin typeface="JetBrainsMono NF" panose="02010509020102050004" pitchFamily="50" charset="0"/>
-              </a:rPr>
-              <a:t>}</a:t>
-            </a:r>
-          </a:p>
-          <a:p>
-            <a:endParaRPr lang="de-DE" sz="1600" dirty="0"/>
-          </a:p>
-        </p:txBody>
-      </p:sp>
-    </p:spTree>
-    <p:extLst>
-      <p:ext uri="{BB962C8B-B14F-4D97-AF65-F5344CB8AC3E}">
-        <p14:creationId xmlns:p14="http://schemas.microsoft.com/office/powerpoint/2010/main" val="1717469242"/>
-      </p:ext>
-    </p:extLst>
-  </p:cSld>
-  <p:clrMapOvr>
-    <a:masterClrMapping/>
-  </p:clrMapOvr>
-</p:sld>
-</file>
-
 <file path=ppt/slides/slide4.xml><?xml version="1.0" encoding="utf-8"?>
 <p:sld xmlns:a="http://schemas.openxmlformats.org/drawingml/2006/main" xmlns:r="http://schemas.openxmlformats.org/officeDocument/2006/relationships" xmlns:p="http://schemas.openxmlformats.org/presentationml/2006/main">
   <p:cSld>
@@ -30720,6 +30367,1305 @@
       </p:grpSpPr>
       <p:sp>
         <p:nvSpPr>
+          <p:cNvPr id="4" name="Oval 3">
+            <a:extLst>
+              <a:ext uri="{FF2B5EF4-FFF2-40B4-BE49-F238E27FC236}">
+                <a16:creationId xmlns:a16="http://schemas.microsoft.com/office/drawing/2014/main" id="{A79B1C10-A995-45A1-B686-C656616B977F}"/>
+              </a:ext>
+            </a:extLst>
+          </p:cNvPr>
+          <p:cNvSpPr/>
+          <p:nvPr/>
+        </p:nvSpPr>
+        <p:spPr>
+          <a:xfrm>
+            <a:off x="3181350" y="514350"/>
+            <a:ext cx="5829300" cy="5829300"/>
+          </a:xfrm>
+          <a:prstGeom prst="ellipse">
+            <a:avLst/>
+          </a:prstGeom>
+          <a:solidFill>
+            <a:schemeClr val="bg2"/>
+          </a:solidFill>
+          <a:ln>
+            <a:noFill/>
+          </a:ln>
+        </p:spPr>
+        <p:style>
+          <a:lnRef idx="2">
+            <a:schemeClr val="accent1">
+              <a:shade val="50000"/>
+            </a:schemeClr>
+          </a:lnRef>
+          <a:fillRef idx="1">
+            <a:schemeClr val="accent1"/>
+          </a:fillRef>
+          <a:effectRef idx="0">
+            <a:schemeClr val="accent1"/>
+          </a:effectRef>
+          <a:fontRef idx="minor">
+            <a:schemeClr val="lt1"/>
+          </a:fontRef>
+        </p:style>
+        <p:txBody>
+          <a:bodyPr rtlCol="0" anchor="ctr"/>
+          <a:lstStyle/>
+          <a:p>
+            <a:pPr algn="ctr"/>
+            <a:endParaRPr lang="de-DE"/>
+          </a:p>
+        </p:txBody>
+      </p:sp>
+      <p:pic>
+        <p:nvPicPr>
+          <p:cNvPr id="1026" name="Picture 2" descr="How to view JavaScript for a web page">
+            <a:extLst>
+              <a:ext uri="{FF2B5EF4-FFF2-40B4-BE49-F238E27FC236}">
+                <a16:creationId xmlns:a16="http://schemas.microsoft.com/office/drawing/2014/main" id="{2C80135A-A8BD-45DD-ABBF-031EF5067611}"/>
+              </a:ext>
+            </a:extLst>
+          </p:cNvPr>
+          <p:cNvPicPr>
+            <a:picLocks noChangeAspect="1" noChangeArrowheads="1"/>
+          </p:cNvPicPr>
+          <p:nvPr/>
+        </p:nvPicPr>
+        <p:blipFill>
+          <a:blip r:embed="rId2">
+            <a:extLst>
+              <a:ext uri="{28A0092B-C50C-407E-A947-70E740481C1C}">
+                <a14:useLocalDpi xmlns:a14="http://schemas.microsoft.com/office/drawing/2010/main" val="0"/>
+              </a:ext>
+            </a:extLst>
+          </a:blip>
+          <a:srcRect/>
+          <a:stretch>
+            <a:fillRect/>
+          </a:stretch>
+        </p:blipFill>
+        <p:spPr bwMode="auto">
+          <a:xfrm>
+            <a:off x="2108653" y="2714625"/>
+            <a:ext cx="714375" cy="714375"/>
+          </a:xfrm>
+          <a:prstGeom prst="rect">
+            <a:avLst/>
+          </a:prstGeom>
+          <a:noFill/>
+          <a:extLst>
+            <a:ext uri="{909E8E84-426E-40DD-AFC4-6F175D3DCCD1}">
+              <a14:hiddenFill xmlns:a14="http://schemas.microsoft.com/office/drawing/2010/main">
+                <a:solidFill>
+                  <a:srgbClr val="FFFFFF"/>
+                </a:solidFill>
+              </a14:hiddenFill>
+            </a:ext>
+          </a:extLst>
+        </p:spPr>
+      </p:pic>
+      <p:sp>
+        <p:nvSpPr>
+          <p:cNvPr id="6" name="Oval 5">
+            <a:extLst>
+              <a:ext uri="{FF2B5EF4-FFF2-40B4-BE49-F238E27FC236}">
+                <a16:creationId xmlns:a16="http://schemas.microsoft.com/office/drawing/2014/main" id="{95D8AF0A-8B2C-4088-903A-62F26F2EC32E}"/>
+              </a:ext>
+            </a:extLst>
+          </p:cNvPr>
+          <p:cNvSpPr/>
+          <p:nvPr/>
+        </p:nvSpPr>
+        <p:spPr>
+          <a:xfrm>
+            <a:off x="3655310" y="988310"/>
+            <a:ext cx="4881380" cy="4881380"/>
+          </a:xfrm>
+          <a:prstGeom prst="ellipse">
+            <a:avLst/>
+          </a:prstGeom>
+          <a:solidFill>
+            <a:srgbClr val="000000"/>
+          </a:solidFill>
+          <a:ln>
+            <a:noFill/>
+          </a:ln>
+        </p:spPr>
+        <p:style>
+          <a:lnRef idx="2">
+            <a:schemeClr val="accent1">
+              <a:shade val="50000"/>
+            </a:schemeClr>
+          </a:lnRef>
+          <a:fillRef idx="1">
+            <a:schemeClr val="accent1"/>
+          </a:fillRef>
+          <a:effectRef idx="0">
+            <a:schemeClr val="accent1"/>
+          </a:effectRef>
+          <a:fontRef idx="minor">
+            <a:schemeClr val="lt1"/>
+          </a:fontRef>
+        </p:style>
+        <p:txBody>
+          <a:bodyPr rtlCol="0" anchor="ctr"/>
+          <a:lstStyle/>
+          <a:p>
+            <a:pPr algn="ctr"/>
+            <a:endParaRPr lang="de-DE"/>
+          </a:p>
+        </p:txBody>
+      </p:sp>
+      <p:pic>
+        <p:nvPicPr>
+          <p:cNvPr id="7" name="Picture 6" descr="Logo, icon&#10;&#10;Description automatically generated">
+            <a:extLst>
+              <a:ext uri="{FF2B5EF4-FFF2-40B4-BE49-F238E27FC236}">
+                <a16:creationId xmlns:a16="http://schemas.microsoft.com/office/drawing/2014/main" id="{A1C751A2-34C0-4629-8E96-F92996DEB8BC}"/>
+              </a:ext>
+            </a:extLst>
+          </p:cNvPr>
+          <p:cNvPicPr>
+            <a:picLocks noChangeAspect="1"/>
+          </p:cNvPicPr>
+          <p:nvPr/>
+        </p:nvPicPr>
+        <p:blipFill>
+          <a:blip r:embed="rId3">
+            <a:extLst>
+              <a:ext uri="{28A0092B-C50C-407E-A947-70E740481C1C}">
+                <a14:useLocalDpi xmlns:a14="http://schemas.microsoft.com/office/drawing/2010/main" val="0"/>
+              </a:ext>
+            </a:extLst>
+          </a:blip>
+          <a:stretch>
+            <a:fillRect/>
+          </a:stretch>
+        </p:blipFill>
+        <p:spPr>
+          <a:xfrm>
+            <a:off x="9368972" y="2341382"/>
+            <a:ext cx="1087618" cy="1087618"/>
+          </a:xfrm>
+          <a:prstGeom prst="rect">
+            <a:avLst/>
+          </a:prstGeom>
+        </p:spPr>
+      </p:pic>
+      <p:sp>
+        <p:nvSpPr>
+          <p:cNvPr id="8" name="Oval 7">
+            <a:extLst>
+              <a:ext uri="{FF2B5EF4-FFF2-40B4-BE49-F238E27FC236}">
+                <a16:creationId xmlns:a16="http://schemas.microsoft.com/office/drawing/2014/main" id="{5634B776-000A-4EF7-A937-20AD4E47A13F}"/>
+              </a:ext>
+            </a:extLst>
+          </p:cNvPr>
+          <p:cNvSpPr/>
+          <p:nvPr/>
+        </p:nvSpPr>
+        <p:spPr>
+          <a:xfrm>
+            <a:off x="5878955" y="534285"/>
+            <a:ext cx="434090" cy="434090"/>
+          </a:xfrm>
+          <a:prstGeom prst="ellipse">
+            <a:avLst/>
+          </a:prstGeom>
+          <a:solidFill>
+            <a:schemeClr val="tx1"/>
+          </a:solidFill>
+        </p:spPr>
+        <p:style>
+          <a:lnRef idx="2">
+            <a:schemeClr val="accent1">
+              <a:shade val="50000"/>
+            </a:schemeClr>
+          </a:lnRef>
+          <a:fillRef idx="1">
+            <a:schemeClr val="accent1"/>
+          </a:fillRef>
+          <a:effectRef idx="0">
+            <a:schemeClr val="accent1"/>
+          </a:effectRef>
+          <a:fontRef idx="minor">
+            <a:schemeClr val="lt1"/>
+          </a:fontRef>
+        </p:style>
+        <p:txBody>
+          <a:bodyPr rtlCol="0" anchor="ctr"/>
+          <a:lstStyle/>
+          <a:p>
+            <a:pPr algn="ctr"/>
+            <a:endParaRPr lang="de-DE"/>
+          </a:p>
+        </p:txBody>
+      </p:sp>
+      <p:sp>
+        <p:nvSpPr>
+          <p:cNvPr id="9" name="TextBox 8">
+            <a:extLst>
+              <a:ext uri="{FF2B5EF4-FFF2-40B4-BE49-F238E27FC236}">
+                <a16:creationId xmlns:a16="http://schemas.microsoft.com/office/drawing/2014/main" id="{74C8D496-29AB-4CB5-AF50-4771D9E42F52}"/>
+              </a:ext>
+            </a:extLst>
+          </p:cNvPr>
+          <p:cNvSpPr txBox="1"/>
+          <p:nvPr/>
+        </p:nvSpPr>
+        <p:spPr>
+          <a:xfrm>
+            <a:off x="9484610" y="3549650"/>
+            <a:ext cx="1886414" cy="369332"/>
+          </a:xfrm>
+          <a:prstGeom prst="rect">
+            <a:avLst/>
+          </a:prstGeom>
+          <a:noFill/>
+        </p:spPr>
+        <p:txBody>
+          <a:bodyPr wrap="none" rtlCol="0">
+            <a:spAutoFit/>
+          </a:bodyPr>
+          <a:lstStyle/>
+          <a:p>
+            <a:r>
+              <a:rPr lang="de-DE" dirty="0"/>
+              <a:t>Update Rendering</a:t>
+            </a:r>
+          </a:p>
+        </p:txBody>
+      </p:sp>
+      <p:sp>
+        <p:nvSpPr>
+          <p:cNvPr id="23" name="TextBox 22">
+            <a:extLst>
+              <a:ext uri="{FF2B5EF4-FFF2-40B4-BE49-F238E27FC236}">
+                <a16:creationId xmlns:a16="http://schemas.microsoft.com/office/drawing/2014/main" id="{86A53BFE-F1C9-40D4-9AEA-D0B4FABFD09C}"/>
+              </a:ext>
+            </a:extLst>
+          </p:cNvPr>
+          <p:cNvSpPr txBox="1"/>
+          <p:nvPr/>
+        </p:nvSpPr>
+        <p:spPr>
+          <a:xfrm>
+            <a:off x="143523" y="3549650"/>
+            <a:ext cx="3117905" cy="1754326"/>
+          </a:xfrm>
+          <a:prstGeom prst="rect">
+            <a:avLst/>
+          </a:prstGeom>
+          <a:noFill/>
+        </p:spPr>
+        <p:txBody>
+          <a:bodyPr wrap="none" rtlCol="0">
+            <a:spAutoFit/>
+          </a:bodyPr>
+          <a:lstStyle/>
+          <a:p>
+            <a:r>
+              <a:rPr lang="de-DE" dirty="0"/>
+              <a:t>1. Arbeit auf Task Queue?</a:t>
+            </a:r>
+            <a:br>
+              <a:rPr lang="de-DE" dirty="0"/>
+            </a:br>
+            <a:r>
+              <a:rPr lang="de-DE" dirty="0"/>
+              <a:t>-&gt; Task bis zum Ende ausführen</a:t>
+            </a:r>
+          </a:p>
+          <a:p>
+            <a:r>
+              <a:rPr lang="de-DE" dirty="0"/>
+              <a:t>2. Arbeit auf Microtask Queue?</a:t>
+            </a:r>
+          </a:p>
+          <a:p>
+            <a:r>
+              <a:rPr lang="de-DE" dirty="0"/>
+              <a:t>-&gt; Microtasks ausführen bis </a:t>
+            </a:r>
+            <a:br>
+              <a:rPr lang="de-DE" dirty="0"/>
+            </a:br>
+            <a:r>
+              <a:rPr lang="de-DE" dirty="0"/>
+              <a:t>Queue leer</a:t>
+            </a:r>
+          </a:p>
+          <a:p>
+            <a:r>
+              <a:rPr lang="de-DE" dirty="0"/>
+              <a:t>3. Weiter im Loop</a:t>
+            </a:r>
+          </a:p>
+        </p:txBody>
+      </p:sp>
+    </p:spTree>
+    <p:extLst>
+      <p:ext uri="{BB962C8B-B14F-4D97-AF65-F5344CB8AC3E}">
+        <p14:creationId xmlns:p14="http://schemas.microsoft.com/office/powerpoint/2010/main" val="684120702"/>
+      </p:ext>
+    </p:extLst>
+  </p:cSld>
+  <p:clrMapOvr>
+    <a:masterClrMapping/>
+  </p:clrMapOvr>
+  <p:timing>
+    <p:tnLst>
+      <p:par>
+        <p:cTn id="1" dur="indefinite" restart="never" nodeType="tmRoot">
+          <p:childTnLst>
+            <p:seq concurrent="1" nextAc="seek">
+              <p:cTn id="2" dur="indefinite" nodeType="mainSeq">
+                <p:childTnLst>
+                  <p:par>
+                    <p:cTn id="3" fill="hold">
+                      <p:stCondLst>
+                        <p:cond delay="indefinite"/>
+                        <p:cond evt="onBegin" delay="0">
+                          <p:tn val="2"/>
+                        </p:cond>
+                      </p:stCondLst>
+                      <p:childTnLst>
+                        <p:par>
+                          <p:cTn id="4" fill="hold">
+                            <p:stCondLst>
+                              <p:cond delay="0"/>
+                            </p:stCondLst>
+                            <p:childTnLst>
+                              <p:par>
+                                <p:cTn id="5" presetID="1" presetClass="path" presetSubtype="0" repeatCount="indefinite" fill="hold" grpId="0" nodeType="withEffect">
+                                  <p:stCondLst>
+                                    <p:cond delay="0"/>
+                                  </p:stCondLst>
+                                  <p:childTnLst>
+                                    <p:animMotion origin="layout" path="M 0 -7.40741E-7 C 0.12214 -7.40741E-7 0.22161 0.17593 0.22161 0.39282 C 0.22161 0.60926 0.12214 0.78565 0 0.78565 C -0.12253 0.78565 -0.22161 0.60926 -0.22161 0.39282 C -0.22161 0.17593 -0.12253 -7.40741E-7 0 -7.40741E-7 Z " pathEditMode="relative" rAng="0" ptsTypes="AAAAA">
+                                      <p:cBhvr>
+                                        <p:cTn id="6" dur="2000" fill="hold"/>
+                                        <p:tgtEl>
+                                          <p:spTgt spid="8"/>
+                                        </p:tgtEl>
+                                        <p:attrNameLst>
+                                          <p:attrName>ppt_x</p:attrName>
+                                          <p:attrName>ppt_y</p:attrName>
+                                        </p:attrNameLst>
+                                      </p:cBhvr>
+                                      <p:rCtr x="0" y="39282"/>
+                                    </p:animMotion>
+                                  </p:childTnLst>
+                                </p:cTn>
+                              </p:par>
+                            </p:childTnLst>
+                          </p:cTn>
+                        </p:par>
+                      </p:childTnLst>
+                    </p:cTn>
+                  </p:par>
+                </p:childTnLst>
+              </p:cTn>
+              <p:prevCondLst>
+                <p:cond evt="onPrev" delay="0">
+                  <p:tgtEl>
+                    <p:sldTgt/>
+                  </p:tgtEl>
+                </p:cond>
+              </p:prevCondLst>
+              <p:nextCondLst>
+                <p:cond evt="onNext" delay="0">
+                  <p:tgtEl>
+                    <p:sldTgt/>
+                  </p:tgtEl>
+                </p:cond>
+              </p:nextCondLst>
+            </p:seq>
+          </p:childTnLst>
+        </p:cTn>
+      </p:par>
+    </p:tnLst>
+    <p:bldLst>
+      <p:bldP spid="8" grpId="0" animBg="1"/>
+    </p:bldLst>
+  </p:timing>
+</p:sld>
+</file>
+
+<file path=ppt/slides/slide41.xml><?xml version="1.0" encoding="utf-8"?>
+<p:sld xmlns:a="http://schemas.openxmlformats.org/drawingml/2006/main" xmlns:r="http://schemas.openxmlformats.org/officeDocument/2006/relationships" xmlns:p="http://schemas.openxmlformats.org/presentationml/2006/main">
+  <p:cSld>
+    <p:spTree>
+      <p:nvGrpSpPr>
+        <p:cNvPr id="1" name=""/>
+        <p:cNvGrpSpPr/>
+        <p:nvPr/>
+      </p:nvGrpSpPr>
+      <p:grpSpPr>
+        <a:xfrm>
+          <a:off x="0" y="0"/>
+          <a:ext cx="0" cy="0"/>
+          <a:chOff x="0" y="0"/>
+          <a:chExt cx="0" cy="0"/>
+        </a:xfrm>
+      </p:grpSpPr>
+      <p:sp>
+        <p:nvSpPr>
+          <p:cNvPr id="2" name="Title 1">
+            <a:extLst>
+              <a:ext uri="{FF2B5EF4-FFF2-40B4-BE49-F238E27FC236}">
+                <a16:creationId xmlns:a16="http://schemas.microsoft.com/office/drawing/2014/main" id="{A7BAFB69-2F78-46FC-92A3-7D6D589AA986}"/>
+              </a:ext>
+            </a:extLst>
+          </p:cNvPr>
+          <p:cNvSpPr>
+            <a:spLocks noGrp="1"/>
+          </p:cNvSpPr>
+          <p:nvPr>
+            <p:ph type="title"/>
+          </p:nvPr>
+        </p:nvSpPr>
+        <p:spPr/>
+        <p:txBody>
+          <a:bodyPr/>
+          <a:lstStyle/>
+          <a:p>
+            <a:r>
+              <a:rPr lang="de-DE" dirty="0"/>
+              <a:t>Task Queue vs. Microtask Queue</a:t>
+            </a:r>
+          </a:p>
+        </p:txBody>
+      </p:sp>
+      <p:sp>
+        <p:nvSpPr>
+          <p:cNvPr id="3" name="Content Placeholder 2">
+            <a:extLst>
+              <a:ext uri="{FF2B5EF4-FFF2-40B4-BE49-F238E27FC236}">
+                <a16:creationId xmlns:a16="http://schemas.microsoft.com/office/drawing/2014/main" id="{D48EBEF7-279F-4457-92FE-09AC836AB9F4}"/>
+              </a:ext>
+            </a:extLst>
+          </p:cNvPr>
+          <p:cNvSpPr>
+            <a:spLocks noGrp="1"/>
+          </p:cNvSpPr>
+          <p:nvPr>
+            <p:ph idx="1"/>
+          </p:nvPr>
+        </p:nvSpPr>
+        <p:spPr/>
+        <p:txBody>
+          <a:bodyPr>
+            <a:normAutofit lnSpcReduction="10000"/>
+          </a:bodyPr>
+          <a:lstStyle/>
+          <a:p>
+            <a:r>
+              <a:rPr lang="de-DE" dirty="0"/>
+              <a:t>Task Queue</a:t>
+            </a:r>
+          </a:p>
+          <a:p>
+            <a:pPr lvl="1"/>
+            <a:r>
+              <a:rPr lang="de-DE" dirty="0" err="1"/>
+              <a:t>Dequeue</a:t>
+            </a:r>
+            <a:r>
+              <a:rPr lang="de-DE" dirty="0"/>
+              <a:t> Task</a:t>
+            </a:r>
+          </a:p>
+          <a:p>
+            <a:pPr lvl="1"/>
+            <a:r>
+              <a:rPr lang="de-DE" dirty="0"/>
+              <a:t>Task wird bis zum Ende ausgeführt</a:t>
+            </a:r>
+          </a:p>
+          <a:p>
+            <a:pPr lvl="1"/>
+            <a:r>
+              <a:rPr lang="de-DE" dirty="0"/>
+              <a:t>Nach Abschluss „läuft“ der Loop weiter </a:t>
+            </a:r>
+          </a:p>
+          <a:p>
+            <a:pPr lvl="2"/>
+            <a:r>
+              <a:rPr lang="de-DE" dirty="0"/>
+              <a:t>Rendering</a:t>
+            </a:r>
+          </a:p>
+          <a:p>
+            <a:r>
+              <a:rPr lang="de-DE" dirty="0"/>
+              <a:t>Microtask Queue</a:t>
+            </a:r>
+          </a:p>
+          <a:p>
+            <a:pPr lvl="1"/>
+            <a:r>
+              <a:rPr lang="de-DE" dirty="0" err="1"/>
+              <a:t>Dequeue</a:t>
+            </a:r>
+            <a:r>
+              <a:rPr lang="de-DE" dirty="0"/>
+              <a:t> Microtask</a:t>
+            </a:r>
+          </a:p>
+          <a:p>
+            <a:pPr lvl="1"/>
+            <a:r>
+              <a:rPr lang="de-DE" dirty="0"/>
+              <a:t>Microtask bis zum Ende ausführen</a:t>
+            </a:r>
+          </a:p>
+          <a:p>
+            <a:pPr lvl="1"/>
+            <a:r>
+              <a:rPr lang="de-DE" dirty="0"/>
+              <a:t>Weiterer Microtask? Repeat.</a:t>
+            </a:r>
+          </a:p>
+          <a:p>
+            <a:pPr lvl="1"/>
+            <a:r>
+              <a:rPr lang="de-DE" dirty="0"/>
+              <a:t>Wenn Queue leer „läuft“ der Loop weiter</a:t>
+            </a:r>
+          </a:p>
+          <a:p>
+            <a:pPr lvl="2"/>
+            <a:r>
+              <a:rPr lang="de-DE" dirty="0"/>
+              <a:t>Rendering</a:t>
+            </a:r>
+          </a:p>
+        </p:txBody>
+      </p:sp>
+      <p:sp>
+        <p:nvSpPr>
+          <p:cNvPr id="4" name="TextBox 3">
+            <a:extLst>
+              <a:ext uri="{FF2B5EF4-FFF2-40B4-BE49-F238E27FC236}">
+                <a16:creationId xmlns:a16="http://schemas.microsoft.com/office/drawing/2014/main" id="{30A48795-7BEC-4F9A-9A31-5B82E0B72D5D}"/>
+              </a:ext>
+            </a:extLst>
+          </p:cNvPr>
+          <p:cNvSpPr txBox="1"/>
+          <p:nvPr/>
+        </p:nvSpPr>
+        <p:spPr>
+          <a:xfrm>
+            <a:off x="7112000" y="2094865"/>
+            <a:ext cx="5184433" cy="3539430"/>
+          </a:xfrm>
+          <a:prstGeom prst="rect">
+            <a:avLst/>
+          </a:prstGeom>
+          <a:noFill/>
+        </p:spPr>
+        <p:txBody>
+          <a:bodyPr wrap="none" rtlCol="0">
+            <a:spAutoFit/>
+          </a:bodyPr>
+          <a:lstStyle/>
+          <a:p>
+            <a:r>
+              <a:rPr lang="de-DE" sz="1600" b="0" dirty="0" err="1">
+                <a:solidFill>
+                  <a:srgbClr val="C586C0"/>
+                </a:solidFill>
+                <a:effectLst/>
+                <a:latin typeface="JetBrainsMono NF" panose="02010509020102050004" pitchFamily="50" charset="0"/>
+              </a:rPr>
+              <a:t>while</a:t>
+            </a:r>
+            <a:r>
+              <a:rPr lang="de-DE" sz="1600" b="0" dirty="0">
+                <a:solidFill>
+                  <a:srgbClr val="D4D4D4"/>
+                </a:solidFill>
+                <a:effectLst/>
+                <a:latin typeface="JetBrainsMono NF" panose="02010509020102050004" pitchFamily="50" charset="0"/>
+              </a:rPr>
+              <a:t>(</a:t>
+            </a:r>
+            <a:r>
+              <a:rPr lang="de-DE" sz="1600" b="0" dirty="0" err="1">
+                <a:solidFill>
+                  <a:srgbClr val="569CD6"/>
+                </a:solidFill>
+                <a:effectLst/>
+                <a:latin typeface="JetBrainsMono NF" panose="02010509020102050004" pitchFamily="50" charset="0"/>
+              </a:rPr>
+              <a:t>true</a:t>
+            </a:r>
+            <a:r>
+              <a:rPr lang="de-DE" sz="1600" b="0" dirty="0">
+                <a:solidFill>
+                  <a:srgbClr val="D4D4D4"/>
+                </a:solidFill>
+                <a:effectLst/>
+                <a:latin typeface="JetBrainsMono NF" panose="02010509020102050004" pitchFamily="50" charset="0"/>
+              </a:rPr>
+              <a:t>) {</a:t>
+            </a:r>
+          </a:p>
+          <a:p>
+            <a:r>
+              <a:rPr lang="de-DE" sz="1600" b="0" dirty="0">
+                <a:solidFill>
+                  <a:srgbClr val="D4D4D4"/>
+                </a:solidFill>
+                <a:effectLst/>
+                <a:latin typeface="JetBrainsMono NF" panose="02010509020102050004" pitchFamily="50" charset="0"/>
+              </a:rPr>
+              <a:t>    </a:t>
+            </a:r>
+            <a:r>
+              <a:rPr lang="de-DE" sz="1600" b="0" dirty="0">
+                <a:solidFill>
+                  <a:srgbClr val="6A9955"/>
+                </a:solidFill>
+                <a:effectLst/>
+                <a:latin typeface="JetBrainsMono NF" panose="02010509020102050004" pitchFamily="50" charset="0"/>
+              </a:rPr>
+              <a:t>// Task Queue</a:t>
+            </a:r>
+            <a:endParaRPr lang="de-DE" sz="1600" b="0" dirty="0">
+              <a:solidFill>
+                <a:srgbClr val="D4D4D4"/>
+              </a:solidFill>
+              <a:effectLst/>
+              <a:latin typeface="JetBrainsMono NF" panose="02010509020102050004" pitchFamily="50" charset="0"/>
+            </a:endParaRPr>
+          </a:p>
+          <a:p>
+            <a:r>
+              <a:rPr lang="de-DE" sz="1600" b="0" dirty="0">
+                <a:solidFill>
+                  <a:srgbClr val="D4D4D4"/>
+                </a:solidFill>
+                <a:effectLst/>
+                <a:latin typeface="JetBrainsMono NF" panose="02010509020102050004" pitchFamily="50" charset="0"/>
+              </a:rPr>
+              <a:t>    </a:t>
+            </a:r>
+            <a:r>
+              <a:rPr lang="de-DE" sz="1600" b="0" dirty="0" err="1">
+                <a:solidFill>
+                  <a:srgbClr val="C586C0"/>
+                </a:solidFill>
+                <a:effectLst/>
+                <a:latin typeface="JetBrainsMono NF" panose="02010509020102050004" pitchFamily="50" charset="0"/>
+              </a:rPr>
+              <a:t>if</a:t>
+            </a:r>
+            <a:r>
+              <a:rPr lang="de-DE" sz="1600" b="0" dirty="0">
+                <a:solidFill>
+                  <a:srgbClr val="D4D4D4"/>
+                </a:solidFill>
+                <a:effectLst/>
+                <a:latin typeface="JetBrainsMono NF" panose="02010509020102050004" pitchFamily="50" charset="0"/>
+              </a:rPr>
+              <a:t>(</a:t>
+            </a:r>
+            <a:r>
+              <a:rPr lang="de-DE" sz="1600" b="0" dirty="0" err="1">
+                <a:solidFill>
+                  <a:srgbClr val="9CDCFE"/>
+                </a:solidFill>
+                <a:effectLst/>
+                <a:latin typeface="JetBrainsMono NF" panose="02010509020102050004" pitchFamily="50" charset="0"/>
+              </a:rPr>
+              <a:t>taskQueue</a:t>
+            </a:r>
+            <a:r>
+              <a:rPr lang="de-DE" sz="1600" b="0" dirty="0" err="1">
+                <a:solidFill>
+                  <a:srgbClr val="D4D4D4"/>
+                </a:solidFill>
+                <a:effectLst/>
+                <a:latin typeface="JetBrainsMono NF" panose="02010509020102050004" pitchFamily="50" charset="0"/>
+              </a:rPr>
+              <a:t>.</a:t>
+            </a:r>
+            <a:r>
+              <a:rPr lang="de-DE" sz="1600" b="0" dirty="0" err="1">
+                <a:solidFill>
+                  <a:srgbClr val="DCDCAA"/>
+                </a:solidFill>
+                <a:effectLst/>
+                <a:latin typeface="JetBrainsMono NF" panose="02010509020102050004" pitchFamily="50" charset="0"/>
+              </a:rPr>
+              <a:t>hasTasks</a:t>
+            </a:r>
+            <a:r>
+              <a:rPr lang="de-DE" sz="1600" b="0" dirty="0">
+                <a:solidFill>
+                  <a:srgbClr val="D4D4D4"/>
+                </a:solidFill>
+                <a:effectLst/>
+                <a:latin typeface="JetBrainsMono NF" panose="02010509020102050004" pitchFamily="50" charset="0"/>
+              </a:rPr>
+              <a:t>()) {</a:t>
+            </a:r>
+          </a:p>
+          <a:p>
+            <a:r>
+              <a:rPr lang="de-DE" sz="1600" b="0" dirty="0">
+                <a:solidFill>
+                  <a:srgbClr val="D4D4D4"/>
+                </a:solidFill>
+                <a:effectLst/>
+                <a:latin typeface="JetBrainsMono NF" panose="02010509020102050004" pitchFamily="50" charset="0"/>
+              </a:rPr>
+              <a:t>        </a:t>
+            </a:r>
+            <a:r>
+              <a:rPr lang="de-DE" sz="1600" b="0" dirty="0" err="1">
+                <a:solidFill>
+                  <a:srgbClr val="569CD6"/>
+                </a:solidFill>
+                <a:effectLst/>
+                <a:latin typeface="JetBrainsMono NF" panose="02010509020102050004" pitchFamily="50" charset="0"/>
+              </a:rPr>
+              <a:t>const</a:t>
+            </a:r>
+            <a:r>
+              <a:rPr lang="de-DE" sz="1600" b="0" dirty="0">
+                <a:solidFill>
+                  <a:srgbClr val="D4D4D4"/>
+                </a:solidFill>
+                <a:effectLst/>
+                <a:latin typeface="JetBrainsMono NF" panose="02010509020102050004" pitchFamily="50" charset="0"/>
+              </a:rPr>
+              <a:t> </a:t>
+            </a:r>
+            <a:r>
+              <a:rPr lang="de-DE" sz="1600" b="0" dirty="0" err="1">
+                <a:solidFill>
+                  <a:srgbClr val="4FC1FF"/>
+                </a:solidFill>
+                <a:effectLst/>
+                <a:latin typeface="JetBrainsMono NF" panose="02010509020102050004" pitchFamily="50" charset="0"/>
+              </a:rPr>
+              <a:t>task</a:t>
+            </a:r>
+            <a:r>
+              <a:rPr lang="de-DE" sz="1600" b="0" dirty="0">
+                <a:solidFill>
+                  <a:srgbClr val="D4D4D4"/>
+                </a:solidFill>
+                <a:effectLst/>
+                <a:latin typeface="JetBrainsMono NF" panose="02010509020102050004" pitchFamily="50" charset="0"/>
+              </a:rPr>
+              <a:t> = </a:t>
+            </a:r>
+            <a:r>
+              <a:rPr lang="de-DE" sz="1600" b="0" dirty="0" err="1">
+                <a:solidFill>
+                  <a:srgbClr val="9CDCFE"/>
+                </a:solidFill>
+                <a:effectLst/>
+                <a:latin typeface="JetBrainsMono NF" panose="02010509020102050004" pitchFamily="50" charset="0"/>
+              </a:rPr>
+              <a:t>taskQueue</a:t>
+            </a:r>
+            <a:r>
+              <a:rPr lang="de-DE" sz="1600" b="0" dirty="0" err="1">
+                <a:solidFill>
+                  <a:srgbClr val="D4D4D4"/>
+                </a:solidFill>
+                <a:effectLst/>
+                <a:latin typeface="JetBrainsMono NF" panose="02010509020102050004" pitchFamily="50" charset="0"/>
+              </a:rPr>
+              <a:t>.</a:t>
+            </a:r>
+            <a:r>
+              <a:rPr lang="de-DE" sz="1600" b="0" dirty="0" err="1">
+                <a:solidFill>
+                  <a:srgbClr val="DCDCAA"/>
+                </a:solidFill>
+                <a:effectLst/>
+                <a:latin typeface="JetBrainsMono NF" panose="02010509020102050004" pitchFamily="50" charset="0"/>
+              </a:rPr>
+              <a:t>dequeue</a:t>
+            </a:r>
+            <a:r>
+              <a:rPr lang="de-DE" sz="1600" b="0" dirty="0">
+                <a:solidFill>
+                  <a:srgbClr val="D4D4D4"/>
+                </a:solidFill>
+                <a:effectLst/>
+                <a:latin typeface="JetBrainsMono NF" panose="02010509020102050004" pitchFamily="50" charset="0"/>
+              </a:rPr>
+              <a:t>();</a:t>
+            </a:r>
+          </a:p>
+          <a:p>
+            <a:r>
+              <a:rPr lang="de-DE" sz="1600" b="0" dirty="0">
+                <a:solidFill>
+                  <a:srgbClr val="D4D4D4"/>
+                </a:solidFill>
+                <a:effectLst/>
+                <a:latin typeface="JetBrainsMono NF" panose="02010509020102050004" pitchFamily="50" charset="0"/>
+              </a:rPr>
+              <a:t>        </a:t>
+            </a:r>
+            <a:r>
+              <a:rPr lang="de-DE" sz="1600" b="0" dirty="0" err="1">
+                <a:solidFill>
+                  <a:srgbClr val="9CDCFE"/>
+                </a:solidFill>
+                <a:effectLst/>
+                <a:latin typeface="JetBrainsMono NF" panose="02010509020102050004" pitchFamily="50" charset="0"/>
+              </a:rPr>
+              <a:t>task</a:t>
+            </a:r>
+            <a:r>
+              <a:rPr lang="de-DE" sz="1600" b="0" dirty="0" err="1">
+                <a:solidFill>
+                  <a:srgbClr val="D4D4D4"/>
+                </a:solidFill>
+                <a:effectLst/>
+                <a:latin typeface="JetBrainsMono NF" panose="02010509020102050004" pitchFamily="50" charset="0"/>
+              </a:rPr>
+              <a:t>.</a:t>
+            </a:r>
+            <a:r>
+              <a:rPr lang="de-DE" sz="1600" b="0" dirty="0" err="1">
+                <a:solidFill>
+                  <a:srgbClr val="DCDCAA"/>
+                </a:solidFill>
+                <a:effectLst/>
+                <a:latin typeface="JetBrainsMono NF" panose="02010509020102050004" pitchFamily="50" charset="0"/>
+              </a:rPr>
+              <a:t>execute</a:t>
+            </a:r>
+            <a:r>
+              <a:rPr lang="de-DE" sz="1600" b="0" dirty="0">
+                <a:solidFill>
+                  <a:srgbClr val="D4D4D4"/>
+                </a:solidFill>
+                <a:effectLst/>
+                <a:latin typeface="JetBrainsMono NF" panose="02010509020102050004" pitchFamily="50" charset="0"/>
+              </a:rPr>
+              <a:t>();</a:t>
+            </a:r>
+          </a:p>
+          <a:p>
+            <a:r>
+              <a:rPr lang="de-DE" sz="1600" b="0" dirty="0">
+                <a:solidFill>
+                  <a:srgbClr val="D4D4D4"/>
+                </a:solidFill>
+                <a:effectLst/>
+                <a:latin typeface="JetBrainsMono NF" panose="02010509020102050004" pitchFamily="50" charset="0"/>
+              </a:rPr>
+              <a:t>    }</a:t>
+            </a:r>
+          </a:p>
+          <a:p>
+            <a:r>
+              <a:rPr lang="de-DE" sz="1600" b="0" dirty="0">
+                <a:solidFill>
+                  <a:srgbClr val="D4D4D4"/>
+                </a:solidFill>
+                <a:effectLst/>
+                <a:latin typeface="JetBrainsMono NF" panose="02010509020102050004" pitchFamily="50" charset="0"/>
+              </a:rPr>
+              <a:t>    </a:t>
+            </a:r>
+            <a:r>
+              <a:rPr lang="de-DE" sz="1600" b="0" dirty="0">
+                <a:solidFill>
+                  <a:srgbClr val="6A9955"/>
+                </a:solidFill>
+                <a:effectLst/>
+                <a:latin typeface="JetBrainsMono NF" panose="02010509020102050004" pitchFamily="50" charset="0"/>
+              </a:rPr>
+              <a:t>// Microtask Queue</a:t>
+            </a:r>
+            <a:endParaRPr lang="de-DE" sz="1600" b="0" dirty="0">
+              <a:solidFill>
+                <a:srgbClr val="D4D4D4"/>
+              </a:solidFill>
+              <a:effectLst/>
+              <a:latin typeface="JetBrainsMono NF" panose="02010509020102050004" pitchFamily="50" charset="0"/>
+            </a:endParaRPr>
+          </a:p>
+          <a:p>
+            <a:r>
+              <a:rPr lang="de-DE" sz="1600" b="0" dirty="0">
+                <a:solidFill>
+                  <a:srgbClr val="D4D4D4"/>
+                </a:solidFill>
+                <a:effectLst/>
+                <a:latin typeface="JetBrainsMono NF" panose="02010509020102050004" pitchFamily="50" charset="0"/>
+              </a:rPr>
+              <a:t>    </a:t>
+            </a:r>
+            <a:r>
+              <a:rPr lang="de-DE" sz="1600" b="0" dirty="0" err="1">
+                <a:solidFill>
+                  <a:srgbClr val="C586C0"/>
+                </a:solidFill>
+                <a:effectLst/>
+                <a:latin typeface="JetBrainsMono NF" panose="02010509020102050004" pitchFamily="50" charset="0"/>
+              </a:rPr>
+              <a:t>while</a:t>
+            </a:r>
+            <a:r>
+              <a:rPr lang="de-DE" sz="1600" b="0" dirty="0">
+                <a:solidFill>
+                  <a:srgbClr val="D4D4D4"/>
+                </a:solidFill>
+                <a:effectLst/>
+                <a:latin typeface="JetBrainsMono NF" panose="02010509020102050004" pitchFamily="50" charset="0"/>
+              </a:rPr>
+              <a:t>(</a:t>
+            </a:r>
+            <a:r>
+              <a:rPr lang="el-GR" sz="1600" b="0" dirty="0">
+                <a:solidFill>
+                  <a:srgbClr val="9CDCFE"/>
+                </a:solidFill>
+                <a:effectLst/>
+                <a:latin typeface="JetBrainsMono NF" panose="02010509020102050004" pitchFamily="50" charset="0"/>
+              </a:rPr>
+              <a:t>μ</a:t>
+            </a:r>
+            <a:r>
+              <a:rPr lang="de-DE" sz="1600" b="0" dirty="0" err="1">
+                <a:solidFill>
+                  <a:srgbClr val="9CDCFE"/>
+                </a:solidFill>
+                <a:effectLst/>
+                <a:latin typeface="JetBrainsMono NF" panose="02010509020102050004" pitchFamily="50" charset="0"/>
+              </a:rPr>
+              <a:t>TaskQueue</a:t>
+            </a:r>
+            <a:r>
+              <a:rPr lang="de-DE" sz="1600" b="0" dirty="0" err="1">
+                <a:solidFill>
+                  <a:srgbClr val="D4D4D4"/>
+                </a:solidFill>
+                <a:effectLst/>
+                <a:latin typeface="JetBrainsMono NF" panose="02010509020102050004" pitchFamily="50" charset="0"/>
+              </a:rPr>
+              <a:t>.</a:t>
+            </a:r>
+            <a:r>
+              <a:rPr lang="de-DE" sz="1600" b="0" dirty="0" err="1">
+                <a:solidFill>
+                  <a:srgbClr val="DCDCAA"/>
+                </a:solidFill>
+                <a:effectLst/>
+                <a:latin typeface="JetBrainsMono NF" panose="02010509020102050004" pitchFamily="50" charset="0"/>
+              </a:rPr>
+              <a:t>hasTasks</a:t>
+            </a:r>
+            <a:r>
+              <a:rPr lang="de-DE" sz="1600" b="0" dirty="0">
+                <a:solidFill>
+                  <a:srgbClr val="D4D4D4"/>
+                </a:solidFill>
+                <a:effectLst/>
+                <a:latin typeface="JetBrainsMono NF" panose="02010509020102050004" pitchFamily="50" charset="0"/>
+              </a:rPr>
+              <a:t>()) {</a:t>
+            </a:r>
+          </a:p>
+          <a:p>
+            <a:r>
+              <a:rPr lang="de-DE" sz="1600" b="0" dirty="0">
+                <a:solidFill>
+                  <a:srgbClr val="D4D4D4"/>
+                </a:solidFill>
+                <a:effectLst/>
+                <a:latin typeface="JetBrainsMono NF" panose="02010509020102050004" pitchFamily="50" charset="0"/>
+              </a:rPr>
+              <a:t>        </a:t>
+            </a:r>
+            <a:r>
+              <a:rPr lang="de-DE" sz="1600" b="0" dirty="0" err="1">
+                <a:solidFill>
+                  <a:srgbClr val="569CD6"/>
+                </a:solidFill>
+                <a:effectLst/>
+                <a:latin typeface="JetBrainsMono NF" panose="02010509020102050004" pitchFamily="50" charset="0"/>
+              </a:rPr>
+              <a:t>const</a:t>
+            </a:r>
+            <a:r>
+              <a:rPr lang="de-DE" sz="1600" b="0" dirty="0">
+                <a:solidFill>
+                  <a:srgbClr val="D4D4D4"/>
+                </a:solidFill>
+                <a:effectLst/>
+                <a:latin typeface="JetBrainsMono NF" panose="02010509020102050004" pitchFamily="50" charset="0"/>
+              </a:rPr>
+              <a:t> </a:t>
+            </a:r>
+            <a:r>
+              <a:rPr lang="el-GR" sz="1600" b="0" dirty="0">
+                <a:solidFill>
+                  <a:srgbClr val="4FC1FF"/>
+                </a:solidFill>
+                <a:effectLst/>
+                <a:latin typeface="JetBrainsMono NF" panose="02010509020102050004" pitchFamily="50" charset="0"/>
+              </a:rPr>
+              <a:t>μ</a:t>
+            </a:r>
+            <a:r>
+              <a:rPr lang="de-DE" sz="1600" dirty="0">
+                <a:solidFill>
+                  <a:srgbClr val="4FC1FF"/>
+                </a:solidFill>
+                <a:latin typeface="JetBrainsMono NF" panose="02010509020102050004" pitchFamily="50" charset="0"/>
+              </a:rPr>
+              <a:t>T</a:t>
+            </a:r>
+            <a:r>
+              <a:rPr lang="de-DE" sz="1600" b="0" dirty="0">
+                <a:solidFill>
+                  <a:srgbClr val="4FC1FF"/>
+                </a:solidFill>
+                <a:effectLst/>
+                <a:latin typeface="JetBrainsMono NF" panose="02010509020102050004" pitchFamily="50" charset="0"/>
+              </a:rPr>
+              <a:t>ask</a:t>
+            </a:r>
+            <a:r>
+              <a:rPr lang="de-DE" sz="1600" b="0" dirty="0">
+                <a:solidFill>
+                  <a:srgbClr val="D4D4D4"/>
+                </a:solidFill>
+                <a:effectLst/>
+                <a:latin typeface="JetBrainsMono NF" panose="02010509020102050004" pitchFamily="50" charset="0"/>
+              </a:rPr>
+              <a:t> = </a:t>
+            </a:r>
+            <a:r>
+              <a:rPr lang="el-GR" sz="1600" b="0" dirty="0">
+                <a:solidFill>
+                  <a:srgbClr val="9CDCFE"/>
+                </a:solidFill>
+                <a:effectLst/>
+                <a:latin typeface="JetBrainsMono NF" panose="02010509020102050004" pitchFamily="50" charset="0"/>
+              </a:rPr>
+              <a:t>μ</a:t>
+            </a:r>
+            <a:r>
+              <a:rPr lang="de-DE" sz="1600" dirty="0" err="1">
+                <a:solidFill>
+                  <a:srgbClr val="9CDCFE"/>
+                </a:solidFill>
+                <a:latin typeface="JetBrainsMono NF" panose="02010509020102050004" pitchFamily="50" charset="0"/>
+              </a:rPr>
+              <a:t>T</a:t>
+            </a:r>
+            <a:r>
+              <a:rPr lang="de-DE" sz="1600" b="0" dirty="0" err="1">
+                <a:solidFill>
+                  <a:srgbClr val="9CDCFE"/>
+                </a:solidFill>
+                <a:effectLst/>
+                <a:latin typeface="JetBrainsMono NF" panose="02010509020102050004" pitchFamily="50" charset="0"/>
+              </a:rPr>
+              <a:t>askQueue</a:t>
+            </a:r>
+            <a:r>
+              <a:rPr lang="de-DE" sz="1600" b="0" dirty="0" err="1">
+                <a:solidFill>
+                  <a:srgbClr val="D4D4D4"/>
+                </a:solidFill>
+                <a:effectLst/>
+                <a:latin typeface="JetBrainsMono NF" panose="02010509020102050004" pitchFamily="50" charset="0"/>
+              </a:rPr>
+              <a:t>.</a:t>
+            </a:r>
+            <a:r>
+              <a:rPr lang="de-DE" sz="1600" b="0" dirty="0" err="1">
+                <a:solidFill>
+                  <a:srgbClr val="DCDCAA"/>
+                </a:solidFill>
+                <a:effectLst/>
+                <a:latin typeface="JetBrainsMono NF" panose="02010509020102050004" pitchFamily="50" charset="0"/>
+              </a:rPr>
+              <a:t>dequeue</a:t>
+            </a:r>
+            <a:r>
+              <a:rPr lang="de-DE" sz="1600" b="0" dirty="0">
+                <a:solidFill>
+                  <a:srgbClr val="D4D4D4"/>
+                </a:solidFill>
+                <a:effectLst/>
+                <a:latin typeface="JetBrainsMono NF" panose="02010509020102050004" pitchFamily="50" charset="0"/>
+              </a:rPr>
+              <a:t>();</a:t>
+            </a:r>
+          </a:p>
+          <a:p>
+            <a:r>
+              <a:rPr lang="de-DE" sz="1600" b="0" dirty="0">
+                <a:solidFill>
+                  <a:srgbClr val="D4D4D4"/>
+                </a:solidFill>
+                <a:effectLst/>
+                <a:latin typeface="JetBrainsMono NF" panose="02010509020102050004" pitchFamily="50" charset="0"/>
+              </a:rPr>
+              <a:t>        </a:t>
+            </a:r>
+            <a:r>
+              <a:rPr lang="el-GR" sz="1600" b="0" dirty="0">
+                <a:solidFill>
+                  <a:srgbClr val="9CDCFE"/>
+                </a:solidFill>
+                <a:effectLst/>
+                <a:latin typeface="JetBrainsMono NF" panose="02010509020102050004" pitchFamily="50" charset="0"/>
+              </a:rPr>
+              <a:t>μ</a:t>
+            </a:r>
+            <a:r>
+              <a:rPr lang="de-DE" sz="1600" b="0" dirty="0" err="1">
+                <a:solidFill>
+                  <a:srgbClr val="9CDCFE"/>
+                </a:solidFill>
+                <a:effectLst/>
+                <a:latin typeface="JetBrainsMono NF" panose="02010509020102050004" pitchFamily="50" charset="0"/>
+              </a:rPr>
+              <a:t>Task</a:t>
+            </a:r>
+            <a:r>
+              <a:rPr lang="de-DE" sz="1600" b="0" dirty="0" err="1">
+                <a:solidFill>
+                  <a:srgbClr val="D4D4D4"/>
+                </a:solidFill>
+                <a:effectLst/>
+                <a:latin typeface="JetBrainsMono NF" panose="02010509020102050004" pitchFamily="50" charset="0"/>
+              </a:rPr>
+              <a:t>.</a:t>
+            </a:r>
+            <a:r>
+              <a:rPr lang="de-DE" sz="1600" b="0" dirty="0" err="1">
+                <a:solidFill>
+                  <a:srgbClr val="DCDCAA"/>
+                </a:solidFill>
+                <a:effectLst/>
+                <a:latin typeface="JetBrainsMono NF" panose="02010509020102050004" pitchFamily="50" charset="0"/>
+              </a:rPr>
+              <a:t>execute</a:t>
+            </a:r>
+            <a:r>
+              <a:rPr lang="de-DE" sz="1600" b="0" dirty="0">
+                <a:solidFill>
+                  <a:srgbClr val="D4D4D4"/>
+                </a:solidFill>
+                <a:effectLst/>
+                <a:latin typeface="JetBrainsMono NF" panose="02010509020102050004" pitchFamily="50" charset="0"/>
+              </a:rPr>
+              <a:t>();</a:t>
+            </a:r>
+          </a:p>
+          <a:p>
+            <a:r>
+              <a:rPr lang="de-DE" sz="1600" b="0" dirty="0">
+                <a:solidFill>
+                  <a:srgbClr val="D4D4D4"/>
+                </a:solidFill>
+                <a:effectLst/>
+                <a:latin typeface="JetBrainsMono NF" panose="02010509020102050004" pitchFamily="50" charset="0"/>
+              </a:rPr>
+              <a:t>    }</a:t>
+            </a:r>
+          </a:p>
+          <a:p>
+            <a:r>
+              <a:rPr lang="de-DE" sz="1600" b="0" dirty="0">
+                <a:solidFill>
+                  <a:srgbClr val="D4D4D4"/>
+                </a:solidFill>
+                <a:effectLst/>
+                <a:latin typeface="JetBrainsMono NF" panose="02010509020102050004" pitchFamily="50" charset="0"/>
+              </a:rPr>
+              <a:t>    </a:t>
+            </a:r>
+            <a:r>
+              <a:rPr lang="de-DE" sz="1600" b="0" dirty="0" err="1">
+                <a:solidFill>
+                  <a:srgbClr val="DCDCAA"/>
+                </a:solidFill>
+                <a:effectLst/>
+                <a:latin typeface="JetBrainsMono NF" panose="02010509020102050004" pitchFamily="50" charset="0"/>
+              </a:rPr>
+              <a:t>updateRendering</a:t>
+            </a:r>
+            <a:r>
+              <a:rPr lang="de-DE" sz="1600" b="0" dirty="0">
+                <a:solidFill>
+                  <a:srgbClr val="D4D4D4"/>
+                </a:solidFill>
+                <a:effectLst/>
+                <a:latin typeface="JetBrainsMono NF" panose="02010509020102050004" pitchFamily="50" charset="0"/>
+              </a:rPr>
+              <a:t>();</a:t>
+            </a:r>
+          </a:p>
+          <a:p>
+            <a:r>
+              <a:rPr lang="de-DE" sz="1600" b="0" dirty="0">
+                <a:solidFill>
+                  <a:srgbClr val="D4D4D4"/>
+                </a:solidFill>
+                <a:effectLst/>
+                <a:latin typeface="JetBrainsMono NF" panose="02010509020102050004" pitchFamily="50" charset="0"/>
+              </a:rPr>
+              <a:t>}</a:t>
+            </a:r>
+          </a:p>
+          <a:p>
+            <a:endParaRPr lang="de-DE" sz="1600" dirty="0"/>
+          </a:p>
+        </p:txBody>
+      </p:sp>
+    </p:spTree>
+    <p:extLst>
+      <p:ext uri="{BB962C8B-B14F-4D97-AF65-F5344CB8AC3E}">
+        <p14:creationId xmlns:p14="http://schemas.microsoft.com/office/powerpoint/2010/main" val="1717469242"/>
+      </p:ext>
+    </p:extLst>
+  </p:cSld>
+  <p:clrMapOvr>
+    <a:masterClrMapping/>
+  </p:clrMapOvr>
+</p:sld>
+</file>
+
+<file path=ppt/slides/slide42.xml><?xml version="1.0" encoding="utf-8"?>
+<p:sld xmlns:a="http://schemas.openxmlformats.org/drawingml/2006/main" xmlns:r="http://schemas.openxmlformats.org/officeDocument/2006/relationships" xmlns:p="http://schemas.openxmlformats.org/presentationml/2006/main">
+  <p:cSld>
+    <p:spTree>
+      <p:nvGrpSpPr>
+        <p:cNvPr id="1" name=""/>
+        <p:cNvGrpSpPr/>
+        <p:nvPr/>
+      </p:nvGrpSpPr>
+      <p:grpSpPr>
+        <a:xfrm>
+          <a:off x="0" y="0"/>
+          <a:ext cx="0" cy="0"/>
+          <a:chOff x="0" y="0"/>
+          <a:chExt cx="0" cy="0"/>
+        </a:xfrm>
+      </p:grpSpPr>
+      <p:sp>
+        <p:nvSpPr>
           <p:cNvPr id="2" name="Title 1">
             <a:extLst>
               <a:ext uri="{FF2B5EF4-FFF2-40B4-BE49-F238E27FC236}">
@@ -31148,7 +32094,7 @@
 </p:sld>
 </file>
 
-<file path=ppt/slides/slide41.xml><?xml version="1.0" encoding="utf-8"?>
+<file path=ppt/slides/slide43.xml><?xml version="1.0" encoding="utf-8"?>
 <p:sld xmlns:a="http://schemas.openxmlformats.org/drawingml/2006/main" xmlns:r="http://schemas.openxmlformats.org/officeDocument/2006/relationships" xmlns:p="http://schemas.openxmlformats.org/presentationml/2006/main">
   <p:cSld>
     <p:spTree>
@@ -32620,7 +33566,7 @@
 </p:sld>
 </file>
 
-<file path=ppt/slides/slide42.xml><?xml version="1.0" encoding="utf-8"?>
+<file path=ppt/slides/slide44.xml><?xml version="1.0" encoding="utf-8"?>
 <p:sld xmlns:a="http://schemas.openxmlformats.org/drawingml/2006/main" xmlns:r="http://schemas.openxmlformats.org/officeDocument/2006/relationships" xmlns:p="http://schemas.openxmlformats.org/presentationml/2006/main">
   <p:cSld>
     <p:spTree>
@@ -34178,7 +35124,7 @@
 </p:sld>
 </file>
 
-<file path=ppt/slides/slide43.xml><?xml version="1.0" encoding="utf-8"?>
+<file path=ppt/slides/slide45.xml><?xml version="1.0" encoding="utf-8"?>
 <p:sld xmlns:a="http://schemas.openxmlformats.org/drawingml/2006/main" xmlns:r="http://schemas.openxmlformats.org/officeDocument/2006/relationships" xmlns:p="http://schemas.openxmlformats.org/presentationml/2006/main">
   <p:cSld>
     <p:spTree>
@@ -35220,7 +36166,7 @@
 </p:sld>
 </file>
 
-<file path=ppt/slides/slide44.xml><?xml version="1.0" encoding="utf-8"?>
+<file path=ppt/slides/slide46.xml><?xml version="1.0" encoding="utf-8"?>
 <p:sld xmlns:a="http://schemas.openxmlformats.org/drawingml/2006/main" xmlns:r="http://schemas.openxmlformats.org/officeDocument/2006/relationships" xmlns:p="http://schemas.openxmlformats.org/presentationml/2006/main">
   <p:cSld>
     <p:spTree>
@@ -36267,7 +37213,7 @@
 </p:sld>
 </file>
 
-<file path=ppt/slides/slide45.xml><?xml version="1.0" encoding="utf-8"?>
+<file path=ppt/slides/slide47.xml><?xml version="1.0" encoding="utf-8"?>
 <p:sld xmlns:a="http://schemas.openxmlformats.org/drawingml/2006/main" xmlns:r="http://schemas.openxmlformats.org/officeDocument/2006/relationships" xmlns:p="http://schemas.openxmlformats.org/presentationml/2006/main">
   <p:cSld>
     <p:spTree>
@@ -37978,7 +38924,7 @@
 </p:sld>
 </file>
 
-<file path=ppt/slides/slide46.xml><?xml version="1.0" encoding="utf-8"?>
+<file path=ppt/slides/slide48.xml><?xml version="1.0" encoding="utf-8"?>
 <p:sld xmlns:a="http://schemas.openxmlformats.org/drawingml/2006/main" xmlns:r="http://schemas.openxmlformats.org/officeDocument/2006/relationships" xmlns:p="http://schemas.openxmlformats.org/presentationml/2006/main">
   <p:cSld>
     <p:spTree>
@@ -38637,7 +39583,7 @@
 </p:sld>
 </file>
 
-<file path=ppt/slides/slide47.xml><?xml version="1.0" encoding="utf-8"?>
+<file path=ppt/slides/slide49.xml><?xml version="1.0" encoding="utf-8"?>
 <p:sld xmlns:a="http://schemas.openxmlformats.org/drawingml/2006/main" xmlns:r="http://schemas.openxmlformats.org/officeDocument/2006/relationships" xmlns:p="http://schemas.openxmlformats.org/presentationml/2006/main">
   <p:cSld>
     <p:spTree>
@@ -39472,7 +40418,125 @@
 </p:sld>
 </file>
 
-<file path=ppt/slides/slide48.xml><?xml version="1.0" encoding="utf-8"?>
+<file path=ppt/slides/slide5.xml><?xml version="1.0" encoding="utf-8"?>
+<p:sld xmlns:a="http://schemas.openxmlformats.org/drawingml/2006/main" xmlns:r="http://schemas.openxmlformats.org/officeDocument/2006/relationships" xmlns:p="http://schemas.openxmlformats.org/presentationml/2006/main" show="0">
+  <p:cSld>
+    <p:spTree>
+      <p:nvGrpSpPr>
+        <p:cNvPr id="1" name=""/>
+        <p:cNvGrpSpPr/>
+        <p:nvPr/>
+      </p:nvGrpSpPr>
+      <p:grpSpPr>
+        <a:xfrm>
+          <a:off x="0" y="0"/>
+          <a:ext cx="0" cy="0"/>
+          <a:chOff x="0" y="0"/>
+          <a:chExt cx="0" cy="0"/>
+        </a:xfrm>
+      </p:grpSpPr>
+      <p:sp>
+        <p:nvSpPr>
+          <p:cNvPr id="2" name="Title 1">
+            <a:extLst>
+              <a:ext uri="{FF2B5EF4-FFF2-40B4-BE49-F238E27FC236}">
+                <a16:creationId xmlns:a16="http://schemas.microsoft.com/office/drawing/2014/main" id="{04A2D1EB-F539-4D17-BAA3-ABA769C2A3ED}"/>
+              </a:ext>
+            </a:extLst>
+          </p:cNvPr>
+          <p:cNvSpPr>
+            <a:spLocks noGrp="1"/>
+          </p:cNvSpPr>
+          <p:nvPr>
+            <p:ph type="title"/>
+          </p:nvPr>
+        </p:nvSpPr>
+        <p:spPr/>
+        <p:txBody>
+          <a:bodyPr/>
+          <a:lstStyle/>
+          <a:p>
+            <a:r>
+              <a:rPr lang="de-DE" dirty="0"/>
+              <a:t>Fast Facts</a:t>
+            </a:r>
+          </a:p>
+        </p:txBody>
+      </p:sp>
+      <p:sp>
+        <p:nvSpPr>
+          <p:cNvPr id="3" name="Content Placeholder 2">
+            <a:extLst>
+              <a:ext uri="{FF2B5EF4-FFF2-40B4-BE49-F238E27FC236}">
+                <a16:creationId xmlns:a16="http://schemas.microsoft.com/office/drawing/2014/main" id="{B0313D98-15CA-434D-8D39-2FB63ED2BC35}"/>
+              </a:ext>
+            </a:extLst>
+          </p:cNvPr>
+          <p:cNvSpPr>
+            <a:spLocks noGrp="1"/>
+          </p:cNvSpPr>
+          <p:nvPr>
+            <p:ph idx="1"/>
+          </p:nvPr>
+        </p:nvSpPr>
+        <p:spPr/>
+        <p:txBody>
+          <a:bodyPr/>
+          <a:lstStyle/>
+          <a:p>
+            <a:r>
+              <a:rPr lang="de-DE" dirty="0"/>
+              <a:t>JS wurde für Netscape Navigator entwickelt</a:t>
+            </a:r>
+          </a:p>
+          <a:p>
+            <a:r>
+              <a:rPr lang="de-DE" dirty="0"/>
+              <a:t>Browser und Webseiten lange Zeit nicht standardisiert</a:t>
+            </a:r>
+          </a:p>
+          <a:p>
+            <a:pPr lvl="1"/>
+            <a:r>
+              <a:rPr lang="de-DE" dirty="0"/>
+              <a:t>Bspw.: Internet Explorer</a:t>
+            </a:r>
+          </a:p>
+          <a:p>
+            <a:r>
+              <a:rPr lang="de-DE" dirty="0"/>
+              <a:t>2004 HTML Standard</a:t>
+            </a:r>
+          </a:p>
+          <a:p>
+            <a:pPr lvl="1"/>
+            <a:r>
+              <a:rPr lang="de-DE" dirty="0"/>
+              <a:t>WHATWG</a:t>
+            </a:r>
+          </a:p>
+          <a:p>
+            <a:r>
+              <a:rPr lang="de-DE" dirty="0"/>
+              <a:t>Aktuelle Version: HTML5</a:t>
+            </a:r>
+          </a:p>
+        </p:txBody>
+      </p:sp>
+    </p:spTree>
+    <p:extLst>
+      <p:ext uri="{BB962C8B-B14F-4D97-AF65-F5344CB8AC3E}">
+        <p14:creationId xmlns:p14="http://schemas.microsoft.com/office/powerpoint/2010/main" val="664395082"/>
+      </p:ext>
+    </p:extLst>
+  </p:cSld>
+  <p:clrMapOvr>
+    <a:masterClrMapping/>
+  </p:clrMapOvr>
+</p:sld>
+</file>
+
+<file path=ppt/slides/slide50.xml><?xml version="1.0" encoding="utf-8"?>
 <p:sld xmlns:a="http://schemas.openxmlformats.org/drawingml/2006/main" xmlns:r="http://schemas.openxmlformats.org/officeDocument/2006/relationships" xmlns:p="http://schemas.openxmlformats.org/presentationml/2006/main">
   <p:cSld>
     <p:spTree>
@@ -41017,7 +42081,7 @@
 </p:sld>
 </file>
 
-<file path=ppt/slides/slide49.xml><?xml version="1.0" encoding="utf-8"?>
+<file path=ppt/slides/slide51.xml><?xml version="1.0" encoding="utf-8"?>
 <p:sld xmlns:a="http://schemas.openxmlformats.org/drawingml/2006/main" xmlns:r="http://schemas.openxmlformats.org/officeDocument/2006/relationships" xmlns:p="http://schemas.openxmlformats.org/presentationml/2006/main">
   <p:cSld>
     <p:spTree>
@@ -41100,125 +42164,7 @@
 </p:sld>
 </file>
 
-<file path=ppt/slides/slide5.xml><?xml version="1.0" encoding="utf-8"?>
-<p:sld xmlns:a="http://schemas.openxmlformats.org/drawingml/2006/main" xmlns:r="http://schemas.openxmlformats.org/officeDocument/2006/relationships" xmlns:p="http://schemas.openxmlformats.org/presentationml/2006/main" show="0">
-  <p:cSld>
-    <p:spTree>
-      <p:nvGrpSpPr>
-        <p:cNvPr id="1" name=""/>
-        <p:cNvGrpSpPr/>
-        <p:nvPr/>
-      </p:nvGrpSpPr>
-      <p:grpSpPr>
-        <a:xfrm>
-          <a:off x="0" y="0"/>
-          <a:ext cx="0" cy="0"/>
-          <a:chOff x="0" y="0"/>
-          <a:chExt cx="0" cy="0"/>
-        </a:xfrm>
-      </p:grpSpPr>
-      <p:sp>
-        <p:nvSpPr>
-          <p:cNvPr id="2" name="Title 1">
-            <a:extLst>
-              <a:ext uri="{FF2B5EF4-FFF2-40B4-BE49-F238E27FC236}">
-                <a16:creationId xmlns:a16="http://schemas.microsoft.com/office/drawing/2014/main" id="{04A2D1EB-F539-4D17-BAA3-ABA769C2A3ED}"/>
-              </a:ext>
-            </a:extLst>
-          </p:cNvPr>
-          <p:cNvSpPr>
-            <a:spLocks noGrp="1"/>
-          </p:cNvSpPr>
-          <p:nvPr>
-            <p:ph type="title"/>
-          </p:nvPr>
-        </p:nvSpPr>
-        <p:spPr/>
-        <p:txBody>
-          <a:bodyPr/>
-          <a:lstStyle/>
-          <a:p>
-            <a:r>
-              <a:rPr lang="de-DE" dirty="0"/>
-              <a:t>Fast Facts</a:t>
-            </a:r>
-          </a:p>
-        </p:txBody>
-      </p:sp>
-      <p:sp>
-        <p:nvSpPr>
-          <p:cNvPr id="3" name="Content Placeholder 2">
-            <a:extLst>
-              <a:ext uri="{FF2B5EF4-FFF2-40B4-BE49-F238E27FC236}">
-                <a16:creationId xmlns:a16="http://schemas.microsoft.com/office/drawing/2014/main" id="{B0313D98-15CA-434D-8D39-2FB63ED2BC35}"/>
-              </a:ext>
-            </a:extLst>
-          </p:cNvPr>
-          <p:cNvSpPr>
-            <a:spLocks noGrp="1"/>
-          </p:cNvSpPr>
-          <p:nvPr>
-            <p:ph idx="1"/>
-          </p:nvPr>
-        </p:nvSpPr>
-        <p:spPr/>
-        <p:txBody>
-          <a:bodyPr/>
-          <a:lstStyle/>
-          <a:p>
-            <a:r>
-              <a:rPr lang="de-DE" dirty="0"/>
-              <a:t>JS wurde für Netscape Navigator entwickelt</a:t>
-            </a:r>
-          </a:p>
-          <a:p>
-            <a:r>
-              <a:rPr lang="de-DE" dirty="0"/>
-              <a:t>Browser und Webseiten lange Zeit nicht standardisiert</a:t>
-            </a:r>
-          </a:p>
-          <a:p>
-            <a:pPr lvl="1"/>
-            <a:r>
-              <a:rPr lang="de-DE" dirty="0"/>
-              <a:t>Bspw.: Internet Explorer</a:t>
-            </a:r>
-          </a:p>
-          <a:p>
-            <a:r>
-              <a:rPr lang="de-DE" dirty="0"/>
-              <a:t>2004 HTML Standard</a:t>
-            </a:r>
-          </a:p>
-          <a:p>
-            <a:pPr lvl="1"/>
-            <a:r>
-              <a:rPr lang="de-DE" dirty="0"/>
-              <a:t>WHATWG</a:t>
-            </a:r>
-          </a:p>
-          <a:p>
-            <a:r>
-              <a:rPr lang="de-DE" dirty="0"/>
-              <a:t>Aktuelle Version: HTML5</a:t>
-            </a:r>
-          </a:p>
-        </p:txBody>
-      </p:sp>
-    </p:spTree>
-    <p:extLst>
-      <p:ext uri="{BB962C8B-B14F-4D97-AF65-F5344CB8AC3E}">
-        <p14:creationId xmlns:p14="http://schemas.microsoft.com/office/powerpoint/2010/main" val="664395082"/>
-      </p:ext>
-    </p:extLst>
-  </p:cSld>
-  <p:clrMapOvr>
-    <a:masterClrMapping/>
-  </p:clrMapOvr>
-</p:sld>
-</file>
-
-<file path=ppt/slides/slide50.xml><?xml version="1.0" encoding="utf-8"?>
+<file path=ppt/slides/slide52.xml><?xml version="1.0" encoding="utf-8"?>
 <p:sld xmlns:a="http://schemas.openxmlformats.org/drawingml/2006/main" xmlns:r="http://schemas.openxmlformats.org/officeDocument/2006/relationships" xmlns:p="http://schemas.openxmlformats.org/presentationml/2006/main">
   <p:cSld>
     <p:spTree>
@@ -41481,7 +42427,7 @@
 </p:sld>
 </file>
 
-<file path=ppt/slides/slide51.xml><?xml version="1.0" encoding="utf-8"?>
+<file path=ppt/slides/slide53.xml><?xml version="1.0" encoding="utf-8"?>
 <p:sld xmlns:a="http://schemas.openxmlformats.org/drawingml/2006/main" xmlns:r="http://schemas.openxmlformats.org/officeDocument/2006/relationships" xmlns:p="http://schemas.openxmlformats.org/presentationml/2006/main">
   <p:cSld>
     <p:spTree>
@@ -42391,7 +43337,7 @@
 </p:sld>
 </file>
 
-<file path=ppt/slides/slide52.xml><?xml version="1.0" encoding="utf-8"?>
+<file path=ppt/slides/slide54.xml><?xml version="1.0" encoding="utf-8"?>
 <p:sld xmlns:a="http://schemas.openxmlformats.org/drawingml/2006/main" xmlns:r="http://schemas.openxmlformats.org/officeDocument/2006/relationships" xmlns:p="http://schemas.openxmlformats.org/presentationml/2006/main">
   <p:cSld>
     <p:spTree>
@@ -43323,7 +44269,7 @@
 </p:sld>
 </file>
 
-<file path=ppt/slides/slide53.xml><?xml version="1.0" encoding="utf-8"?>
+<file path=ppt/slides/slide55.xml><?xml version="1.0" encoding="utf-8"?>
 <p:sld xmlns:a="http://schemas.openxmlformats.org/drawingml/2006/main" xmlns:r="http://schemas.openxmlformats.org/officeDocument/2006/relationships" xmlns:p="http://schemas.openxmlformats.org/presentationml/2006/main">
   <p:cSld>
     <p:spTree>
@@ -44718,7 +45664,7 @@
 </p:sld>
 </file>
 
-<file path=ppt/slides/slide54.xml><?xml version="1.0" encoding="utf-8"?>
+<file path=ppt/slides/slide56.xml><?xml version="1.0" encoding="utf-8"?>
 <p:sld xmlns:a="http://schemas.openxmlformats.org/drawingml/2006/main" xmlns:r="http://schemas.openxmlformats.org/officeDocument/2006/relationships" xmlns:p="http://schemas.openxmlformats.org/presentationml/2006/main">
   <p:cSld>
     <p:spTree>
@@ -44792,668 +45738,6 @@
     <p:extLst>
       <p:ext uri="{BB962C8B-B14F-4D97-AF65-F5344CB8AC3E}">
         <p14:creationId xmlns:p14="http://schemas.microsoft.com/office/powerpoint/2010/main" val="1392930269"/>
-      </p:ext>
-    </p:extLst>
-  </p:cSld>
-  <p:clrMapOvr>
-    <a:masterClrMapping/>
-  </p:clrMapOvr>
-</p:sld>
-</file>
-
-<file path=ppt/slides/slide55.xml><?xml version="1.0" encoding="utf-8"?>
-<p:sld xmlns:a="http://schemas.openxmlformats.org/drawingml/2006/main" xmlns:r="http://schemas.openxmlformats.org/officeDocument/2006/relationships" xmlns:p="http://schemas.openxmlformats.org/presentationml/2006/main">
-  <p:cSld>
-    <p:spTree>
-      <p:nvGrpSpPr>
-        <p:cNvPr id="1" name=""/>
-        <p:cNvGrpSpPr/>
-        <p:nvPr/>
-      </p:nvGrpSpPr>
-      <p:grpSpPr>
-        <a:xfrm>
-          <a:off x="0" y="0"/>
-          <a:ext cx="0" cy="0"/>
-          <a:chOff x="0" y="0"/>
-          <a:chExt cx="0" cy="0"/>
-        </a:xfrm>
-      </p:grpSpPr>
-      <p:sp>
-        <p:nvSpPr>
-          <p:cNvPr id="2" name="Title 1">
-            <a:extLst>
-              <a:ext uri="{FF2B5EF4-FFF2-40B4-BE49-F238E27FC236}">
-                <a16:creationId xmlns:a16="http://schemas.microsoft.com/office/drawing/2014/main" id="{302A2644-B9A3-4910-9CB6-149CE0FD2B78}"/>
-              </a:ext>
-            </a:extLst>
-          </p:cNvPr>
-          <p:cNvSpPr>
-            <a:spLocks noGrp="1"/>
-          </p:cNvSpPr>
-          <p:nvPr>
-            <p:ph type="title"/>
-          </p:nvPr>
-        </p:nvSpPr>
-        <p:spPr/>
-        <p:txBody>
-          <a:bodyPr/>
-          <a:lstStyle/>
-          <a:p>
-            <a:r>
-              <a:rPr lang="de-DE" dirty="0"/>
-              <a:t>Ergänzendes Material</a:t>
-            </a:r>
-          </a:p>
-        </p:txBody>
-      </p:sp>
-      <p:sp>
-        <p:nvSpPr>
-          <p:cNvPr id="3" name="Content Placeholder 2">
-            <a:extLst>
-              <a:ext uri="{FF2B5EF4-FFF2-40B4-BE49-F238E27FC236}">
-                <a16:creationId xmlns:a16="http://schemas.microsoft.com/office/drawing/2014/main" id="{8F14A612-99DF-4097-8036-6E75EACE5BDA}"/>
-              </a:ext>
-            </a:extLst>
-          </p:cNvPr>
-          <p:cNvSpPr>
-            <a:spLocks noGrp="1"/>
-          </p:cNvSpPr>
-          <p:nvPr>
-            <p:ph idx="1"/>
-          </p:nvPr>
-        </p:nvSpPr>
-        <p:spPr/>
-        <p:txBody>
-          <a:bodyPr/>
-          <a:lstStyle/>
-          <a:p>
-            <a:r>
-              <a:rPr lang="de-DE" dirty="0" err="1"/>
-              <a:t>Linter</a:t>
-            </a:r>
-            <a:r>
-              <a:rPr lang="de-DE" dirty="0"/>
-              <a:t> Rules:</a:t>
-            </a:r>
-          </a:p>
-          <a:p>
-            <a:pPr lvl="1"/>
-            <a:r>
-              <a:rPr lang="de-DE" dirty="0">
-                <a:hlinkClick r:id="rId2"/>
-              </a:rPr>
-              <a:t>@typescript-eslint/no-floating-promises</a:t>
-            </a:r>
-            <a:r>
-              <a:rPr lang="de-DE" dirty="0"/>
-              <a:t> </a:t>
-            </a:r>
-          </a:p>
-          <a:p>
-            <a:pPr lvl="1"/>
-            <a:r>
-              <a:rPr lang="de-DE" dirty="0">
-                <a:hlinkClick r:id="rId3"/>
-              </a:rPr>
-              <a:t>@typescript-eslint/no-misused-promises</a:t>
-            </a:r>
-            <a:r>
-              <a:rPr lang="de-DE" dirty="0"/>
-              <a:t> </a:t>
-            </a:r>
-          </a:p>
-          <a:p>
-            <a:pPr lvl="1"/>
-            <a:r>
-              <a:rPr lang="de-DE" dirty="0" err="1">
-                <a:hlinkClick r:id="rId4"/>
-              </a:rPr>
-              <a:t>no-async-promise-executor</a:t>
-            </a:r>
-            <a:endParaRPr lang="de-DE" dirty="0"/>
-          </a:p>
-          <a:p>
-            <a:pPr lvl="1"/>
-            <a:r>
-              <a:rPr lang="de-DE" dirty="0" err="1">
-                <a:hlinkClick r:id="rId5"/>
-              </a:rPr>
-              <a:t>prefer</a:t>
-            </a:r>
-            <a:r>
-              <a:rPr lang="de-DE" dirty="0">
-                <a:hlinkClick r:id="rId5"/>
-              </a:rPr>
-              <a:t>-</a:t>
-            </a:r>
-            <a:r>
-              <a:rPr lang="de-DE" dirty="0" err="1">
-                <a:hlinkClick r:id="rId5"/>
-              </a:rPr>
-              <a:t>promise</a:t>
-            </a:r>
-            <a:r>
-              <a:rPr lang="de-DE" dirty="0">
-                <a:hlinkClick r:id="rId5"/>
-              </a:rPr>
-              <a:t>-</a:t>
-            </a:r>
-            <a:r>
-              <a:rPr lang="de-DE" dirty="0" err="1">
-                <a:hlinkClick r:id="rId5"/>
-              </a:rPr>
-              <a:t>reject</a:t>
-            </a:r>
-            <a:r>
-              <a:rPr lang="de-DE" dirty="0">
-                <a:hlinkClick r:id="rId5"/>
-              </a:rPr>
-              <a:t>-errors</a:t>
-            </a:r>
-            <a:endParaRPr lang="de-DE" dirty="0"/>
-          </a:p>
-          <a:p>
-            <a:pPr lvl="1"/>
-            <a:r>
-              <a:rPr lang="de-DE" dirty="0" err="1">
-                <a:hlinkClick r:id="rId6"/>
-              </a:rPr>
-              <a:t>eslint</a:t>
-            </a:r>
-            <a:r>
-              <a:rPr lang="de-DE" dirty="0">
-                <a:hlinkClick r:id="rId6"/>
-              </a:rPr>
-              <a:t>-plugin-</a:t>
-            </a:r>
-            <a:r>
-              <a:rPr lang="de-DE" dirty="0" err="1">
-                <a:hlinkClick r:id="rId6"/>
-              </a:rPr>
-              <a:t>promise</a:t>
-            </a:r>
-            <a:endParaRPr lang="de-DE" dirty="0"/>
-          </a:p>
-          <a:p>
-            <a:pPr lvl="1"/>
-            <a:r>
-              <a:rPr lang="de-DE" dirty="0" err="1">
-                <a:hlinkClick r:id="rId7"/>
-              </a:rPr>
-              <a:t>node</a:t>
-            </a:r>
-            <a:r>
-              <a:rPr lang="de-DE" dirty="0">
-                <a:hlinkClick r:id="rId7"/>
-              </a:rPr>
-              <a:t>/handle-</a:t>
-            </a:r>
-            <a:r>
-              <a:rPr lang="de-DE" dirty="0" err="1">
-                <a:hlinkClick r:id="rId7"/>
-              </a:rPr>
-              <a:t>callback</a:t>
-            </a:r>
-            <a:r>
-              <a:rPr lang="de-DE" dirty="0">
-                <a:hlinkClick r:id="rId7"/>
-              </a:rPr>
-              <a:t>-</a:t>
-            </a:r>
-            <a:r>
-              <a:rPr lang="de-DE" dirty="0" err="1">
-                <a:hlinkClick r:id="rId7"/>
-              </a:rPr>
-              <a:t>err</a:t>
-            </a:r>
-            <a:endParaRPr lang="de-DE" dirty="0"/>
-          </a:p>
-          <a:p>
-            <a:pPr lvl="1"/>
-            <a:r>
-              <a:rPr lang="de-DE" dirty="0" err="1">
-                <a:hlinkClick r:id="rId8"/>
-              </a:rPr>
-              <a:t>node</a:t>
-            </a:r>
-            <a:r>
-              <a:rPr lang="de-DE" dirty="0">
-                <a:hlinkClick r:id="rId8"/>
-              </a:rPr>
-              <a:t>/</a:t>
-            </a:r>
-            <a:r>
-              <a:rPr lang="de-DE" dirty="0" err="1">
-                <a:hlinkClick r:id="rId8"/>
-              </a:rPr>
-              <a:t>no</a:t>
-            </a:r>
-            <a:r>
-              <a:rPr lang="de-DE" dirty="0">
-                <a:hlinkClick r:id="rId8"/>
-              </a:rPr>
-              <a:t>-</a:t>
-            </a:r>
-            <a:r>
-              <a:rPr lang="de-DE" dirty="0" err="1">
-                <a:hlinkClick r:id="rId8"/>
-              </a:rPr>
-              <a:t>callback</a:t>
-            </a:r>
-            <a:r>
-              <a:rPr lang="de-DE" dirty="0">
-                <a:hlinkClick r:id="rId8"/>
-              </a:rPr>
-              <a:t>-literal</a:t>
-            </a:r>
-            <a:endParaRPr lang="de-DE" dirty="0"/>
-          </a:p>
-          <a:p>
-            <a:pPr lvl="1"/>
-            <a:r>
-              <a:rPr lang="de-DE" dirty="0" err="1">
-                <a:hlinkClick r:id="rId9"/>
-              </a:rPr>
-              <a:t>node</a:t>
-            </a:r>
-            <a:r>
-              <a:rPr lang="de-DE" dirty="0">
-                <a:hlinkClick r:id="rId9"/>
-              </a:rPr>
-              <a:t>/</a:t>
-            </a:r>
-            <a:r>
-              <a:rPr lang="de-DE" dirty="0" err="1">
-                <a:hlinkClick r:id="rId9"/>
-              </a:rPr>
-              <a:t>callback</a:t>
-            </a:r>
-            <a:r>
-              <a:rPr lang="de-DE" dirty="0">
-                <a:hlinkClick r:id="rId9"/>
-              </a:rPr>
-              <a:t>-return</a:t>
-            </a:r>
-            <a:endParaRPr lang="de-DE" dirty="0"/>
-          </a:p>
-        </p:txBody>
-      </p:sp>
-      <p:sp>
-        <p:nvSpPr>
-          <p:cNvPr id="5" name="TextBox 4">
-            <a:extLst>
-              <a:ext uri="{FF2B5EF4-FFF2-40B4-BE49-F238E27FC236}">
-                <a16:creationId xmlns:a16="http://schemas.microsoft.com/office/drawing/2014/main" id="{52CD3F4F-7E7F-46CB-9C1A-8C7207511D7E}"/>
-              </a:ext>
-            </a:extLst>
-          </p:cNvPr>
-          <p:cNvSpPr txBox="1"/>
-          <p:nvPr/>
-        </p:nvSpPr>
-        <p:spPr>
-          <a:xfrm>
-            <a:off x="152400" y="6311900"/>
-            <a:ext cx="6096000" cy="369332"/>
-          </a:xfrm>
-          <a:prstGeom prst="rect">
-            <a:avLst/>
-          </a:prstGeom>
-          <a:noFill/>
-        </p:spPr>
-        <p:txBody>
-          <a:bodyPr wrap="square">
-            <a:spAutoFit/>
-          </a:bodyPr>
-          <a:lstStyle/>
-          <a:p>
-            <a:r>
-              <a:rPr lang="de-DE" b="0" i="0" dirty="0">
-                <a:solidFill>
-                  <a:srgbClr val="C8C3BC"/>
-                </a:solidFill>
-                <a:effectLst/>
-                <a:latin typeface="Noto Color Emoji"/>
-              </a:rPr>
-              <a:t>🏅Empfehlung</a:t>
-            </a:r>
-            <a:endParaRPr lang="de-DE" dirty="0"/>
-          </a:p>
-        </p:txBody>
-      </p:sp>
-    </p:spTree>
-    <p:extLst>
-      <p:ext uri="{BB962C8B-B14F-4D97-AF65-F5344CB8AC3E}">
-        <p14:creationId xmlns:p14="http://schemas.microsoft.com/office/powerpoint/2010/main" val="943631118"/>
-      </p:ext>
-    </p:extLst>
-  </p:cSld>
-  <p:clrMapOvr>
-    <a:masterClrMapping/>
-  </p:clrMapOvr>
-</p:sld>
-</file>
-
-<file path=ppt/slides/slide56.xml><?xml version="1.0" encoding="utf-8"?>
-<p:sld xmlns:a="http://schemas.openxmlformats.org/drawingml/2006/main" xmlns:r="http://schemas.openxmlformats.org/officeDocument/2006/relationships" xmlns:p="http://schemas.openxmlformats.org/presentationml/2006/main">
-  <p:cSld>
-    <p:spTree>
-      <p:nvGrpSpPr>
-        <p:cNvPr id="1" name=""/>
-        <p:cNvGrpSpPr/>
-        <p:nvPr/>
-      </p:nvGrpSpPr>
-      <p:grpSpPr>
-        <a:xfrm>
-          <a:off x="0" y="0"/>
-          <a:ext cx="0" cy="0"/>
-          <a:chOff x="0" y="0"/>
-          <a:chExt cx="0" cy="0"/>
-        </a:xfrm>
-      </p:grpSpPr>
-      <p:sp>
-        <p:nvSpPr>
-          <p:cNvPr id="2" name="Title 1">
-            <a:extLst>
-              <a:ext uri="{FF2B5EF4-FFF2-40B4-BE49-F238E27FC236}">
-                <a16:creationId xmlns:a16="http://schemas.microsoft.com/office/drawing/2014/main" id="{302A2644-B9A3-4910-9CB6-149CE0FD2B78}"/>
-              </a:ext>
-            </a:extLst>
-          </p:cNvPr>
-          <p:cNvSpPr>
-            <a:spLocks noGrp="1"/>
-          </p:cNvSpPr>
-          <p:nvPr>
-            <p:ph type="title"/>
-          </p:nvPr>
-        </p:nvSpPr>
-        <p:spPr/>
-        <p:txBody>
-          <a:bodyPr/>
-          <a:lstStyle/>
-          <a:p>
-            <a:r>
-              <a:rPr lang="de-DE" dirty="0"/>
-              <a:t>Ergänzendes Material</a:t>
-            </a:r>
-          </a:p>
-        </p:txBody>
-      </p:sp>
-      <p:sp>
-        <p:nvSpPr>
-          <p:cNvPr id="3" name="Content Placeholder 2">
-            <a:extLst>
-              <a:ext uri="{FF2B5EF4-FFF2-40B4-BE49-F238E27FC236}">
-                <a16:creationId xmlns:a16="http://schemas.microsoft.com/office/drawing/2014/main" id="{8F14A612-99DF-4097-8036-6E75EACE5BDA}"/>
-              </a:ext>
-            </a:extLst>
-          </p:cNvPr>
-          <p:cNvSpPr>
-            <a:spLocks noGrp="1"/>
-          </p:cNvSpPr>
-          <p:nvPr>
-            <p:ph idx="1"/>
-          </p:nvPr>
-        </p:nvSpPr>
-        <p:spPr/>
-        <p:txBody>
-          <a:bodyPr/>
-          <a:lstStyle/>
-          <a:p>
-            <a:r>
-              <a:rPr lang="de-DE" dirty="0"/>
-              <a:t>Talks</a:t>
-            </a:r>
-          </a:p>
-          <a:p>
-            <a:pPr lvl="1"/>
-            <a:r>
-              <a:rPr lang="en-US" dirty="0">
-                <a:hlinkClick r:id="rId2"/>
-              </a:rPr>
-              <a:t>What the heck is the event loop anyway? | Philip Roberts | </a:t>
-            </a:r>
-            <a:r>
-              <a:rPr lang="en-US" dirty="0" err="1">
-                <a:hlinkClick r:id="rId2"/>
-              </a:rPr>
-              <a:t>JSConf</a:t>
-            </a:r>
-            <a:r>
-              <a:rPr lang="en-US" dirty="0">
-                <a:hlinkClick r:id="rId2"/>
-              </a:rPr>
-              <a:t> EU – YouTube</a:t>
-            </a:r>
-            <a:r>
-              <a:rPr lang="en-US" dirty="0"/>
-              <a:t> </a:t>
-            </a:r>
-            <a:r>
-              <a:rPr lang="de-DE" b="0" i="0" dirty="0">
-                <a:solidFill>
-                  <a:srgbClr val="C8C3BC"/>
-                </a:solidFill>
-                <a:effectLst/>
-                <a:latin typeface="Noto Color Emoji"/>
-              </a:rPr>
-              <a:t>🏅</a:t>
-            </a:r>
-            <a:endParaRPr lang="en-US" dirty="0"/>
-          </a:p>
-          <a:p>
-            <a:pPr lvl="1"/>
-            <a:r>
-              <a:rPr lang="en-US" dirty="0">
-                <a:hlinkClick r:id="rId3"/>
-              </a:rPr>
-              <a:t>Jake Archibald: In The Loop - </a:t>
-            </a:r>
-            <a:r>
-              <a:rPr lang="en-US" dirty="0" err="1">
-                <a:hlinkClick r:id="rId3"/>
-              </a:rPr>
-              <a:t>JSConf.Asia</a:t>
-            </a:r>
-            <a:r>
-              <a:rPr lang="en-US" dirty="0">
-                <a:hlinkClick r:id="rId3"/>
-              </a:rPr>
-              <a:t> – YouTube</a:t>
-            </a:r>
-            <a:endParaRPr lang="en-US" dirty="0"/>
-          </a:p>
-          <a:p>
-            <a:pPr lvl="1"/>
-            <a:r>
-              <a:rPr lang="de-DE" dirty="0" err="1">
-                <a:hlinkClick r:id="rId4"/>
-              </a:rPr>
-              <a:t>Asynchrony</a:t>
-            </a:r>
-            <a:r>
-              <a:rPr lang="de-DE" dirty="0">
-                <a:hlinkClick r:id="rId4"/>
-              </a:rPr>
-              <a:t>: </a:t>
-            </a:r>
-            <a:r>
-              <a:rPr lang="de-DE" dirty="0" err="1">
-                <a:hlinkClick r:id="rId4"/>
-              </a:rPr>
-              <a:t>Under</a:t>
-            </a:r>
-            <a:r>
-              <a:rPr lang="de-DE" dirty="0">
-                <a:hlinkClick r:id="rId4"/>
-              </a:rPr>
-              <a:t> </a:t>
-            </a:r>
-            <a:r>
-              <a:rPr lang="de-DE" dirty="0" err="1">
-                <a:hlinkClick r:id="rId4"/>
-              </a:rPr>
-              <a:t>the</a:t>
-            </a:r>
-            <a:r>
-              <a:rPr lang="de-DE" dirty="0">
-                <a:hlinkClick r:id="rId4"/>
-              </a:rPr>
-              <a:t> Hood - Shelley </a:t>
-            </a:r>
-            <a:r>
-              <a:rPr lang="de-DE" dirty="0" err="1">
-                <a:hlinkClick r:id="rId4"/>
-              </a:rPr>
-              <a:t>Vohr</a:t>
-            </a:r>
-            <a:r>
-              <a:rPr lang="de-DE" dirty="0">
-                <a:hlinkClick r:id="rId4"/>
-              </a:rPr>
-              <a:t> - </a:t>
-            </a:r>
-            <a:r>
-              <a:rPr lang="de-DE" dirty="0" err="1">
-                <a:hlinkClick r:id="rId4"/>
-              </a:rPr>
-              <a:t>JSConf</a:t>
-            </a:r>
-            <a:r>
-              <a:rPr lang="de-DE" dirty="0">
-                <a:hlinkClick r:id="rId4"/>
-              </a:rPr>
-              <a:t> EU - YouTube</a:t>
-            </a:r>
-            <a:endParaRPr lang="en-US" dirty="0"/>
-          </a:p>
-          <a:p>
-            <a:r>
-              <a:rPr lang="en-US" dirty="0" err="1"/>
-              <a:t>Sonstiges</a:t>
-            </a:r>
-            <a:endParaRPr lang="en-US" dirty="0"/>
-          </a:p>
-          <a:p>
-            <a:pPr lvl="1"/>
-            <a:r>
-              <a:rPr lang="en-US" dirty="0" err="1"/>
-              <a:t>Visualisierungstools</a:t>
-            </a:r>
-            <a:r>
-              <a:rPr lang="en-US" dirty="0"/>
-              <a:t> für Task Queue, Microtask Queue, </a:t>
-            </a:r>
-            <a:r>
-              <a:rPr lang="en-US" dirty="0" err="1"/>
-              <a:t>Callstack</a:t>
-            </a:r>
-            <a:r>
-              <a:rPr lang="en-US" dirty="0"/>
-              <a:t> und Event Loop</a:t>
-            </a:r>
-          </a:p>
-          <a:p>
-            <a:pPr lvl="2"/>
-            <a:r>
-              <a:rPr lang="de-DE" dirty="0" err="1">
-                <a:hlinkClick r:id="rId5"/>
-              </a:rPr>
-              <a:t>Loupe</a:t>
-            </a:r>
-            <a:endParaRPr lang="de-DE" dirty="0"/>
-          </a:p>
-          <a:p>
-            <a:pPr lvl="2"/>
-            <a:r>
-              <a:rPr lang="de-DE" dirty="0">
-                <a:hlinkClick r:id="rId6"/>
-              </a:rPr>
-              <a:t>JavaScript Visualizer 9000</a:t>
-            </a:r>
-            <a:r>
-              <a:rPr lang="de-DE" dirty="0"/>
-              <a:t> </a:t>
-            </a:r>
-            <a:r>
-              <a:rPr lang="de-DE" b="0" i="0" dirty="0">
-                <a:solidFill>
-                  <a:srgbClr val="C8C3BC"/>
-                </a:solidFill>
-                <a:effectLst/>
-                <a:latin typeface="Noto Color Emoji"/>
-              </a:rPr>
-              <a:t>🏅</a:t>
-            </a:r>
-            <a:endParaRPr lang="de-DE" dirty="0"/>
-          </a:p>
-          <a:p>
-            <a:pPr lvl="2"/>
-            <a:r>
-              <a:rPr lang="de-DE" dirty="0" err="1">
-                <a:hlinkClick r:id="rId7"/>
-              </a:rPr>
-              <a:t>JELoop</a:t>
-            </a:r>
-            <a:r>
-              <a:rPr lang="de-DE" dirty="0">
-                <a:hlinkClick r:id="rId7"/>
-              </a:rPr>
-              <a:t> Visualizer</a:t>
-            </a:r>
-            <a:endParaRPr lang="de-DE" dirty="0"/>
-          </a:p>
-          <a:p>
-            <a:pPr lvl="1"/>
-            <a:endParaRPr lang="de-DE" dirty="0"/>
-          </a:p>
-        </p:txBody>
-      </p:sp>
-      <p:sp>
-        <p:nvSpPr>
-          <p:cNvPr id="4" name="TextBox 3">
-            <a:extLst>
-              <a:ext uri="{FF2B5EF4-FFF2-40B4-BE49-F238E27FC236}">
-                <a16:creationId xmlns:a16="http://schemas.microsoft.com/office/drawing/2014/main" id="{8FBD99FA-BF3C-49BB-8726-537DDF557701}"/>
-              </a:ext>
-            </a:extLst>
-          </p:cNvPr>
-          <p:cNvSpPr txBox="1"/>
-          <p:nvPr/>
-        </p:nvSpPr>
-        <p:spPr>
-          <a:xfrm>
-            <a:off x="152400" y="6311900"/>
-            <a:ext cx="6096000" cy="369332"/>
-          </a:xfrm>
-          <a:prstGeom prst="rect">
-            <a:avLst/>
-          </a:prstGeom>
-          <a:noFill/>
-        </p:spPr>
-        <p:txBody>
-          <a:bodyPr wrap="square">
-            <a:spAutoFit/>
-          </a:bodyPr>
-          <a:lstStyle/>
-          <a:p>
-            <a:r>
-              <a:rPr lang="de-DE" b="0" i="0" dirty="0">
-                <a:solidFill>
-                  <a:srgbClr val="C8C3BC"/>
-                </a:solidFill>
-                <a:effectLst/>
-                <a:latin typeface="Noto Color Emoji"/>
-              </a:rPr>
-              <a:t>🏅Empfehlung</a:t>
-            </a:r>
-            <a:endParaRPr lang="de-DE" dirty="0"/>
-          </a:p>
-        </p:txBody>
-      </p:sp>
-    </p:spTree>
-    <p:extLst>
-      <p:ext uri="{BB962C8B-B14F-4D97-AF65-F5344CB8AC3E}">
-        <p14:creationId xmlns:p14="http://schemas.microsoft.com/office/powerpoint/2010/main" val="2965522600"/>
       </p:ext>
     </p:extLst>
   </p:cSld>
@@ -45530,10 +45814,13 @@
           <a:lstStyle/>
           <a:p>
             <a:r>
-              <a:rPr lang="en-US" dirty="0" err="1"/>
-              <a:t>Literatur</a:t>
-            </a:r>
-            <a:endParaRPr lang="en-US" dirty="0"/>
+              <a:rPr lang="de-DE" dirty="0" err="1"/>
+              <a:t>Linter</a:t>
+            </a:r>
+            <a:r>
+              <a:rPr lang="de-DE" dirty="0"/>
+              <a:t> Rules:</a:t>
+            </a:r>
           </a:p>
           <a:p>
             <a:pPr lvl="1"/>
@@ -45541,25 +45828,12 @@
               <a:rPr lang="de-DE" dirty="0">
                 <a:hlinkClick r:id="rId2"/>
               </a:rPr>
-              <a:t>JavaScript for impatient programmers (ES2022 edition) (exploringjs.com)</a:t>
+              <a:t>@typescript-eslint/no-floating-promises</a:t>
             </a:r>
             <a:r>
               <a:rPr lang="de-DE" dirty="0"/>
               <a:t> </a:t>
             </a:r>
-            <a:r>
-              <a:rPr lang="de-DE" b="0" i="0" dirty="0">
-                <a:solidFill>
-                  <a:srgbClr val="C8C3BC"/>
-                </a:solidFill>
-                <a:effectLst/>
-                <a:latin typeface="Noto Color Emoji"/>
-              </a:rPr>
-              <a:t>🏅</a:t>
-            </a:r>
-            <a:endParaRPr lang="de-DE" dirty="0">
-              <a:hlinkClick r:id="rId3"/>
-            </a:endParaRPr>
           </a:p>
           <a:p>
             <a:pPr lvl="1"/>
@@ -45567,86 +45841,195 @@
               <a:rPr lang="de-DE" dirty="0">
                 <a:hlinkClick r:id="rId3"/>
               </a:rPr>
-              <a:t>Asynchronous Programming :: Eloquent JavaScript</a:t>
+              <a:t>@typescript-eslint/no-misused-promises</a:t>
+            </a:r>
+            <a:r>
+              <a:rPr lang="de-DE" dirty="0"/>
+              <a:t> </a:t>
+            </a:r>
+          </a:p>
+          <a:p>
+            <a:pPr lvl="1"/>
+            <a:r>
+              <a:rPr lang="de-DE" dirty="0" err="1">
+                <a:hlinkClick r:id="rId4"/>
+              </a:rPr>
+              <a:t>no-async-promise-executor</a:t>
             </a:r>
             <a:endParaRPr lang="de-DE" dirty="0"/>
           </a:p>
           <a:p>
             <a:pPr lvl="1"/>
             <a:r>
-              <a:rPr lang="en-US" dirty="0">
-                <a:hlinkClick r:id="rId4"/>
-              </a:rPr>
-              <a:t>Debugging Asynchronous JavaScript with Chrome </a:t>
-            </a:r>
-            <a:r>
-              <a:rPr lang="en-US" dirty="0" err="1">
-                <a:hlinkClick r:id="rId4"/>
-              </a:rPr>
-              <a:t>DevTools</a:t>
-            </a:r>
-            <a:r>
-              <a:rPr lang="en-US" dirty="0">
-                <a:hlinkClick r:id="rId4"/>
-              </a:rPr>
-              <a:t> - HTML5 Rocks</a:t>
-            </a:r>
-            <a:endParaRPr lang="en-US" dirty="0"/>
+              <a:rPr lang="de-DE" dirty="0" err="1">
+                <a:hlinkClick r:id="rId5"/>
+              </a:rPr>
+              <a:t>prefer</a:t>
+            </a:r>
+            <a:r>
+              <a:rPr lang="de-DE" dirty="0">
+                <a:hlinkClick r:id="rId5"/>
+              </a:rPr>
+              <a:t>-</a:t>
+            </a:r>
+            <a:r>
+              <a:rPr lang="de-DE" dirty="0" err="1">
+                <a:hlinkClick r:id="rId5"/>
+              </a:rPr>
+              <a:t>promise</a:t>
+            </a:r>
+            <a:r>
+              <a:rPr lang="de-DE" dirty="0">
+                <a:hlinkClick r:id="rId5"/>
+              </a:rPr>
+              <a:t>-</a:t>
+            </a:r>
+            <a:r>
+              <a:rPr lang="de-DE" dirty="0" err="1">
+                <a:hlinkClick r:id="rId5"/>
+              </a:rPr>
+              <a:t>reject</a:t>
+            </a:r>
+            <a:r>
+              <a:rPr lang="de-DE" dirty="0">
+                <a:hlinkClick r:id="rId5"/>
+              </a:rPr>
+              <a:t>-errors</a:t>
+            </a:r>
+            <a:endParaRPr lang="de-DE" dirty="0"/>
           </a:p>
           <a:p>
             <a:pPr lvl="1"/>
             <a:r>
-              <a:rPr lang="en-US" dirty="0">
-                <a:hlinkClick r:id="rId5"/>
-              </a:rPr>
-              <a:t>JavaScript Callbacks are Pretty Okay - Andrew Kelley</a:t>
-            </a:r>
-            <a:endParaRPr lang="en-US" dirty="0"/>
+              <a:rPr lang="de-DE" dirty="0" err="1">
+                <a:hlinkClick r:id="rId6"/>
+              </a:rPr>
+              <a:t>eslint</a:t>
+            </a:r>
+            <a:r>
+              <a:rPr lang="de-DE" dirty="0">
+                <a:hlinkClick r:id="rId6"/>
+              </a:rPr>
+              <a:t>-plugin-</a:t>
+            </a:r>
+            <a:r>
+              <a:rPr lang="de-DE" dirty="0" err="1">
+                <a:hlinkClick r:id="rId6"/>
+              </a:rPr>
+              <a:t>promise</a:t>
+            </a:r>
+            <a:endParaRPr lang="de-DE" dirty="0"/>
           </a:p>
           <a:p>
             <a:pPr lvl="1"/>
             <a:r>
-              <a:rPr lang="en-US" dirty="0">
-                <a:hlinkClick r:id="rId6"/>
-              </a:rPr>
-              <a:t>Callbacks are imperative, promises are functional: Node's biggest missed opportunity – The If Works (jcoglan.com)</a:t>
-            </a:r>
-            <a:endParaRPr lang="en-US" dirty="0"/>
-          </a:p>
-          <a:p>
-            <a:r>
-              <a:rPr lang="en-US" dirty="0"/>
-              <a:t>Standards</a:t>
-            </a:r>
-          </a:p>
-          <a:p>
-            <a:pPr lvl="1"/>
+              <a:rPr lang="de-DE" dirty="0" err="1">
+                <a:hlinkClick r:id="rId7"/>
+              </a:rPr>
+              <a:t>node</a:t>
+            </a:r>
             <a:r>
               <a:rPr lang="de-DE" dirty="0">
                 <a:hlinkClick r:id="rId7"/>
               </a:rPr>
-              <a:t>HTML Standard (whatwg.org)</a:t>
-            </a:r>
-            <a:endParaRPr lang="en-US" dirty="0"/>
+              <a:t>/handle-</a:t>
+            </a:r>
+            <a:r>
+              <a:rPr lang="de-DE" dirty="0" err="1">
+                <a:hlinkClick r:id="rId7"/>
+              </a:rPr>
+              <a:t>callback</a:t>
+            </a:r>
+            <a:r>
+              <a:rPr lang="de-DE" dirty="0">
+                <a:hlinkClick r:id="rId7"/>
+              </a:rPr>
+              <a:t>-</a:t>
+            </a:r>
+            <a:r>
+              <a:rPr lang="de-DE" dirty="0" err="1">
+                <a:hlinkClick r:id="rId7"/>
+              </a:rPr>
+              <a:t>err</a:t>
+            </a:r>
+            <a:endParaRPr lang="de-DE" dirty="0"/>
           </a:p>
           <a:p>
             <a:pPr lvl="1"/>
+            <a:r>
+              <a:rPr lang="de-DE" dirty="0" err="1">
+                <a:hlinkClick r:id="rId8"/>
+              </a:rPr>
+              <a:t>node</a:t>
+            </a:r>
             <a:r>
               <a:rPr lang="de-DE" dirty="0">
                 <a:hlinkClick r:id="rId8"/>
               </a:rPr>
-              <a:t>ECMA-262 - Ecma International (ecma-international.org)</a:t>
-            </a:r>
-            <a:endParaRPr lang="en-US" dirty="0"/>
+              <a:t>/</a:t>
+            </a:r>
+            <a:r>
+              <a:rPr lang="de-DE" dirty="0" err="1">
+                <a:hlinkClick r:id="rId8"/>
+              </a:rPr>
+              <a:t>no</a:t>
+            </a:r>
+            <a:r>
+              <a:rPr lang="de-DE" dirty="0">
+                <a:hlinkClick r:id="rId8"/>
+              </a:rPr>
+              <a:t>-</a:t>
+            </a:r>
+            <a:r>
+              <a:rPr lang="de-DE" dirty="0" err="1">
+                <a:hlinkClick r:id="rId8"/>
+              </a:rPr>
+              <a:t>callback</a:t>
+            </a:r>
+            <a:r>
+              <a:rPr lang="de-DE" dirty="0">
+                <a:hlinkClick r:id="rId8"/>
+              </a:rPr>
+              <a:t>-literal</a:t>
+            </a:r>
+            <a:endParaRPr lang="de-DE" dirty="0"/>
+          </a:p>
+          <a:p>
+            <a:pPr lvl="1"/>
+            <a:r>
+              <a:rPr lang="de-DE" dirty="0" err="1">
+                <a:hlinkClick r:id="rId9"/>
+              </a:rPr>
+              <a:t>node</a:t>
+            </a:r>
+            <a:r>
+              <a:rPr lang="de-DE" dirty="0">
+                <a:hlinkClick r:id="rId9"/>
+              </a:rPr>
+              <a:t>/</a:t>
+            </a:r>
+            <a:r>
+              <a:rPr lang="de-DE" dirty="0" err="1">
+                <a:hlinkClick r:id="rId9"/>
+              </a:rPr>
+              <a:t>callback</a:t>
+            </a:r>
+            <a:r>
+              <a:rPr lang="de-DE" dirty="0">
+                <a:hlinkClick r:id="rId9"/>
+              </a:rPr>
+              <a:t>-return</a:t>
+            </a:r>
+            <a:endParaRPr lang="de-DE" dirty="0"/>
           </a:p>
         </p:txBody>
       </p:sp>
       <p:sp>
         <p:nvSpPr>
-          <p:cNvPr id="4" name="TextBox 3">
+          <p:cNvPr id="5" name="TextBox 4">
             <a:extLst>
               <a:ext uri="{FF2B5EF4-FFF2-40B4-BE49-F238E27FC236}">
-                <a16:creationId xmlns:a16="http://schemas.microsoft.com/office/drawing/2014/main" id="{8FBD99FA-BF3C-49BB-8726-537DDF557701}"/>
+                <a16:creationId xmlns:a16="http://schemas.microsoft.com/office/drawing/2014/main" id="{52CD3F4F-7E7F-46CB-9C1A-8C7207511D7E}"/>
               </a:ext>
             </a:extLst>
           </p:cNvPr>
@@ -45686,7 +46069,7 @@
     </p:spTree>
     <p:extLst>
       <p:ext uri="{BB962C8B-B14F-4D97-AF65-F5344CB8AC3E}">
-        <p14:creationId xmlns:p14="http://schemas.microsoft.com/office/powerpoint/2010/main" val="3719768257"/>
+        <p14:creationId xmlns:p14="http://schemas.microsoft.com/office/powerpoint/2010/main" val="943631118"/>
       </p:ext>
     </p:extLst>
   </p:cSld>
@@ -45726,7 +46109,7 @@
             <a:spLocks noGrp="1"/>
           </p:cNvSpPr>
           <p:nvPr>
-            <p:ph type="ctrTitle"/>
+            <p:ph type="title"/>
           </p:nvPr>
         </p:nvSpPr>
         <p:spPr/>
@@ -45736,17 +46119,17 @@
           <a:p>
             <a:r>
               <a:rPr lang="de-DE" dirty="0"/>
-              <a:t>Ziel erreicht?</a:t>
+              <a:t>Ergänzendes Material</a:t>
             </a:r>
           </a:p>
         </p:txBody>
       </p:sp>
       <p:sp>
         <p:nvSpPr>
-          <p:cNvPr id="6" name="Subtitle 5">
+          <p:cNvPr id="3" name="Content Placeholder 2">
             <a:extLst>
               <a:ext uri="{FF2B5EF4-FFF2-40B4-BE49-F238E27FC236}">
-                <a16:creationId xmlns:a16="http://schemas.microsoft.com/office/drawing/2014/main" id="{A10FE0BE-9AD0-4FE6-ADDF-4C0D0EE2E01A}"/>
+                <a16:creationId xmlns:a16="http://schemas.microsoft.com/office/drawing/2014/main" id="{8F14A612-99DF-4097-8036-6E75EACE5BDA}"/>
               </a:ext>
             </a:extLst>
           </p:cNvPr>
@@ -45754,93 +46137,261 @@
             <a:spLocks noGrp="1"/>
           </p:cNvSpPr>
           <p:nvPr>
-            <p:ph type="subTitle" idx="1"/>
+            <p:ph idx="1"/>
           </p:nvPr>
+        </p:nvSpPr>
+        <p:spPr/>
+        <p:txBody>
+          <a:bodyPr/>
+          <a:lstStyle/>
+          <a:p>
+            <a:r>
+              <a:rPr lang="de-DE" dirty="0"/>
+              <a:t>Talks</a:t>
+            </a:r>
+          </a:p>
+          <a:p>
+            <a:pPr lvl="1"/>
+            <a:r>
+              <a:rPr lang="en-US" dirty="0">
+                <a:hlinkClick r:id="rId2"/>
+              </a:rPr>
+              <a:t>What the heck is the event loop anyway? | Philip Roberts | </a:t>
+            </a:r>
+            <a:r>
+              <a:rPr lang="en-US" dirty="0" err="1">
+                <a:hlinkClick r:id="rId2"/>
+              </a:rPr>
+              <a:t>JSConf</a:t>
+            </a:r>
+            <a:r>
+              <a:rPr lang="en-US" dirty="0">
+                <a:hlinkClick r:id="rId2"/>
+              </a:rPr>
+              <a:t> EU – YouTube</a:t>
+            </a:r>
+            <a:r>
+              <a:rPr lang="en-US" dirty="0"/>
+              <a:t> </a:t>
+            </a:r>
+            <a:r>
+              <a:rPr lang="de-DE" b="0" i="0" dirty="0">
+                <a:solidFill>
+                  <a:srgbClr val="C8C3BC"/>
+                </a:solidFill>
+                <a:effectLst/>
+                <a:latin typeface="Noto Color Emoji"/>
+              </a:rPr>
+              <a:t>🏅</a:t>
+            </a:r>
+            <a:endParaRPr lang="en-US" dirty="0"/>
+          </a:p>
+          <a:p>
+            <a:pPr lvl="1"/>
+            <a:r>
+              <a:rPr lang="en-US" dirty="0">
+                <a:hlinkClick r:id="rId3"/>
+              </a:rPr>
+              <a:t>Jake Archibald: In The Loop - </a:t>
+            </a:r>
+            <a:r>
+              <a:rPr lang="en-US" dirty="0" err="1">
+                <a:hlinkClick r:id="rId3"/>
+              </a:rPr>
+              <a:t>JSConf.Asia</a:t>
+            </a:r>
+            <a:r>
+              <a:rPr lang="en-US" dirty="0">
+                <a:hlinkClick r:id="rId3"/>
+              </a:rPr>
+              <a:t> – YouTube</a:t>
+            </a:r>
+            <a:endParaRPr lang="en-US" dirty="0"/>
+          </a:p>
+          <a:p>
+            <a:pPr lvl="1"/>
+            <a:r>
+              <a:rPr lang="de-DE" dirty="0" err="1">
+                <a:hlinkClick r:id="rId4"/>
+              </a:rPr>
+              <a:t>Asynchrony</a:t>
+            </a:r>
+            <a:r>
+              <a:rPr lang="de-DE" dirty="0">
+                <a:hlinkClick r:id="rId4"/>
+              </a:rPr>
+              <a:t>: </a:t>
+            </a:r>
+            <a:r>
+              <a:rPr lang="de-DE" dirty="0" err="1">
+                <a:hlinkClick r:id="rId4"/>
+              </a:rPr>
+              <a:t>Under</a:t>
+            </a:r>
+            <a:r>
+              <a:rPr lang="de-DE" dirty="0">
+                <a:hlinkClick r:id="rId4"/>
+              </a:rPr>
+              <a:t> </a:t>
+            </a:r>
+            <a:r>
+              <a:rPr lang="de-DE" dirty="0" err="1">
+                <a:hlinkClick r:id="rId4"/>
+              </a:rPr>
+              <a:t>the</a:t>
+            </a:r>
+            <a:r>
+              <a:rPr lang="de-DE" dirty="0">
+                <a:hlinkClick r:id="rId4"/>
+              </a:rPr>
+              <a:t> Hood - Shelley </a:t>
+            </a:r>
+            <a:r>
+              <a:rPr lang="de-DE" dirty="0" err="1">
+                <a:hlinkClick r:id="rId4"/>
+              </a:rPr>
+              <a:t>Vohr</a:t>
+            </a:r>
+            <a:r>
+              <a:rPr lang="de-DE" dirty="0">
+                <a:hlinkClick r:id="rId4"/>
+              </a:rPr>
+              <a:t> - </a:t>
+            </a:r>
+            <a:r>
+              <a:rPr lang="de-DE" dirty="0" err="1">
+                <a:hlinkClick r:id="rId4"/>
+              </a:rPr>
+              <a:t>JSConf</a:t>
+            </a:r>
+            <a:r>
+              <a:rPr lang="de-DE" dirty="0">
+                <a:hlinkClick r:id="rId4"/>
+              </a:rPr>
+              <a:t> EU - YouTube</a:t>
+            </a:r>
+            <a:endParaRPr lang="en-US" dirty="0"/>
+          </a:p>
+          <a:p>
+            <a:r>
+              <a:rPr lang="en-US" dirty="0" err="1"/>
+              <a:t>Sonstiges</a:t>
+            </a:r>
+            <a:endParaRPr lang="en-US" dirty="0"/>
+          </a:p>
+          <a:p>
+            <a:pPr lvl="1"/>
+            <a:r>
+              <a:rPr lang="en-US" dirty="0" err="1"/>
+              <a:t>Visualisierungstools</a:t>
+            </a:r>
+            <a:r>
+              <a:rPr lang="en-US" dirty="0"/>
+              <a:t> für Task Queue, Microtask Queue, </a:t>
+            </a:r>
+            <a:r>
+              <a:rPr lang="en-US" dirty="0" err="1"/>
+              <a:t>Callstack</a:t>
+            </a:r>
+            <a:r>
+              <a:rPr lang="en-US" dirty="0"/>
+              <a:t> und Event Loop</a:t>
+            </a:r>
+          </a:p>
+          <a:p>
+            <a:pPr lvl="2"/>
+            <a:r>
+              <a:rPr lang="de-DE" dirty="0" err="1">
+                <a:hlinkClick r:id="rId5"/>
+              </a:rPr>
+              <a:t>Loupe</a:t>
+            </a:r>
+            <a:endParaRPr lang="de-DE" dirty="0"/>
+          </a:p>
+          <a:p>
+            <a:pPr lvl="2"/>
+            <a:r>
+              <a:rPr lang="de-DE" dirty="0">
+                <a:hlinkClick r:id="rId6"/>
+              </a:rPr>
+              <a:t>JavaScript Visualizer 9000</a:t>
+            </a:r>
+            <a:r>
+              <a:rPr lang="de-DE" dirty="0"/>
+              <a:t> </a:t>
+            </a:r>
+            <a:r>
+              <a:rPr lang="de-DE" b="0" i="0" dirty="0">
+                <a:solidFill>
+                  <a:srgbClr val="C8C3BC"/>
+                </a:solidFill>
+                <a:effectLst/>
+                <a:latin typeface="Noto Color Emoji"/>
+              </a:rPr>
+              <a:t>🏅</a:t>
+            </a:r>
+            <a:endParaRPr lang="de-DE" dirty="0"/>
+          </a:p>
+          <a:p>
+            <a:pPr lvl="2"/>
+            <a:r>
+              <a:rPr lang="de-DE" dirty="0" err="1">
+                <a:hlinkClick r:id="rId7"/>
+              </a:rPr>
+              <a:t>JELoop</a:t>
+            </a:r>
+            <a:r>
+              <a:rPr lang="de-DE" dirty="0">
+                <a:hlinkClick r:id="rId7"/>
+              </a:rPr>
+              <a:t> Visualizer</a:t>
+            </a:r>
+            <a:endParaRPr lang="de-DE" dirty="0"/>
+          </a:p>
+          <a:p>
+            <a:pPr lvl="1"/>
+            <a:endParaRPr lang="de-DE" dirty="0"/>
+          </a:p>
+        </p:txBody>
+      </p:sp>
+      <p:sp>
+        <p:nvSpPr>
+          <p:cNvPr id="4" name="TextBox 3">
+            <a:extLst>
+              <a:ext uri="{FF2B5EF4-FFF2-40B4-BE49-F238E27FC236}">
+                <a16:creationId xmlns:a16="http://schemas.microsoft.com/office/drawing/2014/main" id="{8FBD99FA-BF3C-49BB-8726-537DDF557701}"/>
+              </a:ext>
+            </a:extLst>
+          </p:cNvPr>
+          <p:cNvSpPr txBox="1"/>
+          <p:nvPr/>
         </p:nvSpPr>
         <p:spPr>
           <a:xfrm>
-            <a:off x="1524000" y="4445318"/>
-            <a:ext cx="9144000" cy="1655762"/>
+            <a:off x="152400" y="6311900"/>
+            <a:ext cx="6096000" cy="369332"/>
           </a:xfrm>
+          <a:prstGeom prst="rect">
+            <a:avLst/>
+          </a:prstGeom>
+          <a:noFill/>
         </p:spPr>
         <p:txBody>
-          <a:bodyPr>
-            <a:normAutofit fontScale="70000" lnSpcReduction="20000"/>
+          <a:bodyPr wrap="square">
+            <a:spAutoFit/>
           </a:bodyPr>
           <a:lstStyle/>
           <a:p>
-            <a:pPr marL="342900" indent="-342900" algn="l">
-              <a:buFont typeface="Arial" panose="020B0604020202020204" pitchFamily="34" charset="0"/>
-              <a:buChar char="•"/>
-            </a:pPr>
-            <a:r>
-              <a:rPr lang="de-DE" dirty="0"/>
-              <a:t>Verständnis für das Laufzeitmodell von JavaScript im Browser</a:t>
-            </a:r>
-          </a:p>
-          <a:p>
-            <a:pPr marL="342900" indent="-342900" algn="l">
-              <a:buFont typeface="Arial" panose="020B0604020202020204" pitchFamily="34" charset="0"/>
-              <a:buChar char="•"/>
-            </a:pPr>
-            <a:r>
-              <a:rPr lang="de-DE" dirty="0"/>
-              <a:t>Verständnis zu synchron und asynchronen Funktionen</a:t>
-            </a:r>
-          </a:p>
-          <a:p>
-            <a:pPr marL="342900" indent="-342900" algn="l">
-              <a:buFont typeface="Arial" panose="020B0604020202020204" pitchFamily="34" charset="0"/>
-              <a:buChar char="•"/>
-            </a:pPr>
-            <a:r>
-              <a:rPr lang="de-DE" dirty="0"/>
-              <a:t>Verständnis zu konkreten Modellen</a:t>
-            </a:r>
-          </a:p>
-          <a:p>
-            <a:pPr marL="800100" lvl="1" indent="-342900" algn="l">
-              <a:buFont typeface="Arial" panose="020B0604020202020204" pitchFamily="34" charset="0"/>
-              <a:buChar char="•"/>
-            </a:pPr>
-            <a:r>
-              <a:rPr lang="de-DE" dirty="0" err="1"/>
-              <a:t>Callbacks</a:t>
-            </a:r>
-            <a:endParaRPr lang="de-DE" dirty="0"/>
-          </a:p>
-          <a:p>
-            <a:pPr marL="800100" lvl="1" indent="-342900" algn="l">
-              <a:buFont typeface="Arial" panose="020B0604020202020204" pitchFamily="34" charset="0"/>
-              <a:buChar char="•"/>
-            </a:pPr>
-            <a:r>
-              <a:rPr lang="de-DE" dirty="0" err="1"/>
-              <a:t>Promises</a:t>
-            </a:r>
-            <a:endParaRPr lang="de-DE" dirty="0"/>
-          </a:p>
-          <a:p>
-            <a:pPr marL="800100" lvl="1" indent="-342900" algn="l">
-              <a:buFont typeface="Arial" panose="020B0604020202020204" pitchFamily="34" charset="0"/>
-              <a:buChar char="•"/>
-            </a:pPr>
-            <a:r>
-              <a:rPr lang="de-DE" dirty="0" err="1"/>
-              <a:t>Async</a:t>
-            </a:r>
-            <a:r>
-              <a:rPr lang="de-DE" dirty="0"/>
-              <a:t> / </a:t>
-            </a:r>
-            <a:r>
-              <a:rPr lang="de-DE" dirty="0" err="1"/>
-              <a:t>Await</a:t>
-            </a:r>
-            <a:endParaRPr lang="de-DE" dirty="0"/>
-          </a:p>
-          <a:p>
-            <a:pPr algn="l"/>
+            <a:r>
+              <a:rPr lang="de-DE" b="0" i="0" dirty="0">
+                <a:solidFill>
+                  <a:srgbClr val="C8C3BC"/>
+                </a:solidFill>
+                <a:effectLst/>
+                <a:latin typeface="Noto Color Emoji"/>
+              </a:rPr>
+              <a:t>🏅Empfehlung</a:t>
+            </a:r>
             <a:endParaRPr lang="de-DE" dirty="0"/>
           </a:p>
         </p:txBody>
@@ -45848,7 +46399,240 @@
     </p:spTree>
     <p:extLst>
       <p:ext uri="{BB962C8B-B14F-4D97-AF65-F5344CB8AC3E}">
-        <p14:creationId xmlns:p14="http://schemas.microsoft.com/office/powerpoint/2010/main" val="2961939116"/>
+        <p14:creationId xmlns:p14="http://schemas.microsoft.com/office/powerpoint/2010/main" val="2965522600"/>
+      </p:ext>
+    </p:extLst>
+  </p:cSld>
+  <p:clrMapOvr>
+    <a:masterClrMapping/>
+  </p:clrMapOvr>
+</p:sld>
+</file>
+
+<file path=ppt/slides/slide59.xml><?xml version="1.0" encoding="utf-8"?>
+<p:sld xmlns:a="http://schemas.openxmlformats.org/drawingml/2006/main" xmlns:r="http://schemas.openxmlformats.org/officeDocument/2006/relationships" xmlns:p="http://schemas.openxmlformats.org/presentationml/2006/main">
+  <p:cSld>
+    <p:spTree>
+      <p:nvGrpSpPr>
+        <p:cNvPr id="1" name=""/>
+        <p:cNvGrpSpPr/>
+        <p:nvPr/>
+      </p:nvGrpSpPr>
+      <p:grpSpPr>
+        <a:xfrm>
+          <a:off x="0" y="0"/>
+          <a:ext cx="0" cy="0"/>
+          <a:chOff x="0" y="0"/>
+          <a:chExt cx="0" cy="0"/>
+        </a:xfrm>
+      </p:grpSpPr>
+      <p:sp>
+        <p:nvSpPr>
+          <p:cNvPr id="2" name="Title 1">
+            <a:extLst>
+              <a:ext uri="{FF2B5EF4-FFF2-40B4-BE49-F238E27FC236}">
+                <a16:creationId xmlns:a16="http://schemas.microsoft.com/office/drawing/2014/main" id="{302A2644-B9A3-4910-9CB6-149CE0FD2B78}"/>
+              </a:ext>
+            </a:extLst>
+          </p:cNvPr>
+          <p:cNvSpPr>
+            <a:spLocks noGrp="1"/>
+          </p:cNvSpPr>
+          <p:nvPr>
+            <p:ph type="title"/>
+          </p:nvPr>
+        </p:nvSpPr>
+        <p:spPr/>
+        <p:txBody>
+          <a:bodyPr/>
+          <a:lstStyle/>
+          <a:p>
+            <a:r>
+              <a:rPr lang="de-DE" dirty="0"/>
+              <a:t>Ergänzendes Material</a:t>
+            </a:r>
+          </a:p>
+        </p:txBody>
+      </p:sp>
+      <p:sp>
+        <p:nvSpPr>
+          <p:cNvPr id="3" name="Content Placeholder 2">
+            <a:extLst>
+              <a:ext uri="{FF2B5EF4-FFF2-40B4-BE49-F238E27FC236}">
+                <a16:creationId xmlns:a16="http://schemas.microsoft.com/office/drawing/2014/main" id="{8F14A612-99DF-4097-8036-6E75EACE5BDA}"/>
+              </a:ext>
+            </a:extLst>
+          </p:cNvPr>
+          <p:cNvSpPr>
+            <a:spLocks noGrp="1"/>
+          </p:cNvSpPr>
+          <p:nvPr>
+            <p:ph idx="1"/>
+          </p:nvPr>
+        </p:nvSpPr>
+        <p:spPr/>
+        <p:txBody>
+          <a:bodyPr/>
+          <a:lstStyle/>
+          <a:p>
+            <a:r>
+              <a:rPr lang="en-US" dirty="0" err="1"/>
+              <a:t>Literatur</a:t>
+            </a:r>
+            <a:endParaRPr lang="en-US" dirty="0"/>
+          </a:p>
+          <a:p>
+            <a:pPr lvl="1"/>
+            <a:r>
+              <a:rPr lang="de-DE" dirty="0">
+                <a:hlinkClick r:id="rId2"/>
+              </a:rPr>
+              <a:t>JavaScript for impatient programmers (ES2022 edition) (exploringjs.com)</a:t>
+            </a:r>
+            <a:r>
+              <a:rPr lang="de-DE" dirty="0"/>
+              <a:t> </a:t>
+            </a:r>
+            <a:r>
+              <a:rPr lang="de-DE" b="0" i="0" dirty="0">
+                <a:solidFill>
+                  <a:srgbClr val="C8C3BC"/>
+                </a:solidFill>
+                <a:effectLst/>
+                <a:latin typeface="Noto Color Emoji"/>
+              </a:rPr>
+              <a:t>🏅</a:t>
+            </a:r>
+            <a:endParaRPr lang="de-DE" dirty="0">
+              <a:hlinkClick r:id="rId3"/>
+            </a:endParaRPr>
+          </a:p>
+          <a:p>
+            <a:pPr lvl="1"/>
+            <a:r>
+              <a:rPr lang="de-DE" dirty="0">
+                <a:hlinkClick r:id="rId3"/>
+              </a:rPr>
+              <a:t>Asynchronous Programming :: Eloquent JavaScript</a:t>
+            </a:r>
+            <a:endParaRPr lang="de-DE" dirty="0"/>
+          </a:p>
+          <a:p>
+            <a:pPr lvl="1"/>
+            <a:r>
+              <a:rPr lang="en-US" dirty="0">
+                <a:hlinkClick r:id="rId4"/>
+              </a:rPr>
+              <a:t>Debugging Asynchronous JavaScript with Chrome </a:t>
+            </a:r>
+            <a:r>
+              <a:rPr lang="en-US" dirty="0" err="1">
+                <a:hlinkClick r:id="rId4"/>
+              </a:rPr>
+              <a:t>DevTools</a:t>
+            </a:r>
+            <a:r>
+              <a:rPr lang="en-US" dirty="0">
+                <a:hlinkClick r:id="rId4"/>
+              </a:rPr>
+              <a:t> - HTML5 Rocks</a:t>
+            </a:r>
+            <a:endParaRPr lang="en-US" dirty="0"/>
+          </a:p>
+          <a:p>
+            <a:pPr lvl="1"/>
+            <a:r>
+              <a:rPr lang="en-US" dirty="0">
+                <a:hlinkClick r:id="rId5"/>
+              </a:rPr>
+              <a:t>JavaScript Callbacks are Pretty Okay - Andrew Kelley</a:t>
+            </a:r>
+            <a:endParaRPr lang="en-US" dirty="0"/>
+          </a:p>
+          <a:p>
+            <a:pPr lvl="1"/>
+            <a:r>
+              <a:rPr lang="en-US" dirty="0">
+                <a:hlinkClick r:id="rId6"/>
+              </a:rPr>
+              <a:t>Callbacks are imperative, promises are functional: Node's biggest missed opportunity – The If Works (jcoglan.com)</a:t>
+            </a:r>
+            <a:endParaRPr lang="en-US" dirty="0"/>
+          </a:p>
+          <a:p>
+            <a:r>
+              <a:rPr lang="en-US" dirty="0"/>
+              <a:t>Standards</a:t>
+            </a:r>
+          </a:p>
+          <a:p>
+            <a:pPr lvl="1"/>
+            <a:r>
+              <a:rPr lang="de-DE" dirty="0">
+                <a:hlinkClick r:id="rId7"/>
+              </a:rPr>
+              <a:t>HTML Standard (whatwg.org)</a:t>
+            </a:r>
+            <a:endParaRPr lang="en-US" dirty="0"/>
+          </a:p>
+          <a:p>
+            <a:pPr lvl="1"/>
+            <a:r>
+              <a:rPr lang="de-DE" dirty="0">
+                <a:hlinkClick r:id="rId8"/>
+              </a:rPr>
+              <a:t>ECMA-262 - Ecma International (ecma-international.org)</a:t>
+            </a:r>
+            <a:endParaRPr lang="en-US" dirty="0"/>
+          </a:p>
+        </p:txBody>
+      </p:sp>
+      <p:sp>
+        <p:nvSpPr>
+          <p:cNvPr id="4" name="TextBox 3">
+            <a:extLst>
+              <a:ext uri="{FF2B5EF4-FFF2-40B4-BE49-F238E27FC236}">
+                <a16:creationId xmlns:a16="http://schemas.microsoft.com/office/drawing/2014/main" id="{8FBD99FA-BF3C-49BB-8726-537DDF557701}"/>
+              </a:ext>
+            </a:extLst>
+          </p:cNvPr>
+          <p:cNvSpPr txBox="1"/>
+          <p:nvPr/>
+        </p:nvSpPr>
+        <p:spPr>
+          <a:xfrm>
+            <a:off x="152400" y="6311900"/>
+            <a:ext cx="6096000" cy="369332"/>
+          </a:xfrm>
+          <a:prstGeom prst="rect">
+            <a:avLst/>
+          </a:prstGeom>
+          <a:noFill/>
+        </p:spPr>
+        <p:txBody>
+          <a:bodyPr wrap="square">
+            <a:spAutoFit/>
+          </a:bodyPr>
+          <a:lstStyle/>
+          <a:p>
+            <a:r>
+              <a:rPr lang="de-DE" b="0" i="0" dirty="0">
+                <a:solidFill>
+                  <a:srgbClr val="C8C3BC"/>
+                </a:solidFill>
+                <a:effectLst/>
+                <a:latin typeface="Noto Color Emoji"/>
+              </a:rPr>
+              <a:t>🏅Empfehlung</a:t>
+            </a:r>
+            <a:endParaRPr lang="de-DE" dirty="0"/>
+          </a:p>
+        </p:txBody>
+      </p:sp>
+    </p:spTree>
+    <p:extLst>
+      <p:ext uri="{BB962C8B-B14F-4D97-AF65-F5344CB8AC3E}">
+        <p14:creationId xmlns:p14="http://schemas.microsoft.com/office/powerpoint/2010/main" val="3719768257"/>
       </p:ext>
     </p:extLst>
   </p:cSld>
@@ -46363,6 +47147,168 @@
       </p:par>
     </p:tnLst>
   </p:timing>
+</p:sld>
+</file>
+
+<file path=ppt/slides/slide60.xml><?xml version="1.0" encoding="utf-8"?>
+<p:sld xmlns:a="http://schemas.openxmlformats.org/drawingml/2006/main" xmlns:r="http://schemas.openxmlformats.org/officeDocument/2006/relationships" xmlns:p="http://schemas.openxmlformats.org/presentationml/2006/main">
+  <p:cSld>
+    <p:spTree>
+      <p:nvGrpSpPr>
+        <p:cNvPr id="1" name=""/>
+        <p:cNvGrpSpPr/>
+        <p:nvPr/>
+      </p:nvGrpSpPr>
+      <p:grpSpPr>
+        <a:xfrm>
+          <a:off x="0" y="0"/>
+          <a:ext cx="0" cy="0"/>
+          <a:chOff x="0" y="0"/>
+          <a:chExt cx="0" cy="0"/>
+        </a:xfrm>
+      </p:grpSpPr>
+      <p:sp>
+        <p:nvSpPr>
+          <p:cNvPr id="2" name="Title 1">
+            <a:extLst>
+              <a:ext uri="{FF2B5EF4-FFF2-40B4-BE49-F238E27FC236}">
+                <a16:creationId xmlns:a16="http://schemas.microsoft.com/office/drawing/2014/main" id="{302A2644-B9A3-4910-9CB6-149CE0FD2B78}"/>
+              </a:ext>
+            </a:extLst>
+          </p:cNvPr>
+          <p:cNvSpPr>
+            <a:spLocks noGrp="1"/>
+          </p:cNvSpPr>
+          <p:nvPr>
+            <p:ph type="ctrTitle"/>
+          </p:nvPr>
+        </p:nvSpPr>
+        <p:spPr/>
+        <p:txBody>
+          <a:bodyPr/>
+          <a:lstStyle/>
+          <a:p>
+            <a:r>
+              <a:rPr lang="de-DE" dirty="0"/>
+              <a:t>Ziel erreicht?</a:t>
+            </a:r>
+          </a:p>
+        </p:txBody>
+      </p:sp>
+      <p:sp>
+        <p:nvSpPr>
+          <p:cNvPr id="6" name="Subtitle 5">
+            <a:extLst>
+              <a:ext uri="{FF2B5EF4-FFF2-40B4-BE49-F238E27FC236}">
+                <a16:creationId xmlns:a16="http://schemas.microsoft.com/office/drawing/2014/main" id="{A10FE0BE-9AD0-4FE6-ADDF-4C0D0EE2E01A}"/>
+              </a:ext>
+            </a:extLst>
+          </p:cNvPr>
+          <p:cNvSpPr>
+            <a:spLocks noGrp="1"/>
+          </p:cNvSpPr>
+          <p:nvPr>
+            <p:ph type="subTitle" idx="1"/>
+          </p:nvPr>
+        </p:nvSpPr>
+        <p:spPr>
+          <a:xfrm>
+            <a:off x="1524000" y="4445318"/>
+            <a:ext cx="9144000" cy="1655762"/>
+          </a:xfrm>
+        </p:spPr>
+        <p:txBody>
+          <a:bodyPr>
+            <a:normAutofit fontScale="70000" lnSpcReduction="20000"/>
+          </a:bodyPr>
+          <a:lstStyle/>
+          <a:p>
+            <a:pPr marL="342900" indent="-342900" algn="l">
+              <a:buFont typeface="Arial" panose="020B0604020202020204" pitchFamily="34" charset="0"/>
+              <a:buChar char="•"/>
+            </a:pPr>
+            <a:r>
+              <a:rPr lang="de-DE" dirty="0"/>
+              <a:t>Verständnis für das Laufzeitmodell von JavaScript im Browser</a:t>
+            </a:r>
+          </a:p>
+          <a:p>
+            <a:pPr marL="342900" indent="-342900" algn="l">
+              <a:buFont typeface="Arial" panose="020B0604020202020204" pitchFamily="34" charset="0"/>
+              <a:buChar char="•"/>
+            </a:pPr>
+            <a:r>
+              <a:rPr lang="de-DE" dirty="0"/>
+              <a:t>Verständnis zu synchron und asynchronen Funktionen</a:t>
+            </a:r>
+          </a:p>
+          <a:p>
+            <a:pPr marL="342900" indent="-342900" algn="l">
+              <a:buFont typeface="Arial" panose="020B0604020202020204" pitchFamily="34" charset="0"/>
+              <a:buChar char="•"/>
+            </a:pPr>
+            <a:r>
+              <a:rPr lang="de-DE" dirty="0"/>
+              <a:t>Verständnis zu konkreten Modellen</a:t>
+            </a:r>
+          </a:p>
+          <a:p>
+            <a:pPr marL="800100" lvl="1" indent="-342900" algn="l">
+              <a:buFont typeface="Arial" panose="020B0604020202020204" pitchFamily="34" charset="0"/>
+              <a:buChar char="•"/>
+            </a:pPr>
+            <a:r>
+              <a:rPr lang="de-DE" dirty="0" err="1"/>
+              <a:t>Callbacks</a:t>
+            </a:r>
+            <a:endParaRPr lang="de-DE" dirty="0"/>
+          </a:p>
+          <a:p>
+            <a:pPr marL="800100" lvl="1" indent="-342900" algn="l">
+              <a:buFont typeface="Arial" panose="020B0604020202020204" pitchFamily="34" charset="0"/>
+              <a:buChar char="•"/>
+            </a:pPr>
+            <a:r>
+              <a:rPr lang="de-DE" dirty="0" err="1"/>
+              <a:t>Promises</a:t>
+            </a:r>
+            <a:endParaRPr lang="de-DE" dirty="0"/>
+          </a:p>
+          <a:p>
+            <a:pPr marL="800100" lvl="1" indent="-342900" algn="l">
+              <a:buFont typeface="Arial" panose="020B0604020202020204" pitchFamily="34" charset="0"/>
+              <a:buChar char="•"/>
+            </a:pPr>
+            <a:r>
+              <a:rPr lang="de-DE" dirty="0" err="1"/>
+              <a:t>Async</a:t>
+            </a:r>
+            <a:r>
+              <a:rPr lang="de-DE" dirty="0"/>
+              <a:t> / </a:t>
+            </a:r>
+            <a:r>
+              <a:rPr lang="de-DE" dirty="0" err="1"/>
+              <a:t>Await</a:t>
+            </a:r>
+            <a:endParaRPr lang="de-DE" dirty="0"/>
+          </a:p>
+          <a:p>
+            <a:pPr algn="l"/>
+            <a:endParaRPr lang="de-DE" dirty="0"/>
+          </a:p>
+        </p:txBody>
+      </p:sp>
+    </p:spTree>
+    <p:extLst>
+      <p:ext uri="{BB962C8B-B14F-4D97-AF65-F5344CB8AC3E}">
+        <p14:creationId xmlns:p14="http://schemas.microsoft.com/office/powerpoint/2010/main" val="2961939116"/>
+      </p:ext>
+    </p:extLst>
+  </p:cSld>
+  <p:clrMapOvr>
+    <a:masterClrMapping/>
+  </p:clrMapOvr>
 </p:sld>
 </file>
 
